--- a/Diagramas/cloud-capacitor-figuras.pptx
+++ b/Diagramas/cloud-capacitor-figuras.pptx
@@ -291,7 +291,7 @@
             <a:fld id="{708D1DEB-A605-D34A-9267-527E5683CC94}" type="datetimeFigureOut">
               <a:rPr lang="en-US" smtClean="0"/>
               <a:pPr/>
-              <a:t>15/02/14</a:t>
+              <a:t>06/08/14</a:t>
             </a:fld>
             <a:endParaRPr lang="en-US"/>
           </a:p>
@@ -463,7 +463,7 @@
             <a:fld id="{708D1DEB-A605-D34A-9267-527E5683CC94}" type="datetimeFigureOut">
               <a:rPr lang="en-US" smtClean="0"/>
               <a:pPr/>
-              <a:t>15/02/14</a:t>
+              <a:t>06/08/14</a:t>
             </a:fld>
             <a:endParaRPr lang="en-US"/>
           </a:p>
@@ -645,7 +645,7 @@
             <a:fld id="{708D1DEB-A605-D34A-9267-527E5683CC94}" type="datetimeFigureOut">
               <a:rPr lang="en-US" smtClean="0"/>
               <a:pPr/>
-              <a:t>15/02/14</a:t>
+              <a:t>06/08/14</a:t>
             </a:fld>
             <a:endParaRPr lang="en-US"/>
           </a:p>
@@ -817,7 +817,7 @@
             <a:fld id="{708D1DEB-A605-D34A-9267-527E5683CC94}" type="datetimeFigureOut">
               <a:rPr lang="en-US" smtClean="0"/>
               <a:pPr/>
-              <a:t>15/02/14</a:t>
+              <a:t>06/08/14</a:t>
             </a:fld>
             <a:endParaRPr lang="en-US"/>
           </a:p>
@@ -1065,7 +1065,7 @@
             <a:fld id="{708D1DEB-A605-D34A-9267-527E5683CC94}" type="datetimeFigureOut">
               <a:rPr lang="en-US" smtClean="0"/>
               <a:pPr/>
-              <a:t>15/02/14</a:t>
+              <a:t>06/08/14</a:t>
             </a:fld>
             <a:endParaRPr lang="en-US"/>
           </a:p>
@@ -1355,7 +1355,7 @@
             <a:fld id="{708D1DEB-A605-D34A-9267-527E5683CC94}" type="datetimeFigureOut">
               <a:rPr lang="en-US" smtClean="0"/>
               <a:pPr/>
-              <a:t>15/02/14</a:t>
+              <a:t>06/08/14</a:t>
             </a:fld>
             <a:endParaRPr lang="en-US"/>
           </a:p>
@@ -1779,7 +1779,7 @@
             <a:fld id="{708D1DEB-A605-D34A-9267-527E5683CC94}" type="datetimeFigureOut">
               <a:rPr lang="en-US" smtClean="0"/>
               <a:pPr/>
-              <a:t>15/02/14</a:t>
+              <a:t>06/08/14</a:t>
             </a:fld>
             <a:endParaRPr lang="en-US"/>
           </a:p>
@@ -1899,7 +1899,7 @@
             <a:fld id="{708D1DEB-A605-D34A-9267-527E5683CC94}" type="datetimeFigureOut">
               <a:rPr lang="en-US" smtClean="0"/>
               <a:pPr/>
-              <a:t>15/02/14</a:t>
+              <a:t>06/08/14</a:t>
             </a:fld>
             <a:endParaRPr lang="en-US"/>
           </a:p>
@@ -1996,7 +1996,7 @@
             <a:fld id="{708D1DEB-A605-D34A-9267-527E5683CC94}" type="datetimeFigureOut">
               <a:rPr lang="en-US" smtClean="0"/>
               <a:pPr/>
-              <a:t>15/02/14</a:t>
+              <a:t>06/08/14</a:t>
             </a:fld>
             <a:endParaRPr lang="en-US"/>
           </a:p>
@@ -2275,7 +2275,7 @@
             <a:fld id="{708D1DEB-A605-D34A-9267-527E5683CC94}" type="datetimeFigureOut">
               <a:rPr lang="en-US" smtClean="0"/>
               <a:pPr/>
-              <a:t>15/02/14</a:t>
+              <a:t>06/08/14</a:t>
             </a:fld>
             <a:endParaRPr lang="en-US"/>
           </a:p>
@@ -2530,7 +2530,7 @@
             <a:fld id="{708D1DEB-A605-D34A-9267-527E5683CC94}" type="datetimeFigureOut">
               <a:rPr lang="en-US" smtClean="0"/>
               <a:pPr/>
-              <a:t>15/02/14</a:t>
+              <a:t>06/08/14</a:t>
             </a:fld>
             <a:endParaRPr lang="en-US"/>
           </a:p>
@@ -2745,7 +2745,7 @@
             <a:fld id="{708D1DEB-A605-D34A-9267-527E5683CC94}" type="datetimeFigureOut">
               <a:rPr lang="en-US" smtClean="0"/>
               <a:pPr/>
-              <a:t>15/02/14</a:t>
+              <a:t>06/08/14</a:t>
             </a:fld>
             <a:endParaRPr lang="en-US"/>
           </a:p>
@@ -3123,7 +3123,7 @@
       </p:grpSpPr>
       <p:pic>
         <p:nvPicPr>
-          <p:cNvPr id="6" name="Picture 5" descr="capacity-planning-diagram-v3.png"/>
+          <p:cNvPr id="2" name="Picture 1" descr="capacity-planning-diagram-v4.png"/>
           <p:cNvPicPr>
             <a:picLocks noChangeAspect="1"/>
           </p:cNvPicPr>
@@ -3143,8 +3143,8 @@
         </p:blipFill>
         <p:spPr>
           <a:xfrm>
-            <a:off x="685800" y="0"/>
-            <a:ext cx="7752522" cy="6858000"/>
+            <a:off x="901700" y="0"/>
+            <a:ext cx="7327726" cy="6858000"/>
           </a:xfrm>
           <a:prstGeom prst="rect">
             <a:avLst/>

--- a/Diagramas/cloud-capacitor-figuras.pptx
+++ b/Diagramas/cloud-capacitor-figuras.pptx
@@ -291,9 +291,9 @@
             <a:fld id="{708D1DEB-A605-D34A-9267-527E5683CC94}" type="datetimeFigureOut">
               <a:rPr lang="en-US" smtClean="0"/>
               <a:pPr/>
-              <a:t>06/08/14</a:t>
+              <a:t>06/11/14</a:t>
             </a:fld>
-            <a:endParaRPr lang="en-US"/>
+            <a:endParaRPr lang="en-US" dirty="0"/>
           </a:p>
         </p:txBody>
       </p:sp>
@@ -312,7 +312,7 @@
           <a:bodyPr/>
           <a:lstStyle/>
           <a:p>
-            <a:endParaRPr lang="en-US"/>
+            <a:endParaRPr lang="en-US" dirty="0"/>
           </a:p>
         </p:txBody>
       </p:sp>
@@ -336,7 +336,7 @@
               <a:pPr/>
               <a:t>‹#›</a:t>
             </a:fld>
-            <a:endParaRPr lang="en-US"/>
+            <a:endParaRPr lang="en-US" dirty="0"/>
           </a:p>
         </p:txBody>
       </p:sp>
@@ -463,9 +463,9 @@
             <a:fld id="{708D1DEB-A605-D34A-9267-527E5683CC94}" type="datetimeFigureOut">
               <a:rPr lang="en-US" smtClean="0"/>
               <a:pPr/>
-              <a:t>06/08/14</a:t>
+              <a:t>06/11/14</a:t>
             </a:fld>
-            <a:endParaRPr lang="en-US"/>
+            <a:endParaRPr lang="en-US" dirty="0"/>
           </a:p>
         </p:txBody>
       </p:sp>
@@ -484,7 +484,7 @@
           <a:bodyPr/>
           <a:lstStyle/>
           <a:p>
-            <a:endParaRPr lang="en-US"/>
+            <a:endParaRPr lang="en-US" dirty="0"/>
           </a:p>
         </p:txBody>
       </p:sp>
@@ -508,7 +508,7 @@
               <a:pPr/>
               <a:t>‹#›</a:t>
             </a:fld>
-            <a:endParaRPr lang="en-US"/>
+            <a:endParaRPr lang="en-US" dirty="0"/>
           </a:p>
         </p:txBody>
       </p:sp>
@@ -645,9 +645,9 @@
             <a:fld id="{708D1DEB-A605-D34A-9267-527E5683CC94}" type="datetimeFigureOut">
               <a:rPr lang="en-US" smtClean="0"/>
               <a:pPr/>
-              <a:t>06/08/14</a:t>
+              <a:t>06/11/14</a:t>
             </a:fld>
-            <a:endParaRPr lang="en-US"/>
+            <a:endParaRPr lang="en-US" dirty="0"/>
           </a:p>
         </p:txBody>
       </p:sp>
@@ -666,7 +666,7 @@
           <a:bodyPr/>
           <a:lstStyle/>
           <a:p>
-            <a:endParaRPr lang="en-US"/>
+            <a:endParaRPr lang="en-US" dirty="0"/>
           </a:p>
         </p:txBody>
       </p:sp>
@@ -690,7 +690,7 @@
               <a:pPr/>
               <a:t>‹#›</a:t>
             </a:fld>
-            <a:endParaRPr lang="en-US"/>
+            <a:endParaRPr lang="en-US" dirty="0"/>
           </a:p>
         </p:txBody>
       </p:sp>
@@ -817,9 +817,9 @@
             <a:fld id="{708D1DEB-A605-D34A-9267-527E5683CC94}" type="datetimeFigureOut">
               <a:rPr lang="en-US" smtClean="0"/>
               <a:pPr/>
-              <a:t>06/08/14</a:t>
+              <a:t>06/11/14</a:t>
             </a:fld>
-            <a:endParaRPr lang="en-US"/>
+            <a:endParaRPr lang="en-US" dirty="0"/>
           </a:p>
         </p:txBody>
       </p:sp>
@@ -838,7 +838,7 @@
           <a:bodyPr/>
           <a:lstStyle/>
           <a:p>
-            <a:endParaRPr lang="en-US"/>
+            <a:endParaRPr lang="en-US" dirty="0"/>
           </a:p>
         </p:txBody>
       </p:sp>
@@ -862,7 +862,7 @@
               <a:pPr/>
               <a:t>‹#›</a:t>
             </a:fld>
-            <a:endParaRPr lang="en-US"/>
+            <a:endParaRPr lang="en-US" dirty="0"/>
           </a:p>
         </p:txBody>
       </p:sp>
@@ -1065,9 +1065,9 @@
             <a:fld id="{708D1DEB-A605-D34A-9267-527E5683CC94}" type="datetimeFigureOut">
               <a:rPr lang="en-US" smtClean="0"/>
               <a:pPr/>
-              <a:t>06/08/14</a:t>
+              <a:t>06/11/14</a:t>
             </a:fld>
-            <a:endParaRPr lang="en-US"/>
+            <a:endParaRPr lang="en-US" dirty="0"/>
           </a:p>
         </p:txBody>
       </p:sp>
@@ -1086,7 +1086,7 @@
           <a:bodyPr/>
           <a:lstStyle/>
           <a:p>
-            <a:endParaRPr lang="en-US"/>
+            <a:endParaRPr lang="en-US" dirty="0"/>
           </a:p>
         </p:txBody>
       </p:sp>
@@ -1110,7 +1110,7 @@
               <a:pPr/>
               <a:t>‹#›</a:t>
             </a:fld>
-            <a:endParaRPr lang="en-US"/>
+            <a:endParaRPr lang="en-US" dirty="0"/>
           </a:p>
         </p:txBody>
       </p:sp>
@@ -1355,9 +1355,9 @@
             <a:fld id="{708D1DEB-A605-D34A-9267-527E5683CC94}" type="datetimeFigureOut">
               <a:rPr lang="en-US" smtClean="0"/>
               <a:pPr/>
-              <a:t>06/08/14</a:t>
+              <a:t>06/11/14</a:t>
             </a:fld>
-            <a:endParaRPr lang="en-US"/>
+            <a:endParaRPr lang="en-US" dirty="0"/>
           </a:p>
         </p:txBody>
       </p:sp>
@@ -1376,7 +1376,7 @@
           <a:bodyPr/>
           <a:lstStyle/>
           <a:p>
-            <a:endParaRPr lang="en-US"/>
+            <a:endParaRPr lang="en-US" dirty="0"/>
           </a:p>
         </p:txBody>
       </p:sp>
@@ -1400,7 +1400,7 @@
               <a:pPr/>
               <a:t>‹#›</a:t>
             </a:fld>
-            <a:endParaRPr lang="en-US"/>
+            <a:endParaRPr lang="en-US" dirty="0"/>
           </a:p>
         </p:txBody>
       </p:sp>
@@ -1779,9 +1779,9 @@
             <a:fld id="{708D1DEB-A605-D34A-9267-527E5683CC94}" type="datetimeFigureOut">
               <a:rPr lang="en-US" smtClean="0"/>
               <a:pPr/>
-              <a:t>06/08/14</a:t>
+              <a:t>06/11/14</a:t>
             </a:fld>
-            <a:endParaRPr lang="en-US"/>
+            <a:endParaRPr lang="en-US" dirty="0"/>
           </a:p>
         </p:txBody>
       </p:sp>
@@ -1800,7 +1800,7 @@
           <a:bodyPr/>
           <a:lstStyle/>
           <a:p>
-            <a:endParaRPr lang="en-US"/>
+            <a:endParaRPr lang="en-US" dirty="0"/>
           </a:p>
         </p:txBody>
       </p:sp>
@@ -1824,7 +1824,7 @@
               <a:pPr/>
               <a:t>‹#›</a:t>
             </a:fld>
-            <a:endParaRPr lang="en-US"/>
+            <a:endParaRPr lang="en-US" dirty="0"/>
           </a:p>
         </p:txBody>
       </p:sp>
@@ -1899,9 +1899,9 @@
             <a:fld id="{708D1DEB-A605-D34A-9267-527E5683CC94}" type="datetimeFigureOut">
               <a:rPr lang="en-US" smtClean="0"/>
               <a:pPr/>
-              <a:t>06/08/14</a:t>
+              <a:t>06/11/14</a:t>
             </a:fld>
-            <a:endParaRPr lang="en-US"/>
+            <a:endParaRPr lang="en-US" dirty="0"/>
           </a:p>
         </p:txBody>
       </p:sp>
@@ -1920,7 +1920,7 @@
           <a:bodyPr/>
           <a:lstStyle/>
           <a:p>
-            <a:endParaRPr lang="en-US"/>
+            <a:endParaRPr lang="en-US" dirty="0"/>
           </a:p>
         </p:txBody>
       </p:sp>
@@ -1944,7 +1944,7 @@
               <a:pPr/>
               <a:t>‹#›</a:t>
             </a:fld>
-            <a:endParaRPr lang="en-US"/>
+            <a:endParaRPr lang="en-US" dirty="0"/>
           </a:p>
         </p:txBody>
       </p:sp>
@@ -1996,9 +1996,9 @@
             <a:fld id="{708D1DEB-A605-D34A-9267-527E5683CC94}" type="datetimeFigureOut">
               <a:rPr lang="en-US" smtClean="0"/>
               <a:pPr/>
-              <a:t>06/08/14</a:t>
+              <a:t>06/11/14</a:t>
             </a:fld>
-            <a:endParaRPr lang="en-US"/>
+            <a:endParaRPr lang="en-US" dirty="0"/>
           </a:p>
         </p:txBody>
       </p:sp>
@@ -2017,7 +2017,7 @@
           <a:bodyPr/>
           <a:lstStyle/>
           <a:p>
-            <a:endParaRPr lang="en-US"/>
+            <a:endParaRPr lang="en-US" dirty="0"/>
           </a:p>
         </p:txBody>
       </p:sp>
@@ -2041,7 +2041,7 @@
               <a:pPr/>
               <a:t>‹#›</a:t>
             </a:fld>
-            <a:endParaRPr lang="en-US"/>
+            <a:endParaRPr lang="en-US" dirty="0"/>
           </a:p>
         </p:txBody>
       </p:sp>
@@ -2275,9 +2275,9 @@
             <a:fld id="{708D1DEB-A605-D34A-9267-527E5683CC94}" type="datetimeFigureOut">
               <a:rPr lang="en-US" smtClean="0"/>
               <a:pPr/>
-              <a:t>06/08/14</a:t>
+              <a:t>06/11/14</a:t>
             </a:fld>
-            <a:endParaRPr lang="en-US"/>
+            <a:endParaRPr lang="en-US" dirty="0"/>
           </a:p>
         </p:txBody>
       </p:sp>
@@ -2296,7 +2296,7 @@
           <a:bodyPr/>
           <a:lstStyle/>
           <a:p>
-            <a:endParaRPr lang="en-US"/>
+            <a:endParaRPr lang="en-US" dirty="0"/>
           </a:p>
         </p:txBody>
       </p:sp>
@@ -2320,7 +2320,7 @@
               <a:pPr/>
               <a:t>‹#›</a:t>
             </a:fld>
-            <a:endParaRPr lang="en-US"/>
+            <a:endParaRPr lang="en-US" dirty="0"/>
           </a:p>
         </p:txBody>
       </p:sp>
@@ -2443,7 +2443,7 @@
             </a:lvl9pPr>
           </a:lstStyle>
           <a:p>
-            <a:endParaRPr lang="en-US"/>
+            <a:endParaRPr lang="en-US" dirty="0"/>
           </a:p>
         </p:txBody>
       </p:sp>
@@ -2530,9 +2530,9 @@
             <a:fld id="{708D1DEB-A605-D34A-9267-527E5683CC94}" type="datetimeFigureOut">
               <a:rPr lang="en-US" smtClean="0"/>
               <a:pPr/>
-              <a:t>06/08/14</a:t>
+              <a:t>06/11/14</a:t>
             </a:fld>
-            <a:endParaRPr lang="en-US"/>
+            <a:endParaRPr lang="en-US" dirty="0"/>
           </a:p>
         </p:txBody>
       </p:sp>
@@ -2551,7 +2551,7 @@
           <a:bodyPr/>
           <a:lstStyle/>
           <a:p>
-            <a:endParaRPr lang="en-US"/>
+            <a:endParaRPr lang="en-US" dirty="0"/>
           </a:p>
         </p:txBody>
       </p:sp>
@@ -2575,7 +2575,7 @@
               <a:pPr/>
               <a:t>‹#›</a:t>
             </a:fld>
-            <a:endParaRPr lang="en-US"/>
+            <a:endParaRPr lang="en-US" dirty="0"/>
           </a:p>
         </p:txBody>
       </p:sp>
@@ -2745,9 +2745,9 @@
             <a:fld id="{708D1DEB-A605-D34A-9267-527E5683CC94}" type="datetimeFigureOut">
               <a:rPr lang="en-US" smtClean="0"/>
               <a:pPr/>
-              <a:t>06/08/14</a:t>
+              <a:t>06/11/14</a:t>
             </a:fld>
-            <a:endParaRPr lang="en-US"/>
+            <a:endParaRPr lang="en-US" dirty="0"/>
           </a:p>
         </p:txBody>
       </p:sp>
@@ -2784,7 +2784,7 @@
             </a:lvl1pPr>
           </a:lstStyle>
           <a:p>
-            <a:endParaRPr lang="en-US"/>
+            <a:endParaRPr lang="en-US" dirty="0"/>
           </a:p>
         </p:txBody>
       </p:sp>
@@ -2826,7 +2826,7 @@
               <a:pPr/>
               <a:t>‹#›</a:t>
             </a:fld>
-            <a:endParaRPr lang="en-US"/>
+            <a:endParaRPr lang="en-US" dirty="0"/>
           </a:p>
         </p:txBody>
       </p:sp>
@@ -3121,36 +3121,2369 @@
           <a:chExt cx="0" cy="0"/>
         </a:xfrm>
       </p:grpSpPr>
-      <p:pic>
-        <p:nvPicPr>
-          <p:cNvPr id="2" name="Picture 1" descr="capacity-planning-diagram-v4.png"/>
-          <p:cNvPicPr>
-            <a:picLocks noChangeAspect="1"/>
-          </p:cNvPicPr>
+      <p:graphicFrame>
+        <p:nvGraphicFramePr>
+          <p:cNvPr id="3" name="Table 2"/>
+          <p:cNvGraphicFramePr>
+            <a:graphicFrameLocks noGrp="1"/>
+          </p:cNvGraphicFramePr>
+          <p:nvPr>
+            <p:extLst>
+              <p:ext uri="{D42A27DB-BD31-4B8C-83A1-F6EECF244321}">
+                <p14:modId xmlns:p14="http://schemas.microsoft.com/office/powerpoint/2010/main" val="1994304905"/>
+              </p:ext>
+            </p:extLst>
+          </p:nvPr>
+        </p:nvGraphicFramePr>
+        <p:xfrm>
+          <a:off x="1675118" y="2150308"/>
+          <a:ext cx="2275043" cy="1776340"/>
+        </p:xfrm>
+        <a:graphic>
+          <a:graphicData uri="http://schemas.openxmlformats.org/drawingml/2006/table">
+            <a:tbl>
+              <a:tblPr firstRow="1" bandRow="1">
+                <a:tableStyleId>{2D5ABB26-0587-4C30-8999-92F81FD0307C}</a:tableStyleId>
+              </a:tblPr>
+              <a:tblGrid>
+                <a:gridCol w="335023"/>
+                <a:gridCol w="498640"/>
+                <a:gridCol w="241529"/>
+                <a:gridCol w="483057"/>
+                <a:gridCol w="249320"/>
+                <a:gridCol w="467474"/>
+              </a:tblGrid>
+              <a:tr h="320116">
+                <a:tc>
+                  <a:txBody>
+                    <a:bodyPr/>
+                    <a:lstStyle/>
+                    <a:p>
+                      <a:pPr algn="l"/>
+                      <a:endParaRPr lang="en-US" sz="1400" i="1" baseline="-25000" dirty="0"/>
+                    </a:p>
+                  </a:txBody>
+                  <a:tcPr marL="36000" marR="36000" marT="0" marB="0" anchor="ctr">
+                    <a:lnL w="12700" cap="flat" cmpd="sng" algn="ctr">
+                      <a:noFill/>
+                      <a:prstDash val="solid"/>
+                      <a:round/>
+                      <a:headEnd type="none" w="med" len="med"/>
+                      <a:tailEnd type="none" w="med" len="med"/>
+                    </a:lnL>
+                    <a:lnR w="12700" cap="flat" cmpd="sng" algn="ctr">
+                      <a:noFill/>
+                      <a:prstDash val="solid"/>
+                      <a:round/>
+                      <a:headEnd type="none" w="med" len="med"/>
+                      <a:tailEnd type="none" w="med" len="med"/>
+                    </a:lnR>
+                    <a:lnT w="12700" cap="flat" cmpd="sng" algn="ctr">
+                      <a:noFill/>
+                      <a:prstDash val="solid"/>
+                      <a:round/>
+                      <a:headEnd type="none" w="med" len="med"/>
+                      <a:tailEnd type="none" w="med" len="med"/>
+                    </a:lnT>
+                    <a:lnB w="12700" cap="flat" cmpd="sng" algn="ctr">
+                      <a:noFill/>
+                      <a:prstDash val="solid"/>
+                      <a:round/>
+                      <a:headEnd type="none" w="med" len="med"/>
+                      <a:tailEnd type="none" w="med" len="med"/>
+                    </a:lnB>
+                    <a:lnTlToBr w="12700" cmpd="sng">
+                      <a:noFill/>
+                      <a:prstDash val="solid"/>
+                    </a:lnTlToBr>
+                    <a:lnBlToTr w="12700" cmpd="sng">
+                      <a:noFill/>
+                      <a:prstDash val="solid"/>
+                    </a:lnBlToTr>
+                  </a:tcPr>
+                </a:tc>
+                <a:tc>
+                  <a:txBody>
+                    <a:bodyPr/>
+                    <a:lstStyle/>
+                    <a:p>
+                      <a:pPr algn="ctr"/>
+                      <a:r>
+                        <a:rPr lang="en-US" sz="1400" i="1" dirty="0" smtClean="0"/>
+                        <a:t>W</a:t>
+                      </a:r>
+                      <a:r>
+                        <a:rPr lang="en-US" sz="1400" i="1" baseline="-25000" dirty="0" smtClean="0"/>
+                        <a:t>1</a:t>
+                      </a:r>
+                      <a:endParaRPr lang="en-US" sz="1400" i="1" baseline="-25000" dirty="0"/>
+                    </a:p>
+                  </a:txBody>
+                  <a:tcPr marL="36000" marR="36000" marT="0" marB="0" anchor="ctr">
+                    <a:lnL w="12700" cap="flat" cmpd="sng" algn="ctr">
+                      <a:noFill/>
+                      <a:prstDash val="solid"/>
+                      <a:round/>
+                      <a:headEnd type="none" w="med" len="med"/>
+                      <a:tailEnd type="none" w="med" len="med"/>
+                    </a:lnL>
+                    <a:lnR w="12700" cap="flat" cmpd="sng" algn="ctr">
+                      <a:noFill/>
+                      <a:prstDash val="solid"/>
+                      <a:round/>
+                      <a:headEnd type="none" w="med" len="med"/>
+                      <a:tailEnd type="none" w="med" len="med"/>
+                    </a:lnR>
+                    <a:lnT w="12700" cap="flat" cmpd="sng" algn="ctr">
+                      <a:noFill/>
+                      <a:prstDash val="solid"/>
+                      <a:round/>
+                      <a:headEnd type="none" w="med" len="med"/>
+                      <a:tailEnd type="none" w="med" len="med"/>
+                    </a:lnT>
+                    <a:lnB w="12700" cap="flat" cmpd="sng" algn="ctr">
+                      <a:solidFill>
+                        <a:scrgbClr r="0" g="0" b="0"/>
+                      </a:solidFill>
+                      <a:prstDash val="solid"/>
+                      <a:round/>
+                      <a:headEnd type="none" w="med" len="med"/>
+                      <a:tailEnd type="none" w="med" len="med"/>
+                    </a:lnB>
+                    <a:lnTlToBr w="12700" cmpd="sng">
+                      <a:noFill/>
+                      <a:prstDash val="solid"/>
+                    </a:lnTlToBr>
+                    <a:lnBlToTr w="12700" cmpd="sng">
+                      <a:noFill/>
+                      <a:prstDash val="solid"/>
+                    </a:lnBlToTr>
+                  </a:tcPr>
+                </a:tc>
+                <a:tc>
+                  <a:txBody>
+                    <a:bodyPr/>
+                    <a:lstStyle/>
+                    <a:p>
+                      <a:pPr algn="ctr"/>
+                      <a:r>
+                        <a:rPr lang="en-US" sz="1400" i="1" dirty="0" smtClean="0"/>
+                        <a:t>…</a:t>
+                      </a:r>
+                      <a:endParaRPr lang="en-US" sz="1400" i="1" dirty="0"/>
+                    </a:p>
+                  </a:txBody>
+                  <a:tcPr marL="36000" marR="36000" marT="0" marB="0" anchor="ctr">
+                    <a:lnL w="12700" cap="flat" cmpd="sng" algn="ctr">
+                      <a:noFill/>
+                      <a:prstDash val="solid"/>
+                      <a:round/>
+                      <a:headEnd type="none" w="med" len="med"/>
+                      <a:tailEnd type="none" w="med" len="med"/>
+                    </a:lnL>
+                    <a:lnR w="12700" cap="flat" cmpd="sng" algn="ctr">
+                      <a:noFill/>
+                      <a:prstDash val="solid"/>
+                      <a:round/>
+                      <a:headEnd type="none" w="med" len="med"/>
+                      <a:tailEnd type="none" w="med" len="med"/>
+                    </a:lnR>
+                    <a:lnT w="12700" cap="flat" cmpd="sng" algn="ctr">
+                      <a:noFill/>
+                      <a:prstDash val="solid"/>
+                      <a:round/>
+                      <a:headEnd type="none" w="med" len="med"/>
+                      <a:tailEnd type="none" w="med" len="med"/>
+                    </a:lnT>
+                    <a:lnB w="12700" cap="flat" cmpd="sng" algn="ctr">
+                      <a:solidFill>
+                        <a:scrgbClr r="0" g="0" b="0"/>
+                      </a:solidFill>
+                      <a:prstDash val="solid"/>
+                      <a:round/>
+                      <a:headEnd type="none" w="med" len="med"/>
+                      <a:tailEnd type="none" w="med" len="med"/>
+                    </a:lnB>
+                    <a:lnTlToBr w="12700" cmpd="sng">
+                      <a:noFill/>
+                      <a:prstDash val="solid"/>
+                    </a:lnTlToBr>
+                    <a:lnBlToTr w="12700" cmpd="sng">
+                      <a:noFill/>
+                      <a:prstDash val="solid"/>
+                    </a:lnBlToTr>
+                  </a:tcPr>
+                </a:tc>
+                <a:tc>
+                  <a:txBody>
+                    <a:bodyPr/>
+                    <a:lstStyle/>
+                    <a:p>
+                      <a:pPr algn="ctr"/>
+                      <a:r>
+                        <a:rPr lang="en-US" sz="1400" i="1" dirty="0" smtClean="0"/>
+                        <a:t>W</a:t>
+                      </a:r>
+                      <a:r>
+                        <a:rPr lang="en-US" sz="1400" i="1" baseline="-25000" dirty="0" smtClean="0"/>
+                        <a:t>m/2</a:t>
+                      </a:r>
+                      <a:endParaRPr lang="en-US" sz="1400" i="1" baseline="-25000" dirty="0"/>
+                    </a:p>
+                  </a:txBody>
+                  <a:tcPr marL="36000" marR="36000" marT="0" marB="0" anchor="ctr">
+                    <a:lnL w="12700" cap="flat" cmpd="sng" algn="ctr">
+                      <a:noFill/>
+                      <a:prstDash val="solid"/>
+                      <a:round/>
+                      <a:headEnd type="none" w="med" len="med"/>
+                      <a:tailEnd type="none" w="med" len="med"/>
+                    </a:lnL>
+                    <a:lnR w="12700" cap="flat" cmpd="sng" algn="ctr">
+                      <a:noFill/>
+                      <a:prstDash val="solid"/>
+                      <a:round/>
+                      <a:headEnd type="none" w="med" len="med"/>
+                      <a:tailEnd type="none" w="med" len="med"/>
+                    </a:lnR>
+                    <a:lnT w="12700" cap="flat" cmpd="sng" algn="ctr">
+                      <a:noFill/>
+                      <a:prstDash val="solid"/>
+                      <a:round/>
+                      <a:headEnd type="none" w="med" len="med"/>
+                      <a:tailEnd type="none" w="med" len="med"/>
+                    </a:lnT>
+                    <a:lnB w="12700" cap="flat" cmpd="sng" algn="ctr">
+                      <a:solidFill>
+                        <a:scrgbClr r="0" g="0" b="0"/>
+                      </a:solidFill>
+                      <a:prstDash val="solid"/>
+                      <a:round/>
+                      <a:headEnd type="none" w="med" len="med"/>
+                      <a:tailEnd type="none" w="med" len="med"/>
+                    </a:lnB>
+                    <a:lnTlToBr w="12700" cmpd="sng">
+                      <a:noFill/>
+                      <a:prstDash val="solid"/>
+                    </a:lnTlToBr>
+                    <a:lnBlToTr w="12700" cmpd="sng">
+                      <a:noFill/>
+                      <a:prstDash val="solid"/>
+                    </a:lnBlToTr>
+                  </a:tcPr>
+                </a:tc>
+                <a:tc>
+                  <a:txBody>
+                    <a:bodyPr/>
+                    <a:lstStyle/>
+                    <a:p>
+                      <a:pPr algn="ctr"/>
+                      <a:r>
+                        <a:rPr lang="en-US" sz="1400" i="1" dirty="0" smtClean="0"/>
+                        <a:t>…</a:t>
+                      </a:r>
+                      <a:endParaRPr lang="en-US" sz="1400" i="1" dirty="0"/>
+                    </a:p>
+                  </a:txBody>
+                  <a:tcPr marL="36000" marR="36000" marT="0" marB="0" anchor="ctr">
+                    <a:lnL w="12700" cap="flat" cmpd="sng" algn="ctr">
+                      <a:noFill/>
+                      <a:prstDash val="solid"/>
+                      <a:round/>
+                      <a:headEnd type="none" w="med" len="med"/>
+                      <a:tailEnd type="none" w="med" len="med"/>
+                    </a:lnL>
+                    <a:lnR w="12700" cap="flat" cmpd="sng" algn="ctr">
+                      <a:noFill/>
+                      <a:prstDash val="solid"/>
+                      <a:round/>
+                      <a:headEnd type="none" w="med" len="med"/>
+                      <a:tailEnd type="none" w="med" len="med"/>
+                    </a:lnR>
+                    <a:lnT w="12700" cap="flat" cmpd="sng" algn="ctr">
+                      <a:noFill/>
+                      <a:prstDash val="solid"/>
+                      <a:round/>
+                      <a:headEnd type="none" w="med" len="med"/>
+                      <a:tailEnd type="none" w="med" len="med"/>
+                    </a:lnT>
+                    <a:lnB w="12700" cap="flat" cmpd="sng" algn="ctr">
+                      <a:solidFill>
+                        <a:scrgbClr r="0" g="0" b="0"/>
+                      </a:solidFill>
+                      <a:prstDash val="solid"/>
+                      <a:round/>
+                      <a:headEnd type="none" w="med" len="med"/>
+                      <a:tailEnd type="none" w="med" len="med"/>
+                    </a:lnB>
+                    <a:lnTlToBr w="12700" cmpd="sng">
+                      <a:noFill/>
+                      <a:prstDash val="solid"/>
+                    </a:lnTlToBr>
+                    <a:lnBlToTr w="12700" cmpd="sng">
+                      <a:noFill/>
+                      <a:prstDash val="solid"/>
+                    </a:lnBlToTr>
+                  </a:tcPr>
+                </a:tc>
+                <a:tc>
+                  <a:txBody>
+                    <a:bodyPr/>
+                    <a:lstStyle/>
+                    <a:p>
+                      <a:pPr algn="ctr"/>
+                      <a:r>
+                        <a:rPr lang="en-US" sz="1400" i="1" dirty="0" smtClean="0"/>
+                        <a:t>W</a:t>
+                      </a:r>
+                      <a:r>
+                        <a:rPr lang="en-US" sz="1400" i="1" baseline="-25000" dirty="0" smtClean="0"/>
+                        <a:t>m</a:t>
+                      </a:r>
+                      <a:endParaRPr lang="en-US" sz="1400" i="1" baseline="-25000" dirty="0"/>
+                    </a:p>
+                  </a:txBody>
+                  <a:tcPr marL="36000" marR="36000" marT="0" marB="0" anchor="ctr">
+                    <a:lnL w="12700" cap="flat" cmpd="sng" algn="ctr">
+                      <a:noFill/>
+                      <a:prstDash val="solid"/>
+                      <a:round/>
+                      <a:headEnd type="none" w="med" len="med"/>
+                      <a:tailEnd type="none" w="med" len="med"/>
+                    </a:lnL>
+                    <a:lnR w="12700" cap="flat" cmpd="sng" algn="ctr">
+                      <a:noFill/>
+                      <a:prstDash val="solid"/>
+                      <a:round/>
+                      <a:headEnd type="none" w="med" len="med"/>
+                      <a:tailEnd type="none" w="med" len="med"/>
+                    </a:lnR>
+                    <a:lnT w="12700" cap="flat" cmpd="sng" algn="ctr">
+                      <a:noFill/>
+                      <a:prstDash val="solid"/>
+                      <a:round/>
+                      <a:headEnd type="none" w="med" len="med"/>
+                      <a:tailEnd type="none" w="med" len="med"/>
+                    </a:lnT>
+                    <a:lnB w="12700" cap="flat" cmpd="sng" algn="ctr">
+                      <a:solidFill>
+                        <a:scrgbClr r="0" g="0" b="0"/>
+                      </a:solidFill>
+                      <a:prstDash val="solid"/>
+                      <a:round/>
+                      <a:headEnd type="none" w="med" len="med"/>
+                      <a:tailEnd type="none" w="med" len="med"/>
+                    </a:lnB>
+                    <a:lnTlToBr w="12700" cmpd="sng">
+                      <a:noFill/>
+                      <a:prstDash val="solid"/>
+                    </a:lnTlToBr>
+                    <a:lnBlToTr w="12700" cmpd="sng">
+                      <a:noFill/>
+                      <a:prstDash val="solid"/>
+                    </a:lnBlToTr>
+                  </a:tcPr>
+                </a:tc>
+              </a:tr>
+              <a:tr h="334325">
+                <a:tc>
+                  <a:txBody>
+                    <a:bodyPr/>
+                    <a:lstStyle/>
+                    <a:p>
+                      <a:pPr algn="l"/>
+                      <a:r>
+                        <a:rPr lang="en-US" sz="1400" i="1" dirty="0" smtClean="0"/>
+                        <a:t>C</a:t>
+                      </a:r>
+                      <a:r>
+                        <a:rPr lang="en-US" sz="1400" i="1" baseline="-25000" dirty="0" smtClean="0"/>
+                        <a:t>1</a:t>
+                      </a:r>
+                      <a:endParaRPr lang="en-US" sz="1400" i="1" baseline="-25000" dirty="0"/>
+                    </a:p>
+                  </a:txBody>
+                  <a:tcPr marL="36000" marR="36000" marT="0" marB="0" anchor="ctr">
+                    <a:lnL w="12700" cap="flat" cmpd="sng" algn="ctr">
+                      <a:noFill/>
+                      <a:prstDash val="solid"/>
+                      <a:round/>
+                      <a:headEnd type="none" w="med" len="med"/>
+                      <a:tailEnd type="none" w="med" len="med"/>
+                    </a:lnL>
+                    <a:lnR w="12700" cap="flat" cmpd="sng" algn="ctr">
+                      <a:solidFill>
+                        <a:scrgbClr r="0" g="0" b="0"/>
+                      </a:solidFill>
+                      <a:prstDash val="solid"/>
+                      <a:round/>
+                      <a:headEnd type="none" w="med" len="med"/>
+                      <a:tailEnd type="none" w="med" len="med"/>
+                    </a:lnR>
+                    <a:lnT w="12700" cap="flat" cmpd="sng" algn="ctr">
+                      <a:noFill/>
+                      <a:prstDash val="solid"/>
+                      <a:round/>
+                      <a:headEnd type="none" w="med" len="med"/>
+                      <a:tailEnd type="none" w="med" len="med"/>
+                    </a:lnT>
+                    <a:lnB w="12700" cap="flat" cmpd="sng" algn="ctr">
+                      <a:noFill/>
+                      <a:prstDash val="solid"/>
+                      <a:round/>
+                      <a:headEnd type="none" w="med" len="med"/>
+                      <a:tailEnd type="none" w="med" len="med"/>
+                    </a:lnB>
+                    <a:lnTlToBr w="12700" cmpd="sng">
+                      <a:noFill/>
+                      <a:prstDash val="solid"/>
+                    </a:lnTlToBr>
+                    <a:lnBlToTr w="12700" cmpd="sng">
+                      <a:noFill/>
+                      <a:prstDash val="solid"/>
+                    </a:lnBlToTr>
+                  </a:tcPr>
+                </a:tc>
+                <a:tc>
+                  <a:txBody>
+                    <a:bodyPr/>
+                    <a:lstStyle/>
+                    <a:p>
+                      <a:pPr algn="ctr"/>
+                      <a:r>
+                        <a:rPr lang="en-US" sz="1600" dirty="0" smtClean="0"/>
+                        <a:t>OP</a:t>
+                      </a:r>
+                      <a:endParaRPr lang="en-US" sz="1600" dirty="0"/>
+                    </a:p>
+                  </a:txBody>
+                  <a:tcPr marL="36000" marR="36000" marT="0" marB="0" anchor="ctr">
+                    <a:lnL w="12700" cap="flat" cmpd="sng" algn="ctr">
+                      <a:solidFill>
+                        <a:scrgbClr r="0" g="0" b="0"/>
+                      </a:solidFill>
+                      <a:prstDash val="solid"/>
+                      <a:round/>
+                      <a:headEnd type="none" w="med" len="med"/>
+                      <a:tailEnd type="none" w="med" len="med"/>
+                    </a:lnL>
+                    <a:lnR w="12700" cap="flat" cmpd="sng" algn="ctr">
+                      <a:solidFill>
+                        <a:scrgbClr r="0" g="0" b="0"/>
+                      </a:solidFill>
+                      <a:prstDash val="solid"/>
+                      <a:round/>
+                      <a:headEnd type="none" w="med" len="med"/>
+                      <a:tailEnd type="none" w="med" len="med"/>
+                    </a:lnR>
+                    <a:lnT w="12700" cap="flat" cmpd="sng" algn="ctr">
+                      <a:solidFill>
+                        <a:scrgbClr r="0" g="0" b="0"/>
+                      </a:solidFill>
+                      <a:prstDash val="solid"/>
+                      <a:round/>
+                      <a:headEnd type="none" w="med" len="med"/>
+                      <a:tailEnd type="none" w="med" len="med"/>
+                    </a:lnT>
+                    <a:lnB w="12700" cap="flat" cmpd="sng" algn="ctr">
+                      <a:solidFill>
+                        <a:scrgbClr r="0" g="0" b="0"/>
+                      </a:solidFill>
+                      <a:prstDash val="solid"/>
+                      <a:round/>
+                      <a:headEnd type="none" w="med" len="med"/>
+                      <a:tailEnd type="none" w="med" len="med"/>
+                    </a:lnB>
+                    <a:lnTlToBr w="12700" cmpd="sng">
+                      <a:noFill/>
+                      <a:prstDash val="solid"/>
+                    </a:lnTlToBr>
+                    <a:lnBlToTr w="12700" cmpd="sng">
+                      <a:noFill/>
+                      <a:prstDash val="solid"/>
+                    </a:lnBlToTr>
+                    <a:solidFill>
+                      <a:schemeClr val="bg1">
+                        <a:lumMod val="85000"/>
+                      </a:schemeClr>
+                    </a:solidFill>
+                  </a:tcPr>
+                </a:tc>
+                <a:tc>
+                  <a:txBody>
+                    <a:bodyPr/>
+                    <a:lstStyle/>
+                    <a:p>
+                      <a:pPr algn="ctr"/>
+                      <a:endParaRPr lang="en-US" sz="1600" dirty="0"/>
+                    </a:p>
+                  </a:txBody>
+                  <a:tcPr marL="36000" marR="36000" marT="0" marB="0" anchor="ctr">
+                    <a:lnL w="12700" cap="flat" cmpd="sng" algn="ctr">
+                      <a:solidFill>
+                        <a:scrgbClr r="0" g="0" b="0"/>
+                      </a:solidFill>
+                      <a:prstDash val="solid"/>
+                      <a:round/>
+                      <a:headEnd type="none" w="med" len="med"/>
+                      <a:tailEnd type="none" w="med" len="med"/>
+                    </a:lnL>
+                    <a:lnR w="12700" cap="flat" cmpd="sng" algn="ctr">
+                      <a:solidFill>
+                        <a:scrgbClr r="0" g="0" b="0"/>
+                      </a:solidFill>
+                      <a:prstDash val="solid"/>
+                      <a:round/>
+                      <a:headEnd type="none" w="med" len="med"/>
+                      <a:tailEnd type="none" w="med" len="med"/>
+                    </a:lnR>
+                    <a:lnT w="12700" cap="flat" cmpd="sng" algn="ctr">
+                      <a:solidFill>
+                        <a:scrgbClr r="0" g="0" b="0"/>
+                      </a:solidFill>
+                      <a:prstDash val="solid"/>
+                      <a:round/>
+                      <a:headEnd type="none" w="med" len="med"/>
+                      <a:tailEnd type="none" w="med" len="med"/>
+                    </a:lnT>
+                    <a:lnB w="12700" cap="flat" cmpd="sng" algn="ctr">
+                      <a:solidFill>
+                        <a:scrgbClr r="0" g="0" b="0"/>
+                      </a:solidFill>
+                      <a:prstDash val="solid"/>
+                      <a:round/>
+                      <a:headEnd type="none" w="med" len="med"/>
+                      <a:tailEnd type="none" w="med" len="med"/>
+                    </a:lnB>
+                    <a:lnTlToBr w="12700" cmpd="sng">
+                      <a:noFill/>
+                      <a:prstDash val="solid"/>
+                    </a:lnTlToBr>
+                    <a:lnBlToTr w="12700" cmpd="sng">
+                      <a:noFill/>
+                      <a:prstDash val="solid"/>
+                    </a:lnBlToTr>
+                  </a:tcPr>
+                </a:tc>
+                <a:tc>
+                  <a:txBody>
+                    <a:bodyPr/>
+                    <a:lstStyle/>
+                    <a:p>
+                      <a:pPr algn="ctr"/>
+                      <a:r>
+                        <a:rPr lang="en-US" sz="1600" dirty="0" smtClean="0"/>
+                        <a:t>OC</a:t>
+                      </a:r>
+                      <a:endParaRPr lang="en-US" sz="1600" dirty="0"/>
+                    </a:p>
+                  </a:txBody>
+                  <a:tcPr marL="36000" marR="36000" marT="0" marB="0" anchor="ctr">
+                    <a:lnL w="12700" cap="flat" cmpd="sng" algn="ctr">
+                      <a:solidFill>
+                        <a:scrgbClr r="0" g="0" b="0"/>
+                      </a:solidFill>
+                      <a:prstDash val="solid"/>
+                      <a:round/>
+                      <a:headEnd type="none" w="med" len="med"/>
+                      <a:tailEnd type="none" w="med" len="med"/>
+                    </a:lnL>
+                    <a:lnR w="12700" cap="flat" cmpd="sng" algn="ctr">
+                      <a:solidFill>
+                        <a:scrgbClr r="0" g="0" b="0"/>
+                      </a:solidFill>
+                      <a:prstDash val="solid"/>
+                      <a:round/>
+                      <a:headEnd type="none" w="med" len="med"/>
+                      <a:tailEnd type="none" w="med" len="med"/>
+                    </a:lnR>
+                    <a:lnT w="12700" cap="flat" cmpd="sng" algn="ctr">
+                      <a:solidFill>
+                        <a:scrgbClr r="0" g="0" b="0"/>
+                      </a:solidFill>
+                      <a:prstDash val="solid"/>
+                      <a:round/>
+                      <a:headEnd type="none" w="med" len="med"/>
+                      <a:tailEnd type="none" w="med" len="med"/>
+                    </a:lnT>
+                    <a:lnB w="12700" cap="flat" cmpd="sng" algn="ctr">
+                      <a:solidFill>
+                        <a:scrgbClr r="0" g="0" b="0"/>
+                      </a:solidFill>
+                      <a:prstDash val="solid"/>
+                      <a:round/>
+                      <a:headEnd type="none" w="med" len="med"/>
+                      <a:tailEnd type="none" w="med" len="med"/>
+                    </a:lnB>
+                    <a:lnTlToBr w="12700" cmpd="sng">
+                      <a:noFill/>
+                      <a:prstDash val="solid"/>
+                    </a:lnTlToBr>
+                    <a:lnBlToTr w="12700" cmpd="sng">
+                      <a:noFill/>
+                      <a:prstDash val="solid"/>
+                    </a:lnBlToTr>
+                    <a:solidFill>
+                      <a:srgbClr val="D9D9D9"/>
+                    </a:solidFill>
+                  </a:tcPr>
+                </a:tc>
+                <a:tc>
+                  <a:txBody>
+                    <a:bodyPr/>
+                    <a:lstStyle/>
+                    <a:p>
+                      <a:pPr algn="ctr"/>
+                      <a:endParaRPr lang="en-US" sz="1600" dirty="0"/>
+                    </a:p>
+                  </a:txBody>
+                  <a:tcPr marL="36000" marR="36000" marT="0" marB="0" anchor="ctr">
+                    <a:lnL w="12700" cap="flat" cmpd="sng" algn="ctr">
+                      <a:solidFill>
+                        <a:scrgbClr r="0" g="0" b="0"/>
+                      </a:solidFill>
+                      <a:prstDash val="solid"/>
+                      <a:round/>
+                      <a:headEnd type="none" w="med" len="med"/>
+                      <a:tailEnd type="none" w="med" len="med"/>
+                    </a:lnL>
+                    <a:lnR w="12700" cap="flat" cmpd="sng" algn="ctr">
+                      <a:solidFill>
+                        <a:scrgbClr r="0" g="0" b="0"/>
+                      </a:solidFill>
+                      <a:prstDash val="solid"/>
+                      <a:round/>
+                      <a:headEnd type="none" w="med" len="med"/>
+                      <a:tailEnd type="none" w="med" len="med"/>
+                    </a:lnR>
+                    <a:lnT w="12700" cap="flat" cmpd="sng" algn="ctr">
+                      <a:solidFill>
+                        <a:scrgbClr r="0" g="0" b="0"/>
+                      </a:solidFill>
+                      <a:prstDash val="solid"/>
+                      <a:round/>
+                      <a:headEnd type="none" w="med" len="med"/>
+                      <a:tailEnd type="none" w="med" len="med"/>
+                    </a:lnT>
+                    <a:lnB w="12700" cap="flat" cmpd="sng" algn="ctr">
+                      <a:solidFill>
+                        <a:scrgbClr r="0" g="0" b="0"/>
+                      </a:solidFill>
+                      <a:prstDash val="solid"/>
+                      <a:round/>
+                      <a:headEnd type="none" w="med" len="med"/>
+                      <a:tailEnd type="none" w="med" len="med"/>
+                    </a:lnB>
+                    <a:lnTlToBr w="12700" cmpd="sng">
+                      <a:noFill/>
+                      <a:prstDash val="solid"/>
+                    </a:lnTlToBr>
+                    <a:lnBlToTr w="12700" cmpd="sng">
+                      <a:noFill/>
+                      <a:prstDash val="solid"/>
+                    </a:lnBlToTr>
+                  </a:tcPr>
+                </a:tc>
+                <a:tc>
+                  <a:txBody>
+                    <a:bodyPr/>
+                    <a:lstStyle/>
+                    <a:p>
+                      <a:pPr algn="ctr"/>
+                      <a:r>
+                        <a:rPr lang="en-US" sz="1600" dirty="0" smtClean="0"/>
+                        <a:t>OO</a:t>
+                      </a:r>
+                      <a:endParaRPr lang="en-US" sz="1600" dirty="0"/>
+                    </a:p>
+                  </a:txBody>
+                  <a:tcPr marL="36000" marR="36000" marT="0" marB="0" anchor="ctr">
+                    <a:lnL w="12700" cap="flat" cmpd="sng" algn="ctr">
+                      <a:solidFill>
+                        <a:scrgbClr r="0" g="0" b="0"/>
+                      </a:solidFill>
+                      <a:prstDash val="solid"/>
+                      <a:round/>
+                      <a:headEnd type="none" w="med" len="med"/>
+                      <a:tailEnd type="none" w="med" len="med"/>
+                    </a:lnL>
+                    <a:lnR w="12700" cap="flat" cmpd="sng" algn="ctr">
+                      <a:solidFill>
+                        <a:scrgbClr r="0" g="0" b="0"/>
+                      </a:solidFill>
+                      <a:prstDash val="solid"/>
+                      <a:round/>
+                      <a:headEnd type="none" w="med" len="med"/>
+                      <a:tailEnd type="none" w="med" len="med"/>
+                    </a:lnR>
+                    <a:lnT w="12700" cap="flat" cmpd="sng" algn="ctr">
+                      <a:solidFill>
+                        <a:scrgbClr r="0" g="0" b="0"/>
+                      </a:solidFill>
+                      <a:prstDash val="solid"/>
+                      <a:round/>
+                      <a:headEnd type="none" w="med" len="med"/>
+                      <a:tailEnd type="none" w="med" len="med"/>
+                    </a:lnT>
+                    <a:lnB w="12700" cap="flat" cmpd="sng" algn="ctr">
+                      <a:solidFill>
+                        <a:scrgbClr r="0" g="0" b="0"/>
+                      </a:solidFill>
+                      <a:prstDash val="solid"/>
+                      <a:round/>
+                      <a:headEnd type="none" w="med" len="med"/>
+                      <a:tailEnd type="none" w="med" len="med"/>
+                    </a:lnB>
+                    <a:lnTlToBr w="12700" cmpd="sng">
+                      <a:noFill/>
+                      <a:prstDash val="solid"/>
+                    </a:lnTlToBr>
+                    <a:lnBlToTr w="12700" cmpd="sng">
+                      <a:noFill/>
+                      <a:prstDash val="solid"/>
+                    </a:lnBlToTr>
+                    <a:solidFill>
+                      <a:srgbClr val="D9D9D9"/>
+                    </a:solidFill>
+                  </a:tcPr>
+                </a:tc>
+              </a:tr>
+              <a:tr h="225938">
+                <a:tc>
+                  <a:txBody>
+                    <a:bodyPr/>
+                    <a:lstStyle/>
+                    <a:p>
+                      <a:pPr algn="ctr"/>
+                      <a:r>
+                        <a:rPr lang="en-US" sz="1400" i="1" dirty="0" smtClean="0"/>
+                        <a:t>…</a:t>
+                      </a:r>
+                      <a:endParaRPr lang="en-US" sz="1400" i="1" dirty="0"/>
+                    </a:p>
+                  </a:txBody>
+                  <a:tcPr marL="36000" marR="36000" marT="0" marB="0" vert="vert" anchor="ctr">
+                    <a:lnL w="12700" cap="flat" cmpd="sng" algn="ctr">
+                      <a:noFill/>
+                      <a:prstDash val="solid"/>
+                      <a:round/>
+                      <a:headEnd type="none" w="med" len="med"/>
+                      <a:tailEnd type="none" w="med" len="med"/>
+                    </a:lnL>
+                    <a:lnR w="12700" cap="flat" cmpd="sng" algn="ctr">
+                      <a:solidFill>
+                        <a:scrgbClr r="0" g="0" b="0"/>
+                      </a:solidFill>
+                      <a:prstDash val="solid"/>
+                      <a:round/>
+                      <a:headEnd type="none" w="med" len="med"/>
+                      <a:tailEnd type="none" w="med" len="med"/>
+                    </a:lnR>
+                    <a:lnT w="12700" cap="flat" cmpd="sng" algn="ctr">
+                      <a:noFill/>
+                      <a:prstDash val="solid"/>
+                      <a:round/>
+                      <a:headEnd type="none" w="med" len="med"/>
+                      <a:tailEnd type="none" w="med" len="med"/>
+                    </a:lnT>
+                    <a:lnB w="12700" cap="flat" cmpd="sng" algn="ctr">
+                      <a:noFill/>
+                      <a:prstDash val="solid"/>
+                      <a:round/>
+                      <a:headEnd type="none" w="med" len="med"/>
+                      <a:tailEnd type="none" w="med" len="med"/>
+                    </a:lnB>
+                    <a:lnTlToBr w="12700" cmpd="sng">
+                      <a:noFill/>
+                      <a:prstDash val="solid"/>
+                    </a:lnTlToBr>
+                    <a:lnBlToTr w="12700" cmpd="sng">
+                      <a:noFill/>
+                      <a:prstDash val="solid"/>
+                    </a:lnBlToTr>
+                  </a:tcPr>
+                </a:tc>
+                <a:tc>
+                  <a:txBody>
+                    <a:bodyPr/>
+                    <a:lstStyle/>
+                    <a:p>
+                      <a:pPr algn="ctr"/>
+                      <a:endParaRPr lang="en-US" sz="1600" dirty="0"/>
+                    </a:p>
+                  </a:txBody>
+                  <a:tcPr marL="36000" marR="36000" marT="0" marB="0" anchor="ctr">
+                    <a:lnL w="12700" cap="flat" cmpd="sng" algn="ctr">
+                      <a:solidFill>
+                        <a:scrgbClr r="0" g="0" b="0"/>
+                      </a:solidFill>
+                      <a:prstDash val="solid"/>
+                      <a:round/>
+                      <a:headEnd type="none" w="med" len="med"/>
+                      <a:tailEnd type="none" w="med" len="med"/>
+                    </a:lnL>
+                    <a:lnR w="12700" cap="flat" cmpd="sng" algn="ctr">
+                      <a:solidFill>
+                        <a:scrgbClr r="0" g="0" b="0"/>
+                      </a:solidFill>
+                      <a:prstDash val="solid"/>
+                      <a:round/>
+                      <a:headEnd type="none" w="med" len="med"/>
+                      <a:tailEnd type="none" w="med" len="med"/>
+                    </a:lnR>
+                    <a:lnT w="12700" cap="flat" cmpd="sng" algn="ctr">
+                      <a:solidFill>
+                        <a:scrgbClr r="0" g="0" b="0"/>
+                      </a:solidFill>
+                      <a:prstDash val="solid"/>
+                      <a:round/>
+                      <a:headEnd type="none" w="med" len="med"/>
+                      <a:tailEnd type="none" w="med" len="med"/>
+                    </a:lnT>
+                    <a:lnB w="12700" cap="flat" cmpd="sng" algn="ctr">
+                      <a:solidFill>
+                        <a:scrgbClr r="0" g="0" b="0"/>
+                      </a:solidFill>
+                      <a:prstDash val="solid"/>
+                      <a:round/>
+                      <a:headEnd type="none" w="med" len="med"/>
+                      <a:tailEnd type="none" w="med" len="med"/>
+                    </a:lnB>
+                    <a:lnTlToBr w="12700" cmpd="sng">
+                      <a:noFill/>
+                      <a:prstDash val="solid"/>
+                    </a:lnTlToBr>
+                    <a:lnBlToTr w="12700" cmpd="sng">
+                      <a:noFill/>
+                      <a:prstDash val="solid"/>
+                    </a:lnBlToTr>
+                  </a:tcPr>
+                </a:tc>
+                <a:tc>
+                  <a:txBody>
+                    <a:bodyPr/>
+                    <a:lstStyle/>
+                    <a:p>
+                      <a:pPr algn="ctr"/>
+                      <a:endParaRPr lang="en-US" sz="1600" dirty="0"/>
+                    </a:p>
+                  </a:txBody>
+                  <a:tcPr marL="36000" marR="36000" marT="0" marB="0" anchor="ctr">
+                    <a:lnL w="12700" cap="flat" cmpd="sng" algn="ctr">
+                      <a:solidFill>
+                        <a:scrgbClr r="0" g="0" b="0"/>
+                      </a:solidFill>
+                      <a:prstDash val="solid"/>
+                      <a:round/>
+                      <a:headEnd type="none" w="med" len="med"/>
+                      <a:tailEnd type="none" w="med" len="med"/>
+                    </a:lnL>
+                    <a:lnR w="12700" cap="flat" cmpd="sng" algn="ctr">
+                      <a:solidFill>
+                        <a:scrgbClr r="0" g="0" b="0"/>
+                      </a:solidFill>
+                      <a:prstDash val="solid"/>
+                      <a:round/>
+                      <a:headEnd type="none" w="med" len="med"/>
+                      <a:tailEnd type="none" w="med" len="med"/>
+                    </a:lnR>
+                    <a:lnT w="12700" cap="flat" cmpd="sng" algn="ctr">
+                      <a:solidFill>
+                        <a:scrgbClr r="0" g="0" b="0"/>
+                      </a:solidFill>
+                      <a:prstDash val="solid"/>
+                      <a:round/>
+                      <a:headEnd type="none" w="med" len="med"/>
+                      <a:tailEnd type="none" w="med" len="med"/>
+                    </a:lnT>
+                    <a:lnB w="12700" cap="flat" cmpd="sng" algn="ctr">
+                      <a:solidFill>
+                        <a:scrgbClr r="0" g="0" b="0"/>
+                      </a:solidFill>
+                      <a:prstDash val="solid"/>
+                      <a:round/>
+                      <a:headEnd type="none" w="med" len="med"/>
+                      <a:tailEnd type="none" w="med" len="med"/>
+                    </a:lnB>
+                    <a:lnTlToBr w="12700" cmpd="sng">
+                      <a:noFill/>
+                      <a:prstDash val="solid"/>
+                    </a:lnTlToBr>
+                    <a:lnBlToTr w="12700" cmpd="sng">
+                      <a:noFill/>
+                      <a:prstDash val="solid"/>
+                    </a:lnBlToTr>
+                  </a:tcPr>
+                </a:tc>
+                <a:tc>
+                  <a:txBody>
+                    <a:bodyPr/>
+                    <a:lstStyle/>
+                    <a:p>
+                      <a:pPr algn="ctr"/>
+                      <a:endParaRPr lang="en-US" sz="1600" dirty="0"/>
+                    </a:p>
+                  </a:txBody>
+                  <a:tcPr marL="36000" marR="36000" marT="0" marB="0" anchor="ctr">
+                    <a:lnL w="12700" cap="flat" cmpd="sng" algn="ctr">
+                      <a:solidFill>
+                        <a:scrgbClr r="0" g="0" b="0"/>
+                      </a:solidFill>
+                      <a:prstDash val="solid"/>
+                      <a:round/>
+                      <a:headEnd type="none" w="med" len="med"/>
+                      <a:tailEnd type="none" w="med" len="med"/>
+                    </a:lnL>
+                    <a:lnR w="12700" cap="flat" cmpd="sng" algn="ctr">
+                      <a:solidFill>
+                        <a:scrgbClr r="0" g="0" b="0"/>
+                      </a:solidFill>
+                      <a:prstDash val="solid"/>
+                      <a:round/>
+                      <a:headEnd type="none" w="med" len="med"/>
+                      <a:tailEnd type="none" w="med" len="med"/>
+                    </a:lnR>
+                    <a:lnT w="12700" cap="flat" cmpd="sng" algn="ctr">
+                      <a:solidFill>
+                        <a:scrgbClr r="0" g="0" b="0"/>
+                      </a:solidFill>
+                      <a:prstDash val="solid"/>
+                      <a:round/>
+                      <a:headEnd type="none" w="med" len="med"/>
+                      <a:tailEnd type="none" w="med" len="med"/>
+                    </a:lnT>
+                    <a:lnB w="12700" cap="flat" cmpd="sng" algn="ctr">
+                      <a:solidFill>
+                        <a:scrgbClr r="0" g="0" b="0"/>
+                      </a:solidFill>
+                      <a:prstDash val="solid"/>
+                      <a:round/>
+                      <a:headEnd type="none" w="med" len="med"/>
+                      <a:tailEnd type="none" w="med" len="med"/>
+                    </a:lnB>
+                    <a:lnTlToBr w="12700" cmpd="sng">
+                      <a:noFill/>
+                      <a:prstDash val="solid"/>
+                    </a:lnTlToBr>
+                    <a:lnBlToTr w="12700" cmpd="sng">
+                      <a:noFill/>
+                      <a:prstDash val="solid"/>
+                    </a:lnBlToTr>
+                  </a:tcPr>
+                </a:tc>
+                <a:tc>
+                  <a:txBody>
+                    <a:bodyPr/>
+                    <a:lstStyle/>
+                    <a:p>
+                      <a:pPr algn="ctr"/>
+                      <a:endParaRPr lang="en-US" sz="1600" dirty="0"/>
+                    </a:p>
+                  </a:txBody>
+                  <a:tcPr marL="36000" marR="36000" marT="0" marB="0" anchor="ctr">
+                    <a:lnL w="12700" cap="flat" cmpd="sng" algn="ctr">
+                      <a:solidFill>
+                        <a:scrgbClr r="0" g="0" b="0"/>
+                      </a:solidFill>
+                      <a:prstDash val="solid"/>
+                      <a:round/>
+                      <a:headEnd type="none" w="med" len="med"/>
+                      <a:tailEnd type="none" w="med" len="med"/>
+                    </a:lnL>
+                    <a:lnR w="12700" cap="flat" cmpd="sng" algn="ctr">
+                      <a:solidFill>
+                        <a:scrgbClr r="0" g="0" b="0"/>
+                      </a:solidFill>
+                      <a:prstDash val="solid"/>
+                      <a:round/>
+                      <a:headEnd type="none" w="med" len="med"/>
+                      <a:tailEnd type="none" w="med" len="med"/>
+                    </a:lnR>
+                    <a:lnT w="12700" cap="flat" cmpd="sng" algn="ctr">
+                      <a:solidFill>
+                        <a:scrgbClr r="0" g="0" b="0"/>
+                      </a:solidFill>
+                      <a:prstDash val="solid"/>
+                      <a:round/>
+                      <a:headEnd type="none" w="med" len="med"/>
+                      <a:tailEnd type="none" w="med" len="med"/>
+                    </a:lnT>
+                    <a:lnB w="12700" cap="flat" cmpd="sng" algn="ctr">
+                      <a:solidFill>
+                        <a:scrgbClr r="0" g="0" b="0"/>
+                      </a:solidFill>
+                      <a:prstDash val="solid"/>
+                      <a:round/>
+                      <a:headEnd type="none" w="med" len="med"/>
+                      <a:tailEnd type="none" w="med" len="med"/>
+                    </a:lnB>
+                    <a:lnTlToBr w="12700" cmpd="sng">
+                      <a:noFill/>
+                      <a:prstDash val="solid"/>
+                    </a:lnTlToBr>
+                    <a:lnBlToTr w="12700" cmpd="sng">
+                      <a:noFill/>
+                      <a:prstDash val="solid"/>
+                    </a:lnBlToTr>
+                  </a:tcPr>
+                </a:tc>
+                <a:tc>
+                  <a:txBody>
+                    <a:bodyPr/>
+                    <a:lstStyle/>
+                    <a:p>
+                      <a:pPr algn="ctr"/>
+                      <a:endParaRPr lang="en-US" sz="1600" dirty="0"/>
+                    </a:p>
+                  </a:txBody>
+                  <a:tcPr marL="36000" marR="36000" marT="0" marB="0" anchor="ctr">
+                    <a:lnL w="12700" cap="flat" cmpd="sng" algn="ctr">
+                      <a:solidFill>
+                        <a:scrgbClr r="0" g="0" b="0"/>
+                      </a:solidFill>
+                      <a:prstDash val="solid"/>
+                      <a:round/>
+                      <a:headEnd type="none" w="med" len="med"/>
+                      <a:tailEnd type="none" w="med" len="med"/>
+                    </a:lnL>
+                    <a:lnR w="12700" cap="flat" cmpd="sng" algn="ctr">
+                      <a:solidFill>
+                        <a:scrgbClr r="0" g="0" b="0"/>
+                      </a:solidFill>
+                      <a:prstDash val="solid"/>
+                      <a:round/>
+                      <a:headEnd type="none" w="med" len="med"/>
+                      <a:tailEnd type="none" w="med" len="med"/>
+                    </a:lnR>
+                    <a:lnT w="12700" cap="flat" cmpd="sng" algn="ctr">
+                      <a:solidFill>
+                        <a:scrgbClr r="0" g="0" b="0"/>
+                      </a:solidFill>
+                      <a:prstDash val="solid"/>
+                      <a:round/>
+                      <a:headEnd type="none" w="med" len="med"/>
+                      <a:tailEnd type="none" w="med" len="med"/>
+                    </a:lnT>
+                    <a:lnB w="12700" cap="flat" cmpd="sng" algn="ctr">
+                      <a:solidFill>
+                        <a:scrgbClr r="0" g="0" b="0"/>
+                      </a:solidFill>
+                      <a:prstDash val="solid"/>
+                      <a:round/>
+                      <a:headEnd type="none" w="med" len="med"/>
+                      <a:tailEnd type="none" w="med" len="med"/>
+                    </a:lnB>
+                    <a:lnTlToBr w="12700" cmpd="sng">
+                      <a:noFill/>
+                      <a:prstDash val="solid"/>
+                    </a:lnTlToBr>
+                    <a:lnBlToTr w="12700" cmpd="sng">
+                      <a:noFill/>
+                      <a:prstDash val="solid"/>
+                    </a:lnBlToTr>
+                  </a:tcPr>
+                </a:tc>
+              </a:tr>
+              <a:tr h="327221">
+                <a:tc>
+                  <a:txBody>
+                    <a:bodyPr/>
+                    <a:lstStyle/>
+                    <a:p>
+                      <a:pPr algn="l"/>
+                      <a:r>
+                        <a:rPr lang="en-US" sz="1400" i="1" dirty="0" smtClean="0"/>
+                        <a:t>C</a:t>
+                      </a:r>
+                      <a:r>
+                        <a:rPr lang="en-US" sz="1400" i="1" baseline="-25000" dirty="0" smtClean="0"/>
+                        <a:t>n</a:t>
+                      </a:r>
+                      <a:r>
+                        <a:rPr lang="en-US" sz="1400" i="1" baseline="-25000" dirty="0" smtClean="0"/>
+                        <a:t>/2</a:t>
+                      </a:r>
+                      <a:endParaRPr lang="en-US" sz="1400" i="1" baseline="-25000" dirty="0"/>
+                    </a:p>
+                  </a:txBody>
+                  <a:tcPr marL="36000" marR="36000" marT="0" marB="0" anchor="ctr">
+                    <a:lnL w="12700" cap="flat" cmpd="sng" algn="ctr">
+                      <a:noFill/>
+                      <a:prstDash val="solid"/>
+                      <a:round/>
+                      <a:headEnd type="none" w="med" len="med"/>
+                      <a:tailEnd type="none" w="med" len="med"/>
+                    </a:lnL>
+                    <a:lnR w="12700" cap="flat" cmpd="sng" algn="ctr">
+                      <a:solidFill>
+                        <a:scrgbClr r="0" g="0" b="0"/>
+                      </a:solidFill>
+                      <a:prstDash val="solid"/>
+                      <a:round/>
+                      <a:headEnd type="none" w="med" len="med"/>
+                      <a:tailEnd type="none" w="med" len="med"/>
+                    </a:lnR>
+                    <a:lnT w="12700" cap="flat" cmpd="sng" algn="ctr">
+                      <a:noFill/>
+                      <a:prstDash val="solid"/>
+                      <a:round/>
+                      <a:headEnd type="none" w="med" len="med"/>
+                      <a:tailEnd type="none" w="med" len="med"/>
+                    </a:lnT>
+                    <a:lnB w="12700" cap="flat" cmpd="sng" algn="ctr">
+                      <a:noFill/>
+                      <a:prstDash val="solid"/>
+                      <a:round/>
+                      <a:headEnd type="none" w="med" len="med"/>
+                      <a:tailEnd type="none" w="med" len="med"/>
+                    </a:lnB>
+                    <a:lnTlToBr w="12700" cmpd="sng">
+                      <a:noFill/>
+                      <a:prstDash val="solid"/>
+                    </a:lnTlToBr>
+                    <a:lnBlToTr w="12700" cmpd="sng">
+                      <a:noFill/>
+                      <a:prstDash val="solid"/>
+                    </a:lnBlToTr>
+                  </a:tcPr>
+                </a:tc>
+                <a:tc>
+                  <a:txBody>
+                    <a:bodyPr/>
+                    <a:lstStyle/>
+                    <a:p>
+                      <a:pPr algn="ctr"/>
+                      <a:r>
+                        <a:rPr lang="en-US" sz="1600" dirty="0" smtClean="0"/>
+                        <a:t>CP</a:t>
+                      </a:r>
+                      <a:endParaRPr lang="en-US" sz="1600" dirty="0"/>
+                    </a:p>
+                  </a:txBody>
+                  <a:tcPr marL="36000" marR="36000" marT="0" marB="0" anchor="ctr">
+                    <a:lnL w="12700" cap="flat" cmpd="sng" algn="ctr">
+                      <a:solidFill>
+                        <a:scrgbClr r="0" g="0" b="0"/>
+                      </a:solidFill>
+                      <a:prstDash val="solid"/>
+                      <a:round/>
+                      <a:headEnd type="none" w="med" len="med"/>
+                      <a:tailEnd type="none" w="med" len="med"/>
+                    </a:lnL>
+                    <a:lnR w="12700" cap="flat" cmpd="sng" algn="ctr">
+                      <a:solidFill>
+                        <a:scrgbClr r="0" g="0" b="0"/>
+                      </a:solidFill>
+                      <a:prstDash val="solid"/>
+                      <a:round/>
+                      <a:headEnd type="none" w="med" len="med"/>
+                      <a:tailEnd type="none" w="med" len="med"/>
+                    </a:lnR>
+                    <a:lnT w="12700" cap="flat" cmpd="sng" algn="ctr">
+                      <a:solidFill>
+                        <a:scrgbClr r="0" g="0" b="0"/>
+                      </a:solidFill>
+                      <a:prstDash val="solid"/>
+                      <a:round/>
+                      <a:headEnd type="none" w="med" len="med"/>
+                      <a:tailEnd type="none" w="med" len="med"/>
+                    </a:lnT>
+                    <a:lnB w="12700" cap="flat" cmpd="sng" algn="ctr">
+                      <a:solidFill>
+                        <a:scrgbClr r="0" g="0" b="0"/>
+                      </a:solidFill>
+                      <a:prstDash val="solid"/>
+                      <a:round/>
+                      <a:headEnd type="none" w="med" len="med"/>
+                      <a:tailEnd type="none" w="med" len="med"/>
+                    </a:lnB>
+                    <a:lnTlToBr w="12700" cmpd="sng">
+                      <a:noFill/>
+                      <a:prstDash val="solid"/>
+                    </a:lnTlToBr>
+                    <a:lnBlToTr w="12700" cmpd="sng">
+                      <a:noFill/>
+                      <a:prstDash val="solid"/>
+                    </a:lnBlToTr>
+                    <a:solidFill>
+                      <a:srgbClr val="D9D9D9"/>
+                    </a:solidFill>
+                  </a:tcPr>
+                </a:tc>
+                <a:tc>
+                  <a:txBody>
+                    <a:bodyPr/>
+                    <a:lstStyle/>
+                    <a:p>
+                      <a:pPr algn="ctr"/>
+                      <a:endParaRPr lang="en-US" sz="1600" dirty="0"/>
+                    </a:p>
+                  </a:txBody>
+                  <a:tcPr marL="36000" marR="36000" marT="0" marB="0" anchor="ctr">
+                    <a:lnL w="12700" cap="flat" cmpd="sng" algn="ctr">
+                      <a:solidFill>
+                        <a:scrgbClr r="0" g="0" b="0"/>
+                      </a:solidFill>
+                      <a:prstDash val="solid"/>
+                      <a:round/>
+                      <a:headEnd type="none" w="med" len="med"/>
+                      <a:tailEnd type="none" w="med" len="med"/>
+                    </a:lnL>
+                    <a:lnR w="12700" cap="flat" cmpd="sng" algn="ctr">
+                      <a:solidFill>
+                        <a:scrgbClr r="0" g="0" b="0"/>
+                      </a:solidFill>
+                      <a:prstDash val="solid"/>
+                      <a:round/>
+                      <a:headEnd type="none" w="med" len="med"/>
+                      <a:tailEnd type="none" w="med" len="med"/>
+                    </a:lnR>
+                    <a:lnT w="12700" cap="flat" cmpd="sng" algn="ctr">
+                      <a:solidFill>
+                        <a:scrgbClr r="0" g="0" b="0"/>
+                      </a:solidFill>
+                      <a:prstDash val="solid"/>
+                      <a:round/>
+                      <a:headEnd type="none" w="med" len="med"/>
+                      <a:tailEnd type="none" w="med" len="med"/>
+                    </a:lnT>
+                    <a:lnB w="12700" cap="flat" cmpd="sng" algn="ctr">
+                      <a:solidFill>
+                        <a:scrgbClr r="0" g="0" b="0"/>
+                      </a:solidFill>
+                      <a:prstDash val="solid"/>
+                      <a:round/>
+                      <a:headEnd type="none" w="med" len="med"/>
+                      <a:tailEnd type="none" w="med" len="med"/>
+                    </a:lnB>
+                    <a:lnTlToBr w="12700" cmpd="sng">
+                      <a:noFill/>
+                      <a:prstDash val="solid"/>
+                    </a:lnTlToBr>
+                    <a:lnBlToTr w="12700" cmpd="sng">
+                      <a:noFill/>
+                      <a:prstDash val="solid"/>
+                    </a:lnBlToTr>
+                  </a:tcPr>
+                </a:tc>
+                <a:tc>
+                  <a:txBody>
+                    <a:bodyPr/>
+                    <a:lstStyle/>
+                    <a:p>
+                      <a:pPr algn="ctr"/>
+                      <a:r>
+                        <a:rPr lang="en-US" sz="1600" dirty="0" smtClean="0"/>
+                        <a:t>CC</a:t>
+                      </a:r>
+                      <a:endParaRPr lang="en-US" sz="1600" dirty="0"/>
+                    </a:p>
+                  </a:txBody>
+                  <a:tcPr marL="36000" marR="36000" marT="0" marB="0" anchor="ctr">
+                    <a:lnL w="12700" cap="flat" cmpd="sng" algn="ctr">
+                      <a:solidFill>
+                        <a:scrgbClr r="0" g="0" b="0"/>
+                      </a:solidFill>
+                      <a:prstDash val="solid"/>
+                      <a:round/>
+                      <a:headEnd type="none" w="med" len="med"/>
+                      <a:tailEnd type="none" w="med" len="med"/>
+                    </a:lnL>
+                    <a:lnR w="12700" cap="flat" cmpd="sng" algn="ctr">
+                      <a:solidFill>
+                        <a:scrgbClr r="0" g="0" b="0"/>
+                      </a:solidFill>
+                      <a:prstDash val="solid"/>
+                      <a:round/>
+                      <a:headEnd type="none" w="med" len="med"/>
+                      <a:tailEnd type="none" w="med" len="med"/>
+                    </a:lnR>
+                    <a:lnT w="12700" cap="flat" cmpd="sng" algn="ctr">
+                      <a:solidFill>
+                        <a:scrgbClr r="0" g="0" b="0"/>
+                      </a:solidFill>
+                      <a:prstDash val="solid"/>
+                      <a:round/>
+                      <a:headEnd type="none" w="med" len="med"/>
+                      <a:tailEnd type="none" w="med" len="med"/>
+                    </a:lnT>
+                    <a:lnB w="12700" cap="flat" cmpd="sng" algn="ctr">
+                      <a:solidFill>
+                        <a:scrgbClr r="0" g="0" b="0"/>
+                      </a:solidFill>
+                      <a:prstDash val="solid"/>
+                      <a:round/>
+                      <a:headEnd type="none" w="med" len="med"/>
+                      <a:tailEnd type="none" w="med" len="med"/>
+                    </a:lnB>
+                    <a:lnTlToBr w="12700" cmpd="sng">
+                      <a:noFill/>
+                      <a:prstDash val="solid"/>
+                    </a:lnTlToBr>
+                    <a:lnBlToTr w="12700" cmpd="sng">
+                      <a:noFill/>
+                      <a:prstDash val="solid"/>
+                    </a:lnBlToTr>
+                    <a:solidFill>
+                      <a:srgbClr val="D9D9D9"/>
+                    </a:solidFill>
+                  </a:tcPr>
+                </a:tc>
+                <a:tc>
+                  <a:txBody>
+                    <a:bodyPr/>
+                    <a:lstStyle/>
+                    <a:p>
+                      <a:pPr algn="ctr"/>
+                      <a:endParaRPr lang="en-US" sz="1600" dirty="0"/>
+                    </a:p>
+                  </a:txBody>
+                  <a:tcPr marL="36000" marR="36000" marT="0" marB="0" anchor="ctr">
+                    <a:lnL w="12700" cap="flat" cmpd="sng" algn="ctr">
+                      <a:solidFill>
+                        <a:scrgbClr r="0" g="0" b="0"/>
+                      </a:solidFill>
+                      <a:prstDash val="solid"/>
+                      <a:round/>
+                      <a:headEnd type="none" w="med" len="med"/>
+                      <a:tailEnd type="none" w="med" len="med"/>
+                    </a:lnL>
+                    <a:lnR w="12700" cap="flat" cmpd="sng" algn="ctr">
+                      <a:solidFill>
+                        <a:scrgbClr r="0" g="0" b="0"/>
+                      </a:solidFill>
+                      <a:prstDash val="solid"/>
+                      <a:round/>
+                      <a:headEnd type="none" w="med" len="med"/>
+                      <a:tailEnd type="none" w="med" len="med"/>
+                    </a:lnR>
+                    <a:lnT w="12700" cap="flat" cmpd="sng" algn="ctr">
+                      <a:solidFill>
+                        <a:scrgbClr r="0" g="0" b="0"/>
+                      </a:solidFill>
+                      <a:prstDash val="solid"/>
+                      <a:round/>
+                      <a:headEnd type="none" w="med" len="med"/>
+                      <a:tailEnd type="none" w="med" len="med"/>
+                    </a:lnT>
+                    <a:lnB w="12700" cap="flat" cmpd="sng" algn="ctr">
+                      <a:solidFill>
+                        <a:scrgbClr r="0" g="0" b="0"/>
+                      </a:solidFill>
+                      <a:prstDash val="solid"/>
+                      <a:round/>
+                      <a:headEnd type="none" w="med" len="med"/>
+                      <a:tailEnd type="none" w="med" len="med"/>
+                    </a:lnB>
+                    <a:lnTlToBr w="12700" cmpd="sng">
+                      <a:noFill/>
+                      <a:prstDash val="solid"/>
+                    </a:lnTlToBr>
+                    <a:lnBlToTr w="12700" cmpd="sng">
+                      <a:noFill/>
+                      <a:prstDash val="solid"/>
+                    </a:lnBlToTr>
+                  </a:tcPr>
+                </a:tc>
+                <a:tc>
+                  <a:txBody>
+                    <a:bodyPr/>
+                    <a:lstStyle/>
+                    <a:p>
+                      <a:pPr algn="ctr"/>
+                      <a:r>
+                        <a:rPr lang="en-US" sz="1600" dirty="0" smtClean="0"/>
+                        <a:t>CO</a:t>
+                      </a:r>
+                      <a:endParaRPr lang="en-US" sz="1600" dirty="0"/>
+                    </a:p>
+                  </a:txBody>
+                  <a:tcPr marL="36000" marR="36000" marT="0" marB="0" anchor="ctr">
+                    <a:lnL w="12700" cap="flat" cmpd="sng" algn="ctr">
+                      <a:solidFill>
+                        <a:scrgbClr r="0" g="0" b="0"/>
+                      </a:solidFill>
+                      <a:prstDash val="solid"/>
+                      <a:round/>
+                      <a:headEnd type="none" w="med" len="med"/>
+                      <a:tailEnd type="none" w="med" len="med"/>
+                    </a:lnL>
+                    <a:lnR w="12700" cap="flat" cmpd="sng" algn="ctr">
+                      <a:solidFill>
+                        <a:scrgbClr r="0" g="0" b="0"/>
+                      </a:solidFill>
+                      <a:prstDash val="solid"/>
+                      <a:round/>
+                      <a:headEnd type="none" w="med" len="med"/>
+                      <a:tailEnd type="none" w="med" len="med"/>
+                    </a:lnR>
+                    <a:lnT w="12700" cap="flat" cmpd="sng" algn="ctr">
+                      <a:solidFill>
+                        <a:scrgbClr r="0" g="0" b="0"/>
+                      </a:solidFill>
+                      <a:prstDash val="solid"/>
+                      <a:round/>
+                      <a:headEnd type="none" w="med" len="med"/>
+                      <a:tailEnd type="none" w="med" len="med"/>
+                    </a:lnT>
+                    <a:lnB w="12700" cap="flat" cmpd="sng" algn="ctr">
+                      <a:solidFill>
+                        <a:scrgbClr r="0" g="0" b="0"/>
+                      </a:solidFill>
+                      <a:prstDash val="solid"/>
+                      <a:round/>
+                      <a:headEnd type="none" w="med" len="med"/>
+                      <a:tailEnd type="none" w="med" len="med"/>
+                    </a:lnB>
+                    <a:lnTlToBr w="12700" cmpd="sng">
+                      <a:noFill/>
+                      <a:prstDash val="solid"/>
+                    </a:lnTlToBr>
+                    <a:lnBlToTr w="12700" cmpd="sng">
+                      <a:noFill/>
+                      <a:prstDash val="solid"/>
+                    </a:lnBlToTr>
+                    <a:solidFill>
+                      <a:srgbClr val="D9D9D9"/>
+                    </a:solidFill>
+                  </a:tcPr>
+                </a:tc>
+              </a:tr>
+              <a:tr h="223617">
+                <a:tc>
+                  <a:txBody>
+                    <a:bodyPr/>
+                    <a:lstStyle/>
+                    <a:p>
+                      <a:pPr algn="ctr"/>
+                      <a:r>
+                        <a:rPr lang="en-US" sz="1400" i="1" dirty="0" smtClean="0"/>
+                        <a:t>…</a:t>
+                      </a:r>
+                      <a:endParaRPr lang="en-US" sz="1400" i="1" dirty="0"/>
+                    </a:p>
+                  </a:txBody>
+                  <a:tcPr marL="36000" marR="36000" marT="0" marB="0" vert="vert" anchor="ctr">
+                    <a:lnL w="12700" cap="flat" cmpd="sng" algn="ctr">
+                      <a:noFill/>
+                      <a:prstDash val="solid"/>
+                      <a:round/>
+                      <a:headEnd type="none" w="med" len="med"/>
+                      <a:tailEnd type="none" w="med" len="med"/>
+                    </a:lnL>
+                    <a:lnR w="12700" cap="flat" cmpd="sng" algn="ctr">
+                      <a:solidFill>
+                        <a:scrgbClr r="0" g="0" b="0"/>
+                      </a:solidFill>
+                      <a:prstDash val="solid"/>
+                      <a:round/>
+                      <a:headEnd type="none" w="med" len="med"/>
+                      <a:tailEnd type="none" w="med" len="med"/>
+                    </a:lnR>
+                    <a:lnT w="12700" cap="flat" cmpd="sng" algn="ctr">
+                      <a:noFill/>
+                      <a:prstDash val="solid"/>
+                      <a:round/>
+                      <a:headEnd type="none" w="med" len="med"/>
+                      <a:tailEnd type="none" w="med" len="med"/>
+                    </a:lnT>
+                    <a:lnB w="12700" cap="flat" cmpd="sng" algn="ctr">
+                      <a:noFill/>
+                      <a:prstDash val="solid"/>
+                      <a:round/>
+                      <a:headEnd type="none" w="med" len="med"/>
+                      <a:tailEnd type="none" w="med" len="med"/>
+                    </a:lnB>
+                    <a:lnTlToBr w="12700" cmpd="sng">
+                      <a:noFill/>
+                      <a:prstDash val="solid"/>
+                    </a:lnTlToBr>
+                    <a:lnBlToTr w="12700" cmpd="sng">
+                      <a:noFill/>
+                      <a:prstDash val="solid"/>
+                    </a:lnBlToTr>
+                  </a:tcPr>
+                </a:tc>
+                <a:tc>
+                  <a:txBody>
+                    <a:bodyPr/>
+                    <a:lstStyle/>
+                    <a:p>
+                      <a:pPr algn="ctr"/>
+                      <a:endParaRPr lang="en-US" sz="1600" dirty="0"/>
+                    </a:p>
+                  </a:txBody>
+                  <a:tcPr marL="36000" marR="36000" marT="0" marB="0" anchor="ctr">
+                    <a:lnL w="12700" cap="flat" cmpd="sng" algn="ctr">
+                      <a:solidFill>
+                        <a:scrgbClr r="0" g="0" b="0"/>
+                      </a:solidFill>
+                      <a:prstDash val="solid"/>
+                      <a:round/>
+                      <a:headEnd type="none" w="med" len="med"/>
+                      <a:tailEnd type="none" w="med" len="med"/>
+                    </a:lnL>
+                    <a:lnR w="12700" cap="flat" cmpd="sng" algn="ctr">
+                      <a:solidFill>
+                        <a:scrgbClr r="0" g="0" b="0"/>
+                      </a:solidFill>
+                      <a:prstDash val="solid"/>
+                      <a:round/>
+                      <a:headEnd type="none" w="med" len="med"/>
+                      <a:tailEnd type="none" w="med" len="med"/>
+                    </a:lnR>
+                    <a:lnT w="12700" cap="flat" cmpd="sng" algn="ctr">
+                      <a:solidFill>
+                        <a:scrgbClr r="0" g="0" b="0"/>
+                      </a:solidFill>
+                      <a:prstDash val="solid"/>
+                      <a:round/>
+                      <a:headEnd type="none" w="med" len="med"/>
+                      <a:tailEnd type="none" w="med" len="med"/>
+                    </a:lnT>
+                    <a:lnB w="12700" cap="flat" cmpd="sng" algn="ctr">
+                      <a:solidFill>
+                        <a:scrgbClr r="0" g="0" b="0"/>
+                      </a:solidFill>
+                      <a:prstDash val="solid"/>
+                      <a:round/>
+                      <a:headEnd type="none" w="med" len="med"/>
+                      <a:tailEnd type="none" w="med" len="med"/>
+                    </a:lnB>
+                    <a:lnTlToBr w="12700" cmpd="sng">
+                      <a:noFill/>
+                      <a:prstDash val="solid"/>
+                    </a:lnTlToBr>
+                    <a:lnBlToTr w="12700" cmpd="sng">
+                      <a:noFill/>
+                      <a:prstDash val="solid"/>
+                    </a:lnBlToTr>
+                  </a:tcPr>
+                </a:tc>
+                <a:tc>
+                  <a:txBody>
+                    <a:bodyPr/>
+                    <a:lstStyle/>
+                    <a:p>
+                      <a:pPr algn="ctr"/>
+                      <a:endParaRPr lang="en-US" sz="1600" dirty="0"/>
+                    </a:p>
+                  </a:txBody>
+                  <a:tcPr marL="36000" marR="36000" marT="0" marB="0" anchor="ctr">
+                    <a:lnL w="12700" cap="flat" cmpd="sng" algn="ctr">
+                      <a:solidFill>
+                        <a:scrgbClr r="0" g="0" b="0"/>
+                      </a:solidFill>
+                      <a:prstDash val="solid"/>
+                      <a:round/>
+                      <a:headEnd type="none" w="med" len="med"/>
+                      <a:tailEnd type="none" w="med" len="med"/>
+                    </a:lnL>
+                    <a:lnR w="12700" cap="flat" cmpd="sng" algn="ctr">
+                      <a:solidFill>
+                        <a:scrgbClr r="0" g="0" b="0"/>
+                      </a:solidFill>
+                      <a:prstDash val="solid"/>
+                      <a:round/>
+                      <a:headEnd type="none" w="med" len="med"/>
+                      <a:tailEnd type="none" w="med" len="med"/>
+                    </a:lnR>
+                    <a:lnT w="12700" cap="flat" cmpd="sng" algn="ctr">
+                      <a:solidFill>
+                        <a:scrgbClr r="0" g="0" b="0"/>
+                      </a:solidFill>
+                      <a:prstDash val="solid"/>
+                      <a:round/>
+                      <a:headEnd type="none" w="med" len="med"/>
+                      <a:tailEnd type="none" w="med" len="med"/>
+                    </a:lnT>
+                    <a:lnB w="12700" cap="flat" cmpd="sng" algn="ctr">
+                      <a:solidFill>
+                        <a:scrgbClr r="0" g="0" b="0"/>
+                      </a:solidFill>
+                      <a:prstDash val="solid"/>
+                      <a:round/>
+                      <a:headEnd type="none" w="med" len="med"/>
+                      <a:tailEnd type="none" w="med" len="med"/>
+                    </a:lnB>
+                    <a:lnTlToBr w="12700" cmpd="sng">
+                      <a:noFill/>
+                      <a:prstDash val="solid"/>
+                    </a:lnTlToBr>
+                    <a:lnBlToTr w="12700" cmpd="sng">
+                      <a:noFill/>
+                      <a:prstDash val="solid"/>
+                    </a:lnBlToTr>
+                  </a:tcPr>
+                </a:tc>
+                <a:tc>
+                  <a:txBody>
+                    <a:bodyPr/>
+                    <a:lstStyle/>
+                    <a:p>
+                      <a:pPr algn="ctr"/>
+                      <a:endParaRPr lang="en-US" sz="1600" dirty="0"/>
+                    </a:p>
+                  </a:txBody>
+                  <a:tcPr marL="36000" marR="36000" marT="0" marB="0" anchor="ctr">
+                    <a:lnL w="12700" cap="flat" cmpd="sng" algn="ctr">
+                      <a:solidFill>
+                        <a:scrgbClr r="0" g="0" b="0"/>
+                      </a:solidFill>
+                      <a:prstDash val="solid"/>
+                      <a:round/>
+                      <a:headEnd type="none" w="med" len="med"/>
+                      <a:tailEnd type="none" w="med" len="med"/>
+                    </a:lnL>
+                    <a:lnR w="12700" cap="flat" cmpd="sng" algn="ctr">
+                      <a:solidFill>
+                        <a:scrgbClr r="0" g="0" b="0"/>
+                      </a:solidFill>
+                      <a:prstDash val="solid"/>
+                      <a:round/>
+                      <a:headEnd type="none" w="med" len="med"/>
+                      <a:tailEnd type="none" w="med" len="med"/>
+                    </a:lnR>
+                    <a:lnT w="12700" cap="flat" cmpd="sng" algn="ctr">
+                      <a:solidFill>
+                        <a:scrgbClr r="0" g="0" b="0"/>
+                      </a:solidFill>
+                      <a:prstDash val="solid"/>
+                      <a:round/>
+                      <a:headEnd type="none" w="med" len="med"/>
+                      <a:tailEnd type="none" w="med" len="med"/>
+                    </a:lnT>
+                    <a:lnB w="12700" cap="flat" cmpd="sng" algn="ctr">
+                      <a:solidFill>
+                        <a:scrgbClr r="0" g="0" b="0"/>
+                      </a:solidFill>
+                      <a:prstDash val="solid"/>
+                      <a:round/>
+                      <a:headEnd type="none" w="med" len="med"/>
+                      <a:tailEnd type="none" w="med" len="med"/>
+                    </a:lnB>
+                    <a:lnTlToBr w="12700" cmpd="sng">
+                      <a:noFill/>
+                      <a:prstDash val="solid"/>
+                    </a:lnTlToBr>
+                    <a:lnBlToTr w="12700" cmpd="sng">
+                      <a:noFill/>
+                      <a:prstDash val="solid"/>
+                    </a:lnBlToTr>
+                  </a:tcPr>
+                </a:tc>
+                <a:tc>
+                  <a:txBody>
+                    <a:bodyPr/>
+                    <a:lstStyle/>
+                    <a:p>
+                      <a:pPr algn="ctr"/>
+                      <a:endParaRPr lang="en-US" sz="1600" dirty="0"/>
+                    </a:p>
+                  </a:txBody>
+                  <a:tcPr marL="36000" marR="36000" marT="0" marB="0" anchor="ctr">
+                    <a:lnL w="12700" cap="flat" cmpd="sng" algn="ctr">
+                      <a:solidFill>
+                        <a:scrgbClr r="0" g="0" b="0"/>
+                      </a:solidFill>
+                      <a:prstDash val="solid"/>
+                      <a:round/>
+                      <a:headEnd type="none" w="med" len="med"/>
+                      <a:tailEnd type="none" w="med" len="med"/>
+                    </a:lnL>
+                    <a:lnR w="12700" cap="flat" cmpd="sng" algn="ctr">
+                      <a:solidFill>
+                        <a:scrgbClr r="0" g="0" b="0"/>
+                      </a:solidFill>
+                      <a:prstDash val="solid"/>
+                      <a:round/>
+                      <a:headEnd type="none" w="med" len="med"/>
+                      <a:tailEnd type="none" w="med" len="med"/>
+                    </a:lnR>
+                    <a:lnT w="12700" cap="flat" cmpd="sng" algn="ctr">
+                      <a:solidFill>
+                        <a:scrgbClr r="0" g="0" b="0"/>
+                      </a:solidFill>
+                      <a:prstDash val="solid"/>
+                      <a:round/>
+                      <a:headEnd type="none" w="med" len="med"/>
+                      <a:tailEnd type="none" w="med" len="med"/>
+                    </a:lnT>
+                    <a:lnB w="12700" cap="flat" cmpd="sng" algn="ctr">
+                      <a:solidFill>
+                        <a:scrgbClr r="0" g="0" b="0"/>
+                      </a:solidFill>
+                      <a:prstDash val="solid"/>
+                      <a:round/>
+                      <a:headEnd type="none" w="med" len="med"/>
+                      <a:tailEnd type="none" w="med" len="med"/>
+                    </a:lnB>
+                    <a:lnTlToBr w="12700" cmpd="sng">
+                      <a:noFill/>
+                      <a:prstDash val="solid"/>
+                    </a:lnTlToBr>
+                    <a:lnBlToTr w="12700" cmpd="sng">
+                      <a:noFill/>
+                      <a:prstDash val="solid"/>
+                    </a:lnBlToTr>
+                  </a:tcPr>
+                </a:tc>
+                <a:tc>
+                  <a:txBody>
+                    <a:bodyPr/>
+                    <a:lstStyle/>
+                    <a:p>
+                      <a:pPr algn="ctr"/>
+                      <a:endParaRPr lang="en-US" sz="1600" dirty="0"/>
+                    </a:p>
+                  </a:txBody>
+                  <a:tcPr marL="36000" marR="36000" marT="0" marB="0" anchor="ctr">
+                    <a:lnL w="12700" cap="flat" cmpd="sng" algn="ctr">
+                      <a:solidFill>
+                        <a:scrgbClr r="0" g="0" b="0"/>
+                      </a:solidFill>
+                      <a:prstDash val="solid"/>
+                      <a:round/>
+                      <a:headEnd type="none" w="med" len="med"/>
+                      <a:tailEnd type="none" w="med" len="med"/>
+                    </a:lnL>
+                    <a:lnR w="12700" cap="flat" cmpd="sng" algn="ctr">
+                      <a:solidFill>
+                        <a:scrgbClr r="0" g="0" b="0"/>
+                      </a:solidFill>
+                      <a:prstDash val="solid"/>
+                      <a:round/>
+                      <a:headEnd type="none" w="med" len="med"/>
+                      <a:tailEnd type="none" w="med" len="med"/>
+                    </a:lnR>
+                    <a:lnT w="12700" cap="flat" cmpd="sng" algn="ctr">
+                      <a:solidFill>
+                        <a:scrgbClr r="0" g="0" b="0"/>
+                      </a:solidFill>
+                      <a:prstDash val="solid"/>
+                      <a:round/>
+                      <a:headEnd type="none" w="med" len="med"/>
+                      <a:tailEnd type="none" w="med" len="med"/>
+                    </a:lnT>
+                    <a:lnB w="12700" cap="flat" cmpd="sng" algn="ctr">
+                      <a:solidFill>
+                        <a:scrgbClr r="0" g="0" b="0"/>
+                      </a:solidFill>
+                      <a:prstDash val="solid"/>
+                      <a:round/>
+                      <a:headEnd type="none" w="med" len="med"/>
+                      <a:tailEnd type="none" w="med" len="med"/>
+                    </a:lnB>
+                    <a:lnTlToBr w="12700" cmpd="sng">
+                      <a:noFill/>
+                      <a:prstDash val="solid"/>
+                    </a:lnTlToBr>
+                    <a:lnBlToTr w="12700" cmpd="sng">
+                      <a:noFill/>
+                      <a:prstDash val="solid"/>
+                    </a:lnBlToTr>
+                  </a:tcPr>
+                </a:tc>
+              </a:tr>
+              <a:tr h="306998">
+                <a:tc>
+                  <a:txBody>
+                    <a:bodyPr/>
+                    <a:lstStyle/>
+                    <a:p>
+                      <a:pPr algn="l"/>
+                      <a:r>
+                        <a:rPr lang="en-US" sz="1400" i="1" dirty="0" smtClean="0"/>
+                        <a:t>C</a:t>
+                      </a:r>
+                      <a:r>
+                        <a:rPr lang="en-US" sz="1400" i="1" baseline="-25000" dirty="0" smtClean="0"/>
+                        <a:t>n</a:t>
+                      </a:r>
+                      <a:endParaRPr lang="en-US" sz="1400" i="1" baseline="-25000" dirty="0"/>
+                    </a:p>
+                  </a:txBody>
+                  <a:tcPr marL="36000" marR="36000" marT="0" marB="0" anchor="ctr">
+                    <a:lnL w="12700" cap="flat" cmpd="sng" algn="ctr">
+                      <a:noFill/>
+                      <a:prstDash val="solid"/>
+                      <a:round/>
+                      <a:headEnd type="none" w="med" len="med"/>
+                      <a:tailEnd type="none" w="med" len="med"/>
+                    </a:lnL>
+                    <a:lnR w="12700" cap="flat" cmpd="sng" algn="ctr">
+                      <a:solidFill>
+                        <a:scrgbClr r="0" g="0" b="0"/>
+                      </a:solidFill>
+                      <a:prstDash val="solid"/>
+                      <a:round/>
+                      <a:headEnd type="none" w="med" len="med"/>
+                      <a:tailEnd type="none" w="med" len="med"/>
+                    </a:lnR>
+                    <a:lnT w="12700" cap="flat" cmpd="sng" algn="ctr">
+                      <a:noFill/>
+                      <a:prstDash val="solid"/>
+                      <a:round/>
+                      <a:headEnd type="none" w="med" len="med"/>
+                      <a:tailEnd type="none" w="med" len="med"/>
+                    </a:lnT>
+                    <a:lnB w="12700" cap="flat" cmpd="sng" algn="ctr">
+                      <a:noFill/>
+                      <a:prstDash val="solid"/>
+                      <a:round/>
+                      <a:headEnd type="none" w="med" len="med"/>
+                      <a:tailEnd type="none" w="med" len="med"/>
+                    </a:lnB>
+                    <a:lnTlToBr w="12700" cmpd="sng">
+                      <a:noFill/>
+                      <a:prstDash val="solid"/>
+                    </a:lnTlToBr>
+                    <a:lnBlToTr w="12700" cmpd="sng">
+                      <a:noFill/>
+                      <a:prstDash val="solid"/>
+                    </a:lnBlToTr>
+                  </a:tcPr>
+                </a:tc>
+                <a:tc>
+                  <a:txBody>
+                    <a:bodyPr/>
+                    <a:lstStyle/>
+                    <a:p>
+                      <a:pPr algn="ctr"/>
+                      <a:r>
+                        <a:rPr lang="en-US" sz="1600" dirty="0" smtClean="0"/>
+                        <a:t>PP</a:t>
+                      </a:r>
+                      <a:endParaRPr lang="en-US" sz="1600" dirty="0"/>
+                    </a:p>
+                  </a:txBody>
+                  <a:tcPr marL="36000" marR="36000" marT="0" marB="0" anchor="ctr">
+                    <a:lnL w="12700" cap="flat" cmpd="sng" algn="ctr">
+                      <a:solidFill>
+                        <a:scrgbClr r="0" g="0" b="0"/>
+                      </a:solidFill>
+                      <a:prstDash val="solid"/>
+                      <a:round/>
+                      <a:headEnd type="none" w="med" len="med"/>
+                      <a:tailEnd type="none" w="med" len="med"/>
+                    </a:lnL>
+                    <a:lnR w="12700" cap="flat" cmpd="sng" algn="ctr">
+                      <a:solidFill>
+                        <a:scrgbClr r="0" g="0" b="0"/>
+                      </a:solidFill>
+                      <a:prstDash val="solid"/>
+                      <a:round/>
+                      <a:headEnd type="none" w="med" len="med"/>
+                      <a:tailEnd type="none" w="med" len="med"/>
+                    </a:lnR>
+                    <a:lnT w="12700" cap="flat" cmpd="sng" algn="ctr">
+                      <a:solidFill>
+                        <a:scrgbClr r="0" g="0" b="0"/>
+                      </a:solidFill>
+                      <a:prstDash val="solid"/>
+                      <a:round/>
+                      <a:headEnd type="none" w="med" len="med"/>
+                      <a:tailEnd type="none" w="med" len="med"/>
+                    </a:lnT>
+                    <a:lnB w="12700" cap="flat" cmpd="sng" algn="ctr">
+                      <a:solidFill>
+                        <a:scrgbClr r="0" g="0" b="0"/>
+                      </a:solidFill>
+                      <a:prstDash val="solid"/>
+                      <a:round/>
+                      <a:headEnd type="none" w="med" len="med"/>
+                      <a:tailEnd type="none" w="med" len="med"/>
+                    </a:lnB>
+                    <a:lnTlToBr w="12700" cmpd="sng">
+                      <a:noFill/>
+                      <a:prstDash val="solid"/>
+                    </a:lnTlToBr>
+                    <a:lnBlToTr w="12700" cmpd="sng">
+                      <a:noFill/>
+                      <a:prstDash val="solid"/>
+                    </a:lnBlToTr>
+                    <a:solidFill>
+                      <a:srgbClr val="D9D9D9"/>
+                    </a:solidFill>
+                  </a:tcPr>
+                </a:tc>
+                <a:tc>
+                  <a:txBody>
+                    <a:bodyPr/>
+                    <a:lstStyle/>
+                    <a:p>
+                      <a:pPr algn="ctr"/>
+                      <a:endParaRPr lang="en-US" sz="1600" dirty="0"/>
+                    </a:p>
+                  </a:txBody>
+                  <a:tcPr marL="36000" marR="36000" marT="0" marB="0" anchor="ctr">
+                    <a:lnL w="12700" cap="flat" cmpd="sng" algn="ctr">
+                      <a:solidFill>
+                        <a:scrgbClr r="0" g="0" b="0"/>
+                      </a:solidFill>
+                      <a:prstDash val="solid"/>
+                      <a:round/>
+                      <a:headEnd type="none" w="med" len="med"/>
+                      <a:tailEnd type="none" w="med" len="med"/>
+                    </a:lnL>
+                    <a:lnR w="12700" cap="flat" cmpd="sng" algn="ctr">
+                      <a:solidFill>
+                        <a:scrgbClr r="0" g="0" b="0"/>
+                      </a:solidFill>
+                      <a:prstDash val="solid"/>
+                      <a:round/>
+                      <a:headEnd type="none" w="med" len="med"/>
+                      <a:tailEnd type="none" w="med" len="med"/>
+                    </a:lnR>
+                    <a:lnT w="12700" cap="flat" cmpd="sng" algn="ctr">
+                      <a:solidFill>
+                        <a:scrgbClr r="0" g="0" b="0"/>
+                      </a:solidFill>
+                      <a:prstDash val="solid"/>
+                      <a:round/>
+                      <a:headEnd type="none" w="med" len="med"/>
+                      <a:tailEnd type="none" w="med" len="med"/>
+                    </a:lnT>
+                    <a:lnB w="12700" cap="flat" cmpd="sng" algn="ctr">
+                      <a:solidFill>
+                        <a:scrgbClr r="0" g="0" b="0"/>
+                      </a:solidFill>
+                      <a:prstDash val="solid"/>
+                      <a:round/>
+                      <a:headEnd type="none" w="med" len="med"/>
+                      <a:tailEnd type="none" w="med" len="med"/>
+                    </a:lnB>
+                    <a:lnTlToBr w="12700" cmpd="sng">
+                      <a:noFill/>
+                      <a:prstDash val="solid"/>
+                    </a:lnTlToBr>
+                    <a:lnBlToTr w="12700" cmpd="sng">
+                      <a:noFill/>
+                      <a:prstDash val="solid"/>
+                    </a:lnBlToTr>
+                  </a:tcPr>
+                </a:tc>
+                <a:tc>
+                  <a:txBody>
+                    <a:bodyPr/>
+                    <a:lstStyle/>
+                    <a:p>
+                      <a:pPr algn="ctr"/>
+                      <a:r>
+                        <a:rPr lang="en-US" sz="1600" dirty="0" smtClean="0"/>
+                        <a:t>PC</a:t>
+                      </a:r>
+                      <a:endParaRPr lang="en-US" sz="1600" dirty="0"/>
+                    </a:p>
+                  </a:txBody>
+                  <a:tcPr marL="36000" marR="36000" marT="0" marB="0" anchor="ctr">
+                    <a:lnL w="12700" cap="flat" cmpd="sng" algn="ctr">
+                      <a:solidFill>
+                        <a:scrgbClr r="0" g="0" b="0"/>
+                      </a:solidFill>
+                      <a:prstDash val="solid"/>
+                      <a:round/>
+                      <a:headEnd type="none" w="med" len="med"/>
+                      <a:tailEnd type="none" w="med" len="med"/>
+                    </a:lnL>
+                    <a:lnR w="12700" cap="flat" cmpd="sng" algn="ctr">
+                      <a:solidFill>
+                        <a:scrgbClr r="0" g="0" b="0"/>
+                      </a:solidFill>
+                      <a:prstDash val="solid"/>
+                      <a:round/>
+                      <a:headEnd type="none" w="med" len="med"/>
+                      <a:tailEnd type="none" w="med" len="med"/>
+                    </a:lnR>
+                    <a:lnT w="12700" cap="flat" cmpd="sng" algn="ctr">
+                      <a:solidFill>
+                        <a:scrgbClr r="0" g="0" b="0"/>
+                      </a:solidFill>
+                      <a:prstDash val="solid"/>
+                      <a:round/>
+                      <a:headEnd type="none" w="med" len="med"/>
+                      <a:tailEnd type="none" w="med" len="med"/>
+                    </a:lnT>
+                    <a:lnB w="12700" cap="flat" cmpd="sng" algn="ctr">
+                      <a:solidFill>
+                        <a:scrgbClr r="0" g="0" b="0"/>
+                      </a:solidFill>
+                      <a:prstDash val="solid"/>
+                      <a:round/>
+                      <a:headEnd type="none" w="med" len="med"/>
+                      <a:tailEnd type="none" w="med" len="med"/>
+                    </a:lnB>
+                    <a:lnTlToBr w="12700" cmpd="sng">
+                      <a:noFill/>
+                      <a:prstDash val="solid"/>
+                    </a:lnTlToBr>
+                    <a:lnBlToTr w="12700" cmpd="sng">
+                      <a:noFill/>
+                      <a:prstDash val="solid"/>
+                    </a:lnBlToTr>
+                    <a:solidFill>
+                      <a:srgbClr val="D9D9D9"/>
+                    </a:solidFill>
+                  </a:tcPr>
+                </a:tc>
+                <a:tc>
+                  <a:txBody>
+                    <a:bodyPr/>
+                    <a:lstStyle/>
+                    <a:p>
+                      <a:pPr algn="ctr"/>
+                      <a:endParaRPr lang="en-US" sz="1600" dirty="0"/>
+                    </a:p>
+                  </a:txBody>
+                  <a:tcPr marL="36000" marR="36000" marT="0" marB="0" anchor="ctr">
+                    <a:lnL w="12700" cap="flat" cmpd="sng" algn="ctr">
+                      <a:solidFill>
+                        <a:scrgbClr r="0" g="0" b="0"/>
+                      </a:solidFill>
+                      <a:prstDash val="solid"/>
+                      <a:round/>
+                      <a:headEnd type="none" w="med" len="med"/>
+                      <a:tailEnd type="none" w="med" len="med"/>
+                    </a:lnL>
+                    <a:lnR w="12700" cap="flat" cmpd="sng" algn="ctr">
+                      <a:solidFill>
+                        <a:scrgbClr r="0" g="0" b="0"/>
+                      </a:solidFill>
+                      <a:prstDash val="solid"/>
+                      <a:round/>
+                      <a:headEnd type="none" w="med" len="med"/>
+                      <a:tailEnd type="none" w="med" len="med"/>
+                    </a:lnR>
+                    <a:lnT w="12700" cap="flat" cmpd="sng" algn="ctr">
+                      <a:solidFill>
+                        <a:scrgbClr r="0" g="0" b="0"/>
+                      </a:solidFill>
+                      <a:prstDash val="solid"/>
+                      <a:round/>
+                      <a:headEnd type="none" w="med" len="med"/>
+                      <a:tailEnd type="none" w="med" len="med"/>
+                    </a:lnT>
+                    <a:lnB w="12700" cap="flat" cmpd="sng" algn="ctr">
+                      <a:solidFill>
+                        <a:scrgbClr r="0" g="0" b="0"/>
+                      </a:solidFill>
+                      <a:prstDash val="solid"/>
+                      <a:round/>
+                      <a:headEnd type="none" w="med" len="med"/>
+                      <a:tailEnd type="none" w="med" len="med"/>
+                    </a:lnB>
+                    <a:lnTlToBr w="12700" cmpd="sng">
+                      <a:noFill/>
+                      <a:prstDash val="solid"/>
+                    </a:lnTlToBr>
+                    <a:lnBlToTr w="12700" cmpd="sng">
+                      <a:noFill/>
+                      <a:prstDash val="solid"/>
+                    </a:lnBlToTr>
+                  </a:tcPr>
+                </a:tc>
+                <a:tc>
+                  <a:txBody>
+                    <a:bodyPr/>
+                    <a:lstStyle/>
+                    <a:p>
+                      <a:pPr algn="ctr"/>
+                      <a:r>
+                        <a:rPr lang="en-US" sz="1600" dirty="0" smtClean="0"/>
+                        <a:t>PO</a:t>
+                      </a:r>
+                      <a:endParaRPr lang="en-US" sz="1600" dirty="0"/>
+                    </a:p>
+                  </a:txBody>
+                  <a:tcPr marL="36000" marR="36000" marT="0" marB="0" anchor="ctr">
+                    <a:lnL w="12700" cap="flat" cmpd="sng" algn="ctr">
+                      <a:solidFill>
+                        <a:scrgbClr r="0" g="0" b="0"/>
+                      </a:solidFill>
+                      <a:prstDash val="solid"/>
+                      <a:round/>
+                      <a:headEnd type="none" w="med" len="med"/>
+                      <a:tailEnd type="none" w="med" len="med"/>
+                    </a:lnL>
+                    <a:lnR w="12700" cap="flat" cmpd="sng" algn="ctr">
+                      <a:solidFill>
+                        <a:scrgbClr r="0" g="0" b="0"/>
+                      </a:solidFill>
+                      <a:prstDash val="solid"/>
+                      <a:round/>
+                      <a:headEnd type="none" w="med" len="med"/>
+                      <a:tailEnd type="none" w="med" len="med"/>
+                    </a:lnR>
+                    <a:lnT w="12700" cap="flat" cmpd="sng" algn="ctr">
+                      <a:solidFill>
+                        <a:scrgbClr r="0" g="0" b="0"/>
+                      </a:solidFill>
+                      <a:prstDash val="solid"/>
+                      <a:round/>
+                      <a:headEnd type="none" w="med" len="med"/>
+                      <a:tailEnd type="none" w="med" len="med"/>
+                    </a:lnT>
+                    <a:lnB w="12700" cap="flat" cmpd="sng" algn="ctr">
+                      <a:solidFill>
+                        <a:scrgbClr r="0" g="0" b="0"/>
+                      </a:solidFill>
+                      <a:prstDash val="solid"/>
+                      <a:round/>
+                      <a:headEnd type="none" w="med" len="med"/>
+                      <a:tailEnd type="none" w="med" len="med"/>
+                    </a:lnB>
+                    <a:lnTlToBr w="12700" cmpd="sng">
+                      <a:noFill/>
+                      <a:prstDash val="solid"/>
+                    </a:lnTlToBr>
+                    <a:lnBlToTr w="12700" cmpd="sng">
+                      <a:noFill/>
+                      <a:prstDash val="solid"/>
+                    </a:lnBlToTr>
+                    <a:solidFill>
+                      <a:srgbClr val="D9D9D9"/>
+                    </a:solidFill>
+                  </a:tcPr>
+                </a:tc>
+              </a:tr>
+            </a:tbl>
+          </a:graphicData>
+        </a:graphic>
+      </p:graphicFrame>
+      <p:cxnSp>
+        <p:nvCxnSpPr>
+          <p:cNvPr id="4" name="Straight Arrow Connector 3"/>
+          <p:cNvCxnSpPr/>
           <p:nvPr/>
-        </p:nvPicPr>
-        <p:blipFill>
-          <a:blip r:embed="rId2">
-            <a:extLst>
-              <a:ext uri="{28A0092B-C50C-407E-A947-70E740481C1C}">
-                <a14:useLocalDpi xmlns:a14="http://schemas.microsoft.com/office/drawing/2010/main" val="0"/>
-              </a:ext>
-            </a:extLst>
-          </a:blip>
-          <a:stretch>
-            <a:fillRect/>
-          </a:stretch>
-        </p:blipFill>
+        </p:nvCxnSpPr>
         <p:spPr>
           <a:xfrm>
-            <a:off x="901700" y="0"/>
-            <a:ext cx="7327726" cy="6858000"/>
+            <a:off x="2017931" y="4066885"/>
+            <a:ext cx="1932230" cy="0"/>
+          </a:xfrm>
+          <a:prstGeom prst="straightConnector1">
+            <a:avLst/>
+          </a:prstGeom>
+          <a:ln w="19050" cmpd="sng">
+            <a:solidFill>
+              <a:schemeClr val="tx1"/>
+            </a:solidFill>
+            <a:headEnd type="none"/>
+            <a:tailEnd type="arrow" w="sm" len="med"/>
+          </a:ln>
+          <a:effectLst/>
+        </p:spPr>
+        <p:style>
+          <a:lnRef idx="2">
+            <a:schemeClr val="accent1"/>
+          </a:lnRef>
+          <a:fillRef idx="0">
+            <a:schemeClr val="accent1"/>
+          </a:fillRef>
+          <a:effectRef idx="1">
+            <a:schemeClr val="accent1"/>
+          </a:effectRef>
+          <a:fontRef idx="minor">
+            <a:schemeClr val="tx1"/>
+          </a:fontRef>
+        </p:style>
+      </p:cxnSp>
+      <p:cxnSp>
+        <p:nvCxnSpPr>
+          <p:cNvPr id="10" name="Straight Arrow Connector 9"/>
+          <p:cNvCxnSpPr/>
+          <p:nvPr/>
+        </p:nvCxnSpPr>
+        <p:spPr>
+          <a:xfrm>
+            <a:off x="4090403" y="2481900"/>
+            <a:ext cx="0" cy="1444748"/>
+          </a:xfrm>
+          <a:prstGeom prst="straightConnector1">
+            <a:avLst/>
+          </a:prstGeom>
+          <a:ln w="19050" cmpd="sng">
+            <a:solidFill>
+              <a:schemeClr val="tx1"/>
+            </a:solidFill>
+            <a:headEnd type="none"/>
+            <a:tailEnd type="arrow" w="sm" len="med"/>
+          </a:ln>
+          <a:effectLst/>
+        </p:spPr>
+        <p:style>
+          <a:lnRef idx="2">
+            <a:schemeClr val="accent1"/>
+          </a:lnRef>
+          <a:fillRef idx="0">
+            <a:schemeClr val="accent1"/>
+          </a:fillRef>
+          <a:effectRef idx="1">
+            <a:schemeClr val="accent1"/>
+          </a:effectRef>
+          <a:fontRef idx="minor">
+            <a:schemeClr val="tx1"/>
+          </a:fontRef>
+        </p:style>
+      </p:cxnSp>
+      <p:sp>
+        <p:nvSpPr>
+          <p:cNvPr id="11" name="Left Brace 10"/>
+          <p:cNvSpPr/>
+          <p:nvPr/>
+        </p:nvSpPr>
+        <p:spPr>
+          <a:xfrm>
+            <a:off x="1542661" y="2481901"/>
+            <a:ext cx="148039" cy="1444748"/>
+          </a:xfrm>
+          <a:prstGeom prst="leftBrace">
+            <a:avLst/>
+          </a:prstGeom>
+          <a:noFill/>
+          <a:ln w="12700" cmpd="sng">
+            <a:solidFill>
+              <a:schemeClr val="tx1"/>
+            </a:solidFill>
+          </a:ln>
+        </p:spPr>
+        <p:style>
+          <a:lnRef idx="2">
+            <a:schemeClr val="accent1"/>
+          </a:lnRef>
+          <a:fillRef idx="0">
+            <a:schemeClr val="accent1"/>
+          </a:fillRef>
+          <a:effectRef idx="1">
+            <a:schemeClr val="accent1"/>
+          </a:effectRef>
+          <a:fontRef idx="minor">
+            <a:schemeClr val="tx1"/>
+          </a:fontRef>
+        </p:style>
+        <p:txBody>
+          <a:bodyPr rtlCol="0" anchor="ctr"/>
+          <a:lstStyle/>
+          <a:p>
+            <a:pPr algn="ctr"/>
+            <a:endParaRPr lang="en-US" dirty="0"/>
+          </a:p>
+        </p:txBody>
+      </p:sp>
+      <p:sp>
+        <p:nvSpPr>
+          <p:cNvPr id="12" name="Left Brace 11"/>
+          <p:cNvSpPr/>
+          <p:nvPr/>
+        </p:nvSpPr>
+        <p:spPr>
+          <a:xfrm rot="5400000">
+            <a:off x="2902238" y="1211459"/>
+            <a:ext cx="163615" cy="1932230"/>
+          </a:xfrm>
+          <a:prstGeom prst="leftBrace">
+            <a:avLst/>
+          </a:prstGeom>
+          <a:noFill/>
+          <a:ln w="12700" cmpd="sng">
+            <a:solidFill>
+              <a:schemeClr val="tx1"/>
+            </a:solidFill>
+          </a:ln>
+          <a:effectLst/>
+        </p:spPr>
+        <p:style>
+          <a:lnRef idx="2">
+            <a:schemeClr val="accent1"/>
+          </a:lnRef>
+          <a:fillRef idx="0">
+            <a:schemeClr val="accent1"/>
+          </a:fillRef>
+          <a:effectRef idx="1">
+            <a:schemeClr val="accent1"/>
+          </a:effectRef>
+          <a:fontRef idx="minor">
+            <a:schemeClr val="tx1"/>
+          </a:fontRef>
+        </p:style>
+        <p:txBody>
+          <a:bodyPr rtlCol="0" anchor="ctr"/>
+          <a:lstStyle/>
+          <a:p>
+            <a:pPr algn="ctr"/>
+            <a:endParaRPr lang="en-US" dirty="0"/>
+          </a:p>
+        </p:txBody>
+      </p:sp>
+      <p:sp>
+        <p:nvSpPr>
+          <p:cNvPr id="13" name="TextBox 12"/>
+          <p:cNvSpPr txBox="1"/>
+          <p:nvPr/>
+        </p:nvSpPr>
+        <p:spPr>
+          <a:xfrm>
+            <a:off x="768584" y="2952776"/>
+            <a:ext cx="805241" cy="523220"/>
           </a:xfrm>
           <a:prstGeom prst="rect">
             <a:avLst/>
           </a:prstGeom>
+          <a:noFill/>
         </p:spPr>
-      </p:pic>
+        <p:txBody>
+          <a:bodyPr wrap="none" rtlCol="0">
+            <a:spAutoFit/>
+          </a:bodyPr>
+          <a:lstStyle/>
+          <a:p>
+            <a:pPr algn="ctr"/>
+            <a:r>
+              <a:rPr lang="en-US" sz="1400" dirty="0" smtClean="0"/>
+              <a:t>Capacity</a:t>
+            </a:r>
+            <a:br>
+              <a:rPr lang="en-US" sz="1400" dirty="0" smtClean="0"/>
+            </a:br>
+            <a:r>
+              <a:rPr lang="en-US" sz="1400" dirty="0" smtClean="0"/>
+              <a:t>levels</a:t>
+            </a:r>
+            <a:endParaRPr lang="en-US" sz="1400" dirty="0"/>
+          </a:p>
+        </p:txBody>
+      </p:sp>
+      <p:sp>
+        <p:nvSpPr>
+          <p:cNvPr id="14" name="TextBox 13"/>
+          <p:cNvSpPr txBox="1"/>
+          <p:nvPr/>
+        </p:nvSpPr>
+        <p:spPr>
+          <a:xfrm>
+            <a:off x="2306922" y="1790694"/>
+            <a:ext cx="1352441" cy="307777"/>
+          </a:xfrm>
+          <a:prstGeom prst="rect">
+            <a:avLst/>
+          </a:prstGeom>
+          <a:noFill/>
+        </p:spPr>
+        <p:txBody>
+          <a:bodyPr wrap="none" rtlCol="0">
+            <a:spAutoFit/>
+          </a:bodyPr>
+          <a:lstStyle/>
+          <a:p>
+            <a:pPr algn="ctr"/>
+            <a:r>
+              <a:rPr lang="en-US" sz="1400" dirty="0" smtClean="0"/>
+              <a:t>Workload levels</a:t>
+            </a:r>
+            <a:endParaRPr lang="en-US" sz="1400" dirty="0"/>
+          </a:p>
+        </p:txBody>
+      </p:sp>
     </p:spTree>
     <p:extLst>
       <p:ext uri="{BB962C8B-B14F-4D97-AF65-F5344CB8AC3E}">
@@ -3350,7 +5683,7 @@
             <a:lstStyle/>
             <a:p>
               <a:pPr algn="ctr"/>
-              <a:endParaRPr lang="en-US"/>
+              <a:endParaRPr lang="en-US" dirty="0"/>
             </a:p>
           </p:txBody>
         </p:sp>
@@ -3400,7 +5733,7 @@
             <a:lstStyle/>
             <a:p>
               <a:pPr algn="ctr"/>
-              <a:endParaRPr lang="en-US"/>
+              <a:endParaRPr lang="en-US" dirty="0"/>
             </a:p>
           </p:txBody>
         </p:sp>
@@ -3450,7 +5783,7 @@
             <a:lstStyle/>
             <a:p>
               <a:pPr algn="ctr"/>
-              <a:endParaRPr lang="en-US"/>
+              <a:endParaRPr lang="en-US" dirty="0"/>
             </a:p>
           </p:txBody>
         </p:sp>
@@ -3500,7 +5833,7 @@
             <a:lstStyle/>
             <a:p>
               <a:pPr algn="ctr"/>
-              <a:endParaRPr lang="en-US"/>
+              <a:endParaRPr lang="en-US" dirty="0"/>
             </a:p>
           </p:txBody>
         </p:sp>
@@ -3550,7 +5883,7 @@
             <a:lstStyle/>
             <a:p>
               <a:pPr algn="ctr"/>
-              <a:endParaRPr lang="en-US"/>
+              <a:endParaRPr lang="en-US" dirty="0"/>
             </a:p>
           </p:txBody>
         </p:sp>
@@ -3600,7 +5933,7 @@
             <a:lstStyle/>
             <a:p>
               <a:pPr algn="ctr"/>
-              <a:endParaRPr lang="en-US"/>
+              <a:endParaRPr lang="en-US" dirty="0"/>
             </a:p>
           </p:txBody>
         </p:sp>
@@ -3650,7 +5983,7 @@
             <a:lstStyle/>
             <a:p>
               <a:pPr algn="ctr"/>
-              <a:endParaRPr lang="en-US"/>
+              <a:endParaRPr lang="en-US" dirty="0"/>
             </a:p>
           </p:txBody>
         </p:sp>
@@ -3803,7 +6136,7 @@
           <a:lstStyle/>
           <a:p>
             <a:pPr algn="ctr"/>
-            <a:endParaRPr lang="en-US"/>
+            <a:endParaRPr lang="en-US" dirty="0"/>
           </a:p>
         </p:txBody>
       </p:sp>
@@ -3953,7 +6286,7 @@
             <a:lstStyle/>
             <a:p>
               <a:pPr algn="ctr"/>
-              <a:endParaRPr lang="en-US"/>
+              <a:endParaRPr lang="en-US" dirty="0"/>
             </a:p>
           </p:txBody>
         </p:sp>
@@ -4030,7 +6363,7 @@
                 <a:lstStyle/>
                 <a:p>
                   <a:pPr algn="ctr"/>
-                  <a:endParaRPr lang="en-US"/>
+                  <a:endParaRPr lang="en-US" dirty="0"/>
                 </a:p>
               </p:txBody>
             </p:sp>
@@ -4082,7 +6415,7 @@
                 <a:lstStyle/>
                 <a:p>
                   <a:pPr algn="ctr"/>
-                  <a:endParaRPr lang="en-US"/>
+                  <a:endParaRPr lang="en-US" dirty="0"/>
                 </a:p>
               </p:txBody>
             </p:sp>
@@ -4132,7 +6465,7 @@
                 <a:lstStyle/>
                 <a:p>
                   <a:pPr algn="ctr"/>
-                  <a:endParaRPr lang="en-US" b="1">
+                  <a:endParaRPr lang="en-US" b="1" dirty="0">
                     <a:ln w="12700">
                       <a:solidFill>
                         <a:schemeClr val="tx2">
@@ -4218,7 +6551,7 @@
                 <a:lstStyle/>
                 <a:p>
                   <a:pPr algn="ctr"/>
-                  <a:endParaRPr lang="en-US"/>
+                  <a:endParaRPr lang="en-US" dirty="0"/>
                 </a:p>
               </p:txBody>
             </p:sp>
@@ -4270,7 +6603,7 @@
                 <a:lstStyle/>
                 <a:p>
                   <a:pPr algn="ctr"/>
-                  <a:endParaRPr lang="en-US"/>
+                  <a:endParaRPr lang="en-US" dirty="0"/>
                 </a:p>
               </p:txBody>
             </p:sp>
@@ -4320,7 +6653,7 @@
                 <a:lstStyle/>
                 <a:p>
                   <a:pPr algn="ctr"/>
-                  <a:endParaRPr lang="en-US" b="1">
+                  <a:endParaRPr lang="en-US" b="1" dirty="0">
                     <a:ln w="12700">
                       <a:solidFill>
                         <a:schemeClr val="tx2">
@@ -4406,7 +6739,7 @@
                 <a:lstStyle/>
                 <a:p>
                   <a:pPr algn="ctr"/>
-                  <a:endParaRPr lang="en-US"/>
+                  <a:endParaRPr lang="en-US" dirty="0"/>
                 </a:p>
               </p:txBody>
             </p:sp>
@@ -4458,7 +6791,7 @@
                 <a:lstStyle/>
                 <a:p>
                   <a:pPr algn="ctr"/>
-                  <a:endParaRPr lang="en-US"/>
+                  <a:endParaRPr lang="en-US" dirty="0"/>
                 </a:p>
               </p:txBody>
             </p:sp>
@@ -4509,7 +6842,7 @@
               <a:lstStyle/>
               <a:p>
                 <a:pPr algn="ctr"/>
-                <a:endParaRPr lang="en-US" b="1">
+                <a:endParaRPr lang="en-US" b="1" dirty="0">
                   <a:ln w="12700">
                     <a:solidFill>
                       <a:schemeClr val="tx2">
@@ -4580,7 +6913,7 @@
               <a:lstStyle/>
               <a:p>
                 <a:pPr algn="ctr"/>
-                <a:endParaRPr lang="en-US"/>
+                <a:endParaRPr lang="en-US" dirty="0"/>
               </a:p>
             </p:txBody>
           </p:sp>
@@ -4646,7 +6979,7 @@
             <a:lstStyle/>
             <a:p>
               <a:pPr algn="ctr"/>
-              <a:endParaRPr lang="en-US"/>
+              <a:endParaRPr lang="en-US" dirty="0"/>
             </a:p>
           </p:txBody>
         </p:sp>
@@ -4723,7 +7056,7 @@
                 <a:lstStyle/>
                 <a:p>
                   <a:pPr algn="ctr"/>
-                  <a:endParaRPr lang="en-US"/>
+                  <a:endParaRPr lang="en-US" dirty="0"/>
                 </a:p>
               </p:txBody>
             </p:sp>
@@ -4775,7 +7108,7 @@
                 <a:lstStyle/>
                 <a:p>
                   <a:pPr algn="ctr"/>
-                  <a:endParaRPr lang="en-US"/>
+                  <a:endParaRPr lang="en-US" dirty="0"/>
                 </a:p>
               </p:txBody>
             </p:sp>
@@ -4825,7 +7158,7 @@
                 <a:lstStyle/>
                 <a:p>
                   <a:pPr algn="ctr"/>
-                  <a:endParaRPr lang="en-US" b="1">
+                  <a:endParaRPr lang="en-US" b="1" dirty="0">
                     <a:ln w="12700">
                       <a:solidFill>
                         <a:schemeClr val="tx2">
@@ -4911,7 +7244,7 @@
                 <a:lstStyle/>
                 <a:p>
                   <a:pPr algn="ctr"/>
-                  <a:endParaRPr lang="en-US"/>
+                  <a:endParaRPr lang="en-US" dirty="0"/>
                 </a:p>
               </p:txBody>
             </p:sp>
@@ -4963,7 +7296,7 @@
                 <a:lstStyle/>
                 <a:p>
                   <a:pPr algn="ctr"/>
-                  <a:endParaRPr lang="en-US"/>
+                  <a:endParaRPr lang="en-US" dirty="0"/>
                 </a:p>
               </p:txBody>
             </p:sp>
@@ -5013,7 +7346,7 @@
                 <a:lstStyle/>
                 <a:p>
                   <a:pPr algn="ctr"/>
-                  <a:endParaRPr lang="en-US" b="1">
+                  <a:endParaRPr lang="en-US" b="1" dirty="0">
                     <a:ln w="12700">
                       <a:solidFill>
                         <a:schemeClr val="tx2">
@@ -5099,7 +7432,7 @@
                 <a:lstStyle/>
                 <a:p>
                   <a:pPr algn="ctr"/>
-                  <a:endParaRPr lang="en-US"/>
+                  <a:endParaRPr lang="en-US" dirty="0"/>
                 </a:p>
               </p:txBody>
             </p:sp>
@@ -5151,7 +7484,7 @@
                 <a:lstStyle/>
                 <a:p>
                   <a:pPr algn="ctr"/>
-                  <a:endParaRPr lang="en-US"/>
+                  <a:endParaRPr lang="en-US" dirty="0"/>
                 </a:p>
               </p:txBody>
             </p:sp>
@@ -5202,7 +7535,7 @@
               <a:lstStyle/>
               <a:p>
                 <a:pPr algn="ctr"/>
-                <a:endParaRPr lang="en-US" b="1">
+                <a:endParaRPr lang="en-US" b="1" dirty="0">
                   <a:ln w="12700">
                     <a:solidFill>
                       <a:schemeClr val="tx2">
@@ -5273,7 +7606,7 @@
               <a:lstStyle/>
               <a:p>
                 <a:pPr algn="ctr"/>
-                <a:endParaRPr lang="en-US"/>
+                <a:endParaRPr lang="en-US" dirty="0"/>
               </a:p>
             </p:txBody>
           </p:sp>
@@ -5540,7 +7873,7 @@
               <a:lstStyle/>
               <a:p>
                 <a:pPr algn="ctr"/>
-                <a:endParaRPr lang="en-US"/>
+                <a:endParaRPr lang="en-US" dirty="0"/>
               </a:p>
             </p:txBody>
           </p:sp>
@@ -5617,7 +7950,7 @@
                   <a:lstStyle/>
                   <a:p>
                     <a:pPr algn="ctr"/>
-                    <a:endParaRPr lang="en-US"/>
+                    <a:endParaRPr lang="en-US" dirty="0"/>
                   </a:p>
                 </p:txBody>
               </p:sp>
@@ -5666,7 +7999,7 @@
                   <a:lstStyle/>
                   <a:p>
                     <a:pPr algn="ctr"/>
-                    <a:endParaRPr lang="en-US"/>
+                    <a:endParaRPr lang="en-US" dirty="0"/>
                   </a:p>
                 </p:txBody>
               </p:sp>
@@ -5716,7 +8049,7 @@
                   <a:lstStyle/>
                   <a:p>
                     <a:pPr algn="ctr"/>
-                    <a:endParaRPr lang="en-US" b="1">
+                    <a:endParaRPr lang="en-US" b="1" dirty="0">
                       <a:ln w="12700">
                         <a:solidFill>
                           <a:schemeClr val="tx2">
@@ -5802,7 +8135,7 @@
                   <a:lstStyle/>
                   <a:p>
                     <a:pPr algn="ctr"/>
-                    <a:endParaRPr lang="en-US"/>
+                    <a:endParaRPr lang="en-US" dirty="0"/>
                   </a:p>
                 </p:txBody>
               </p:sp>
@@ -5851,7 +8184,7 @@
                   <a:lstStyle/>
                   <a:p>
                     <a:pPr algn="ctr"/>
-                    <a:endParaRPr lang="en-US"/>
+                    <a:endParaRPr lang="en-US" dirty="0"/>
                   </a:p>
                 </p:txBody>
               </p:sp>
@@ -5901,7 +8234,7 @@
                   <a:lstStyle/>
                   <a:p>
                     <a:pPr algn="ctr"/>
-                    <a:endParaRPr lang="en-US" b="1">
+                    <a:endParaRPr lang="en-US" b="1" dirty="0">
                       <a:ln w="12700">
                         <a:solidFill>
                           <a:schemeClr val="tx2">
@@ -5987,7 +8320,7 @@
                   <a:lstStyle/>
                   <a:p>
                     <a:pPr algn="ctr"/>
-                    <a:endParaRPr lang="en-US"/>
+                    <a:endParaRPr lang="en-US" dirty="0"/>
                   </a:p>
                 </p:txBody>
               </p:sp>
@@ -6036,7 +8369,7 @@
                   <a:lstStyle/>
                   <a:p>
                     <a:pPr algn="ctr"/>
-                    <a:endParaRPr lang="en-US"/>
+                    <a:endParaRPr lang="en-US" dirty="0"/>
                   </a:p>
                 </p:txBody>
               </p:sp>
@@ -6087,7 +8420,7 @@
                 <a:lstStyle/>
                 <a:p>
                   <a:pPr algn="ctr"/>
-                  <a:endParaRPr lang="en-US" b="1">
+                  <a:endParaRPr lang="en-US" b="1" dirty="0">
                     <a:ln w="12700">
                       <a:solidFill>
                         <a:schemeClr val="tx2">
@@ -6158,7 +8491,7 @@
                 <a:lstStyle/>
                 <a:p>
                   <a:pPr algn="ctr"/>
-                  <a:endParaRPr lang="en-US"/>
+                  <a:endParaRPr lang="en-US" dirty="0"/>
                 </a:p>
               </p:txBody>
             </p:sp>
@@ -6266,7 +8599,7 @@
                   <a:lstStyle/>
                   <a:p>
                     <a:pPr algn="ctr"/>
-                    <a:endParaRPr lang="en-US"/>
+                    <a:endParaRPr lang="en-US" dirty="0"/>
                   </a:p>
                 </p:txBody>
               </p:sp>
@@ -6318,7 +8651,7 @@
                   <a:lstStyle/>
                   <a:p>
                     <a:pPr algn="ctr"/>
-                    <a:endParaRPr lang="en-US"/>
+                    <a:endParaRPr lang="en-US" dirty="0"/>
                   </a:p>
                 </p:txBody>
               </p:sp>
@@ -6368,7 +8701,7 @@
                   <a:lstStyle/>
                   <a:p>
                     <a:pPr algn="ctr"/>
-                    <a:endParaRPr lang="en-US" b="1">
+                    <a:endParaRPr lang="en-US" b="1" dirty="0">
                       <a:ln w="12700">
                         <a:solidFill>
                           <a:schemeClr val="tx2">
@@ -6454,7 +8787,7 @@
                   <a:lstStyle/>
                   <a:p>
                     <a:pPr algn="ctr"/>
-                    <a:endParaRPr lang="en-US"/>
+                    <a:endParaRPr lang="en-US" dirty="0"/>
                   </a:p>
                 </p:txBody>
               </p:sp>
@@ -6506,7 +8839,7 @@
                   <a:lstStyle/>
                   <a:p>
                     <a:pPr algn="ctr"/>
-                    <a:endParaRPr lang="en-US"/>
+                    <a:endParaRPr lang="en-US" dirty="0"/>
                   </a:p>
                 </p:txBody>
               </p:sp>
@@ -6556,7 +8889,7 @@
                   <a:lstStyle/>
                   <a:p>
                     <a:pPr algn="ctr"/>
-                    <a:endParaRPr lang="en-US" b="1">
+                    <a:endParaRPr lang="en-US" b="1" dirty="0">
                       <a:ln w="12700">
                         <a:solidFill>
                           <a:schemeClr val="tx2">
@@ -6642,7 +8975,7 @@
                   <a:lstStyle/>
                   <a:p>
                     <a:pPr algn="ctr"/>
-                    <a:endParaRPr lang="en-US"/>
+                    <a:endParaRPr lang="en-US" dirty="0"/>
                   </a:p>
                 </p:txBody>
               </p:sp>
@@ -6694,7 +9027,7 @@
                   <a:lstStyle/>
                   <a:p>
                     <a:pPr algn="ctr"/>
-                    <a:endParaRPr lang="en-US"/>
+                    <a:endParaRPr lang="en-US" dirty="0"/>
                   </a:p>
                 </p:txBody>
               </p:sp>
@@ -6745,7 +9078,7 @@
                 <a:lstStyle/>
                 <a:p>
                   <a:pPr algn="ctr"/>
-                  <a:endParaRPr lang="en-US" b="1">
+                  <a:endParaRPr lang="en-US" b="1" dirty="0">
                     <a:ln w="12700">
                       <a:solidFill>
                         <a:schemeClr val="tx2">
@@ -6816,7 +9149,7 @@
                 <a:lstStyle/>
                 <a:p>
                   <a:pPr algn="ctr"/>
-                  <a:endParaRPr lang="en-US"/>
+                  <a:endParaRPr lang="en-US" dirty="0"/>
                 </a:p>
               </p:txBody>
             </p:sp>
@@ -6961,7 +9294,7 @@
               <a:lstStyle/>
               <a:p>
                 <a:pPr algn="ctr"/>
-                <a:endParaRPr lang="en-US"/>
+                <a:endParaRPr lang="en-US" dirty="0"/>
               </a:p>
             </p:txBody>
           </p:sp>
@@ -7153,7 +9486,7 @@
                 <a:lstStyle/>
                 <a:p>
                   <a:pPr algn="ctr"/>
-                  <a:endParaRPr lang="en-US"/>
+                  <a:endParaRPr lang="en-US" dirty="0"/>
                 </a:p>
               </p:txBody>
             </p:sp>
@@ -7205,7 +9538,7 @@
                 <a:lstStyle/>
                 <a:p>
                   <a:pPr algn="ctr"/>
-                  <a:endParaRPr lang="en-US"/>
+                  <a:endParaRPr lang="en-US" dirty="0"/>
                 </a:p>
               </p:txBody>
             </p:sp>
@@ -7255,7 +9588,7 @@
                 <a:lstStyle/>
                 <a:p>
                   <a:pPr algn="ctr"/>
-                  <a:endParaRPr lang="en-US" b="1">
+                  <a:endParaRPr lang="en-US" b="1" dirty="0">
                     <a:ln w="12700">
                       <a:solidFill>
                         <a:schemeClr val="tx2">
@@ -7341,7 +9674,7 @@
                 <a:lstStyle/>
                 <a:p>
                   <a:pPr algn="ctr"/>
-                  <a:endParaRPr lang="en-US"/>
+                  <a:endParaRPr lang="en-US" dirty="0"/>
                 </a:p>
               </p:txBody>
             </p:sp>
@@ -7393,7 +9726,7 @@
                 <a:lstStyle/>
                 <a:p>
                   <a:pPr algn="ctr"/>
-                  <a:endParaRPr lang="en-US"/>
+                  <a:endParaRPr lang="en-US" dirty="0"/>
                 </a:p>
               </p:txBody>
             </p:sp>
@@ -7443,7 +9776,7 @@
                 <a:lstStyle/>
                 <a:p>
                   <a:pPr algn="ctr"/>
-                  <a:endParaRPr lang="en-US" b="1">
+                  <a:endParaRPr lang="en-US" b="1" dirty="0">
                     <a:ln w="12700">
                       <a:solidFill>
                         <a:schemeClr val="tx2">
@@ -7529,7 +9862,7 @@
                 <a:lstStyle/>
                 <a:p>
                   <a:pPr algn="ctr"/>
-                  <a:endParaRPr lang="en-US"/>
+                  <a:endParaRPr lang="en-US" dirty="0"/>
                 </a:p>
               </p:txBody>
             </p:sp>
@@ -7581,7 +9914,7 @@
                 <a:lstStyle/>
                 <a:p>
                   <a:pPr algn="ctr"/>
-                  <a:endParaRPr lang="en-US"/>
+                  <a:endParaRPr lang="en-US" dirty="0"/>
                 </a:p>
               </p:txBody>
             </p:sp>
@@ -7632,7 +9965,7 @@
               <a:lstStyle/>
               <a:p>
                 <a:pPr algn="ctr"/>
-                <a:endParaRPr lang="en-US" b="1">
+                <a:endParaRPr lang="en-US" b="1" dirty="0">
                   <a:ln w="12700">
                     <a:solidFill>
                       <a:schemeClr val="tx2">
@@ -7703,7 +10036,7 @@
               <a:lstStyle/>
               <a:p>
                 <a:pPr algn="ctr"/>
-                <a:endParaRPr lang="en-US"/>
+                <a:endParaRPr lang="en-US" dirty="0"/>
               </a:p>
             </p:txBody>
           </p:sp>
@@ -7848,7 +10181,7 @@
             <a:lstStyle/>
             <a:p>
               <a:pPr algn="ctr"/>
-              <a:endParaRPr lang="en-US"/>
+              <a:endParaRPr lang="en-US" dirty="0"/>
             </a:p>
           </p:txBody>
         </p:sp>
@@ -7913,7 +10246,7 @@
             <a:lstStyle/>
             <a:p>
               <a:pPr algn="ctr"/>
-              <a:endParaRPr lang="en-US"/>
+              <a:endParaRPr lang="en-US" dirty="0"/>
             </a:p>
           </p:txBody>
         </p:sp>
@@ -7963,7 +10296,7 @@
             <a:lstStyle/>
             <a:p>
               <a:pPr algn="ctr"/>
-              <a:endParaRPr lang="en-US"/>
+              <a:endParaRPr lang="en-US" dirty="0"/>
             </a:p>
           </p:txBody>
         </p:sp>
@@ -8013,7 +10346,7 @@
             <a:lstStyle/>
             <a:p>
               <a:pPr algn="ctr"/>
-              <a:endParaRPr lang="en-US"/>
+              <a:endParaRPr lang="en-US" dirty="0"/>
             </a:p>
           </p:txBody>
         </p:sp>
@@ -8063,7 +10396,7 @@
             <a:lstStyle/>
             <a:p>
               <a:pPr algn="ctr"/>
-              <a:endParaRPr lang="en-US"/>
+              <a:endParaRPr lang="en-US" dirty="0"/>
             </a:p>
           </p:txBody>
         </p:sp>
@@ -8128,7 +10461,7 @@
             <a:lstStyle/>
             <a:p>
               <a:pPr algn="ctr"/>
-              <a:endParaRPr lang="en-US"/>
+              <a:endParaRPr lang="en-US" dirty="0"/>
             </a:p>
           </p:txBody>
         </p:sp>
@@ -8178,7 +10511,7 @@
             <a:lstStyle/>
             <a:p>
               <a:pPr algn="ctr"/>
-              <a:endParaRPr lang="en-US"/>
+              <a:endParaRPr lang="en-US" dirty="0"/>
             </a:p>
           </p:txBody>
         </p:sp>
@@ -8228,7 +10561,7 @@
             <a:lstStyle/>
             <a:p>
               <a:pPr algn="ctr"/>
-              <a:endParaRPr lang="en-US"/>
+              <a:endParaRPr lang="en-US" dirty="0"/>
             </a:p>
           </p:txBody>
         </p:sp>
@@ -8278,7 +10611,7 @@
             <a:lstStyle/>
             <a:p>
               <a:pPr algn="ctr"/>
-              <a:endParaRPr lang="en-US"/>
+              <a:endParaRPr lang="en-US" dirty="0"/>
             </a:p>
           </p:txBody>
         </p:sp>
@@ -8356,7 +10689,7 @@
               <a:lstStyle/>
               <a:p>
                 <a:pPr algn="ctr"/>
-                <a:endParaRPr lang="en-US"/>
+                <a:endParaRPr lang="en-US" dirty="0"/>
               </a:p>
             </p:txBody>
           </p:sp>
@@ -8408,7 +10741,7 @@
               <a:lstStyle/>
               <a:p>
                 <a:pPr algn="ctr"/>
-                <a:endParaRPr lang="en-US"/>
+                <a:endParaRPr lang="en-US" dirty="0"/>
               </a:p>
             </p:txBody>
           </p:sp>
@@ -8458,7 +10791,7 @@
               <a:lstStyle/>
               <a:p>
                 <a:pPr algn="ctr"/>
-                <a:endParaRPr lang="en-US" b="1">
+                <a:endParaRPr lang="en-US" b="1" dirty="0">
                   <a:ln w="12700">
                     <a:solidFill>
                       <a:schemeClr val="tx2">
@@ -8544,7 +10877,7 @@
               <a:lstStyle/>
               <a:p>
                 <a:pPr algn="ctr"/>
-                <a:endParaRPr lang="en-US"/>
+                <a:endParaRPr lang="en-US" dirty="0"/>
               </a:p>
             </p:txBody>
           </p:sp>
@@ -8596,7 +10929,7 @@
               <a:lstStyle/>
               <a:p>
                 <a:pPr algn="ctr"/>
-                <a:endParaRPr lang="en-US"/>
+                <a:endParaRPr lang="en-US" dirty="0"/>
               </a:p>
             </p:txBody>
           </p:sp>
@@ -8646,7 +10979,7 @@
               <a:lstStyle/>
               <a:p>
                 <a:pPr algn="ctr"/>
-                <a:endParaRPr lang="en-US" b="1">
+                <a:endParaRPr lang="en-US" b="1" dirty="0">
                   <a:ln w="12700">
                     <a:solidFill>
                       <a:schemeClr val="tx2">
@@ -8732,7 +11065,7 @@
               <a:lstStyle/>
               <a:p>
                 <a:pPr algn="ctr"/>
-                <a:endParaRPr lang="en-US"/>
+                <a:endParaRPr lang="en-US" dirty="0"/>
               </a:p>
             </p:txBody>
           </p:sp>
@@ -8784,7 +11117,7 @@
               <a:lstStyle/>
               <a:p>
                 <a:pPr algn="ctr"/>
-                <a:endParaRPr lang="en-US"/>
+                <a:endParaRPr lang="en-US" dirty="0"/>
               </a:p>
             </p:txBody>
           </p:sp>
@@ -8835,7 +11168,7 @@
             <a:lstStyle/>
             <a:p>
               <a:pPr algn="ctr"/>
-              <a:endParaRPr lang="en-US" b="1">
+              <a:endParaRPr lang="en-US" b="1" dirty="0">
                 <a:ln w="12700">
                   <a:solidFill>
                     <a:schemeClr val="tx2">
@@ -8906,7 +11239,7 @@
             <a:lstStyle/>
             <a:p>
               <a:pPr algn="ctr"/>
-              <a:endParaRPr lang="en-US"/>
+              <a:endParaRPr lang="en-US" dirty="0"/>
             </a:p>
           </p:txBody>
         </p:sp>
@@ -9050,7 +11383,7 @@
             <a:lstStyle/>
             <a:p>
               <a:pPr algn="ctr"/>
-              <a:endParaRPr lang="en-US"/>
+              <a:endParaRPr lang="en-US" dirty="0"/>
             </a:p>
           </p:txBody>
         </p:sp>
@@ -9127,7 +11460,7 @@
                 <a:lstStyle/>
                 <a:p>
                   <a:pPr algn="ctr"/>
-                  <a:endParaRPr lang="en-US"/>
+                  <a:endParaRPr lang="en-US" dirty="0"/>
                 </a:p>
               </p:txBody>
             </p:sp>
@@ -9179,7 +11512,7 @@
                 <a:lstStyle/>
                 <a:p>
                   <a:pPr algn="ctr"/>
-                  <a:endParaRPr lang="en-US"/>
+                  <a:endParaRPr lang="en-US" dirty="0"/>
                 </a:p>
               </p:txBody>
             </p:sp>
@@ -9229,7 +11562,7 @@
                 <a:lstStyle/>
                 <a:p>
                   <a:pPr algn="ctr"/>
-                  <a:endParaRPr lang="en-US" b="1">
+                  <a:endParaRPr lang="en-US" b="1" dirty="0">
                     <a:ln w="12700">
                       <a:solidFill>
                         <a:schemeClr val="tx2">
@@ -9315,7 +11648,7 @@
                 <a:lstStyle/>
                 <a:p>
                   <a:pPr algn="ctr"/>
-                  <a:endParaRPr lang="en-US"/>
+                  <a:endParaRPr lang="en-US" dirty="0"/>
                 </a:p>
               </p:txBody>
             </p:sp>
@@ -9367,7 +11700,7 @@
                 <a:lstStyle/>
                 <a:p>
                   <a:pPr algn="ctr"/>
-                  <a:endParaRPr lang="en-US"/>
+                  <a:endParaRPr lang="en-US" dirty="0"/>
                 </a:p>
               </p:txBody>
             </p:sp>
@@ -9417,7 +11750,7 @@
                 <a:lstStyle/>
                 <a:p>
                   <a:pPr algn="ctr"/>
-                  <a:endParaRPr lang="en-US" b="1">
+                  <a:endParaRPr lang="en-US" b="1" dirty="0">
                     <a:ln w="12700">
                       <a:solidFill>
                         <a:schemeClr val="tx2">
@@ -9503,7 +11836,7 @@
                 <a:lstStyle/>
                 <a:p>
                   <a:pPr algn="ctr"/>
-                  <a:endParaRPr lang="en-US"/>
+                  <a:endParaRPr lang="en-US" dirty="0"/>
                 </a:p>
               </p:txBody>
             </p:sp>
@@ -9555,7 +11888,7 @@
                 <a:lstStyle/>
                 <a:p>
                   <a:pPr algn="ctr"/>
-                  <a:endParaRPr lang="en-US"/>
+                  <a:endParaRPr lang="en-US" dirty="0"/>
                 </a:p>
               </p:txBody>
             </p:sp>
@@ -9606,7 +11939,7 @@
               <a:lstStyle/>
               <a:p>
                 <a:pPr algn="ctr"/>
-                <a:endParaRPr lang="en-US" b="1">
+                <a:endParaRPr lang="en-US" b="1" dirty="0">
                   <a:ln w="12700">
                     <a:solidFill>
                       <a:schemeClr val="tx2">
@@ -9677,7 +12010,7 @@
               <a:lstStyle/>
               <a:p>
                 <a:pPr algn="ctr"/>
-                <a:endParaRPr lang="en-US"/>
+                <a:endParaRPr lang="en-US" dirty="0"/>
               </a:p>
             </p:txBody>
           </p:sp>
@@ -9770,7 +12103,7 @@
                 <a:lstStyle/>
                 <a:p>
                   <a:pPr algn="ctr"/>
-                  <a:endParaRPr lang="en-US"/>
+                  <a:endParaRPr lang="en-US" dirty="0"/>
                 </a:p>
               </p:txBody>
             </p:sp>
@@ -9822,7 +12155,7 @@
                 <a:lstStyle/>
                 <a:p>
                   <a:pPr algn="ctr"/>
-                  <a:endParaRPr lang="en-US"/>
+                  <a:endParaRPr lang="en-US" dirty="0"/>
                 </a:p>
               </p:txBody>
             </p:sp>
@@ -9872,7 +12205,7 @@
                 <a:lstStyle/>
                 <a:p>
                   <a:pPr algn="ctr"/>
-                  <a:endParaRPr lang="en-US" b="1">
+                  <a:endParaRPr lang="en-US" b="1" dirty="0">
                     <a:ln w="12700">
                       <a:solidFill>
                         <a:schemeClr val="tx2">
@@ -9958,7 +12291,7 @@
                 <a:lstStyle/>
                 <a:p>
                   <a:pPr algn="ctr"/>
-                  <a:endParaRPr lang="en-US"/>
+                  <a:endParaRPr lang="en-US" dirty="0"/>
                 </a:p>
               </p:txBody>
             </p:sp>
@@ -10010,7 +12343,7 @@
                 <a:lstStyle/>
                 <a:p>
                   <a:pPr algn="ctr"/>
-                  <a:endParaRPr lang="en-US"/>
+                  <a:endParaRPr lang="en-US" dirty="0"/>
                 </a:p>
               </p:txBody>
             </p:sp>
@@ -10060,7 +12393,7 @@
                 <a:lstStyle/>
                 <a:p>
                   <a:pPr algn="ctr"/>
-                  <a:endParaRPr lang="en-US" b="1">
+                  <a:endParaRPr lang="en-US" b="1" dirty="0">
                     <a:ln w="12700">
                       <a:solidFill>
                         <a:schemeClr val="tx2">
@@ -10146,7 +12479,7 @@
                 <a:lstStyle/>
                 <a:p>
                   <a:pPr algn="ctr"/>
-                  <a:endParaRPr lang="en-US"/>
+                  <a:endParaRPr lang="en-US" dirty="0"/>
                 </a:p>
               </p:txBody>
             </p:sp>
@@ -10198,7 +12531,7 @@
                 <a:lstStyle/>
                 <a:p>
                   <a:pPr algn="ctr"/>
-                  <a:endParaRPr lang="en-US"/>
+                  <a:endParaRPr lang="en-US" dirty="0"/>
                 </a:p>
               </p:txBody>
             </p:sp>
@@ -10249,7 +12582,7 @@
               <a:lstStyle/>
               <a:p>
                 <a:pPr algn="ctr"/>
-                <a:endParaRPr lang="en-US" b="1">
+                <a:endParaRPr lang="en-US" b="1" dirty="0">
                   <a:ln w="12700">
                     <a:solidFill>
                       <a:schemeClr val="tx2">
@@ -10320,7 +12653,7 @@
               <a:lstStyle/>
               <a:p>
                 <a:pPr algn="ctr"/>
-                <a:endParaRPr lang="en-US"/>
+                <a:endParaRPr lang="en-US" dirty="0"/>
               </a:p>
             </p:txBody>
           </p:sp>
@@ -10446,7 +12779,7 @@
             <a:lstStyle/>
             <a:p>
               <a:pPr algn="ctr"/>
-              <a:endParaRPr lang="en-US"/>
+              <a:endParaRPr lang="en-US" dirty="0"/>
             </a:p>
           </p:txBody>
         </p:sp>
@@ -10566,7 +12899,7 @@
                     <a:lstStyle/>
                     <a:p>
                       <a:pPr algn="ctr"/>
-                      <a:endParaRPr lang="en-US"/>
+                      <a:endParaRPr lang="en-US" dirty="0"/>
                     </a:p>
                   </p:txBody>
                 </p:sp>
@@ -10618,7 +12951,7 @@
                     <a:lstStyle/>
                     <a:p>
                       <a:pPr algn="ctr"/>
-                      <a:endParaRPr lang="en-US"/>
+                      <a:endParaRPr lang="en-US" dirty="0"/>
                     </a:p>
                   </p:txBody>
                 </p:sp>
@@ -10668,7 +13001,7 @@
                     <a:lstStyle/>
                     <a:p>
                       <a:pPr algn="ctr"/>
-                      <a:endParaRPr lang="en-US" b="1">
+                      <a:endParaRPr lang="en-US" b="1" dirty="0">
                         <a:ln w="12700">
                           <a:solidFill>
                             <a:schemeClr val="tx2">
@@ -10754,7 +13087,7 @@
                     <a:lstStyle/>
                     <a:p>
                       <a:pPr algn="ctr"/>
-                      <a:endParaRPr lang="en-US"/>
+                      <a:endParaRPr lang="en-US" dirty="0"/>
                     </a:p>
                   </p:txBody>
                 </p:sp>
@@ -10806,7 +13139,7 @@
                     <a:lstStyle/>
                     <a:p>
                       <a:pPr algn="ctr"/>
-                      <a:endParaRPr lang="en-US"/>
+                      <a:endParaRPr lang="en-US" dirty="0"/>
                     </a:p>
                   </p:txBody>
                 </p:sp>
@@ -10856,7 +13189,7 @@
                     <a:lstStyle/>
                     <a:p>
                       <a:pPr algn="ctr"/>
-                      <a:endParaRPr lang="en-US" b="1">
+                      <a:endParaRPr lang="en-US" b="1" dirty="0">
                         <a:ln w="12700">
                           <a:solidFill>
                             <a:schemeClr val="tx2">
@@ -10943,7 +13276,7 @@
                   <a:lstStyle/>
                   <a:p>
                     <a:pPr algn="ctr"/>
-                    <a:endParaRPr lang="en-US"/>
+                    <a:endParaRPr lang="en-US" dirty="0"/>
                   </a:p>
                 </p:txBody>
               </p:sp>
@@ -10995,7 +13328,7 @@
                   <a:lstStyle/>
                   <a:p>
                     <a:pPr algn="ctr"/>
-                    <a:endParaRPr lang="en-US"/>
+                    <a:endParaRPr lang="en-US" dirty="0"/>
                   </a:p>
                 </p:txBody>
               </p:sp>
@@ -11046,7 +13379,7 @@
                 <a:lstStyle/>
                 <a:p>
                   <a:pPr algn="ctr"/>
-                  <a:endParaRPr lang="en-US" b="1">
+                  <a:endParaRPr lang="en-US" b="1" dirty="0">
                     <a:ln w="12700">
                       <a:solidFill>
                         <a:schemeClr val="tx2">
@@ -11117,7 +13450,7 @@
                 <a:lstStyle/>
                 <a:p>
                   <a:pPr algn="ctr"/>
-                  <a:endParaRPr lang="en-US"/>
+                  <a:endParaRPr lang="en-US" dirty="0"/>
                 </a:p>
               </p:txBody>
             </p:sp>
@@ -11243,7 +13576,7 @@
               <a:lstStyle/>
               <a:p>
                 <a:pPr algn="ctr"/>
-                <a:endParaRPr lang="en-US"/>
+                <a:endParaRPr lang="en-US" dirty="0"/>
               </a:p>
             </p:txBody>
           </p:sp>

--- a/Diagramas/cloud-capacitor-figuras.pptx
+++ b/Diagramas/cloud-capacitor-figuras.pptx
@@ -5,9 +5,10 @@
     <p:sldMasterId id="2147483648" r:id="rId1"/>
   </p:sldMasterIdLst>
   <p:sldIdLst>
-    <p:sldId id="256" r:id="rId2"/>
-    <p:sldId id="257" r:id="rId3"/>
-    <p:sldId id="258" r:id="rId4"/>
+    <p:sldId id="259" r:id="rId2"/>
+    <p:sldId id="256" r:id="rId3"/>
+    <p:sldId id="257" r:id="rId4"/>
+    <p:sldId id="258" r:id="rId5"/>
   </p:sldIdLst>
   <p:sldSz cx="9144000" cy="6858000" type="screen4x3"/>
   <p:notesSz cx="6858000" cy="9144000"/>
@@ -291,7 +292,7 @@
             <a:fld id="{708D1DEB-A605-D34A-9267-527E5683CC94}" type="datetimeFigureOut">
               <a:rPr lang="en-US" smtClean="0"/>
               <a:pPr/>
-              <a:t>06/11/14</a:t>
+              <a:t>07/11/14</a:t>
             </a:fld>
             <a:endParaRPr lang="en-US" dirty="0"/>
           </a:p>
@@ -463,7 +464,7 @@
             <a:fld id="{708D1DEB-A605-D34A-9267-527E5683CC94}" type="datetimeFigureOut">
               <a:rPr lang="en-US" smtClean="0"/>
               <a:pPr/>
-              <a:t>06/11/14</a:t>
+              <a:t>07/11/14</a:t>
             </a:fld>
             <a:endParaRPr lang="en-US" dirty="0"/>
           </a:p>
@@ -645,7 +646,7 @@
             <a:fld id="{708D1DEB-A605-D34A-9267-527E5683CC94}" type="datetimeFigureOut">
               <a:rPr lang="en-US" smtClean="0"/>
               <a:pPr/>
-              <a:t>06/11/14</a:t>
+              <a:t>07/11/14</a:t>
             </a:fld>
             <a:endParaRPr lang="en-US" dirty="0"/>
           </a:p>
@@ -817,7 +818,7 @@
             <a:fld id="{708D1DEB-A605-D34A-9267-527E5683CC94}" type="datetimeFigureOut">
               <a:rPr lang="en-US" smtClean="0"/>
               <a:pPr/>
-              <a:t>06/11/14</a:t>
+              <a:t>07/11/14</a:t>
             </a:fld>
             <a:endParaRPr lang="en-US" dirty="0"/>
           </a:p>
@@ -1065,7 +1066,7 @@
             <a:fld id="{708D1DEB-A605-D34A-9267-527E5683CC94}" type="datetimeFigureOut">
               <a:rPr lang="en-US" smtClean="0"/>
               <a:pPr/>
-              <a:t>06/11/14</a:t>
+              <a:t>07/11/14</a:t>
             </a:fld>
             <a:endParaRPr lang="en-US" dirty="0"/>
           </a:p>
@@ -1355,7 +1356,7 @@
             <a:fld id="{708D1DEB-A605-D34A-9267-527E5683CC94}" type="datetimeFigureOut">
               <a:rPr lang="en-US" smtClean="0"/>
               <a:pPr/>
-              <a:t>06/11/14</a:t>
+              <a:t>07/11/14</a:t>
             </a:fld>
             <a:endParaRPr lang="en-US" dirty="0"/>
           </a:p>
@@ -1779,7 +1780,7 @@
             <a:fld id="{708D1DEB-A605-D34A-9267-527E5683CC94}" type="datetimeFigureOut">
               <a:rPr lang="en-US" smtClean="0"/>
               <a:pPr/>
-              <a:t>06/11/14</a:t>
+              <a:t>07/11/14</a:t>
             </a:fld>
             <a:endParaRPr lang="en-US" dirty="0"/>
           </a:p>
@@ -1899,7 +1900,7 @@
             <a:fld id="{708D1DEB-A605-D34A-9267-527E5683CC94}" type="datetimeFigureOut">
               <a:rPr lang="en-US" smtClean="0"/>
               <a:pPr/>
-              <a:t>06/11/14</a:t>
+              <a:t>07/11/14</a:t>
             </a:fld>
             <a:endParaRPr lang="en-US" dirty="0"/>
           </a:p>
@@ -1996,7 +1997,7 @@
             <a:fld id="{708D1DEB-A605-D34A-9267-527E5683CC94}" type="datetimeFigureOut">
               <a:rPr lang="en-US" smtClean="0"/>
               <a:pPr/>
-              <a:t>06/11/14</a:t>
+              <a:t>07/11/14</a:t>
             </a:fld>
             <a:endParaRPr lang="en-US" dirty="0"/>
           </a:p>
@@ -2275,7 +2276,7 @@
             <a:fld id="{708D1DEB-A605-D34A-9267-527E5683CC94}" type="datetimeFigureOut">
               <a:rPr lang="en-US" smtClean="0"/>
               <a:pPr/>
-              <a:t>06/11/14</a:t>
+              <a:t>07/11/14</a:t>
             </a:fld>
             <a:endParaRPr lang="en-US" dirty="0"/>
           </a:p>
@@ -2530,7 +2531,7 @@
             <a:fld id="{708D1DEB-A605-D34A-9267-527E5683CC94}" type="datetimeFigureOut">
               <a:rPr lang="en-US" smtClean="0"/>
               <a:pPr/>
-              <a:t>06/11/14</a:t>
+              <a:t>07/11/14</a:t>
             </a:fld>
             <a:endParaRPr lang="en-US" dirty="0"/>
           </a:p>
@@ -2745,7 +2746,7 @@
             <a:fld id="{708D1DEB-A605-D34A-9267-527E5683CC94}" type="datetimeFigureOut">
               <a:rPr lang="en-US" smtClean="0"/>
               <a:pPr/>
-              <a:t>06/11/14</a:t>
+              <a:t>07/11/14</a:t>
             </a:fld>
             <a:endParaRPr lang="en-US" dirty="0"/>
           </a:p>
@@ -3130,7 +3131,7 @@
           <p:nvPr>
             <p:extLst>
               <p:ext uri="{D42A27DB-BD31-4B8C-83A1-F6EECF244321}">
-                <p14:modId xmlns:p14="http://schemas.microsoft.com/office/powerpoint/2010/main" val="1994304905"/>
+                <p14:modId xmlns:p14="http://schemas.microsoft.com/office/powerpoint/2010/main" val="1094587091"/>
               </p:ext>
             </p:extLst>
           </p:nvPr>
@@ -4197,11 +4198,7 @@
                       </a:r>
                       <a:r>
                         <a:rPr lang="en-US" sz="1400" i="1" baseline="-25000" dirty="0" smtClean="0"/>
-                        <a:t>n</a:t>
-                      </a:r>
-                      <a:r>
-                        <a:rPr lang="en-US" sz="1400" i="1" baseline="-25000" dirty="0" smtClean="0"/>
-                        <a:t>/2</a:t>
+                        <a:t>n/2</a:t>
                       </a:r>
                       <a:endParaRPr lang="en-US" sz="1400" i="1" baseline="-25000" dirty="0"/>
                     </a:p>
@@ -5487,6 +5484,5322 @@
     </p:spTree>
     <p:extLst>
       <p:ext uri="{BB962C8B-B14F-4D97-AF65-F5344CB8AC3E}">
+        <p14:creationId xmlns:p14="http://schemas.microsoft.com/office/powerpoint/2010/main" val="1521051308"/>
+      </p:ext>
+    </p:extLst>
+  </p:cSld>
+  <p:clrMapOvr>
+    <a:masterClrMapping/>
+  </p:clrMapOvr>
+</p:sld>
+</file>
+
+<file path=ppt/slides/slide2.xml><?xml version="1.0" encoding="utf-8"?>
+<p:sld xmlns:a="http://schemas.openxmlformats.org/drawingml/2006/main" xmlns:r="http://schemas.openxmlformats.org/officeDocument/2006/relationships" xmlns:p="http://schemas.openxmlformats.org/presentationml/2006/main">
+  <p:cSld>
+    <p:spTree>
+      <p:nvGrpSpPr>
+        <p:cNvPr id="1" name=""/>
+        <p:cNvGrpSpPr/>
+        <p:nvPr/>
+      </p:nvGrpSpPr>
+      <p:grpSpPr>
+        <a:xfrm>
+          <a:off x="0" y="0"/>
+          <a:ext cx="0" cy="0"/>
+          <a:chOff x="0" y="0"/>
+          <a:chExt cx="0" cy="0"/>
+        </a:xfrm>
+      </p:grpSpPr>
+      <p:graphicFrame>
+        <p:nvGraphicFramePr>
+          <p:cNvPr id="3" name="Table 2"/>
+          <p:cNvGraphicFramePr>
+            <a:graphicFrameLocks noGrp="1"/>
+          </p:cNvGraphicFramePr>
+          <p:nvPr>
+            <p:extLst>
+              <p:ext uri="{D42A27DB-BD31-4B8C-83A1-F6EECF244321}">
+                <p14:modId xmlns:p14="http://schemas.microsoft.com/office/powerpoint/2010/main" val="1932865243"/>
+              </p:ext>
+            </p:extLst>
+          </p:nvPr>
+        </p:nvGraphicFramePr>
+        <p:xfrm>
+          <a:off x="514223" y="1012825"/>
+          <a:ext cx="2381780" cy="1706223"/>
+        </p:xfrm>
+        <a:graphic>
+          <a:graphicData uri="http://schemas.openxmlformats.org/drawingml/2006/table">
+            <a:tbl>
+              <a:tblPr firstRow="1" bandRow="1">
+                <a:tableStyleId>{2D5ABB26-0587-4C30-8999-92F81FD0307C}</a:tableStyleId>
+              </a:tblPr>
+              <a:tblGrid>
+                <a:gridCol w="399401"/>
+                <a:gridCol w="383472"/>
+                <a:gridCol w="383472"/>
+                <a:gridCol w="378326"/>
+                <a:gridCol w="407414"/>
+                <a:gridCol w="429695"/>
+              </a:tblGrid>
+              <a:tr h="288266">
+                <a:tc>
+                  <a:txBody>
+                    <a:bodyPr/>
+                    <a:lstStyle/>
+                    <a:p>
+                      <a:pPr algn="ctr"/>
+                      <a:endParaRPr lang="en-US" sz="1400" i="1" baseline="-25000" dirty="0"/>
+                    </a:p>
+                  </a:txBody>
+                  <a:tcPr marL="36000" marR="36000" marT="0" marB="0" anchor="ctr">
+                    <a:lnL w="12700" cap="flat" cmpd="sng" algn="ctr">
+                      <a:noFill/>
+                      <a:prstDash val="solid"/>
+                      <a:round/>
+                      <a:headEnd type="none" w="med" len="med"/>
+                      <a:tailEnd type="none" w="med" len="med"/>
+                    </a:lnL>
+                    <a:lnR w="12700" cap="flat" cmpd="sng" algn="ctr">
+                      <a:noFill/>
+                      <a:prstDash val="solid"/>
+                      <a:round/>
+                      <a:headEnd type="none" w="med" len="med"/>
+                      <a:tailEnd type="none" w="med" len="med"/>
+                    </a:lnR>
+                    <a:lnT w="12700" cap="flat" cmpd="sng" algn="ctr">
+                      <a:noFill/>
+                      <a:prstDash val="solid"/>
+                      <a:round/>
+                      <a:headEnd type="none" w="med" len="med"/>
+                      <a:tailEnd type="none" w="med" len="med"/>
+                    </a:lnT>
+                    <a:lnB w="12700" cap="flat" cmpd="sng" algn="ctr">
+                      <a:noFill/>
+                      <a:prstDash val="solid"/>
+                      <a:round/>
+                      <a:headEnd type="none" w="med" len="med"/>
+                      <a:tailEnd type="none" w="med" len="med"/>
+                    </a:lnB>
+                    <a:lnTlToBr w="12700" cmpd="sng">
+                      <a:noFill/>
+                      <a:prstDash val="solid"/>
+                    </a:lnTlToBr>
+                    <a:lnBlToTr w="12700" cmpd="sng">
+                      <a:noFill/>
+                      <a:prstDash val="solid"/>
+                    </a:lnBlToTr>
+                  </a:tcPr>
+                </a:tc>
+                <a:tc>
+                  <a:txBody>
+                    <a:bodyPr/>
+                    <a:lstStyle/>
+                    <a:p>
+                      <a:pPr algn="ctr"/>
+                      <a:r>
+                        <a:rPr lang="en-US" sz="1400" i="1" baseline="0" dirty="0" smtClean="0"/>
+                        <a:t>W</a:t>
+                      </a:r>
+                      <a:r>
+                        <a:rPr lang="en-US" sz="1400" i="1" baseline="-25000" dirty="0" smtClean="0"/>
+                        <a:t>1</a:t>
+                      </a:r>
+                      <a:endParaRPr lang="en-US" sz="1400" i="1" baseline="-25000" dirty="0"/>
+                    </a:p>
+                  </a:txBody>
+                  <a:tcPr marL="36000" marR="36000" marT="0" marB="0" anchor="ctr">
+                    <a:lnL w="12700" cap="flat" cmpd="sng" algn="ctr">
+                      <a:noFill/>
+                      <a:prstDash val="solid"/>
+                      <a:round/>
+                      <a:headEnd type="none" w="med" len="med"/>
+                      <a:tailEnd type="none" w="med" len="med"/>
+                    </a:lnL>
+                    <a:lnR w="12700" cap="flat" cmpd="sng" algn="ctr">
+                      <a:noFill/>
+                      <a:prstDash val="solid"/>
+                      <a:round/>
+                      <a:headEnd type="none" w="med" len="med"/>
+                      <a:tailEnd type="none" w="med" len="med"/>
+                    </a:lnR>
+                    <a:lnT w="12700" cap="flat" cmpd="sng" algn="ctr">
+                      <a:noFill/>
+                      <a:prstDash val="solid"/>
+                      <a:round/>
+                      <a:headEnd type="none" w="med" len="med"/>
+                      <a:tailEnd type="none" w="med" len="med"/>
+                    </a:lnT>
+                    <a:lnB w="12700" cap="flat" cmpd="sng" algn="ctr">
+                      <a:solidFill>
+                        <a:scrgbClr r="0" g="0" b="0"/>
+                      </a:solidFill>
+                      <a:prstDash val="solid"/>
+                      <a:round/>
+                      <a:headEnd type="none" w="med" len="med"/>
+                      <a:tailEnd type="none" w="med" len="med"/>
+                    </a:lnB>
+                    <a:lnTlToBr w="12700" cmpd="sng">
+                      <a:noFill/>
+                      <a:prstDash val="solid"/>
+                    </a:lnTlToBr>
+                    <a:lnBlToTr w="12700" cmpd="sng">
+                      <a:noFill/>
+                      <a:prstDash val="solid"/>
+                    </a:lnBlToTr>
+                  </a:tcPr>
+                </a:tc>
+                <a:tc>
+                  <a:txBody>
+                    <a:bodyPr/>
+                    <a:lstStyle/>
+                    <a:p>
+                      <a:pPr algn="ctr"/>
+                      <a:r>
+                        <a:rPr lang="en-US" sz="1400" i="1" baseline="0" dirty="0" smtClean="0"/>
+                        <a:t>W</a:t>
+                      </a:r>
+                      <a:r>
+                        <a:rPr lang="en-US" sz="1400" i="1" baseline="-25000" dirty="0" smtClean="0"/>
+                        <a:t>2</a:t>
+                      </a:r>
+                      <a:endParaRPr lang="en-US" sz="1400" i="1" baseline="-25000" dirty="0"/>
+                    </a:p>
+                  </a:txBody>
+                  <a:tcPr marL="36000" marR="36000" marT="0" marB="0" anchor="ctr">
+                    <a:lnL w="12700" cap="flat" cmpd="sng" algn="ctr">
+                      <a:noFill/>
+                      <a:prstDash val="solid"/>
+                      <a:round/>
+                      <a:headEnd type="none" w="med" len="med"/>
+                      <a:tailEnd type="none" w="med" len="med"/>
+                    </a:lnL>
+                    <a:lnR w="12700" cap="flat" cmpd="sng" algn="ctr">
+                      <a:noFill/>
+                      <a:prstDash val="solid"/>
+                      <a:round/>
+                      <a:headEnd type="none" w="med" len="med"/>
+                      <a:tailEnd type="none" w="med" len="med"/>
+                    </a:lnR>
+                    <a:lnT w="12700" cap="flat" cmpd="sng" algn="ctr">
+                      <a:noFill/>
+                      <a:prstDash val="solid"/>
+                      <a:round/>
+                      <a:headEnd type="none" w="med" len="med"/>
+                      <a:tailEnd type="none" w="med" len="med"/>
+                    </a:lnT>
+                    <a:lnB w="12700" cap="flat" cmpd="sng" algn="ctr">
+                      <a:solidFill>
+                        <a:scrgbClr r="0" g="0" b="0"/>
+                      </a:solidFill>
+                      <a:prstDash val="solid"/>
+                      <a:round/>
+                      <a:headEnd type="none" w="med" len="med"/>
+                      <a:tailEnd type="none" w="med" len="med"/>
+                    </a:lnB>
+                    <a:lnTlToBr w="12700" cmpd="sng">
+                      <a:noFill/>
+                      <a:prstDash val="solid"/>
+                    </a:lnTlToBr>
+                    <a:lnBlToTr w="12700" cmpd="sng">
+                      <a:noFill/>
+                      <a:prstDash val="solid"/>
+                    </a:lnBlToTr>
+                  </a:tcPr>
+                </a:tc>
+                <a:tc>
+                  <a:txBody>
+                    <a:bodyPr/>
+                    <a:lstStyle/>
+                    <a:p>
+                      <a:pPr algn="ctr"/>
+                      <a:r>
+                        <a:rPr lang="en-US" sz="1400" i="1" baseline="0" dirty="0" smtClean="0"/>
+                        <a:t>W</a:t>
+                      </a:r>
+                      <a:r>
+                        <a:rPr lang="en-US" sz="1400" i="1" baseline="-25000" dirty="0" smtClean="0"/>
+                        <a:t>3</a:t>
+                      </a:r>
+                      <a:endParaRPr lang="en-US" sz="1400" i="1" baseline="-25000" dirty="0"/>
+                    </a:p>
+                  </a:txBody>
+                  <a:tcPr marL="36000" marR="36000" marT="0" marB="0" anchor="ctr">
+                    <a:lnL w="12700" cap="flat" cmpd="sng" algn="ctr">
+                      <a:noFill/>
+                      <a:prstDash val="solid"/>
+                      <a:round/>
+                      <a:headEnd type="none" w="med" len="med"/>
+                      <a:tailEnd type="none" w="med" len="med"/>
+                    </a:lnL>
+                    <a:lnR w="12700" cap="flat" cmpd="sng" algn="ctr">
+                      <a:noFill/>
+                      <a:prstDash val="solid"/>
+                      <a:round/>
+                      <a:headEnd type="none" w="med" len="med"/>
+                      <a:tailEnd type="none" w="med" len="med"/>
+                    </a:lnR>
+                    <a:lnT w="12700" cap="flat" cmpd="sng" algn="ctr">
+                      <a:noFill/>
+                      <a:prstDash val="solid"/>
+                      <a:round/>
+                      <a:headEnd type="none" w="med" len="med"/>
+                      <a:tailEnd type="none" w="med" len="med"/>
+                    </a:lnT>
+                    <a:lnB w="12700" cap="flat" cmpd="sng" algn="ctr">
+                      <a:solidFill>
+                        <a:scrgbClr r="0" g="0" b="0"/>
+                      </a:solidFill>
+                      <a:prstDash val="solid"/>
+                      <a:round/>
+                      <a:headEnd type="none" w="med" len="med"/>
+                      <a:tailEnd type="none" w="med" len="med"/>
+                    </a:lnB>
+                    <a:lnTlToBr w="12700" cmpd="sng">
+                      <a:noFill/>
+                      <a:prstDash val="solid"/>
+                    </a:lnTlToBr>
+                    <a:lnBlToTr w="12700" cmpd="sng">
+                      <a:noFill/>
+                      <a:prstDash val="solid"/>
+                    </a:lnBlToTr>
+                  </a:tcPr>
+                </a:tc>
+                <a:tc>
+                  <a:txBody>
+                    <a:bodyPr/>
+                    <a:lstStyle/>
+                    <a:p>
+                      <a:pPr algn="ctr"/>
+                      <a:r>
+                        <a:rPr lang="en-US" sz="1400" i="1" dirty="0" smtClean="0"/>
+                        <a:t>W</a:t>
+                      </a:r>
+                      <a:r>
+                        <a:rPr lang="en-US" sz="1400" i="1" baseline="-25000" dirty="0" smtClean="0"/>
+                        <a:t>4</a:t>
+                      </a:r>
+                      <a:endParaRPr lang="en-US" sz="1400" i="1" baseline="-25000" dirty="0"/>
+                    </a:p>
+                  </a:txBody>
+                  <a:tcPr marL="36000" marR="36000" marT="0" marB="0" anchor="ctr">
+                    <a:lnL w="12700" cap="flat" cmpd="sng" algn="ctr">
+                      <a:noFill/>
+                      <a:prstDash val="solid"/>
+                      <a:round/>
+                      <a:headEnd type="none" w="med" len="med"/>
+                      <a:tailEnd type="none" w="med" len="med"/>
+                    </a:lnL>
+                    <a:lnR w="12700" cap="flat" cmpd="sng" algn="ctr">
+                      <a:noFill/>
+                      <a:prstDash val="solid"/>
+                      <a:round/>
+                      <a:headEnd type="none" w="med" len="med"/>
+                      <a:tailEnd type="none" w="med" len="med"/>
+                    </a:lnR>
+                    <a:lnT w="12700" cap="flat" cmpd="sng" algn="ctr">
+                      <a:noFill/>
+                      <a:prstDash val="solid"/>
+                      <a:round/>
+                      <a:headEnd type="none" w="med" len="med"/>
+                      <a:tailEnd type="none" w="med" len="med"/>
+                    </a:lnT>
+                    <a:lnB w="12700" cap="flat" cmpd="sng" algn="ctr">
+                      <a:solidFill>
+                        <a:scrgbClr r="0" g="0" b="0"/>
+                      </a:solidFill>
+                      <a:prstDash val="solid"/>
+                      <a:round/>
+                      <a:headEnd type="none" w="med" len="med"/>
+                      <a:tailEnd type="none" w="med" len="med"/>
+                    </a:lnB>
+                    <a:lnTlToBr w="12700" cmpd="sng">
+                      <a:noFill/>
+                      <a:prstDash val="solid"/>
+                    </a:lnTlToBr>
+                    <a:lnBlToTr w="12700" cmpd="sng">
+                      <a:noFill/>
+                      <a:prstDash val="solid"/>
+                    </a:lnBlToTr>
+                  </a:tcPr>
+                </a:tc>
+                <a:tc>
+                  <a:txBody>
+                    <a:bodyPr/>
+                    <a:lstStyle/>
+                    <a:p>
+                      <a:pPr algn="ctr"/>
+                      <a:r>
+                        <a:rPr lang="en-US" sz="1400" i="1" dirty="0" smtClean="0"/>
+                        <a:t>W</a:t>
+                      </a:r>
+                      <a:r>
+                        <a:rPr lang="en-US" sz="1400" i="1" baseline="-25000" dirty="0" smtClean="0"/>
+                        <a:t>5</a:t>
+                      </a:r>
+                      <a:endParaRPr lang="en-US" sz="1400" i="1" baseline="-25000" dirty="0"/>
+                    </a:p>
+                  </a:txBody>
+                  <a:tcPr marL="36000" marR="36000" marT="0" marB="0" anchor="ctr">
+                    <a:lnL w="12700" cap="flat" cmpd="sng" algn="ctr">
+                      <a:noFill/>
+                      <a:prstDash val="solid"/>
+                      <a:round/>
+                      <a:headEnd type="none" w="med" len="med"/>
+                      <a:tailEnd type="none" w="med" len="med"/>
+                    </a:lnL>
+                    <a:lnR w="12700" cap="flat" cmpd="sng" algn="ctr">
+                      <a:noFill/>
+                      <a:prstDash val="solid"/>
+                      <a:round/>
+                      <a:headEnd type="none" w="med" len="med"/>
+                      <a:tailEnd type="none" w="med" len="med"/>
+                    </a:lnR>
+                    <a:lnT w="12700" cap="flat" cmpd="sng" algn="ctr">
+                      <a:noFill/>
+                      <a:prstDash val="solid"/>
+                      <a:round/>
+                      <a:headEnd type="none" w="med" len="med"/>
+                      <a:tailEnd type="none" w="med" len="med"/>
+                    </a:lnT>
+                    <a:lnB w="12700" cap="flat" cmpd="sng" algn="ctr">
+                      <a:solidFill>
+                        <a:scrgbClr r="0" g="0" b="0"/>
+                      </a:solidFill>
+                      <a:prstDash val="solid"/>
+                      <a:round/>
+                      <a:headEnd type="none" w="med" len="med"/>
+                      <a:tailEnd type="none" w="med" len="med"/>
+                    </a:lnB>
+                    <a:lnTlToBr w="12700" cmpd="sng">
+                      <a:noFill/>
+                      <a:prstDash val="solid"/>
+                    </a:lnTlToBr>
+                    <a:lnBlToTr w="12700" cmpd="sng">
+                      <a:noFill/>
+                      <a:prstDash val="solid"/>
+                    </a:lnBlToTr>
+                  </a:tcPr>
+                </a:tc>
+              </a:tr>
+              <a:tr h="272685">
+                <a:tc>
+                  <a:txBody>
+                    <a:bodyPr/>
+                    <a:lstStyle/>
+                    <a:p>
+                      <a:pPr algn="ctr"/>
+                      <a:r>
+                        <a:rPr lang="en-US" sz="1400" i="1" dirty="0" smtClean="0"/>
+                        <a:t>C</a:t>
+                      </a:r>
+                      <a:r>
+                        <a:rPr lang="en-US" sz="1400" i="1" baseline="-25000" dirty="0" smtClean="0"/>
+                        <a:t>1</a:t>
+                      </a:r>
+                      <a:endParaRPr lang="en-US" sz="1400" i="1" baseline="-25000" dirty="0"/>
+                    </a:p>
+                  </a:txBody>
+                  <a:tcPr marL="36000" marR="36000" marT="0" marB="0" anchor="ctr">
+                    <a:lnL w="12700" cap="flat" cmpd="sng" algn="ctr">
+                      <a:noFill/>
+                      <a:prstDash val="solid"/>
+                      <a:round/>
+                      <a:headEnd type="none" w="med" len="med"/>
+                      <a:tailEnd type="none" w="med" len="med"/>
+                    </a:lnL>
+                    <a:lnR w="12700" cap="flat" cmpd="sng" algn="ctr">
+                      <a:solidFill>
+                        <a:scrgbClr r="0" g="0" b="0"/>
+                      </a:solidFill>
+                      <a:prstDash val="solid"/>
+                      <a:round/>
+                      <a:headEnd type="none" w="med" len="med"/>
+                      <a:tailEnd type="none" w="med" len="med"/>
+                    </a:lnR>
+                    <a:lnT w="12700" cap="flat" cmpd="sng" algn="ctr">
+                      <a:noFill/>
+                      <a:prstDash val="solid"/>
+                      <a:round/>
+                      <a:headEnd type="none" w="med" len="med"/>
+                      <a:tailEnd type="none" w="med" len="med"/>
+                    </a:lnT>
+                    <a:lnB w="12700" cap="flat" cmpd="sng" algn="ctr">
+                      <a:noFill/>
+                      <a:prstDash val="solid"/>
+                      <a:round/>
+                      <a:headEnd type="none" w="med" len="med"/>
+                      <a:tailEnd type="none" w="med" len="med"/>
+                    </a:lnB>
+                    <a:lnTlToBr w="12700" cmpd="sng">
+                      <a:noFill/>
+                      <a:prstDash val="solid"/>
+                    </a:lnTlToBr>
+                    <a:lnBlToTr w="12700" cmpd="sng">
+                      <a:noFill/>
+                      <a:prstDash val="solid"/>
+                    </a:lnBlToTr>
+                  </a:tcPr>
+                </a:tc>
+                <a:tc>
+                  <a:txBody>
+                    <a:bodyPr/>
+                    <a:lstStyle/>
+                    <a:p>
+                      <a:pPr algn="ctr"/>
+                      <a:endParaRPr lang="en-US" sz="1600" dirty="0"/>
+                    </a:p>
+                  </a:txBody>
+                  <a:tcPr marL="36000" marR="36000" marT="0" marB="0" anchor="ctr">
+                    <a:lnL w="12700" cap="flat" cmpd="sng" algn="ctr">
+                      <a:solidFill>
+                        <a:scrgbClr r="0" g="0" b="0"/>
+                      </a:solidFill>
+                      <a:prstDash val="solid"/>
+                      <a:round/>
+                      <a:headEnd type="none" w="med" len="med"/>
+                      <a:tailEnd type="none" w="med" len="med"/>
+                    </a:lnL>
+                    <a:lnR w="12700" cap="flat" cmpd="sng" algn="ctr">
+                      <a:solidFill>
+                        <a:scrgbClr r="0" g="0" b="0"/>
+                      </a:solidFill>
+                      <a:prstDash val="solid"/>
+                      <a:round/>
+                      <a:headEnd type="none" w="med" len="med"/>
+                      <a:tailEnd type="none" w="med" len="med"/>
+                    </a:lnR>
+                    <a:lnT w="12700" cap="flat" cmpd="sng" algn="ctr">
+                      <a:solidFill>
+                        <a:scrgbClr r="0" g="0" b="0"/>
+                      </a:solidFill>
+                      <a:prstDash val="solid"/>
+                      <a:round/>
+                      <a:headEnd type="none" w="med" len="med"/>
+                      <a:tailEnd type="none" w="med" len="med"/>
+                    </a:lnT>
+                    <a:lnB w="12700" cap="flat" cmpd="sng" algn="ctr">
+                      <a:solidFill>
+                        <a:scrgbClr r="0" g="0" b="0"/>
+                      </a:solidFill>
+                      <a:prstDash val="solid"/>
+                      <a:round/>
+                      <a:headEnd type="none" w="med" len="med"/>
+                      <a:tailEnd type="none" w="med" len="med"/>
+                    </a:lnB>
+                    <a:lnTlToBr w="12700" cmpd="sng">
+                      <a:noFill/>
+                      <a:prstDash val="solid"/>
+                    </a:lnTlToBr>
+                    <a:lnBlToTr w="12700" cmpd="sng">
+                      <a:noFill/>
+                      <a:prstDash val="solid"/>
+                    </a:lnBlToTr>
+                    <a:solidFill>
+                      <a:schemeClr val="bg1"/>
+                    </a:solidFill>
+                  </a:tcPr>
+                </a:tc>
+                <a:tc>
+                  <a:txBody>
+                    <a:bodyPr/>
+                    <a:lstStyle/>
+                    <a:p>
+                      <a:pPr algn="ctr"/>
+                      <a:endParaRPr lang="en-US" sz="1600" dirty="0"/>
+                    </a:p>
+                  </a:txBody>
+                  <a:tcPr marL="36000" marR="36000" marT="0" marB="0" anchor="ctr">
+                    <a:lnL w="12700" cap="flat" cmpd="sng" algn="ctr">
+                      <a:solidFill>
+                        <a:scrgbClr r="0" g="0" b="0"/>
+                      </a:solidFill>
+                      <a:prstDash val="solid"/>
+                      <a:round/>
+                      <a:headEnd type="none" w="med" len="med"/>
+                      <a:tailEnd type="none" w="med" len="med"/>
+                    </a:lnL>
+                    <a:lnR w="12700" cap="flat" cmpd="sng" algn="ctr">
+                      <a:solidFill>
+                        <a:scrgbClr r="0" g="0" b="0"/>
+                      </a:solidFill>
+                      <a:prstDash val="solid"/>
+                      <a:round/>
+                      <a:headEnd type="none" w="med" len="med"/>
+                      <a:tailEnd type="none" w="med" len="med"/>
+                    </a:lnR>
+                    <a:lnT w="12700" cap="flat" cmpd="sng" algn="ctr">
+                      <a:solidFill>
+                        <a:scrgbClr r="0" g="0" b="0"/>
+                      </a:solidFill>
+                      <a:prstDash val="solid"/>
+                      <a:round/>
+                      <a:headEnd type="none" w="med" len="med"/>
+                      <a:tailEnd type="none" w="med" len="med"/>
+                    </a:lnT>
+                    <a:lnB w="12700" cap="flat" cmpd="sng" algn="ctr">
+                      <a:solidFill>
+                        <a:scrgbClr r="0" g="0" b="0"/>
+                      </a:solidFill>
+                      <a:prstDash val="solid"/>
+                      <a:round/>
+                      <a:headEnd type="none" w="med" len="med"/>
+                      <a:tailEnd type="none" w="med" len="med"/>
+                    </a:lnB>
+                    <a:lnTlToBr w="12700" cmpd="sng">
+                      <a:noFill/>
+                      <a:prstDash val="solid"/>
+                    </a:lnTlToBr>
+                    <a:lnBlToTr w="12700" cmpd="sng">
+                      <a:noFill/>
+                      <a:prstDash val="solid"/>
+                    </a:lnBlToTr>
+                    <a:solidFill>
+                      <a:schemeClr val="bg1"/>
+                    </a:solidFill>
+                  </a:tcPr>
+                </a:tc>
+                <a:tc>
+                  <a:txBody>
+                    <a:bodyPr/>
+                    <a:lstStyle/>
+                    <a:p>
+                      <a:pPr algn="ctr"/>
+                      <a:endParaRPr lang="en-US" sz="1600" dirty="0"/>
+                    </a:p>
+                  </a:txBody>
+                  <a:tcPr marL="36000" marR="36000" marT="0" marB="0" anchor="ctr">
+                    <a:lnL w="12700" cap="flat" cmpd="sng" algn="ctr">
+                      <a:solidFill>
+                        <a:scrgbClr r="0" g="0" b="0"/>
+                      </a:solidFill>
+                      <a:prstDash val="solid"/>
+                      <a:round/>
+                      <a:headEnd type="none" w="med" len="med"/>
+                      <a:tailEnd type="none" w="med" len="med"/>
+                    </a:lnL>
+                    <a:lnR w="12700" cap="flat" cmpd="sng" algn="ctr">
+                      <a:solidFill>
+                        <a:scrgbClr r="0" g="0" b="0"/>
+                      </a:solidFill>
+                      <a:prstDash val="solid"/>
+                      <a:round/>
+                      <a:headEnd type="none" w="med" len="med"/>
+                      <a:tailEnd type="none" w="med" len="med"/>
+                    </a:lnR>
+                    <a:lnT w="12700" cap="flat" cmpd="sng" algn="ctr">
+                      <a:solidFill>
+                        <a:scrgbClr r="0" g="0" b="0"/>
+                      </a:solidFill>
+                      <a:prstDash val="solid"/>
+                      <a:round/>
+                      <a:headEnd type="none" w="med" len="med"/>
+                      <a:tailEnd type="none" w="med" len="med"/>
+                    </a:lnT>
+                    <a:lnB w="12700" cap="flat" cmpd="sng" algn="ctr">
+                      <a:solidFill>
+                        <a:scrgbClr r="0" g="0" b="0"/>
+                      </a:solidFill>
+                      <a:prstDash val="solid"/>
+                      <a:round/>
+                      <a:headEnd type="none" w="med" len="med"/>
+                      <a:tailEnd type="none" w="med" len="med"/>
+                    </a:lnB>
+                    <a:lnTlToBr w="12700" cmpd="sng">
+                      <a:noFill/>
+                      <a:prstDash val="solid"/>
+                    </a:lnTlToBr>
+                    <a:lnBlToTr w="12700" cmpd="sng">
+                      <a:noFill/>
+                      <a:prstDash val="solid"/>
+                    </a:lnBlToTr>
+                    <a:solidFill>
+                      <a:schemeClr val="bg1"/>
+                    </a:solidFill>
+                  </a:tcPr>
+                </a:tc>
+                <a:tc>
+                  <a:txBody>
+                    <a:bodyPr/>
+                    <a:lstStyle/>
+                    <a:p>
+                      <a:pPr algn="ctr"/>
+                      <a:endParaRPr lang="en-US" sz="1600" dirty="0"/>
+                    </a:p>
+                  </a:txBody>
+                  <a:tcPr marL="36000" marR="36000" marT="0" marB="0" anchor="ctr">
+                    <a:lnL w="12700" cap="flat" cmpd="sng" algn="ctr">
+                      <a:solidFill>
+                        <a:scrgbClr r="0" g="0" b="0"/>
+                      </a:solidFill>
+                      <a:prstDash val="solid"/>
+                      <a:round/>
+                      <a:headEnd type="none" w="med" len="med"/>
+                      <a:tailEnd type="none" w="med" len="med"/>
+                    </a:lnL>
+                    <a:lnR w="12700" cap="flat" cmpd="sng" algn="ctr">
+                      <a:solidFill>
+                        <a:scrgbClr r="0" g="0" b="0"/>
+                      </a:solidFill>
+                      <a:prstDash val="solid"/>
+                      <a:round/>
+                      <a:headEnd type="none" w="med" len="med"/>
+                      <a:tailEnd type="none" w="med" len="med"/>
+                    </a:lnR>
+                    <a:lnT w="12700" cap="flat" cmpd="sng" algn="ctr">
+                      <a:solidFill>
+                        <a:scrgbClr r="0" g="0" b="0"/>
+                      </a:solidFill>
+                      <a:prstDash val="solid"/>
+                      <a:round/>
+                      <a:headEnd type="none" w="med" len="med"/>
+                      <a:tailEnd type="none" w="med" len="med"/>
+                    </a:lnT>
+                    <a:lnB w="12700" cap="flat" cmpd="sng" algn="ctr">
+                      <a:solidFill>
+                        <a:scrgbClr r="0" g="0" b="0"/>
+                      </a:solidFill>
+                      <a:prstDash val="solid"/>
+                      <a:round/>
+                      <a:headEnd type="none" w="med" len="med"/>
+                      <a:tailEnd type="none" w="med" len="med"/>
+                    </a:lnB>
+                    <a:lnTlToBr w="12700" cmpd="sng">
+                      <a:noFill/>
+                      <a:prstDash val="solid"/>
+                    </a:lnTlToBr>
+                    <a:lnBlToTr w="12700" cmpd="sng">
+                      <a:noFill/>
+                      <a:prstDash val="solid"/>
+                    </a:lnBlToTr>
+                    <a:solidFill>
+                      <a:schemeClr val="bg1"/>
+                    </a:solidFill>
+                  </a:tcPr>
+                </a:tc>
+                <a:tc>
+                  <a:txBody>
+                    <a:bodyPr/>
+                    <a:lstStyle/>
+                    <a:p>
+                      <a:pPr algn="ctr"/>
+                      <a:endParaRPr lang="en-US" sz="1600" dirty="0"/>
+                    </a:p>
+                  </a:txBody>
+                  <a:tcPr marL="36000" marR="36000" marT="0" marB="0" anchor="ctr">
+                    <a:lnL w="12700" cap="flat" cmpd="sng" algn="ctr">
+                      <a:solidFill>
+                        <a:scrgbClr r="0" g="0" b="0"/>
+                      </a:solidFill>
+                      <a:prstDash val="solid"/>
+                      <a:round/>
+                      <a:headEnd type="none" w="med" len="med"/>
+                      <a:tailEnd type="none" w="med" len="med"/>
+                    </a:lnL>
+                    <a:lnR w="12700" cap="flat" cmpd="sng" algn="ctr">
+                      <a:solidFill>
+                        <a:scrgbClr r="0" g="0" b="0"/>
+                      </a:solidFill>
+                      <a:prstDash val="solid"/>
+                      <a:round/>
+                      <a:headEnd type="none" w="med" len="med"/>
+                      <a:tailEnd type="none" w="med" len="med"/>
+                    </a:lnR>
+                    <a:lnT w="12700" cap="flat" cmpd="sng" algn="ctr">
+                      <a:solidFill>
+                        <a:scrgbClr r="0" g="0" b="0"/>
+                      </a:solidFill>
+                      <a:prstDash val="solid"/>
+                      <a:round/>
+                      <a:headEnd type="none" w="med" len="med"/>
+                      <a:tailEnd type="none" w="med" len="med"/>
+                    </a:lnT>
+                    <a:lnB w="12700" cap="flat" cmpd="sng" algn="ctr">
+                      <a:solidFill>
+                        <a:scrgbClr r="0" g="0" b="0"/>
+                      </a:solidFill>
+                      <a:prstDash val="solid"/>
+                      <a:round/>
+                      <a:headEnd type="none" w="med" len="med"/>
+                      <a:tailEnd type="none" w="med" len="med"/>
+                    </a:lnB>
+                    <a:lnTlToBr w="12700" cmpd="sng">
+                      <a:noFill/>
+                      <a:prstDash val="solid"/>
+                    </a:lnTlToBr>
+                    <a:lnBlToTr w="12700" cmpd="sng">
+                      <a:noFill/>
+                      <a:prstDash val="solid"/>
+                    </a:lnBlToTr>
+                    <a:solidFill>
+                      <a:schemeClr val="bg1"/>
+                    </a:solidFill>
+                  </a:tcPr>
+                </a:tc>
+              </a:tr>
+              <a:tr h="280475">
+                <a:tc>
+                  <a:txBody>
+                    <a:bodyPr/>
+                    <a:lstStyle/>
+                    <a:p>
+                      <a:pPr marL="0" marR="0" lvl="0" indent="0" algn="ctr" defTabSz="457200" rtl="0" eaLnBrk="1" fontAlgn="auto" latinLnBrk="0" hangingPunct="1">
+                        <a:lnSpc>
+                          <a:spcPct val="100000"/>
+                        </a:lnSpc>
+                        <a:spcBef>
+                          <a:spcPts val="0"/>
+                        </a:spcBef>
+                        <a:spcAft>
+                          <a:spcPts val="0"/>
+                        </a:spcAft>
+                        <a:buClrTx/>
+                        <a:buSzTx/>
+                        <a:buFontTx/>
+                        <a:buNone/>
+                        <a:tabLst/>
+                        <a:defRPr/>
+                      </a:pPr>
+                      <a:r>
+                        <a:rPr kumimoji="0" lang="en-US" sz="1400" b="0" i="1" u="none" strike="noStrike" kern="1200" cap="none" spc="0" normalizeH="0" baseline="0" noProof="0" dirty="0" smtClean="0">
+                          <a:ln>
+                            <a:noFill/>
+                          </a:ln>
+                          <a:solidFill>
+                            <a:prstClr val="black"/>
+                          </a:solidFill>
+                          <a:effectLst/>
+                          <a:uLnTx/>
+                          <a:uFillTx/>
+                          <a:latin typeface="+mn-lt"/>
+                          <a:ea typeface="+mn-ea"/>
+                          <a:cs typeface="+mn-cs"/>
+                        </a:rPr>
+                        <a:t>C</a:t>
+                      </a:r>
+                      <a:r>
+                        <a:rPr kumimoji="0" lang="en-US" sz="1400" b="0" i="1" u="none" strike="noStrike" kern="1200" cap="none" spc="0" normalizeH="0" baseline="-25000" noProof="0" dirty="0" smtClean="0">
+                          <a:ln>
+                            <a:noFill/>
+                          </a:ln>
+                          <a:solidFill>
+                            <a:prstClr val="black"/>
+                          </a:solidFill>
+                          <a:effectLst/>
+                          <a:uLnTx/>
+                          <a:uFillTx/>
+                          <a:latin typeface="+mn-lt"/>
+                          <a:ea typeface="+mn-ea"/>
+                          <a:cs typeface="+mn-cs"/>
+                        </a:rPr>
+                        <a:t>2</a:t>
+                      </a:r>
+                      <a:endParaRPr kumimoji="0" lang="en-US" sz="1400" b="0" i="1" u="none" strike="noStrike" kern="1200" cap="none" spc="0" normalizeH="0" baseline="-25000" noProof="0" dirty="0">
+                        <a:ln>
+                          <a:noFill/>
+                        </a:ln>
+                        <a:solidFill>
+                          <a:prstClr val="black"/>
+                        </a:solidFill>
+                        <a:effectLst/>
+                        <a:uLnTx/>
+                        <a:uFillTx/>
+                        <a:latin typeface="+mn-lt"/>
+                        <a:ea typeface="+mn-ea"/>
+                        <a:cs typeface="+mn-cs"/>
+                      </a:endParaRPr>
+                    </a:p>
+                  </a:txBody>
+                  <a:tcPr marL="36000" marR="36000" marT="0" marB="0" anchor="ctr">
+                    <a:lnL w="12700" cap="flat" cmpd="sng" algn="ctr">
+                      <a:noFill/>
+                      <a:prstDash val="solid"/>
+                      <a:round/>
+                      <a:headEnd type="none" w="med" len="med"/>
+                      <a:tailEnd type="none" w="med" len="med"/>
+                    </a:lnL>
+                    <a:lnR w="12700" cap="flat" cmpd="sng" algn="ctr">
+                      <a:solidFill>
+                        <a:scrgbClr r="0" g="0" b="0"/>
+                      </a:solidFill>
+                      <a:prstDash val="solid"/>
+                      <a:round/>
+                      <a:headEnd type="none" w="med" len="med"/>
+                      <a:tailEnd type="none" w="med" len="med"/>
+                    </a:lnR>
+                    <a:lnT w="12700" cap="flat" cmpd="sng" algn="ctr">
+                      <a:noFill/>
+                      <a:prstDash val="solid"/>
+                      <a:round/>
+                      <a:headEnd type="none" w="med" len="med"/>
+                      <a:tailEnd type="none" w="med" len="med"/>
+                    </a:lnT>
+                    <a:lnB w="12700" cap="flat" cmpd="sng" algn="ctr">
+                      <a:noFill/>
+                      <a:prstDash val="solid"/>
+                      <a:round/>
+                      <a:headEnd type="none" w="med" len="med"/>
+                      <a:tailEnd type="none" w="med" len="med"/>
+                    </a:lnB>
+                    <a:lnTlToBr w="12700" cmpd="sng">
+                      <a:noFill/>
+                      <a:prstDash val="solid"/>
+                    </a:lnTlToBr>
+                    <a:lnBlToTr w="12700" cmpd="sng">
+                      <a:noFill/>
+                      <a:prstDash val="solid"/>
+                    </a:lnBlToTr>
+                  </a:tcPr>
+                </a:tc>
+                <a:tc>
+                  <a:txBody>
+                    <a:bodyPr/>
+                    <a:lstStyle/>
+                    <a:p>
+                      <a:pPr algn="ctr"/>
+                      <a:endParaRPr lang="en-US" sz="1600" dirty="0"/>
+                    </a:p>
+                  </a:txBody>
+                  <a:tcPr marL="36000" marR="36000" marT="0" marB="0" anchor="ctr">
+                    <a:lnL w="12700" cap="flat" cmpd="sng" algn="ctr">
+                      <a:solidFill>
+                        <a:scrgbClr r="0" g="0" b="0"/>
+                      </a:solidFill>
+                      <a:prstDash val="solid"/>
+                      <a:round/>
+                      <a:headEnd type="none" w="med" len="med"/>
+                      <a:tailEnd type="none" w="med" len="med"/>
+                    </a:lnL>
+                    <a:lnR w="12700" cap="flat" cmpd="sng" algn="ctr">
+                      <a:solidFill>
+                        <a:scrgbClr r="0" g="0" b="0"/>
+                      </a:solidFill>
+                      <a:prstDash val="solid"/>
+                      <a:round/>
+                      <a:headEnd type="none" w="med" len="med"/>
+                      <a:tailEnd type="none" w="med" len="med"/>
+                    </a:lnR>
+                    <a:lnT w="12700" cap="flat" cmpd="sng" algn="ctr">
+                      <a:solidFill>
+                        <a:scrgbClr r="0" g="0" b="0"/>
+                      </a:solidFill>
+                      <a:prstDash val="solid"/>
+                      <a:round/>
+                      <a:headEnd type="none" w="med" len="med"/>
+                      <a:tailEnd type="none" w="med" len="med"/>
+                    </a:lnT>
+                    <a:lnB w="12700" cap="flat" cmpd="sng" algn="ctr">
+                      <a:solidFill>
+                        <a:scrgbClr r="0" g="0" b="0"/>
+                      </a:solidFill>
+                      <a:prstDash val="solid"/>
+                      <a:round/>
+                      <a:headEnd type="none" w="med" len="med"/>
+                      <a:tailEnd type="none" w="med" len="med"/>
+                    </a:lnB>
+                    <a:lnTlToBr w="12700" cmpd="sng">
+                      <a:noFill/>
+                      <a:prstDash val="solid"/>
+                    </a:lnTlToBr>
+                    <a:lnBlToTr w="12700" cmpd="sng">
+                      <a:noFill/>
+                      <a:prstDash val="solid"/>
+                    </a:lnBlToTr>
+                    <a:solidFill>
+                      <a:schemeClr val="bg1"/>
+                    </a:solidFill>
+                  </a:tcPr>
+                </a:tc>
+                <a:tc>
+                  <a:txBody>
+                    <a:bodyPr/>
+                    <a:lstStyle/>
+                    <a:p>
+                      <a:pPr algn="ctr"/>
+                      <a:endParaRPr lang="en-US" sz="1600" dirty="0"/>
+                    </a:p>
+                  </a:txBody>
+                  <a:tcPr marL="36000" marR="36000" marT="0" marB="0" anchor="ctr">
+                    <a:lnL w="12700" cap="flat" cmpd="sng" algn="ctr">
+                      <a:solidFill>
+                        <a:scrgbClr r="0" g="0" b="0"/>
+                      </a:solidFill>
+                      <a:prstDash val="solid"/>
+                      <a:round/>
+                      <a:headEnd type="none" w="med" len="med"/>
+                      <a:tailEnd type="none" w="med" len="med"/>
+                    </a:lnL>
+                    <a:lnR w="12700" cap="flat" cmpd="sng" algn="ctr">
+                      <a:solidFill>
+                        <a:scrgbClr r="0" g="0" b="0"/>
+                      </a:solidFill>
+                      <a:prstDash val="solid"/>
+                      <a:round/>
+                      <a:headEnd type="none" w="med" len="med"/>
+                      <a:tailEnd type="none" w="med" len="med"/>
+                    </a:lnR>
+                    <a:lnT w="12700" cap="flat" cmpd="sng" algn="ctr">
+                      <a:solidFill>
+                        <a:scrgbClr r="0" g="0" b="0"/>
+                      </a:solidFill>
+                      <a:prstDash val="solid"/>
+                      <a:round/>
+                      <a:headEnd type="none" w="med" len="med"/>
+                      <a:tailEnd type="none" w="med" len="med"/>
+                    </a:lnT>
+                    <a:lnB w="12700" cap="flat" cmpd="sng" algn="ctr">
+                      <a:solidFill>
+                        <a:scrgbClr r="0" g="0" b="0"/>
+                      </a:solidFill>
+                      <a:prstDash val="solid"/>
+                      <a:round/>
+                      <a:headEnd type="none" w="med" len="med"/>
+                      <a:tailEnd type="none" w="med" len="med"/>
+                    </a:lnB>
+                    <a:lnTlToBr w="12700" cmpd="sng">
+                      <a:noFill/>
+                      <a:prstDash val="solid"/>
+                    </a:lnTlToBr>
+                    <a:lnBlToTr w="12700" cmpd="sng">
+                      <a:noFill/>
+                      <a:prstDash val="solid"/>
+                    </a:lnBlToTr>
+                    <a:solidFill>
+                      <a:schemeClr val="bg1"/>
+                    </a:solidFill>
+                  </a:tcPr>
+                </a:tc>
+                <a:tc>
+                  <a:txBody>
+                    <a:bodyPr/>
+                    <a:lstStyle/>
+                    <a:p>
+                      <a:pPr algn="ctr"/>
+                      <a:endParaRPr lang="en-US" sz="1600" dirty="0"/>
+                    </a:p>
+                  </a:txBody>
+                  <a:tcPr marL="36000" marR="36000" marT="0" marB="0" anchor="ctr">
+                    <a:lnL w="12700" cap="flat" cmpd="sng" algn="ctr">
+                      <a:solidFill>
+                        <a:scrgbClr r="0" g="0" b="0"/>
+                      </a:solidFill>
+                      <a:prstDash val="solid"/>
+                      <a:round/>
+                      <a:headEnd type="none" w="med" len="med"/>
+                      <a:tailEnd type="none" w="med" len="med"/>
+                    </a:lnL>
+                    <a:lnR w="12700" cap="flat" cmpd="sng" algn="ctr">
+                      <a:solidFill>
+                        <a:scrgbClr r="0" g="0" b="0"/>
+                      </a:solidFill>
+                      <a:prstDash val="solid"/>
+                      <a:round/>
+                      <a:headEnd type="none" w="med" len="med"/>
+                      <a:tailEnd type="none" w="med" len="med"/>
+                    </a:lnR>
+                    <a:lnT w="12700" cap="flat" cmpd="sng" algn="ctr">
+                      <a:solidFill>
+                        <a:scrgbClr r="0" g="0" b="0"/>
+                      </a:solidFill>
+                      <a:prstDash val="solid"/>
+                      <a:round/>
+                      <a:headEnd type="none" w="med" len="med"/>
+                      <a:tailEnd type="none" w="med" len="med"/>
+                    </a:lnT>
+                    <a:lnB w="12700" cap="flat" cmpd="sng" algn="ctr">
+                      <a:solidFill>
+                        <a:scrgbClr r="0" g="0" b="0"/>
+                      </a:solidFill>
+                      <a:prstDash val="solid"/>
+                      <a:round/>
+                      <a:headEnd type="none" w="med" len="med"/>
+                      <a:tailEnd type="none" w="med" len="med"/>
+                    </a:lnB>
+                    <a:lnTlToBr w="12700" cmpd="sng">
+                      <a:noFill/>
+                      <a:prstDash val="solid"/>
+                    </a:lnTlToBr>
+                    <a:lnBlToTr w="12700" cmpd="sng">
+                      <a:noFill/>
+                      <a:prstDash val="solid"/>
+                    </a:lnBlToTr>
+                    <a:solidFill>
+                      <a:schemeClr val="bg1"/>
+                    </a:solidFill>
+                  </a:tcPr>
+                </a:tc>
+                <a:tc>
+                  <a:txBody>
+                    <a:bodyPr/>
+                    <a:lstStyle/>
+                    <a:p>
+                      <a:pPr algn="ctr"/>
+                      <a:endParaRPr lang="en-US" sz="1600" dirty="0"/>
+                    </a:p>
+                  </a:txBody>
+                  <a:tcPr marL="36000" marR="36000" marT="0" marB="0" anchor="ctr">
+                    <a:lnL w="12700" cap="flat" cmpd="sng" algn="ctr">
+                      <a:solidFill>
+                        <a:scrgbClr r="0" g="0" b="0"/>
+                      </a:solidFill>
+                      <a:prstDash val="solid"/>
+                      <a:round/>
+                      <a:headEnd type="none" w="med" len="med"/>
+                      <a:tailEnd type="none" w="med" len="med"/>
+                    </a:lnL>
+                    <a:lnR w="12700" cap="flat" cmpd="sng" algn="ctr">
+                      <a:solidFill>
+                        <a:scrgbClr r="0" g="0" b="0"/>
+                      </a:solidFill>
+                      <a:prstDash val="solid"/>
+                      <a:round/>
+                      <a:headEnd type="none" w="med" len="med"/>
+                      <a:tailEnd type="none" w="med" len="med"/>
+                    </a:lnR>
+                    <a:lnT w="12700" cap="flat" cmpd="sng" algn="ctr">
+                      <a:solidFill>
+                        <a:scrgbClr r="0" g="0" b="0"/>
+                      </a:solidFill>
+                      <a:prstDash val="solid"/>
+                      <a:round/>
+                      <a:headEnd type="none" w="med" len="med"/>
+                      <a:tailEnd type="none" w="med" len="med"/>
+                    </a:lnT>
+                    <a:lnB w="12700" cap="flat" cmpd="sng" algn="ctr">
+                      <a:solidFill>
+                        <a:scrgbClr r="0" g="0" b="0"/>
+                      </a:solidFill>
+                      <a:prstDash val="solid"/>
+                      <a:round/>
+                      <a:headEnd type="none" w="med" len="med"/>
+                      <a:tailEnd type="none" w="med" len="med"/>
+                    </a:lnB>
+                    <a:lnTlToBr w="12700" cmpd="sng">
+                      <a:noFill/>
+                      <a:prstDash val="solid"/>
+                    </a:lnTlToBr>
+                    <a:lnBlToTr w="12700" cmpd="sng">
+                      <a:noFill/>
+                      <a:prstDash val="solid"/>
+                    </a:lnBlToTr>
+                    <a:solidFill>
+                      <a:schemeClr val="bg1"/>
+                    </a:solidFill>
+                  </a:tcPr>
+                </a:tc>
+                <a:tc>
+                  <a:txBody>
+                    <a:bodyPr/>
+                    <a:lstStyle/>
+                    <a:p>
+                      <a:pPr algn="ctr"/>
+                      <a:endParaRPr lang="en-US" sz="1600" dirty="0"/>
+                    </a:p>
+                  </a:txBody>
+                  <a:tcPr marL="36000" marR="36000" marT="0" marB="0" anchor="ctr">
+                    <a:lnL w="12700" cap="flat" cmpd="sng" algn="ctr">
+                      <a:solidFill>
+                        <a:scrgbClr r="0" g="0" b="0"/>
+                      </a:solidFill>
+                      <a:prstDash val="solid"/>
+                      <a:round/>
+                      <a:headEnd type="none" w="med" len="med"/>
+                      <a:tailEnd type="none" w="med" len="med"/>
+                    </a:lnL>
+                    <a:lnR w="12700" cap="flat" cmpd="sng" algn="ctr">
+                      <a:solidFill>
+                        <a:scrgbClr r="0" g="0" b="0"/>
+                      </a:solidFill>
+                      <a:prstDash val="solid"/>
+                      <a:round/>
+                      <a:headEnd type="none" w="med" len="med"/>
+                      <a:tailEnd type="none" w="med" len="med"/>
+                    </a:lnR>
+                    <a:lnT w="12700" cap="flat" cmpd="sng" algn="ctr">
+                      <a:solidFill>
+                        <a:scrgbClr r="0" g="0" b="0"/>
+                      </a:solidFill>
+                      <a:prstDash val="solid"/>
+                      <a:round/>
+                      <a:headEnd type="none" w="med" len="med"/>
+                      <a:tailEnd type="none" w="med" len="med"/>
+                    </a:lnT>
+                    <a:lnB w="12700" cap="flat" cmpd="sng" algn="ctr">
+                      <a:solidFill>
+                        <a:scrgbClr r="0" g="0" b="0"/>
+                      </a:solidFill>
+                      <a:prstDash val="solid"/>
+                      <a:round/>
+                      <a:headEnd type="none" w="med" len="med"/>
+                      <a:tailEnd type="none" w="med" len="med"/>
+                    </a:lnB>
+                    <a:lnTlToBr w="12700" cmpd="sng">
+                      <a:noFill/>
+                      <a:prstDash val="solid"/>
+                    </a:lnTlToBr>
+                    <a:lnBlToTr w="12700" cmpd="sng">
+                      <a:noFill/>
+                      <a:prstDash val="solid"/>
+                    </a:lnBlToTr>
+                    <a:solidFill>
+                      <a:schemeClr val="bg1"/>
+                    </a:solidFill>
+                  </a:tcPr>
+                </a:tc>
+              </a:tr>
+              <a:tr h="296057">
+                <a:tc>
+                  <a:txBody>
+                    <a:bodyPr/>
+                    <a:lstStyle/>
+                    <a:p>
+                      <a:pPr algn="ctr"/>
+                      <a:r>
+                        <a:rPr lang="en-US" sz="1400" i="1" dirty="0" smtClean="0"/>
+                        <a:t>C</a:t>
+                      </a:r>
+                      <a:r>
+                        <a:rPr lang="en-US" sz="1400" i="1" baseline="-25000" dirty="0" smtClean="0"/>
+                        <a:t>3</a:t>
+                      </a:r>
+                      <a:endParaRPr lang="en-US" sz="1400" i="1" baseline="-25000" dirty="0"/>
+                    </a:p>
+                  </a:txBody>
+                  <a:tcPr marL="36000" marR="36000" marT="0" marB="0" anchor="ctr">
+                    <a:lnL w="12700" cap="flat" cmpd="sng" algn="ctr">
+                      <a:noFill/>
+                      <a:prstDash val="solid"/>
+                      <a:round/>
+                      <a:headEnd type="none" w="med" len="med"/>
+                      <a:tailEnd type="none" w="med" len="med"/>
+                    </a:lnL>
+                    <a:lnR w="12700" cap="flat" cmpd="sng" algn="ctr">
+                      <a:solidFill>
+                        <a:scrgbClr r="0" g="0" b="0"/>
+                      </a:solidFill>
+                      <a:prstDash val="solid"/>
+                      <a:round/>
+                      <a:headEnd type="none" w="med" len="med"/>
+                      <a:tailEnd type="none" w="med" len="med"/>
+                    </a:lnR>
+                    <a:lnT w="12700" cap="flat" cmpd="sng" algn="ctr">
+                      <a:noFill/>
+                      <a:prstDash val="solid"/>
+                      <a:round/>
+                      <a:headEnd type="none" w="med" len="med"/>
+                      <a:tailEnd type="none" w="med" len="med"/>
+                    </a:lnT>
+                    <a:lnB w="12700" cap="flat" cmpd="sng" algn="ctr">
+                      <a:noFill/>
+                      <a:prstDash val="solid"/>
+                      <a:round/>
+                      <a:headEnd type="none" w="med" len="med"/>
+                      <a:tailEnd type="none" w="med" len="med"/>
+                    </a:lnB>
+                    <a:lnTlToBr w="12700" cmpd="sng">
+                      <a:noFill/>
+                      <a:prstDash val="solid"/>
+                    </a:lnTlToBr>
+                    <a:lnBlToTr w="12700" cmpd="sng">
+                      <a:noFill/>
+                      <a:prstDash val="solid"/>
+                    </a:lnBlToTr>
+                  </a:tcPr>
+                </a:tc>
+                <a:tc>
+                  <a:txBody>
+                    <a:bodyPr/>
+                    <a:lstStyle/>
+                    <a:p>
+                      <a:pPr marL="0" marR="0" lvl="0" indent="0" algn="ctr" defTabSz="457200" rtl="0" eaLnBrk="1" fontAlgn="auto" latinLnBrk="0" hangingPunct="1">
+                        <a:lnSpc>
+                          <a:spcPct val="100000"/>
+                        </a:lnSpc>
+                        <a:spcBef>
+                          <a:spcPts val="0"/>
+                        </a:spcBef>
+                        <a:spcAft>
+                          <a:spcPts val="0"/>
+                        </a:spcAft>
+                        <a:buClrTx/>
+                        <a:buSzTx/>
+                        <a:buFontTx/>
+                        <a:buNone/>
+                        <a:tabLst/>
+                        <a:defRPr/>
+                      </a:pPr>
+                      <a:r>
+                        <a:rPr kumimoji="0" lang="en-US" sz="1200" b="0" i="0" u="none" strike="noStrike" kern="1200" cap="none" spc="0" normalizeH="0" baseline="0" noProof="0" dirty="0" smtClean="0">
+                          <a:ln>
+                            <a:noFill/>
+                          </a:ln>
+                          <a:solidFill>
+                            <a:srgbClr val="7F7F7F"/>
+                          </a:solidFill>
+                          <a:effectLst/>
+                          <a:uLnTx/>
+                          <a:uFillTx/>
+                          <a:latin typeface="Zapf Dingbats"/>
+                          <a:ea typeface="Zapf Dingbats"/>
+                          <a:cs typeface="Zapf Dingbats"/>
+                          <a:sym typeface="Zapf Dingbats"/>
+                        </a:rPr>
+                        <a:t>✔</a:t>
+                      </a:r>
+                      <a:endParaRPr kumimoji="0" lang="en-US" sz="1200" b="0" i="0" u="none" strike="noStrike" kern="1200" cap="none" spc="0" normalizeH="0" baseline="0" noProof="0" dirty="0">
+                        <a:ln>
+                          <a:noFill/>
+                        </a:ln>
+                        <a:solidFill>
+                          <a:srgbClr val="7F7F7F"/>
+                        </a:solidFill>
+                        <a:effectLst/>
+                        <a:uLnTx/>
+                        <a:uFillTx/>
+                        <a:latin typeface="+mn-lt"/>
+                        <a:ea typeface="+mn-ea"/>
+                        <a:cs typeface="+mn-cs"/>
+                      </a:endParaRPr>
+                    </a:p>
+                  </a:txBody>
+                  <a:tcPr marL="36000" marR="36000" marT="0" marB="0" anchor="ctr">
+                    <a:lnL w="12700" cap="flat" cmpd="sng" algn="ctr">
+                      <a:solidFill>
+                        <a:scrgbClr r="0" g="0" b="0"/>
+                      </a:solidFill>
+                      <a:prstDash val="solid"/>
+                      <a:round/>
+                      <a:headEnd type="none" w="med" len="med"/>
+                      <a:tailEnd type="none" w="med" len="med"/>
+                    </a:lnL>
+                    <a:lnR w="12700" cap="flat" cmpd="sng" algn="ctr">
+                      <a:solidFill>
+                        <a:scrgbClr r="0" g="0" b="0"/>
+                      </a:solidFill>
+                      <a:prstDash val="solid"/>
+                      <a:round/>
+                      <a:headEnd type="none" w="med" len="med"/>
+                      <a:tailEnd type="none" w="med" len="med"/>
+                    </a:lnR>
+                    <a:lnT w="12700" cap="flat" cmpd="sng" algn="ctr">
+                      <a:solidFill>
+                        <a:scrgbClr r="0" g="0" b="0"/>
+                      </a:solidFill>
+                      <a:prstDash val="solid"/>
+                      <a:round/>
+                      <a:headEnd type="none" w="med" len="med"/>
+                      <a:tailEnd type="none" w="med" len="med"/>
+                    </a:lnT>
+                    <a:lnB w="12700" cap="flat" cmpd="sng" algn="ctr">
+                      <a:solidFill>
+                        <a:scrgbClr r="0" g="0" b="0"/>
+                      </a:solidFill>
+                      <a:prstDash val="solid"/>
+                      <a:round/>
+                      <a:headEnd type="none" w="med" len="med"/>
+                      <a:tailEnd type="none" w="med" len="med"/>
+                    </a:lnB>
+                    <a:lnTlToBr w="12700" cmpd="sng">
+                      <a:noFill/>
+                      <a:prstDash val="solid"/>
+                    </a:lnTlToBr>
+                    <a:lnBlToTr w="12700" cmpd="sng">
+                      <a:noFill/>
+                      <a:prstDash val="solid"/>
+                    </a:lnBlToTr>
+                    <a:solidFill>
+                      <a:schemeClr val="bg1">
+                        <a:lumMod val="85000"/>
+                      </a:schemeClr>
+                    </a:solidFill>
+                  </a:tcPr>
+                </a:tc>
+                <a:tc>
+                  <a:txBody>
+                    <a:bodyPr/>
+                    <a:lstStyle/>
+                    <a:p>
+                      <a:pPr marL="0" marR="0" lvl="0" indent="0" algn="ctr" defTabSz="457200" rtl="0" eaLnBrk="1" fontAlgn="auto" latinLnBrk="0" hangingPunct="1">
+                        <a:lnSpc>
+                          <a:spcPct val="100000"/>
+                        </a:lnSpc>
+                        <a:spcBef>
+                          <a:spcPts val="0"/>
+                        </a:spcBef>
+                        <a:spcAft>
+                          <a:spcPts val="0"/>
+                        </a:spcAft>
+                        <a:buClrTx/>
+                        <a:buSzTx/>
+                        <a:buFontTx/>
+                        <a:buNone/>
+                        <a:tabLst/>
+                        <a:defRPr/>
+                      </a:pPr>
+                      <a:r>
+                        <a:rPr kumimoji="0" lang="en-US" sz="1200" b="0" i="0" u="none" strike="noStrike" kern="1200" cap="none" spc="0" normalizeH="0" baseline="0" noProof="0" dirty="0" smtClean="0">
+                          <a:ln>
+                            <a:noFill/>
+                          </a:ln>
+                          <a:solidFill>
+                            <a:schemeClr val="bg1">
+                              <a:lumMod val="50000"/>
+                            </a:schemeClr>
+                          </a:solidFill>
+                          <a:effectLst/>
+                          <a:uLnTx/>
+                          <a:uFillTx/>
+                          <a:latin typeface="Zapf Dingbats"/>
+                          <a:ea typeface="Zapf Dingbats"/>
+                          <a:cs typeface="Zapf Dingbats"/>
+                          <a:sym typeface="Zapf Dingbats"/>
+                        </a:rPr>
+                        <a:t>✔</a:t>
+                      </a:r>
+                      <a:endParaRPr kumimoji="0" lang="en-US" sz="1200" b="0" i="0" u="none" strike="noStrike" kern="1200" cap="none" spc="0" normalizeH="0" baseline="0" noProof="0" dirty="0">
+                        <a:ln>
+                          <a:noFill/>
+                        </a:ln>
+                        <a:solidFill>
+                          <a:schemeClr val="bg1">
+                            <a:lumMod val="50000"/>
+                          </a:schemeClr>
+                        </a:solidFill>
+                        <a:effectLst/>
+                        <a:uLnTx/>
+                        <a:uFillTx/>
+                        <a:latin typeface="+mn-lt"/>
+                        <a:ea typeface="+mn-ea"/>
+                        <a:cs typeface="+mn-cs"/>
+                      </a:endParaRPr>
+                    </a:p>
+                  </a:txBody>
+                  <a:tcPr marL="36000" marR="36000" marT="0" marB="0" anchor="ctr">
+                    <a:lnL w="12700" cap="flat" cmpd="sng" algn="ctr">
+                      <a:solidFill>
+                        <a:scrgbClr r="0" g="0" b="0"/>
+                      </a:solidFill>
+                      <a:prstDash val="solid"/>
+                      <a:round/>
+                      <a:headEnd type="none" w="med" len="med"/>
+                      <a:tailEnd type="none" w="med" len="med"/>
+                    </a:lnL>
+                    <a:lnR w="12700" cap="flat" cmpd="sng" algn="ctr">
+                      <a:solidFill>
+                        <a:scrgbClr r="0" g="0" b="0"/>
+                      </a:solidFill>
+                      <a:prstDash val="solid"/>
+                      <a:round/>
+                      <a:headEnd type="none" w="med" len="med"/>
+                      <a:tailEnd type="none" w="med" len="med"/>
+                    </a:lnR>
+                    <a:lnT w="12700" cap="flat" cmpd="sng" algn="ctr">
+                      <a:solidFill>
+                        <a:scrgbClr r="0" g="0" b="0"/>
+                      </a:solidFill>
+                      <a:prstDash val="solid"/>
+                      <a:round/>
+                      <a:headEnd type="none" w="med" len="med"/>
+                      <a:tailEnd type="none" w="med" len="med"/>
+                    </a:lnT>
+                    <a:lnB w="12700" cap="flat" cmpd="sng" algn="ctr">
+                      <a:solidFill>
+                        <a:scrgbClr r="0" g="0" b="0"/>
+                      </a:solidFill>
+                      <a:prstDash val="solid"/>
+                      <a:round/>
+                      <a:headEnd type="none" w="med" len="med"/>
+                      <a:tailEnd type="none" w="med" len="med"/>
+                    </a:lnB>
+                    <a:lnTlToBr w="12700" cmpd="sng">
+                      <a:noFill/>
+                      <a:prstDash val="solid"/>
+                    </a:lnTlToBr>
+                    <a:lnBlToTr w="12700" cmpd="sng">
+                      <a:noFill/>
+                      <a:prstDash val="solid"/>
+                    </a:lnBlToTr>
+                    <a:solidFill>
+                      <a:schemeClr val="bg1">
+                        <a:lumMod val="85000"/>
+                      </a:schemeClr>
+                    </a:solidFill>
+                  </a:tcPr>
+                </a:tc>
+                <a:tc>
+                  <a:txBody>
+                    <a:bodyPr/>
+                    <a:lstStyle/>
+                    <a:p>
+                      <a:pPr marL="0" marR="0" lvl="0" indent="0" algn="ctr" defTabSz="457200" rtl="0" eaLnBrk="1" fontAlgn="auto" latinLnBrk="0" hangingPunct="1">
+                        <a:lnSpc>
+                          <a:spcPct val="100000"/>
+                        </a:lnSpc>
+                        <a:spcBef>
+                          <a:spcPts val="0"/>
+                        </a:spcBef>
+                        <a:spcAft>
+                          <a:spcPts val="0"/>
+                        </a:spcAft>
+                        <a:buClrTx/>
+                        <a:buSzTx/>
+                        <a:buFontTx/>
+                        <a:buNone/>
+                        <a:tabLst/>
+                        <a:defRPr/>
+                      </a:pPr>
+                      <a:r>
+                        <a:rPr kumimoji="0" lang="en-US" sz="1200" b="0" i="0" u="none" strike="noStrike" kern="1200" cap="none" spc="0" normalizeH="0" baseline="0" noProof="0" dirty="0" smtClean="0">
+                          <a:ln>
+                            <a:noFill/>
+                          </a:ln>
+                          <a:solidFill>
+                            <a:schemeClr val="tx1">
+                              <a:lumMod val="85000"/>
+                              <a:lumOff val="15000"/>
+                            </a:schemeClr>
+                          </a:solidFill>
+                          <a:effectLst/>
+                          <a:uLnTx/>
+                          <a:uFillTx/>
+                          <a:latin typeface="Zapf Dingbats"/>
+                          <a:ea typeface="Zapf Dingbats"/>
+                          <a:cs typeface="Zapf Dingbats"/>
+                          <a:sym typeface="Zapf Dingbats"/>
+                        </a:rPr>
+                        <a:t>✔</a:t>
+                      </a:r>
+                      <a:endParaRPr kumimoji="0" lang="en-US" sz="1200" b="0" i="0" u="none" strike="noStrike" kern="1200" cap="none" spc="0" normalizeH="0" baseline="0" noProof="0" dirty="0">
+                        <a:ln>
+                          <a:noFill/>
+                        </a:ln>
+                        <a:solidFill>
+                          <a:schemeClr val="tx1">
+                            <a:lumMod val="85000"/>
+                            <a:lumOff val="15000"/>
+                          </a:schemeClr>
+                        </a:solidFill>
+                        <a:effectLst/>
+                        <a:uLnTx/>
+                        <a:uFillTx/>
+                        <a:latin typeface="+mn-lt"/>
+                        <a:ea typeface="+mn-ea"/>
+                        <a:cs typeface="+mn-cs"/>
+                      </a:endParaRPr>
+                    </a:p>
+                  </a:txBody>
+                  <a:tcPr marL="36000" marR="36000" marT="0" marB="0" anchor="ctr">
+                    <a:lnL w="12700" cap="flat" cmpd="sng" algn="ctr">
+                      <a:solidFill>
+                        <a:scrgbClr r="0" g="0" b="0"/>
+                      </a:solidFill>
+                      <a:prstDash val="solid"/>
+                      <a:round/>
+                      <a:headEnd type="none" w="med" len="med"/>
+                      <a:tailEnd type="none" w="med" len="med"/>
+                    </a:lnL>
+                    <a:lnR w="12700" cap="flat" cmpd="sng" algn="ctr">
+                      <a:solidFill>
+                        <a:scrgbClr r="0" g="0" b="0"/>
+                      </a:solidFill>
+                      <a:prstDash val="solid"/>
+                      <a:round/>
+                      <a:headEnd type="none" w="med" len="med"/>
+                      <a:tailEnd type="none" w="med" len="med"/>
+                    </a:lnR>
+                    <a:lnT w="12700" cap="flat" cmpd="sng" algn="ctr">
+                      <a:solidFill>
+                        <a:scrgbClr r="0" g="0" b="0"/>
+                      </a:solidFill>
+                      <a:prstDash val="solid"/>
+                      <a:round/>
+                      <a:headEnd type="none" w="med" len="med"/>
+                      <a:tailEnd type="none" w="med" len="med"/>
+                    </a:lnT>
+                    <a:lnB w="12700" cap="flat" cmpd="sng" algn="ctr">
+                      <a:solidFill>
+                        <a:scrgbClr r="0" g="0" b="0"/>
+                      </a:solidFill>
+                      <a:prstDash val="solid"/>
+                      <a:round/>
+                      <a:headEnd type="none" w="med" len="med"/>
+                      <a:tailEnd type="none" w="med" len="med"/>
+                    </a:lnB>
+                    <a:lnTlToBr w="12700" cmpd="sng">
+                      <a:noFill/>
+                      <a:prstDash val="solid"/>
+                    </a:lnTlToBr>
+                    <a:lnBlToTr w="12700" cmpd="sng">
+                      <a:noFill/>
+                      <a:prstDash val="solid"/>
+                    </a:lnBlToTr>
+                    <a:solidFill>
+                      <a:schemeClr val="bg1">
+                        <a:lumMod val="85000"/>
+                      </a:schemeClr>
+                    </a:solidFill>
+                  </a:tcPr>
+                </a:tc>
+                <a:tc>
+                  <a:txBody>
+                    <a:bodyPr/>
+                    <a:lstStyle/>
+                    <a:p>
+                      <a:endParaRPr lang="en-US" dirty="0"/>
+                    </a:p>
+                  </a:txBody>
+                  <a:tcPr marL="36000" marR="36000" marT="0" marB="0" anchor="ctr">
+                    <a:lnL w="12700" cap="flat" cmpd="sng" algn="ctr">
+                      <a:solidFill>
+                        <a:scrgbClr r="0" g="0" b="0"/>
+                      </a:solidFill>
+                      <a:prstDash val="solid"/>
+                      <a:round/>
+                      <a:headEnd type="none" w="med" len="med"/>
+                      <a:tailEnd type="none" w="med" len="med"/>
+                    </a:lnL>
+                    <a:lnR w="12700" cap="flat" cmpd="sng" algn="ctr">
+                      <a:solidFill>
+                        <a:scrgbClr r="0" g="0" b="0"/>
+                      </a:solidFill>
+                      <a:prstDash val="solid"/>
+                      <a:round/>
+                      <a:headEnd type="none" w="med" len="med"/>
+                      <a:tailEnd type="none" w="med" len="med"/>
+                    </a:lnR>
+                    <a:lnT w="12700" cap="flat" cmpd="sng" algn="ctr">
+                      <a:solidFill>
+                        <a:scrgbClr r="0" g="0" b="0"/>
+                      </a:solidFill>
+                      <a:prstDash val="solid"/>
+                      <a:round/>
+                      <a:headEnd type="none" w="med" len="med"/>
+                      <a:tailEnd type="none" w="med" len="med"/>
+                    </a:lnT>
+                    <a:lnB w="12700" cap="flat" cmpd="sng" algn="ctr">
+                      <a:solidFill>
+                        <a:scrgbClr r="0" g="0" b="0"/>
+                      </a:solidFill>
+                      <a:prstDash val="solid"/>
+                      <a:round/>
+                      <a:headEnd type="none" w="med" len="med"/>
+                      <a:tailEnd type="none" w="med" len="med"/>
+                    </a:lnB>
+                    <a:lnTlToBr w="12700" cmpd="sng">
+                      <a:noFill/>
+                      <a:prstDash val="solid"/>
+                    </a:lnTlToBr>
+                    <a:lnBlToTr w="12700" cmpd="sng">
+                      <a:noFill/>
+                      <a:prstDash val="solid"/>
+                    </a:lnBlToTr>
+                    <a:solidFill>
+                      <a:schemeClr val="bg1"/>
+                    </a:solidFill>
+                  </a:tcPr>
+                </a:tc>
+                <a:tc>
+                  <a:txBody>
+                    <a:bodyPr/>
+                    <a:lstStyle/>
+                    <a:p>
+                      <a:endParaRPr lang="en-US" dirty="0"/>
+                    </a:p>
+                  </a:txBody>
+                  <a:tcPr marL="36000" marR="36000" marT="0" marB="0" anchor="ctr">
+                    <a:lnL w="12700" cap="flat" cmpd="sng" algn="ctr">
+                      <a:solidFill>
+                        <a:scrgbClr r="0" g="0" b="0"/>
+                      </a:solidFill>
+                      <a:prstDash val="solid"/>
+                      <a:round/>
+                      <a:headEnd type="none" w="med" len="med"/>
+                      <a:tailEnd type="none" w="med" len="med"/>
+                    </a:lnL>
+                    <a:lnR w="12700" cap="flat" cmpd="sng" algn="ctr">
+                      <a:solidFill>
+                        <a:scrgbClr r="0" g="0" b="0"/>
+                      </a:solidFill>
+                      <a:prstDash val="solid"/>
+                      <a:round/>
+                      <a:headEnd type="none" w="med" len="med"/>
+                      <a:tailEnd type="none" w="med" len="med"/>
+                    </a:lnR>
+                    <a:lnT w="12700" cap="flat" cmpd="sng" algn="ctr">
+                      <a:solidFill>
+                        <a:scrgbClr r="0" g="0" b="0"/>
+                      </a:solidFill>
+                      <a:prstDash val="solid"/>
+                      <a:round/>
+                      <a:headEnd type="none" w="med" len="med"/>
+                      <a:tailEnd type="none" w="med" len="med"/>
+                    </a:lnT>
+                    <a:lnB w="12700" cap="flat" cmpd="sng" algn="ctr">
+                      <a:solidFill>
+                        <a:scrgbClr r="0" g="0" b="0"/>
+                      </a:solidFill>
+                      <a:prstDash val="solid"/>
+                      <a:round/>
+                      <a:headEnd type="none" w="med" len="med"/>
+                      <a:tailEnd type="none" w="med" len="med"/>
+                    </a:lnB>
+                    <a:lnTlToBr w="12700" cmpd="sng">
+                      <a:noFill/>
+                      <a:prstDash val="solid"/>
+                    </a:lnTlToBr>
+                    <a:lnBlToTr w="12700" cmpd="sng">
+                      <a:noFill/>
+                      <a:prstDash val="solid"/>
+                    </a:lnBlToTr>
+                    <a:solidFill>
+                      <a:schemeClr val="bg1"/>
+                    </a:solidFill>
+                  </a:tcPr>
+                </a:tc>
+              </a:tr>
+              <a:tr h="280474">
+                <a:tc>
+                  <a:txBody>
+                    <a:bodyPr/>
+                    <a:lstStyle/>
+                    <a:p>
+                      <a:pPr algn="ctr"/>
+                      <a:r>
+                        <a:rPr lang="en-US" sz="1400" i="1" dirty="0" smtClean="0"/>
+                        <a:t>C</a:t>
+                      </a:r>
+                      <a:r>
+                        <a:rPr lang="en-US" sz="1400" i="1" baseline="-25000" dirty="0" smtClean="0"/>
+                        <a:t>4</a:t>
+                      </a:r>
+                      <a:endParaRPr lang="en-US" sz="1400" i="1" baseline="-25000" dirty="0"/>
+                    </a:p>
+                  </a:txBody>
+                  <a:tcPr marL="36000" marR="36000" marT="0" marB="0" anchor="ctr">
+                    <a:lnL w="12700" cap="flat" cmpd="sng" algn="ctr">
+                      <a:noFill/>
+                      <a:prstDash val="solid"/>
+                      <a:round/>
+                      <a:headEnd type="none" w="med" len="med"/>
+                      <a:tailEnd type="none" w="med" len="med"/>
+                    </a:lnL>
+                    <a:lnR w="12700" cap="flat" cmpd="sng" algn="ctr">
+                      <a:solidFill>
+                        <a:scrgbClr r="0" g="0" b="0"/>
+                      </a:solidFill>
+                      <a:prstDash val="solid"/>
+                      <a:round/>
+                      <a:headEnd type="none" w="med" len="med"/>
+                      <a:tailEnd type="none" w="med" len="med"/>
+                    </a:lnR>
+                    <a:lnT w="12700" cap="flat" cmpd="sng" algn="ctr">
+                      <a:noFill/>
+                      <a:prstDash val="solid"/>
+                      <a:round/>
+                      <a:headEnd type="none" w="med" len="med"/>
+                      <a:tailEnd type="none" w="med" len="med"/>
+                    </a:lnT>
+                    <a:lnB w="12700" cap="flat" cmpd="sng" algn="ctr">
+                      <a:noFill/>
+                      <a:prstDash val="solid"/>
+                      <a:round/>
+                      <a:headEnd type="none" w="med" len="med"/>
+                      <a:tailEnd type="none" w="med" len="med"/>
+                    </a:lnB>
+                    <a:lnTlToBr w="12700" cmpd="sng">
+                      <a:noFill/>
+                      <a:prstDash val="solid"/>
+                    </a:lnTlToBr>
+                    <a:lnBlToTr w="12700" cmpd="sng">
+                      <a:noFill/>
+                      <a:prstDash val="solid"/>
+                    </a:lnBlToTr>
+                  </a:tcPr>
+                </a:tc>
+                <a:tc>
+                  <a:txBody>
+                    <a:bodyPr/>
+                    <a:lstStyle/>
+                    <a:p>
+                      <a:pPr marL="0" marR="0" lvl="0" indent="0" algn="ctr" defTabSz="457200" rtl="0" eaLnBrk="1" fontAlgn="auto" latinLnBrk="0" hangingPunct="1">
+                        <a:lnSpc>
+                          <a:spcPct val="100000"/>
+                        </a:lnSpc>
+                        <a:spcBef>
+                          <a:spcPts val="0"/>
+                        </a:spcBef>
+                        <a:spcAft>
+                          <a:spcPts val="0"/>
+                        </a:spcAft>
+                        <a:buClrTx/>
+                        <a:buSzTx/>
+                        <a:buFontTx/>
+                        <a:buNone/>
+                        <a:tabLst/>
+                        <a:defRPr/>
+                      </a:pPr>
+                      <a:r>
+                        <a:rPr kumimoji="0" lang="en-US" sz="1200" b="0" i="0" u="none" strike="noStrike" kern="1200" cap="none" spc="0" normalizeH="0" baseline="0" noProof="0" dirty="0" smtClean="0">
+                          <a:ln>
+                            <a:noFill/>
+                          </a:ln>
+                          <a:solidFill>
+                            <a:srgbClr val="7F7F7F"/>
+                          </a:solidFill>
+                          <a:effectLst/>
+                          <a:uLnTx/>
+                          <a:uFillTx/>
+                          <a:latin typeface="Zapf Dingbats"/>
+                          <a:ea typeface="Zapf Dingbats"/>
+                          <a:cs typeface="Zapf Dingbats"/>
+                          <a:sym typeface="Zapf Dingbats"/>
+                        </a:rPr>
+                        <a:t>✔</a:t>
+                      </a:r>
+                      <a:endParaRPr kumimoji="0" lang="en-US" sz="1200" b="0" i="0" u="none" strike="noStrike" kern="1200" cap="none" spc="0" normalizeH="0" baseline="0" noProof="0" dirty="0">
+                        <a:ln>
+                          <a:noFill/>
+                        </a:ln>
+                        <a:solidFill>
+                          <a:srgbClr val="7F7F7F"/>
+                        </a:solidFill>
+                        <a:effectLst/>
+                        <a:uLnTx/>
+                        <a:uFillTx/>
+                        <a:latin typeface="+mn-lt"/>
+                        <a:ea typeface="+mn-ea"/>
+                        <a:cs typeface="+mn-cs"/>
+                      </a:endParaRPr>
+                    </a:p>
+                  </a:txBody>
+                  <a:tcPr marL="36000" marR="36000" marT="0" marB="0" anchor="ctr">
+                    <a:lnL w="12700" cap="flat" cmpd="sng" algn="ctr">
+                      <a:solidFill>
+                        <a:scrgbClr r="0" g="0" b="0"/>
+                      </a:solidFill>
+                      <a:prstDash val="solid"/>
+                      <a:round/>
+                      <a:headEnd type="none" w="med" len="med"/>
+                      <a:tailEnd type="none" w="med" len="med"/>
+                    </a:lnL>
+                    <a:lnR w="12700" cap="flat" cmpd="sng" algn="ctr">
+                      <a:solidFill>
+                        <a:scrgbClr r="0" g="0" b="0"/>
+                      </a:solidFill>
+                      <a:prstDash val="solid"/>
+                      <a:round/>
+                      <a:headEnd type="none" w="med" len="med"/>
+                      <a:tailEnd type="none" w="med" len="med"/>
+                    </a:lnR>
+                    <a:lnT w="12700" cap="flat" cmpd="sng" algn="ctr">
+                      <a:solidFill>
+                        <a:scrgbClr r="0" g="0" b="0"/>
+                      </a:solidFill>
+                      <a:prstDash val="solid"/>
+                      <a:round/>
+                      <a:headEnd type="none" w="med" len="med"/>
+                      <a:tailEnd type="none" w="med" len="med"/>
+                    </a:lnT>
+                    <a:lnB w="12700" cap="flat" cmpd="sng" algn="ctr">
+                      <a:solidFill>
+                        <a:scrgbClr r="0" g="0" b="0"/>
+                      </a:solidFill>
+                      <a:prstDash val="solid"/>
+                      <a:round/>
+                      <a:headEnd type="none" w="med" len="med"/>
+                      <a:tailEnd type="none" w="med" len="med"/>
+                    </a:lnB>
+                    <a:lnTlToBr w="12700" cmpd="sng">
+                      <a:noFill/>
+                      <a:prstDash val="solid"/>
+                    </a:lnTlToBr>
+                    <a:lnBlToTr w="12700" cmpd="sng">
+                      <a:noFill/>
+                      <a:prstDash val="solid"/>
+                    </a:lnBlToTr>
+                    <a:solidFill>
+                      <a:srgbClr val="D9D9D9"/>
+                    </a:solidFill>
+                  </a:tcPr>
+                </a:tc>
+                <a:tc>
+                  <a:txBody>
+                    <a:bodyPr/>
+                    <a:lstStyle/>
+                    <a:p>
+                      <a:pPr marL="0" marR="0" lvl="0" indent="0" algn="ctr" defTabSz="457200" rtl="0" eaLnBrk="1" fontAlgn="auto" latinLnBrk="0" hangingPunct="1">
+                        <a:lnSpc>
+                          <a:spcPct val="100000"/>
+                        </a:lnSpc>
+                        <a:spcBef>
+                          <a:spcPts val="0"/>
+                        </a:spcBef>
+                        <a:spcAft>
+                          <a:spcPts val="0"/>
+                        </a:spcAft>
+                        <a:buClrTx/>
+                        <a:buSzTx/>
+                        <a:buFontTx/>
+                        <a:buNone/>
+                        <a:tabLst/>
+                        <a:defRPr/>
+                      </a:pPr>
+                      <a:r>
+                        <a:rPr kumimoji="0" lang="en-US" sz="1200" b="0" i="0" u="none" strike="noStrike" kern="1200" cap="none" spc="0" normalizeH="0" baseline="0" noProof="0" dirty="0" smtClean="0">
+                          <a:ln>
+                            <a:noFill/>
+                          </a:ln>
+                          <a:solidFill>
+                            <a:srgbClr val="7F7F7F"/>
+                          </a:solidFill>
+                          <a:effectLst/>
+                          <a:uLnTx/>
+                          <a:uFillTx/>
+                          <a:latin typeface="Zapf Dingbats"/>
+                          <a:ea typeface="Zapf Dingbats"/>
+                          <a:cs typeface="Zapf Dingbats"/>
+                          <a:sym typeface="Zapf Dingbats"/>
+                        </a:rPr>
+                        <a:t>✔</a:t>
+                      </a:r>
+                      <a:endParaRPr kumimoji="0" lang="en-US" sz="1200" b="0" i="0" u="none" strike="noStrike" kern="1200" cap="none" spc="0" normalizeH="0" baseline="0" noProof="0" dirty="0">
+                        <a:ln>
+                          <a:noFill/>
+                        </a:ln>
+                        <a:solidFill>
+                          <a:srgbClr val="7F7F7F"/>
+                        </a:solidFill>
+                        <a:effectLst/>
+                        <a:uLnTx/>
+                        <a:uFillTx/>
+                        <a:latin typeface="+mn-lt"/>
+                        <a:ea typeface="+mn-ea"/>
+                        <a:cs typeface="+mn-cs"/>
+                      </a:endParaRPr>
+                    </a:p>
+                  </a:txBody>
+                  <a:tcPr marL="36000" marR="36000" marT="0" marB="0" anchor="ctr">
+                    <a:lnL w="12700" cap="flat" cmpd="sng" algn="ctr">
+                      <a:solidFill>
+                        <a:scrgbClr r="0" g="0" b="0"/>
+                      </a:solidFill>
+                      <a:prstDash val="solid"/>
+                      <a:round/>
+                      <a:headEnd type="none" w="med" len="med"/>
+                      <a:tailEnd type="none" w="med" len="med"/>
+                    </a:lnL>
+                    <a:lnR w="12700" cap="flat" cmpd="sng" algn="ctr">
+                      <a:solidFill>
+                        <a:scrgbClr r="0" g="0" b="0"/>
+                      </a:solidFill>
+                      <a:prstDash val="solid"/>
+                      <a:round/>
+                      <a:headEnd type="none" w="med" len="med"/>
+                      <a:tailEnd type="none" w="med" len="med"/>
+                    </a:lnR>
+                    <a:lnT w="12700" cap="flat" cmpd="sng" algn="ctr">
+                      <a:solidFill>
+                        <a:scrgbClr r="0" g="0" b="0"/>
+                      </a:solidFill>
+                      <a:prstDash val="solid"/>
+                      <a:round/>
+                      <a:headEnd type="none" w="med" len="med"/>
+                      <a:tailEnd type="none" w="med" len="med"/>
+                    </a:lnT>
+                    <a:lnB w="12700" cap="flat" cmpd="sng" algn="ctr">
+                      <a:solidFill>
+                        <a:scrgbClr r="0" g="0" b="0"/>
+                      </a:solidFill>
+                      <a:prstDash val="solid"/>
+                      <a:round/>
+                      <a:headEnd type="none" w="med" len="med"/>
+                      <a:tailEnd type="none" w="med" len="med"/>
+                    </a:lnB>
+                    <a:lnTlToBr w="12700" cmpd="sng">
+                      <a:noFill/>
+                      <a:prstDash val="solid"/>
+                    </a:lnTlToBr>
+                    <a:lnBlToTr w="12700" cmpd="sng">
+                      <a:noFill/>
+                      <a:prstDash val="solid"/>
+                    </a:lnBlToTr>
+                    <a:solidFill>
+                      <a:srgbClr val="D9D9D9"/>
+                    </a:solidFill>
+                  </a:tcPr>
+                </a:tc>
+                <a:tc>
+                  <a:txBody>
+                    <a:bodyPr/>
+                    <a:lstStyle/>
+                    <a:p>
+                      <a:pPr marL="0" marR="0" lvl="0" indent="0" algn="ctr" defTabSz="457200" rtl="0" eaLnBrk="1" fontAlgn="auto" latinLnBrk="0" hangingPunct="1">
+                        <a:lnSpc>
+                          <a:spcPct val="100000"/>
+                        </a:lnSpc>
+                        <a:spcBef>
+                          <a:spcPts val="0"/>
+                        </a:spcBef>
+                        <a:spcAft>
+                          <a:spcPts val="0"/>
+                        </a:spcAft>
+                        <a:buClrTx/>
+                        <a:buSzTx/>
+                        <a:buFontTx/>
+                        <a:buNone/>
+                        <a:tabLst/>
+                        <a:defRPr/>
+                      </a:pPr>
+                      <a:r>
+                        <a:rPr kumimoji="0" lang="en-US" sz="1200" b="0" i="0" u="none" strike="noStrike" kern="1200" cap="none" spc="0" normalizeH="0" baseline="0" noProof="0" dirty="0" smtClean="0">
+                          <a:ln>
+                            <a:noFill/>
+                          </a:ln>
+                          <a:solidFill>
+                            <a:srgbClr val="7F7F7F"/>
+                          </a:solidFill>
+                          <a:effectLst/>
+                          <a:uLnTx/>
+                          <a:uFillTx/>
+                          <a:latin typeface="Zapf Dingbats"/>
+                          <a:ea typeface="Zapf Dingbats"/>
+                          <a:cs typeface="Zapf Dingbats"/>
+                          <a:sym typeface="Zapf Dingbats"/>
+                        </a:rPr>
+                        <a:t>✔</a:t>
+                      </a:r>
+                      <a:endParaRPr kumimoji="0" lang="en-US" sz="1200" b="0" i="0" u="none" strike="noStrike" kern="1200" cap="none" spc="0" normalizeH="0" baseline="0" noProof="0" dirty="0">
+                        <a:ln>
+                          <a:noFill/>
+                        </a:ln>
+                        <a:solidFill>
+                          <a:srgbClr val="7F7F7F"/>
+                        </a:solidFill>
+                        <a:effectLst/>
+                        <a:uLnTx/>
+                        <a:uFillTx/>
+                        <a:latin typeface="+mn-lt"/>
+                        <a:ea typeface="+mn-ea"/>
+                        <a:cs typeface="+mn-cs"/>
+                      </a:endParaRPr>
+                    </a:p>
+                  </a:txBody>
+                  <a:tcPr marL="36000" marR="36000" marT="0" marB="0" anchor="ctr">
+                    <a:lnL w="12700" cap="flat" cmpd="sng" algn="ctr">
+                      <a:solidFill>
+                        <a:scrgbClr r="0" g="0" b="0"/>
+                      </a:solidFill>
+                      <a:prstDash val="solid"/>
+                      <a:round/>
+                      <a:headEnd type="none" w="med" len="med"/>
+                      <a:tailEnd type="none" w="med" len="med"/>
+                    </a:lnL>
+                    <a:lnR w="12700" cap="flat" cmpd="sng" algn="ctr">
+                      <a:solidFill>
+                        <a:scrgbClr r="0" g="0" b="0"/>
+                      </a:solidFill>
+                      <a:prstDash val="solid"/>
+                      <a:round/>
+                      <a:headEnd type="none" w="med" len="med"/>
+                      <a:tailEnd type="none" w="med" len="med"/>
+                    </a:lnR>
+                    <a:lnT w="12700" cap="flat" cmpd="sng" algn="ctr">
+                      <a:solidFill>
+                        <a:scrgbClr r="0" g="0" b="0"/>
+                      </a:solidFill>
+                      <a:prstDash val="solid"/>
+                      <a:round/>
+                      <a:headEnd type="none" w="med" len="med"/>
+                      <a:tailEnd type="none" w="med" len="med"/>
+                    </a:lnT>
+                    <a:lnB w="12700" cap="flat" cmpd="sng" algn="ctr">
+                      <a:solidFill>
+                        <a:scrgbClr r="0" g="0" b="0"/>
+                      </a:solidFill>
+                      <a:prstDash val="solid"/>
+                      <a:round/>
+                      <a:headEnd type="none" w="med" len="med"/>
+                      <a:tailEnd type="none" w="med" len="med"/>
+                    </a:lnB>
+                    <a:lnTlToBr w="12700" cmpd="sng">
+                      <a:noFill/>
+                      <a:prstDash val="solid"/>
+                    </a:lnTlToBr>
+                    <a:lnBlToTr w="12700" cmpd="sng">
+                      <a:noFill/>
+                      <a:prstDash val="solid"/>
+                    </a:lnBlToTr>
+                    <a:solidFill>
+                      <a:srgbClr val="D9D9D9"/>
+                    </a:solidFill>
+                  </a:tcPr>
+                </a:tc>
+                <a:tc>
+                  <a:txBody>
+                    <a:bodyPr/>
+                    <a:lstStyle/>
+                    <a:p>
+                      <a:pPr algn="ctr"/>
+                      <a:endParaRPr lang="en-US" sz="1600" dirty="0"/>
+                    </a:p>
+                  </a:txBody>
+                  <a:tcPr marL="36000" marR="36000" marT="0" marB="0" anchor="ctr">
+                    <a:lnL w="12700" cap="flat" cmpd="sng" algn="ctr">
+                      <a:solidFill>
+                        <a:scrgbClr r="0" g="0" b="0"/>
+                      </a:solidFill>
+                      <a:prstDash val="solid"/>
+                      <a:round/>
+                      <a:headEnd type="none" w="med" len="med"/>
+                      <a:tailEnd type="none" w="med" len="med"/>
+                    </a:lnL>
+                    <a:lnR w="12700" cap="flat" cmpd="sng" algn="ctr">
+                      <a:solidFill>
+                        <a:scrgbClr r="0" g="0" b="0"/>
+                      </a:solidFill>
+                      <a:prstDash val="solid"/>
+                      <a:round/>
+                      <a:headEnd type="none" w="med" len="med"/>
+                      <a:tailEnd type="none" w="med" len="med"/>
+                    </a:lnR>
+                    <a:lnT w="12700" cap="flat" cmpd="sng" algn="ctr">
+                      <a:solidFill>
+                        <a:scrgbClr r="0" g="0" b="0"/>
+                      </a:solidFill>
+                      <a:prstDash val="solid"/>
+                      <a:round/>
+                      <a:headEnd type="none" w="med" len="med"/>
+                      <a:tailEnd type="none" w="med" len="med"/>
+                    </a:lnT>
+                    <a:lnB w="12700" cap="flat" cmpd="sng" algn="ctr">
+                      <a:solidFill>
+                        <a:scrgbClr r="0" g="0" b="0"/>
+                      </a:solidFill>
+                      <a:prstDash val="solid"/>
+                      <a:round/>
+                      <a:headEnd type="none" w="med" len="med"/>
+                      <a:tailEnd type="none" w="med" len="med"/>
+                    </a:lnB>
+                    <a:lnTlToBr w="12700" cmpd="sng">
+                      <a:noFill/>
+                      <a:prstDash val="solid"/>
+                    </a:lnTlToBr>
+                    <a:lnBlToTr w="12700" cmpd="sng">
+                      <a:noFill/>
+                      <a:prstDash val="solid"/>
+                    </a:lnBlToTr>
+                    <a:solidFill>
+                      <a:schemeClr val="bg1"/>
+                    </a:solidFill>
+                  </a:tcPr>
+                </a:tc>
+                <a:tc>
+                  <a:txBody>
+                    <a:bodyPr/>
+                    <a:lstStyle/>
+                    <a:p>
+                      <a:pPr algn="ctr"/>
+                      <a:endParaRPr lang="en-US" sz="1600" dirty="0"/>
+                    </a:p>
+                  </a:txBody>
+                  <a:tcPr marL="36000" marR="36000" marT="0" marB="0" anchor="ctr">
+                    <a:lnL w="12700" cap="flat" cmpd="sng" algn="ctr">
+                      <a:solidFill>
+                        <a:scrgbClr r="0" g="0" b="0"/>
+                      </a:solidFill>
+                      <a:prstDash val="solid"/>
+                      <a:round/>
+                      <a:headEnd type="none" w="med" len="med"/>
+                      <a:tailEnd type="none" w="med" len="med"/>
+                    </a:lnL>
+                    <a:lnR w="12700" cap="flat" cmpd="sng" algn="ctr">
+                      <a:solidFill>
+                        <a:scrgbClr r="0" g="0" b="0"/>
+                      </a:solidFill>
+                      <a:prstDash val="solid"/>
+                      <a:round/>
+                      <a:headEnd type="none" w="med" len="med"/>
+                      <a:tailEnd type="none" w="med" len="med"/>
+                    </a:lnR>
+                    <a:lnT w="12700" cap="flat" cmpd="sng" algn="ctr">
+                      <a:solidFill>
+                        <a:scrgbClr r="0" g="0" b="0"/>
+                      </a:solidFill>
+                      <a:prstDash val="solid"/>
+                      <a:round/>
+                      <a:headEnd type="none" w="med" len="med"/>
+                      <a:tailEnd type="none" w="med" len="med"/>
+                    </a:lnT>
+                    <a:lnB w="12700" cap="flat" cmpd="sng" algn="ctr">
+                      <a:solidFill>
+                        <a:scrgbClr r="0" g="0" b="0"/>
+                      </a:solidFill>
+                      <a:prstDash val="solid"/>
+                      <a:round/>
+                      <a:headEnd type="none" w="med" len="med"/>
+                      <a:tailEnd type="none" w="med" len="med"/>
+                    </a:lnB>
+                    <a:lnTlToBr w="12700" cmpd="sng">
+                      <a:noFill/>
+                      <a:prstDash val="solid"/>
+                    </a:lnTlToBr>
+                    <a:lnBlToTr w="12700" cmpd="sng">
+                      <a:noFill/>
+                      <a:prstDash val="solid"/>
+                    </a:lnBlToTr>
+                    <a:solidFill>
+                      <a:schemeClr val="bg1"/>
+                    </a:solidFill>
+                  </a:tcPr>
+                </a:tc>
+              </a:tr>
+              <a:tr h="288266">
+                <a:tc>
+                  <a:txBody>
+                    <a:bodyPr/>
+                    <a:lstStyle/>
+                    <a:p>
+                      <a:pPr algn="ctr"/>
+                      <a:r>
+                        <a:rPr lang="en-US" sz="1400" i="1" dirty="0" smtClean="0"/>
+                        <a:t>C</a:t>
+                      </a:r>
+                      <a:r>
+                        <a:rPr lang="en-US" sz="1400" i="1" baseline="-25000" dirty="0" smtClean="0"/>
+                        <a:t>5</a:t>
+                      </a:r>
+                      <a:endParaRPr lang="en-US" sz="1400" i="1" baseline="-25000" dirty="0"/>
+                    </a:p>
+                  </a:txBody>
+                  <a:tcPr marL="36000" marR="36000" marT="0" marB="0" anchor="ctr">
+                    <a:lnL w="12700" cap="flat" cmpd="sng" algn="ctr">
+                      <a:noFill/>
+                      <a:prstDash val="solid"/>
+                      <a:round/>
+                      <a:headEnd type="none" w="med" len="med"/>
+                      <a:tailEnd type="none" w="med" len="med"/>
+                    </a:lnL>
+                    <a:lnR w="12700" cap="flat" cmpd="sng" algn="ctr">
+                      <a:solidFill>
+                        <a:scrgbClr r="0" g="0" b="0"/>
+                      </a:solidFill>
+                      <a:prstDash val="solid"/>
+                      <a:round/>
+                      <a:headEnd type="none" w="med" len="med"/>
+                      <a:tailEnd type="none" w="med" len="med"/>
+                    </a:lnR>
+                    <a:lnT w="12700" cap="flat" cmpd="sng" algn="ctr">
+                      <a:noFill/>
+                      <a:prstDash val="solid"/>
+                      <a:round/>
+                      <a:headEnd type="none" w="med" len="med"/>
+                      <a:tailEnd type="none" w="med" len="med"/>
+                    </a:lnT>
+                    <a:lnB w="12700" cap="flat" cmpd="sng" algn="ctr">
+                      <a:noFill/>
+                      <a:prstDash val="solid"/>
+                      <a:round/>
+                      <a:headEnd type="none" w="med" len="med"/>
+                      <a:tailEnd type="none" w="med" len="med"/>
+                    </a:lnB>
+                    <a:lnTlToBr w="12700" cmpd="sng">
+                      <a:noFill/>
+                      <a:prstDash val="solid"/>
+                    </a:lnTlToBr>
+                    <a:lnBlToTr w="12700" cmpd="sng">
+                      <a:noFill/>
+                      <a:prstDash val="solid"/>
+                    </a:lnBlToTr>
+                  </a:tcPr>
+                </a:tc>
+                <a:tc>
+                  <a:txBody>
+                    <a:bodyPr/>
+                    <a:lstStyle/>
+                    <a:p>
+                      <a:pPr marL="0" marR="0" lvl="0" indent="0" algn="ctr" defTabSz="457200" rtl="0" eaLnBrk="1" fontAlgn="auto" latinLnBrk="0" hangingPunct="1">
+                        <a:lnSpc>
+                          <a:spcPct val="100000"/>
+                        </a:lnSpc>
+                        <a:spcBef>
+                          <a:spcPts val="0"/>
+                        </a:spcBef>
+                        <a:spcAft>
+                          <a:spcPts val="0"/>
+                        </a:spcAft>
+                        <a:buClrTx/>
+                        <a:buSzTx/>
+                        <a:buFontTx/>
+                        <a:buNone/>
+                        <a:tabLst/>
+                        <a:defRPr/>
+                      </a:pPr>
+                      <a:r>
+                        <a:rPr kumimoji="0" lang="en-US" sz="1200" b="0" i="0" u="none" strike="noStrike" kern="1200" cap="none" spc="0" normalizeH="0" baseline="0" noProof="0" dirty="0" smtClean="0">
+                          <a:ln>
+                            <a:noFill/>
+                          </a:ln>
+                          <a:solidFill>
+                            <a:srgbClr val="7F7F7F"/>
+                          </a:solidFill>
+                          <a:effectLst/>
+                          <a:uLnTx/>
+                          <a:uFillTx/>
+                          <a:latin typeface="Zapf Dingbats"/>
+                          <a:ea typeface="Zapf Dingbats"/>
+                          <a:cs typeface="Zapf Dingbats"/>
+                          <a:sym typeface="Zapf Dingbats"/>
+                        </a:rPr>
+                        <a:t>✔</a:t>
+                      </a:r>
+                      <a:endParaRPr kumimoji="0" lang="en-US" sz="1200" b="0" i="0" u="none" strike="noStrike" kern="1200" cap="none" spc="0" normalizeH="0" baseline="0" noProof="0" dirty="0">
+                        <a:ln>
+                          <a:noFill/>
+                        </a:ln>
+                        <a:solidFill>
+                          <a:srgbClr val="7F7F7F"/>
+                        </a:solidFill>
+                        <a:effectLst/>
+                        <a:uLnTx/>
+                        <a:uFillTx/>
+                        <a:latin typeface="+mn-lt"/>
+                        <a:ea typeface="+mn-ea"/>
+                        <a:cs typeface="+mn-cs"/>
+                      </a:endParaRPr>
+                    </a:p>
+                  </a:txBody>
+                  <a:tcPr marL="36000" marR="36000" marT="0" marB="0" anchor="ctr">
+                    <a:lnL w="12700" cap="flat" cmpd="sng" algn="ctr">
+                      <a:solidFill>
+                        <a:scrgbClr r="0" g="0" b="0"/>
+                      </a:solidFill>
+                      <a:prstDash val="solid"/>
+                      <a:round/>
+                      <a:headEnd type="none" w="med" len="med"/>
+                      <a:tailEnd type="none" w="med" len="med"/>
+                    </a:lnL>
+                    <a:lnR w="12700" cap="flat" cmpd="sng" algn="ctr">
+                      <a:solidFill>
+                        <a:scrgbClr r="0" g="0" b="0"/>
+                      </a:solidFill>
+                      <a:prstDash val="solid"/>
+                      <a:round/>
+                      <a:headEnd type="none" w="med" len="med"/>
+                      <a:tailEnd type="none" w="med" len="med"/>
+                    </a:lnR>
+                    <a:lnT w="12700" cap="flat" cmpd="sng" algn="ctr">
+                      <a:solidFill>
+                        <a:scrgbClr r="0" g="0" b="0"/>
+                      </a:solidFill>
+                      <a:prstDash val="solid"/>
+                      <a:round/>
+                      <a:headEnd type="none" w="med" len="med"/>
+                      <a:tailEnd type="none" w="med" len="med"/>
+                    </a:lnT>
+                    <a:lnB w="12700" cap="flat" cmpd="sng" algn="ctr">
+                      <a:solidFill>
+                        <a:scrgbClr r="0" g="0" b="0"/>
+                      </a:solidFill>
+                      <a:prstDash val="solid"/>
+                      <a:round/>
+                      <a:headEnd type="none" w="med" len="med"/>
+                      <a:tailEnd type="none" w="med" len="med"/>
+                    </a:lnB>
+                    <a:lnTlToBr w="12700" cmpd="sng">
+                      <a:noFill/>
+                      <a:prstDash val="solid"/>
+                    </a:lnTlToBr>
+                    <a:lnBlToTr w="12700" cmpd="sng">
+                      <a:noFill/>
+                      <a:prstDash val="solid"/>
+                    </a:lnBlToTr>
+                    <a:solidFill>
+                      <a:srgbClr val="D9D9D9"/>
+                    </a:solidFill>
+                  </a:tcPr>
+                </a:tc>
+                <a:tc>
+                  <a:txBody>
+                    <a:bodyPr/>
+                    <a:lstStyle/>
+                    <a:p>
+                      <a:pPr marL="0" marR="0" lvl="0" indent="0" algn="ctr" defTabSz="457200" rtl="0" eaLnBrk="1" fontAlgn="auto" latinLnBrk="0" hangingPunct="1">
+                        <a:lnSpc>
+                          <a:spcPct val="100000"/>
+                        </a:lnSpc>
+                        <a:spcBef>
+                          <a:spcPts val="0"/>
+                        </a:spcBef>
+                        <a:spcAft>
+                          <a:spcPts val="0"/>
+                        </a:spcAft>
+                        <a:buClrTx/>
+                        <a:buSzTx/>
+                        <a:buFontTx/>
+                        <a:buNone/>
+                        <a:tabLst/>
+                        <a:defRPr/>
+                      </a:pPr>
+                      <a:r>
+                        <a:rPr kumimoji="0" lang="en-US" sz="1200" b="0" i="0" u="none" strike="noStrike" kern="1200" cap="none" spc="0" normalizeH="0" baseline="0" noProof="0" dirty="0" smtClean="0">
+                          <a:ln>
+                            <a:noFill/>
+                          </a:ln>
+                          <a:solidFill>
+                            <a:srgbClr val="7F7F7F"/>
+                          </a:solidFill>
+                          <a:effectLst/>
+                          <a:uLnTx/>
+                          <a:uFillTx/>
+                          <a:latin typeface="Zapf Dingbats"/>
+                          <a:ea typeface="Zapf Dingbats"/>
+                          <a:cs typeface="Zapf Dingbats"/>
+                          <a:sym typeface="Zapf Dingbats"/>
+                        </a:rPr>
+                        <a:t>✔</a:t>
+                      </a:r>
+                      <a:endParaRPr kumimoji="0" lang="en-US" sz="1200" b="0" i="0" u="none" strike="noStrike" kern="1200" cap="none" spc="0" normalizeH="0" baseline="0" noProof="0" dirty="0">
+                        <a:ln>
+                          <a:noFill/>
+                        </a:ln>
+                        <a:solidFill>
+                          <a:srgbClr val="7F7F7F"/>
+                        </a:solidFill>
+                        <a:effectLst/>
+                        <a:uLnTx/>
+                        <a:uFillTx/>
+                        <a:latin typeface="+mn-lt"/>
+                        <a:ea typeface="+mn-ea"/>
+                        <a:cs typeface="+mn-cs"/>
+                      </a:endParaRPr>
+                    </a:p>
+                  </a:txBody>
+                  <a:tcPr marL="36000" marR="36000" marT="0" marB="0" anchor="ctr">
+                    <a:lnL w="12700" cap="flat" cmpd="sng" algn="ctr">
+                      <a:solidFill>
+                        <a:scrgbClr r="0" g="0" b="0"/>
+                      </a:solidFill>
+                      <a:prstDash val="solid"/>
+                      <a:round/>
+                      <a:headEnd type="none" w="med" len="med"/>
+                      <a:tailEnd type="none" w="med" len="med"/>
+                    </a:lnL>
+                    <a:lnR w="12700" cap="flat" cmpd="sng" algn="ctr">
+                      <a:solidFill>
+                        <a:scrgbClr r="0" g="0" b="0"/>
+                      </a:solidFill>
+                      <a:prstDash val="solid"/>
+                      <a:round/>
+                      <a:headEnd type="none" w="med" len="med"/>
+                      <a:tailEnd type="none" w="med" len="med"/>
+                    </a:lnR>
+                    <a:lnT w="12700" cap="flat" cmpd="sng" algn="ctr">
+                      <a:solidFill>
+                        <a:scrgbClr r="0" g="0" b="0"/>
+                      </a:solidFill>
+                      <a:prstDash val="solid"/>
+                      <a:round/>
+                      <a:headEnd type="none" w="med" len="med"/>
+                      <a:tailEnd type="none" w="med" len="med"/>
+                    </a:lnT>
+                    <a:lnB w="12700" cap="flat" cmpd="sng" algn="ctr">
+                      <a:solidFill>
+                        <a:scrgbClr r="0" g="0" b="0"/>
+                      </a:solidFill>
+                      <a:prstDash val="solid"/>
+                      <a:round/>
+                      <a:headEnd type="none" w="med" len="med"/>
+                      <a:tailEnd type="none" w="med" len="med"/>
+                    </a:lnB>
+                    <a:lnTlToBr w="12700" cmpd="sng">
+                      <a:noFill/>
+                      <a:prstDash val="solid"/>
+                    </a:lnTlToBr>
+                    <a:lnBlToTr w="12700" cmpd="sng">
+                      <a:noFill/>
+                      <a:prstDash val="solid"/>
+                    </a:lnBlToTr>
+                    <a:solidFill>
+                      <a:srgbClr val="D9D9D9"/>
+                    </a:solidFill>
+                  </a:tcPr>
+                </a:tc>
+                <a:tc>
+                  <a:txBody>
+                    <a:bodyPr/>
+                    <a:lstStyle/>
+                    <a:p>
+                      <a:pPr marL="0" marR="0" lvl="0" indent="0" algn="ctr" defTabSz="457200" rtl="0" eaLnBrk="1" fontAlgn="auto" latinLnBrk="0" hangingPunct="1">
+                        <a:lnSpc>
+                          <a:spcPct val="100000"/>
+                        </a:lnSpc>
+                        <a:spcBef>
+                          <a:spcPts val="0"/>
+                        </a:spcBef>
+                        <a:spcAft>
+                          <a:spcPts val="0"/>
+                        </a:spcAft>
+                        <a:buClrTx/>
+                        <a:buSzTx/>
+                        <a:buFontTx/>
+                        <a:buNone/>
+                        <a:tabLst/>
+                        <a:defRPr/>
+                      </a:pPr>
+                      <a:r>
+                        <a:rPr kumimoji="0" lang="en-US" sz="1200" b="0" i="0" u="none" strike="noStrike" kern="1200" cap="none" spc="0" normalizeH="0" baseline="0" noProof="0" dirty="0" smtClean="0">
+                          <a:ln>
+                            <a:noFill/>
+                          </a:ln>
+                          <a:solidFill>
+                            <a:srgbClr val="7F7F7F"/>
+                          </a:solidFill>
+                          <a:effectLst/>
+                          <a:uLnTx/>
+                          <a:uFillTx/>
+                          <a:latin typeface="Zapf Dingbats"/>
+                          <a:ea typeface="Zapf Dingbats"/>
+                          <a:cs typeface="Zapf Dingbats"/>
+                          <a:sym typeface="Zapf Dingbats"/>
+                        </a:rPr>
+                        <a:t>✔</a:t>
+                      </a:r>
+                      <a:endParaRPr kumimoji="0" lang="en-US" sz="1200" b="0" i="0" u="none" strike="noStrike" kern="1200" cap="none" spc="0" normalizeH="0" baseline="0" noProof="0" dirty="0">
+                        <a:ln>
+                          <a:noFill/>
+                        </a:ln>
+                        <a:solidFill>
+                          <a:srgbClr val="7F7F7F"/>
+                        </a:solidFill>
+                        <a:effectLst/>
+                        <a:uLnTx/>
+                        <a:uFillTx/>
+                        <a:latin typeface="+mn-lt"/>
+                        <a:ea typeface="+mn-ea"/>
+                        <a:cs typeface="+mn-cs"/>
+                      </a:endParaRPr>
+                    </a:p>
+                  </a:txBody>
+                  <a:tcPr marL="36000" marR="36000" marT="0" marB="0" anchor="ctr">
+                    <a:lnL w="12700" cap="flat" cmpd="sng" algn="ctr">
+                      <a:solidFill>
+                        <a:scrgbClr r="0" g="0" b="0"/>
+                      </a:solidFill>
+                      <a:prstDash val="solid"/>
+                      <a:round/>
+                      <a:headEnd type="none" w="med" len="med"/>
+                      <a:tailEnd type="none" w="med" len="med"/>
+                    </a:lnL>
+                    <a:lnR w="12700" cap="flat" cmpd="sng" algn="ctr">
+                      <a:solidFill>
+                        <a:scrgbClr r="0" g="0" b="0"/>
+                      </a:solidFill>
+                      <a:prstDash val="solid"/>
+                      <a:round/>
+                      <a:headEnd type="none" w="med" len="med"/>
+                      <a:tailEnd type="none" w="med" len="med"/>
+                    </a:lnR>
+                    <a:lnT w="12700" cap="flat" cmpd="sng" algn="ctr">
+                      <a:solidFill>
+                        <a:scrgbClr r="0" g="0" b="0"/>
+                      </a:solidFill>
+                      <a:prstDash val="solid"/>
+                      <a:round/>
+                      <a:headEnd type="none" w="med" len="med"/>
+                      <a:tailEnd type="none" w="med" len="med"/>
+                    </a:lnT>
+                    <a:lnB w="12700" cap="flat" cmpd="sng" algn="ctr">
+                      <a:solidFill>
+                        <a:scrgbClr r="0" g="0" b="0"/>
+                      </a:solidFill>
+                      <a:prstDash val="solid"/>
+                      <a:round/>
+                      <a:headEnd type="none" w="med" len="med"/>
+                      <a:tailEnd type="none" w="med" len="med"/>
+                    </a:lnB>
+                    <a:lnTlToBr w="12700" cmpd="sng">
+                      <a:noFill/>
+                      <a:prstDash val="solid"/>
+                    </a:lnTlToBr>
+                    <a:lnBlToTr w="12700" cmpd="sng">
+                      <a:noFill/>
+                      <a:prstDash val="solid"/>
+                    </a:lnBlToTr>
+                    <a:solidFill>
+                      <a:srgbClr val="D9D9D9"/>
+                    </a:solidFill>
+                  </a:tcPr>
+                </a:tc>
+                <a:tc>
+                  <a:txBody>
+                    <a:bodyPr/>
+                    <a:lstStyle/>
+                    <a:p>
+                      <a:pPr algn="ctr"/>
+                      <a:endParaRPr lang="en-US" sz="1200" dirty="0"/>
+                    </a:p>
+                  </a:txBody>
+                  <a:tcPr marL="36000" marR="36000" marT="0" marB="0" anchor="ctr">
+                    <a:lnL w="12700" cap="flat" cmpd="sng" algn="ctr">
+                      <a:solidFill>
+                        <a:scrgbClr r="0" g="0" b="0"/>
+                      </a:solidFill>
+                      <a:prstDash val="solid"/>
+                      <a:round/>
+                      <a:headEnd type="none" w="med" len="med"/>
+                      <a:tailEnd type="none" w="med" len="med"/>
+                    </a:lnL>
+                    <a:lnR w="12700" cap="flat" cmpd="sng" algn="ctr">
+                      <a:solidFill>
+                        <a:scrgbClr r="0" g="0" b="0"/>
+                      </a:solidFill>
+                      <a:prstDash val="solid"/>
+                      <a:round/>
+                      <a:headEnd type="none" w="med" len="med"/>
+                      <a:tailEnd type="none" w="med" len="med"/>
+                    </a:lnR>
+                    <a:lnT w="12700" cap="flat" cmpd="sng" algn="ctr">
+                      <a:solidFill>
+                        <a:scrgbClr r="0" g="0" b="0"/>
+                      </a:solidFill>
+                      <a:prstDash val="solid"/>
+                      <a:round/>
+                      <a:headEnd type="none" w="med" len="med"/>
+                      <a:tailEnd type="none" w="med" len="med"/>
+                    </a:lnT>
+                    <a:lnB w="12700" cap="flat" cmpd="sng" algn="ctr">
+                      <a:solidFill>
+                        <a:scrgbClr r="0" g="0" b="0"/>
+                      </a:solidFill>
+                      <a:prstDash val="solid"/>
+                      <a:round/>
+                      <a:headEnd type="none" w="med" len="med"/>
+                      <a:tailEnd type="none" w="med" len="med"/>
+                    </a:lnB>
+                    <a:lnTlToBr w="12700" cmpd="sng">
+                      <a:noFill/>
+                      <a:prstDash val="solid"/>
+                    </a:lnTlToBr>
+                    <a:lnBlToTr w="12700" cmpd="sng">
+                      <a:noFill/>
+                      <a:prstDash val="solid"/>
+                    </a:lnBlToTr>
+                    <a:solidFill>
+                      <a:schemeClr val="bg1"/>
+                    </a:solidFill>
+                  </a:tcPr>
+                </a:tc>
+                <a:tc>
+                  <a:txBody>
+                    <a:bodyPr/>
+                    <a:lstStyle/>
+                    <a:p>
+                      <a:pPr algn="ctr"/>
+                      <a:endParaRPr lang="en-US" sz="1600" dirty="0"/>
+                    </a:p>
+                  </a:txBody>
+                  <a:tcPr marL="36000" marR="36000" marT="0" marB="0" anchor="ctr">
+                    <a:lnL w="12700" cap="flat" cmpd="sng" algn="ctr">
+                      <a:solidFill>
+                        <a:scrgbClr r="0" g="0" b="0"/>
+                      </a:solidFill>
+                      <a:prstDash val="solid"/>
+                      <a:round/>
+                      <a:headEnd type="none" w="med" len="med"/>
+                      <a:tailEnd type="none" w="med" len="med"/>
+                    </a:lnL>
+                    <a:lnR w="12700" cap="flat" cmpd="sng" algn="ctr">
+                      <a:solidFill>
+                        <a:scrgbClr r="0" g="0" b="0"/>
+                      </a:solidFill>
+                      <a:prstDash val="solid"/>
+                      <a:round/>
+                      <a:headEnd type="none" w="med" len="med"/>
+                      <a:tailEnd type="none" w="med" len="med"/>
+                    </a:lnR>
+                    <a:lnT w="12700" cap="flat" cmpd="sng" algn="ctr">
+                      <a:solidFill>
+                        <a:scrgbClr r="0" g="0" b="0"/>
+                      </a:solidFill>
+                      <a:prstDash val="solid"/>
+                      <a:round/>
+                      <a:headEnd type="none" w="med" len="med"/>
+                      <a:tailEnd type="none" w="med" len="med"/>
+                    </a:lnT>
+                    <a:lnB w="12700" cap="flat" cmpd="sng" algn="ctr">
+                      <a:solidFill>
+                        <a:scrgbClr r="0" g="0" b="0"/>
+                      </a:solidFill>
+                      <a:prstDash val="solid"/>
+                      <a:round/>
+                      <a:headEnd type="none" w="med" len="med"/>
+                      <a:tailEnd type="none" w="med" len="med"/>
+                    </a:lnB>
+                    <a:lnTlToBr w="12700" cmpd="sng">
+                      <a:noFill/>
+                      <a:prstDash val="solid"/>
+                    </a:lnTlToBr>
+                    <a:lnBlToTr w="12700" cmpd="sng">
+                      <a:noFill/>
+                      <a:prstDash val="solid"/>
+                    </a:lnBlToTr>
+                    <a:solidFill>
+                      <a:schemeClr val="bg1"/>
+                    </a:solidFill>
+                  </a:tcPr>
+                </a:tc>
+              </a:tr>
+            </a:tbl>
+          </a:graphicData>
+        </a:graphic>
+      </p:graphicFrame>
+      <p:graphicFrame>
+        <p:nvGraphicFramePr>
+          <p:cNvPr id="20" name="Table 19"/>
+          <p:cNvGraphicFramePr>
+            <a:graphicFrameLocks noGrp="1"/>
+          </p:cNvGraphicFramePr>
+          <p:nvPr>
+            <p:extLst>
+              <p:ext uri="{D42A27DB-BD31-4B8C-83A1-F6EECF244321}">
+                <p14:modId xmlns:p14="http://schemas.microsoft.com/office/powerpoint/2010/main" val="917395943"/>
+              </p:ext>
+            </p:extLst>
+          </p:nvPr>
+        </p:nvGraphicFramePr>
+        <p:xfrm>
+          <a:off x="3183200" y="1012825"/>
+          <a:ext cx="2381780" cy="1706223"/>
+        </p:xfrm>
+        <a:graphic>
+          <a:graphicData uri="http://schemas.openxmlformats.org/drawingml/2006/table">
+            <a:tbl>
+              <a:tblPr firstRow="1" bandRow="1">
+                <a:tableStyleId>{2D5ABB26-0587-4C30-8999-92F81FD0307C}</a:tableStyleId>
+              </a:tblPr>
+              <a:tblGrid>
+                <a:gridCol w="399401"/>
+                <a:gridCol w="383472"/>
+                <a:gridCol w="383472"/>
+                <a:gridCol w="378326"/>
+                <a:gridCol w="407414"/>
+                <a:gridCol w="429695"/>
+              </a:tblGrid>
+              <a:tr h="288266">
+                <a:tc>
+                  <a:txBody>
+                    <a:bodyPr/>
+                    <a:lstStyle/>
+                    <a:p>
+                      <a:pPr algn="ctr"/>
+                      <a:endParaRPr lang="en-US" sz="1400" i="1" baseline="-25000" dirty="0"/>
+                    </a:p>
+                  </a:txBody>
+                  <a:tcPr marL="36000" marR="36000" marT="0" marB="0" anchor="ctr">
+                    <a:lnL w="12700" cap="flat" cmpd="sng" algn="ctr">
+                      <a:noFill/>
+                      <a:prstDash val="solid"/>
+                      <a:round/>
+                      <a:headEnd type="none" w="med" len="med"/>
+                      <a:tailEnd type="none" w="med" len="med"/>
+                    </a:lnL>
+                    <a:lnR w="12700" cap="flat" cmpd="sng" algn="ctr">
+                      <a:noFill/>
+                      <a:prstDash val="solid"/>
+                      <a:round/>
+                      <a:headEnd type="none" w="med" len="med"/>
+                      <a:tailEnd type="none" w="med" len="med"/>
+                    </a:lnR>
+                    <a:lnT w="12700" cap="flat" cmpd="sng" algn="ctr">
+                      <a:noFill/>
+                      <a:prstDash val="solid"/>
+                      <a:round/>
+                      <a:headEnd type="none" w="med" len="med"/>
+                      <a:tailEnd type="none" w="med" len="med"/>
+                    </a:lnT>
+                    <a:lnB w="12700" cap="flat" cmpd="sng" algn="ctr">
+                      <a:noFill/>
+                      <a:prstDash val="solid"/>
+                      <a:round/>
+                      <a:headEnd type="none" w="med" len="med"/>
+                      <a:tailEnd type="none" w="med" len="med"/>
+                    </a:lnB>
+                    <a:lnTlToBr w="12700" cmpd="sng">
+                      <a:noFill/>
+                      <a:prstDash val="solid"/>
+                    </a:lnTlToBr>
+                    <a:lnBlToTr w="12700" cmpd="sng">
+                      <a:noFill/>
+                      <a:prstDash val="solid"/>
+                    </a:lnBlToTr>
+                  </a:tcPr>
+                </a:tc>
+                <a:tc>
+                  <a:txBody>
+                    <a:bodyPr/>
+                    <a:lstStyle/>
+                    <a:p>
+                      <a:pPr algn="ctr"/>
+                      <a:r>
+                        <a:rPr lang="en-US" sz="1400" i="1" baseline="0" dirty="0" smtClean="0"/>
+                        <a:t>W</a:t>
+                      </a:r>
+                      <a:r>
+                        <a:rPr lang="en-US" sz="1400" i="1" baseline="-25000" dirty="0" smtClean="0"/>
+                        <a:t>1</a:t>
+                      </a:r>
+                      <a:endParaRPr lang="en-US" sz="1400" i="1" baseline="-25000" dirty="0"/>
+                    </a:p>
+                  </a:txBody>
+                  <a:tcPr marL="36000" marR="36000" marT="0" marB="0" anchor="ctr">
+                    <a:lnL w="12700" cap="flat" cmpd="sng" algn="ctr">
+                      <a:noFill/>
+                      <a:prstDash val="solid"/>
+                      <a:round/>
+                      <a:headEnd type="none" w="med" len="med"/>
+                      <a:tailEnd type="none" w="med" len="med"/>
+                    </a:lnL>
+                    <a:lnR w="12700" cap="flat" cmpd="sng" algn="ctr">
+                      <a:noFill/>
+                      <a:prstDash val="solid"/>
+                      <a:round/>
+                      <a:headEnd type="none" w="med" len="med"/>
+                      <a:tailEnd type="none" w="med" len="med"/>
+                    </a:lnR>
+                    <a:lnT w="12700" cap="flat" cmpd="sng" algn="ctr">
+                      <a:noFill/>
+                      <a:prstDash val="solid"/>
+                      <a:round/>
+                      <a:headEnd type="none" w="med" len="med"/>
+                      <a:tailEnd type="none" w="med" len="med"/>
+                    </a:lnT>
+                    <a:lnB w="12700" cap="flat" cmpd="sng" algn="ctr">
+                      <a:solidFill>
+                        <a:scrgbClr r="0" g="0" b="0"/>
+                      </a:solidFill>
+                      <a:prstDash val="solid"/>
+                      <a:round/>
+                      <a:headEnd type="none" w="med" len="med"/>
+                      <a:tailEnd type="none" w="med" len="med"/>
+                    </a:lnB>
+                    <a:lnTlToBr w="12700" cmpd="sng">
+                      <a:noFill/>
+                      <a:prstDash val="solid"/>
+                    </a:lnTlToBr>
+                    <a:lnBlToTr w="12700" cmpd="sng">
+                      <a:noFill/>
+                      <a:prstDash val="solid"/>
+                    </a:lnBlToTr>
+                  </a:tcPr>
+                </a:tc>
+                <a:tc>
+                  <a:txBody>
+                    <a:bodyPr/>
+                    <a:lstStyle/>
+                    <a:p>
+                      <a:pPr algn="ctr"/>
+                      <a:r>
+                        <a:rPr lang="en-US" sz="1400" i="1" baseline="0" dirty="0" smtClean="0"/>
+                        <a:t>W</a:t>
+                      </a:r>
+                      <a:r>
+                        <a:rPr lang="en-US" sz="1400" i="1" baseline="-25000" dirty="0" smtClean="0"/>
+                        <a:t>2</a:t>
+                      </a:r>
+                      <a:endParaRPr lang="en-US" sz="1400" i="1" baseline="-25000" dirty="0"/>
+                    </a:p>
+                  </a:txBody>
+                  <a:tcPr marL="36000" marR="36000" marT="0" marB="0" anchor="ctr">
+                    <a:lnL w="12700" cap="flat" cmpd="sng" algn="ctr">
+                      <a:noFill/>
+                      <a:prstDash val="solid"/>
+                      <a:round/>
+                      <a:headEnd type="none" w="med" len="med"/>
+                      <a:tailEnd type="none" w="med" len="med"/>
+                    </a:lnL>
+                    <a:lnR w="12700" cap="flat" cmpd="sng" algn="ctr">
+                      <a:noFill/>
+                      <a:prstDash val="solid"/>
+                      <a:round/>
+                      <a:headEnd type="none" w="med" len="med"/>
+                      <a:tailEnd type="none" w="med" len="med"/>
+                    </a:lnR>
+                    <a:lnT w="12700" cap="flat" cmpd="sng" algn="ctr">
+                      <a:noFill/>
+                      <a:prstDash val="solid"/>
+                      <a:round/>
+                      <a:headEnd type="none" w="med" len="med"/>
+                      <a:tailEnd type="none" w="med" len="med"/>
+                    </a:lnT>
+                    <a:lnB w="12700" cap="flat" cmpd="sng" algn="ctr">
+                      <a:solidFill>
+                        <a:scrgbClr r="0" g="0" b="0"/>
+                      </a:solidFill>
+                      <a:prstDash val="solid"/>
+                      <a:round/>
+                      <a:headEnd type="none" w="med" len="med"/>
+                      <a:tailEnd type="none" w="med" len="med"/>
+                    </a:lnB>
+                    <a:lnTlToBr w="12700" cmpd="sng">
+                      <a:noFill/>
+                      <a:prstDash val="solid"/>
+                    </a:lnTlToBr>
+                    <a:lnBlToTr w="12700" cmpd="sng">
+                      <a:noFill/>
+                      <a:prstDash val="solid"/>
+                    </a:lnBlToTr>
+                  </a:tcPr>
+                </a:tc>
+                <a:tc>
+                  <a:txBody>
+                    <a:bodyPr/>
+                    <a:lstStyle/>
+                    <a:p>
+                      <a:pPr algn="ctr"/>
+                      <a:r>
+                        <a:rPr lang="en-US" sz="1400" i="1" baseline="0" dirty="0" smtClean="0"/>
+                        <a:t>W</a:t>
+                      </a:r>
+                      <a:r>
+                        <a:rPr lang="en-US" sz="1400" i="1" baseline="-25000" dirty="0" smtClean="0"/>
+                        <a:t>3</a:t>
+                      </a:r>
+                      <a:endParaRPr lang="en-US" sz="1400" i="1" baseline="-25000" dirty="0"/>
+                    </a:p>
+                  </a:txBody>
+                  <a:tcPr marL="36000" marR="36000" marT="0" marB="0" anchor="ctr">
+                    <a:lnL w="12700" cap="flat" cmpd="sng" algn="ctr">
+                      <a:noFill/>
+                      <a:prstDash val="solid"/>
+                      <a:round/>
+                      <a:headEnd type="none" w="med" len="med"/>
+                      <a:tailEnd type="none" w="med" len="med"/>
+                    </a:lnL>
+                    <a:lnR w="12700" cap="flat" cmpd="sng" algn="ctr">
+                      <a:noFill/>
+                      <a:prstDash val="solid"/>
+                      <a:round/>
+                      <a:headEnd type="none" w="med" len="med"/>
+                      <a:tailEnd type="none" w="med" len="med"/>
+                    </a:lnR>
+                    <a:lnT w="12700" cap="flat" cmpd="sng" algn="ctr">
+                      <a:noFill/>
+                      <a:prstDash val="solid"/>
+                      <a:round/>
+                      <a:headEnd type="none" w="med" len="med"/>
+                      <a:tailEnd type="none" w="med" len="med"/>
+                    </a:lnT>
+                    <a:lnB w="12700" cap="flat" cmpd="sng" algn="ctr">
+                      <a:solidFill>
+                        <a:scrgbClr r="0" g="0" b="0"/>
+                      </a:solidFill>
+                      <a:prstDash val="solid"/>
+                      <a:round/>
+                      <a:headEnd type="none" w="med" len="med"/>
+                      <a:tailEnd type="none" w="med" len="med"/>
+                    </a:lnB>
+                    <a:lnTlToBr w="12700" cmpd="sng">
+                      <a:noFill/>
+                      <a:prstDash val="solid"/>
+                    </a:lnTlToBr>
+                    <a:lnBlToTr w="12700" cmpd="sng">
+                      <a:noFill/>
+                      <a:prstDash val="solid"/>
+                    </a:lnBlToTr>
+                  </a:tcPr>
+                </a:tc>
+                <a:tc>
+                  <a:txBody>
+                    <a:bodyPr/>
+                    <a:lstStyle/>
+                    <a:p>
+                      <a:pPr algn="ctr"/>
+                      <a:r>
+                        <a:rPr lang="en-US" sz="1400" i="1" dirty="0" smtClean="0"/>
+                        <a:t>W</a:t>
+                      </a:r>
+                      <a:r>
+                        <a:rPr lang="en-US" sz="1400" i="1" baseline="-25000" dirty="0" smtClean="0"/>
+                        <a:t>4</a:t>
+                      </a:r>
+                      <a:endParaRPr lang="en-US" sz="1400" i="1" baseline="-25000" dirty="0"/>
+                    </a:p>
+                  </a:txBody>
+                  <a:tcPr marL="36000" marR="36000" marT="0" marB="0" anchor="ctr">
+                    <a:lnL w="12700" cap="flat" cmpd="sng" algn="ctr">
+                      <a:noFill/>
+                      <a:prstDash val="solid"/>
+                      <a:round/>
+                      <a:headEnd type="none" w="med" len="med"/>
+                      <a:tailEnd type="none" w="med" len="med"/>
+                    </a:lnL>
+                    <a:lnR w="12700" cap="flat" cmpd="sng" algn="ctr">
+                      <a:noFill/>
+                      <a:prstDash val="solid"/>
+                      <a:round/>
+                      <a:headEnd type="none" w="med" len="med"/>
+                      <a:tailEnd type="none" w="med" len="med"/>
+                    </a:lnR>
+                    <a:lnT w="12700" cap="flat" cmpd="sng" algn="ctr">
+                      <a:noFill/>
+                      <a:prstDash val="solid"/>
+                      <a:round/>
+                      <a:headEnd type="none" w="med" len="med"/>
+                      <a:tailEnd type="none" w="med" len="med"/>
+                    </a:lnT>
+                    <a:lnB w="12700" cap="flat" cmpd="sng" algn="ctr">
+                      <a:solidFill>
+                        <a:scrgbClr r="0" g="0" b="0"/>
+                      </a:solidFill>
+                      <a:prstDash val="solid"/>
+                      <a:round/>
+                      <a:headEnd type="none" w="med" len="med"/>
+                      <a:tailEnd type="none" w="med" len="med"/>
+                    </a:lnB>
+                    <a:lnTlToBr w="12700" cmpd="sng">
+                      <a:noFill/>
+                      <a:prstDash val="solid"/>
+                    </a:lnTlToBr>
+                    <a:lnBlToTr w="12700" cmpd="sng">
+                      <a:noFill/>
+                      <a:prstDash val="solid"/>
+                    </a:lnBlToTr>
+                  </a:tcPr>
+                </a:tc>
+                <a:tc>
+                  <a:txBody>
+                    <a:bodyPr/>
+                    <a:lstStyle/>
+                    <a:p>
+                      <a:pPr algn="ctr"/>
+                      <a:r>
+                        <a:rPr lang="en-US" sz="1400" i="1" dirty="0" smtClean="0"/>
+                        <a:t>W</a:t>
+                      </a:r>
+                      <a:r>
+                        <a:rPr lang="en-US" sz="1400" i="1" baseline="-25000" dirty="0" smtClean="0"/>
+                        <a:t>5</a:t>
+                      </a:r>
+                      <a:endParaRPr lang="en-US" sz="1400" i="1" baseline="-25000" dirty="0"/>
+                    </a:p>
+                  </a:txBody>
+                  <a:tcPr marL="36000" marR="36000" marT="0" marB="0" anchor="ctr">
+                    <a:lnL w="12700" cap="flat" cmpd="sng" algn="ctr">
+                      <a:noFill/>
+                      <a:prstDash val="solid"/>
+                      <a:round/>
+                      <a:headEnd type="none" w="med" len="med"/>
+                      <a:tailEnd type="none" w="med" len="med"/>
+                    </a:lnL>
+                    <a:lnR w="12700" cap="flat" cmpd="sng" algn="ctr">
+                      <a:noFill/>
+                      <a:prstDash val="solid"/>
+                      <a:round/>
+                      <a:headEnd type="none" w="med" len="med"/>
+                      <a:tailEnd type="none" w="med" len="med"/>
+                    </a:lnR>
+                    <a:lnT w="12700" cap="flat" cmpd="sng" algn="ctr">
+                      <a:noFill/>
+                      <a:prstDash val="solid"/>
+                      <a:round/>
+                      <a:headEnd type="none" w="med" len="med"/>
+                      <a:tailEnd type="none" w="med" len="med"/>
+                    </a:lnT>
+                    <a:lnB w="12700" cap="flat" cmpd="sng" algn="ctr">
+                      <a:solidFill>
+                        <a:scrgbClr r="0" g="0" b="0"/>
+                      </a:solidFill>
+                      <a:prstDash val="solid"/>
+                      <a:round/>
+                      <a:headEnd type="none" w="med" len="med"/>
+                      <a:tailEnd type="none" w="med" len="med"/>
+                    </a:lnB>
+                    <a:lnTlToBr w="12700" cmpd="sng">
+                      <a:noFill/>
+                      <a:prstDash val="solid"/>
+                    </a:lnTlToBr>
+                    <a:lnBlToTr w="12700" cmpd="sng">
+                      <a:noFill/>
+                      <a:prstDash val="solid"/>
+                    </a:lnBlToTr>
+                  </a:tcPr>
+                </a:tc>
+              </a:tr>
+              <a:tr h="272685">
+                <a:tc>
+                  <a:txBody>
+                    <a:bodyPr/>
+                    <a:lstStyle/>
+                    <a:p>
+                      <a:pPr algn="ctr"/>
+                      <a:r>
+                        <a:rPr lang="en-US" sz="1400" i="1" dirty="0" smtClean="0"/>
+                        <a:t>C</a:t>
+                      </a:r>
+                      <a:r>
+                        <a:rPr lang="en-US" sz="1400" i="1" baseline="-25000" dirty="0" smtClean="0"/>
+                        <a:t>1</a:t>
+                      </a:r>
+                      <a:endParaRPr lang="en-US" sz="1400" i="1" baseline="-25000" dirty="0"/>
+                    </a:p>
+                  </a:txBody>
+                  <a:tcPr marL="36000" marR="36000" marT="0" marB="0" anchor="ctr">
+                    <a:lnL w="12700" cap="flat" cmpd="sng" algn="ctr">
+                      <a:noFill/>
+                      <a:prstDash val="solid"/>
+                      <a:round/>
+                      <a:headEnd type="none" w="med" len="med"/>
+                      <a:tailEnd type="none" w="med" len="med"/>
+                    </a:lnL>
+                    <a:lnR w="12700" cap="flat" cmpd="sng" algn="ctr">
+                      <a:solidFill>
+                        <a:scrgbClr r="0" g="0" b="0"/>
+                      </a:solidFill>
+                      <a:prstDash val="solid"/>
+                      <a:round/>
+                      <a:headEnd type="none" w="med" len="med"/>
+                      <a:tailEnd type="none" w="med" len="med"/>
+                    </a:lnR>
+                    <a:lnT w="12700" cap="flat" cmpd="sng" algn="ctr">
+                      <a:noFill/>
+                      <a:prstDash val="solid"/>
+                      <a:round/>
+                      <a:headEnd type="none" w="med" len="med"/>
+                      <a:tailEnd type="none" w="med" len="med"/>
+                    </a:lnT>
+                    <a:lnB w="12700" cap="flat" cmpd="sng" algn="ctr">
+                      <a:noFill/>
+                      <a:prstDash val="solid"/>
+                      <a:round/>
+                      <a:headEnd type="none" w="med" len="med"/>
+                      <a:tailEnd type="none" w="med" len="med"/>
+                    </a:lnB>
+                    <a:lnTlToBr w="12700" cmpd="sng">
+                      <a:noFill/>
+                      <a:prstDash val="solid"/>
+                    </a:lnTlToBr>
+                    <a:lnBlToTr w="12700" cmpd="sng">
+                      <a:noFill/>
+                      <a:prstDash val="solid"/>
+                    </a:lnBlToTr>
+                  </a:tcPr>
+                </a:tc>
+                <a:tc>
+                  <a:txBody>
+                    <a:bodyPr/>
+                    <a:lstStyle/>
+                    <a:p>
+                      <a:pPr algn="ctr"/>
+                      <a:endParaRPr lang="en-US" sz="1600" dirty="0"/>
+                    </a:p>
+                  </a:txBody>
+                  <a:tcPr marL="36000" marR="36000" marT="0" marB="0" anchor="ctr">
+                    <a:lnL w="12700" cap="flat" cmpd="sng" algn="ctr">
+                      <a:solidFill>
+                        <a:scrgbClr r="0" g="0" b="0"/>
+                      </a:solidFill>
+                      <a:prstDash val="solid"/>
+                      <a:round/>
+                      <a:headEnd type="none" w="med" len="med"/>
+                      <a:tailEnd type="none" w="med" len="med"/>
+                    </a:lnL>
+                    <a:lnR w="12700" cap="flat" cmpd="sng" algn="ctr">
+                      <a:solidFill>
+                        <a:scrgbClr r="0" g="0" b="0"/>
+                      </a:solidFill>
+                      <a:prstDash val="solid"/>
+                      <a:round/>
+                      <a:headEnd type="none" w="med" len="med"/>
+                      <a:tailEnd type="none" w="med" len="med"/>
+                    </a:lnR>
+                    <a:lnT w="12700" cap="flat" cmpd="sng" algn="ctr">
+                      <a:solidFill>
+                        <a:scrgbClr r="0" g="0" b="0"/>
+                      </a:solidFill>
+                      <a:prstDash val="solid"/>
+                      <a:round/>
+                      <a:headEnd type="none" w="med" len="med"/>
+                      <a:tailEnd type="none" w="med" len="med"/>
+                    </a:lnT>
+                    <a:lnB w="12700" cap="flat" cmpd="sng" algn="ctr">
+                      <a:solidFill>
+                        <a:scrgbClr r="0" g="0" b="0"/>
+                      </a:solidFill>
+                      <a:prstDash val="solid"/>
+                      <a:round/>
+                      <a:headEnd type="none" w="med" len="med"/>
+                      <a:tailEnd type="none" w="med" len="med"/>
+                    </a:lnB>
+                    <a:lnTlToBr w="12700" cmpd="sng">
+                      <a:noFill/>
+                      <a:prstDash val="solid"/>
+                    </a:lnTlToBr>
+                    <a:lnBlToTr w="12700" cmpd="sng">
+                      <a:noFill/>
+                      <a:prstDash val="solid"/>
+                    </a:lnBlToTr>
+                    <a:solidFill>
+                      <a:schemeClr val="bg1"/>
+                    </a:solidFill>
+                  </a:tcPr>
+                </a:tc>
+                <a:tc>
+                  <a:txBody>
+                    <a:bodyPr/>
+                    <a:lstStyle/>
+                    <a:p>
+                      <a:pPr algn="ctr"/>
+                      <a:endParaRPr lang="en-US" sz="1600" dirty="0"/>
+                    </a:p>
+                  </a:txBody>
+                  <a:tcPr marL="36000" marR="36000" marT="0" marB="0" anchor="ctr">
+                    <a:lnL w="12700" cap="flat" cmpd="sng" algn="ctr">
+                      <a:solidFill>
+                        <a:scrgbClr r="0" g="0" b="0"/>
+                      </a:solidFill>
+                      <a:prstDash val="solid"/>
+                      <a:round/>
+                      <a:headEnd type="none" w="med" len="med"/>
+                      <a:tailEnd type="none" w="med" len="med"/>
+                    </a:lnL>
+                    <a:lnR w="12700" cap="flat" cmpd="sng" algn="ctr">
+                      <a:solidFill>
+                        <a:scrgbClr r="0" g="0" b="0"/>
+                      </a:solidFill>
+                      <a:prstDash val="solid"/>
+                      <a:round/>
+                      <a:headEnd type="none" w="med" len="med"/>
+                      <a:tailEnd type="none" w="med" len="med"/>
+                    </a:lnR>
+                    <a:lnT w="12700" cap="flat" cmpd="sng" algn="ctr">
+                      <a:solidFill>
+                        <a:scrgbClr r="0" g="0" b="0"/>
+                      </a:solidFill>
+                      <a:prstDash val="solid"/>
+                      <a:round/>
+                      <a:headEnd type="none" w="med" len="med"/>
+                      <a:tailEnd type="none" w="med" len="med"/>
+                    </a:lnT>
+                    <a:lnB w="12700" cap="flat" cmpd="sng" algn="ctr">
+                      <a:solidFill>
+                        <a:scrgbClr r="0" g="0" b="0"/>
+                      </a:solidFill>
+                      <a:prstDash val="solid"/>
+                      <a:round/>
+                      <a:headEnd type="none" w="med" len="med"/>
+                      <a:tailEnd type="none" w="med" len="med"/>
+                    </a:lnB>
+                    <a:lnTlToBr w="12700" cmpd="sng">
+                      <a:noFill/>
+                      <a:prstDash val="solid"/>
+                    </a:lnTlToBr>
+                    <a:lnBlToTr w="12700" cmpd="sng">
+                      <a:noFill/>
+                      <a:prstDash val="solid"/>
+                    </a:lnBlToTr>
+                    <a:solidFill>
+                      <a:schemeClr val="bg1"/>
+                    </a:solidFill>
+                  </a:tcPr>
+                </a:tc>
+                <a:tc>
+                  <a:txBody>
+                    <a:bodyPr/>
+                    <a:lstStyle/>
+                    <a:p>
+                      <a:pPr marL="0" marR="0" lvl="0" indent="0" algn="ctr" defTabSz="457200" rtl="0" eaLnBrk="1" fontAlgn="auto" latinLnBrk="0" hangingPunct="1">
+                        <a:lnSpc>
+                          <a:spcPct val="100000"/>
+                        </a:lnSpc>
+                        <a:spcBef>
+                          <a:spcPts val="0"/>
+                        </a:spcBef>
+                        <a:spcAft>
+                          <a:spcPts val="0"/>
+                        </a:spcAft>
+                        <a:buClrTx/>
+                        <a:buSzTx/>
+                        <a:buFontTx/>
+                        <a:buNone/>
+                        <a:tabLst/>
+                        <a:defRPr/>
+                      </a:pPr>
+                      <a:r>
+                        <a:rPr kumimoji="0" lang="en-US" sz="1200" b="0" i="0" u="none" strike="noStrike" kern="1200" cap="none" spc="0" normalizeH="0" baseline="0" noProof="0" dirty="0" smtClean="0">
+                          <a:ln>
+                            <a:noFill/>
+                          </a:ln>
+                          <a:solidFill>
+                            <a:srgbClr val="7F7F7F"/>
+                          </a:solidFill>
+                          <a:effectLst/>
+                          <a:uLnTx/>
+                          <a:uFillTx/>
+                          <a:latin typeface="Zapf Dingbats"/>
+                          <a:ea typeface="Zapf Dingbats"/>
+                          <a:cs typeface="Zapf Dingbats"/>
+                          <a:sym typeface="Zapf Dingbats"/>
+                        </a:rPr>
+                        <a:t>✖</a:t>
+                      </a:r>
+                      <a:endParaRPr kumimoji="0" lang="en-US" sz="1200" b="0" i="0" u="none" strike="noStrike" kern="1200" cap="none" spc="0" normalizeH="0" baseline="0" noProof="0" dirty="0">
+                        <a:ln>
+                          <a:noFill/>
+                        </a:ln>
+                        <a:solidFill>
+                          <a:srgbClr val="7F7F7F"/>
+                        </a:solidFill>
+                        <a:effectLst/>
+                        <a:uLnTx/>
+                        <a:uFillTx/>
+                        <a:latin typeface="+mn-lt"/>
+                        <a:ea typeface="+mn-ea"/>
+                        <a:cs typeface="+mn-cs"/>
+                      </a:endParaRPr>
+                    </a:p>
+                  </a:txBody>
+                  <a:tcPr marL="36000" marR="36000" marT="0" marB="0" anchor="ctr">
+                    <a:lnL w="12700" cap="flat" cmpd="sng" algn="ctr">
+                      <a:solidFill>
+                        <a:scrgbClr r="0" g="0" b="0"/>
+                      </a:solidFill>
+                      <a:prstDash val="solid"/>
+                      <a:round/>
+                      <a:headEnd type="none" w="med" len="med"/>
+                      <a:tailEnd type="none" w="med" len="med"/>
+                    </a:lnL>
+                    <a:lnR w="12700" cap="flat" cmpd="sng" algn="ctr">
+                      <a:solidFill>
+                        <a:scrgbClr r="0" g="0" b="0"/>
+                      </a:solidFill>
+                      <a:prstDash val="solid"/>
+                      <a:round/>
+                      <a:headEnd type="none" w="med" len="med"/>
+                      <a:tailEnd type="none" w="med" len="med"/>
+                    </a:lnR>
+                    <a:lnT w="12700" cap="flat" cmpd="sng" algn="ctr">
+                      <a:solidFill>
+                        <a:scrgbClr r="0" g="0" b="0"/>
+                      </a:solidFill>
+                      <a:prstDash val="solid"/>
+                      <a:round/>
+                      <a:headEnd type="none" w="med" len="med"/>
+                      <a:tailEnd type="none" w="med" len="med"/>
+                    </a:lnT>
+                    <a:lnB w="12700" cap="flat" cmpd="sng" algn="ctr">
+                      <a:solidFill>
+                        <a:scrgbClr r="0" g="0" b="0"/>
+                      </a:solidFill>
+                      <a:prstDash val="solid"/>
+                      <a:round/>
+                      <a:headEnd type="none" w="med" len="med"/>
+                      <a:tailEnd type="none" w="med" len="med"/>
+                    </a:lnB>
+                    <a:lnTlToBr w="12700" cmpd="sng">
+                      <a:noFill/>
+                      <a:prstDash val="solid"/>
+                    </a:lnTlToBr>
+                    <a:lnBlToTr w="12700" cmpd="sng">
+                      <a:noFill/>
+                      <a:prstDash val="solid"/>
+                    </a:lnBlToTr>
+                    <a:solidFill>
+                      <a:schemeClr val="bg1">
+                        <a:lumMod val="85000"/>
+                      </a:schemeClr>
+                    </a:solidFill>
+                  </a:tcPr>
+                </a:tc>
+                <a:tc>
+                  <a:txBody>
+                    <a:bodyPr/>
+                    <a:lstStyle/>
+                    <a:p>
+                      <a:pPr marL="0" marR="0" lvl="0" indent="0" algn="ctr" defTabSz="457200" rtl="0" eaLnBrk="1" fontAlgn="auto" latinLnBrk="0" hangingPunct="1">
+                        <a:lnSpc>
+                          <a:spcPct val="100000"/>
+                        </a:lnSpc>
+                        <a:spcBef>
+                          <a:spcPts val="0"/>
+                        </a:spcBef>
+                        <a:spcAft>
+                          <a:spcPts val="0"/>
+                        </a:spcAft>
+                        <a:buClrTx/>
+                        <a:buSzTx/>
+                        <a:buFontTx/>
+                        <a:buNone/>
+                        <a:tabLst/>
+                        <a:defRPr/>
+                      </a:pPr>
+                      <a:r>
+                        <a:rPr kumimoji="0" lang="en-US" sz="1200" b="0" i="0" u="none" strike="noStrike" kern="1200" cap="none" spc="0" normalizeH="0" baseline="0" noProof="0" dirty="0" smtClean="0">
+                          <a:ln>
+                            <a:noFill/>
+                          </a:ln>
+                          <a:solidFill>
+                            <a:srgbClr val="7F7F7F"/>
+                          </a:solidFill>
+                          <a:effectLst/>
+                          <a:uLnTx/>
+                          <a:uFillTx/>
+                          <a:latin typeface="Zapf Dingbats"/>
+                          <a:ea typeface="Zapf Dingbats"/>
+                          <a:cs typeface="Zapf Dingbats"/>
+                          <a:sym typeface="Zapf Dingbats"/>
+                        </a:rPr>
+                        <a:t>✖</a:t>
+                      </a:r>
+                      <a:endParaRPr kumimoji="0" lang="en-US" sz="1200" b="0" i="0" u="none" strike="noStrike" kern="1200" cap="none" spc="0" normalizeH="0" baseline="0" noProof="0" dirty="0">
+                        <a:ln>
+                          <a:noFill/>
+                        </a:ln>
+                        <a:solidFill>
+                          <a:srgbClr val="7F7F7F"/>
+                        </a:solidFill>
+                        <a:effectLst/>
+                        <a:uLnTx/>
+                        <a:uFillTx/>
+                        <a:latin typeface="+mn-lt"/>
+                        <a:ea typeface="+mn-ea"/>
+                        <a:cs typeface="+mn-cs"/>
+                      </a:endParaRPr>
+                    </a:p>
+                  </a:txBody>
+                  <a:tcPr marL="36000" marR="36000" marT="0" marB="0" anchor="ctr">
+                    <a:lnL w="12700" cap="flat" cmpd="sng" algn="ctr">
+                      <a:solidFill>
+                        <a:scrgbClr r="0" g="0" b="0"/>
+                      </a:solidFill>
+                      <a:prstDash val="solid"/>
+                      <a:round/>
+                      <a:headEnd type="none" w="med" len="med"/>
+                      <a:tailEnd type="none" w="med" len="med"/>
+                    </a:lnL>
+                    <a:lnR w="12700" cap="flat" cmpd="sng" algn="ctr">
+                      <a:solidFill>
+                        <a:scrgbClr r="0" g="0" b="0"/>
+                      </a:solidFill>
+                      <a:prstDash val="solid"/>
+                      <a:round/>
+                      <a:headEnd type="none" w="med" len="med"/>
+                      <a:tailEnd type="none" w="med" len="med"/>
+                    </a:lnR>
+                    <a:lnT w="12700" cap="flat" cmpd="sng" algn="ctr">
+                      <a:solidFill>
+                        <a:scrgbClr r="0" g="0" b="0"/>
+                      </a:solidFill>
+                      <a:prstDash val="solid"/>
+                      <a:round/>
+                      <a:headEnd type="none" w="med" len="med"/>
+                      <a:tailEnd type="none" w="med" len="med"/>
+                    </a:lnT>
+                    <a:lnB w="12700" cap="flat" cmpd="sng" algn="ctr">
+                      <a:solidFill>
+                        <a:scrgbClr r="0" g="0" b="0"/>
+                      </a:solidFill>
+                      <a:prstDash val="solid"/>
+                      <a:round/>
+                      <a:headEnd type="none" w="med" len="med"/>
+                      <a:tailEnd type="none" w="med" len="med"/>
+                    </a:lnB>
+                    <a:lnTlToBr w="12700" cmpd="sng">
+                      <a:noFill/>
+                      <a:prstDash val="solid"/>
+                    </a:lnTlToBr>
+                    <a:lnBlToTr w="12700" cmpd="sng">
+                      <a:noFill/>
+                      <a:prstDash val="solid"/>
+                    </a:lnBlToTr>
+                    <a:solidFill>
+                      <a:schemeClr val="bg1">
+                        <a:lumMod val="85000"/>
+                      </a:schemeClr>
+                    </a:solidFill>
+                  </a:tcPr>
+                </a:tc>
+                <a:tc>
+                  <a:txBody>
+                    <a:bodyPr/>
+                    <a:lstStyle/>
+                    <a:p>
+                      <a:pPr marL="0" marR="0" lvl="0" indent="0" algn="ctr" defTabSz="457200" rtl="0" eaLnBrk="1" fontAlgn="auto" latinLnBrk="0" hangingPunct="1">
+                        <a:lnSpc>
+                          <a:spcPct val="100000"/>
+                        </a:lnSpc>
+                        <a:spcBef>
+                          <a:spcPts val="0"/>
+                        </a:spcBef>
+                        <a:spcAft>
+                          <a:spcPts val="0"/>
+                        </a:spcAft>
+                        <a:buClrTx/>
+                        <a:buSzTx/>
+                        <a:buFontTx/>
+                        <a:buNone/>
+                        <a:tabLst/>
+                        <a:defRPr/>
+                      </a:pPr>
+                      <a:r>
+                        <a:rPr kumimoji="0" lang="en-US" sz="1200" b="0" i="0" u="none" strike="noStrike" kern="1200" cap="none" spc="0" normalizeH="0" baseline="0" noProof="0" dirty="0" smtClean="0">
+                          <a:ln>
+                            <a:noFill/>
+                          </a:ln>
+                          <a:solidFill>
+                            <a:srgbClr val="7F7F7F"/>
+                          </a:solidFill>
+                          <a:effectLst/>
+                          <a:uLnTx/>
+                          <a:uFillTx/>
+                          <a:latin typeface="Zapf Dingbats"/>
+                          <a:ea typeface="Zapf Dingbats"/>
+                          <a:cs typeface="Zapf Dingbats"/>
+                          <a:sym typeface="Zapf Dingbats"/>
+                        </a:rPr>
+                        <a:t>✖</a:t>
+                      </a:r>
+                      <a:endParaRPr kumimoji="0" lang="en-US" sz="1200" b="0" i="0" u="none" strike="noStrike" kern="1200" cap="none" spc="0" normalizeH="0" baseline="0" noProof="0" dirty="0">
+                        <a:ln>
+                          <a:noFill/>
+                        </a:ln>
+                        <a:solidFill>
+                          <a:srgbClr val="7F7F7F"/>
+                        </a:solidFill>
+                        <a:effectLst/>
+                        <a:uLnTx/>
+                        <a:uFillTx/>
+                        <a:latin typeface="+mn-lt"/>
+                        <a:ea typeface="+mn-ea"/>
+                        <a:cs typeface="+mn-cs"/>
+                      </a:endParaRPr>
+                    </a:p>
+                  </a:txBody>
+                  <a:tcPr marL="36000" marR="36000" marT="0" marB="0" anchor="ctr">
+                    <a:lnL w="12700" cap="flat" cmpd="sng" algn="ctr">
+                      <a:solidFill>
+                        <a:scrgbClr r="0" g="0" b="0"/>
+                      </a:solidFill>
+                      <a:prstDash val="solid"/>
+                      <a:round/>
+                      <a:headEnd type="none" w="med" len="med"/>
+                      <a:tailEnd type="none" w="med" len="med"/>
+                    </a:lnL>
+                    <a:lnR w="12700" cap="flat" cmpd="sng" algn="ctr">
+                      <a:solidFill>
+                        <a:scrgbClr r="0" g="0" b="0"/>
+                      </a:solidFill>
+                      <a:prstDash val="solid"/>
+                      <a:round/>
+                      <a:headEnd type="none" w="med" len="med"/>
+                      <a:tailEnd type="none" w="med" len="med"/>
+                    </a:lnR>
+                    <a:lnT w="12700" cap="flat" cmpd="sng" algn="ctr">
+                      <a:solidFill>
+                        <a:scrgbClr r="0" g="0" b="0"/>
+                      </a:solidFill>
+                      <a:prstDash val="solid"/>
+                      <a:round/>
+                      <a:headEnd type="none" w="med" len="med"/>
+                      <a:tailEnd type="none" w="med" len="med"/>
+                    </a:lnT>
+                    <a:lnB w="12700" cap="flat" cmpd="sng" algn="ctr">
+                      <a:solidFill>
+                        <a:scrgbClr r="0" g="0" b="0"/>
+                      </a:solidFill>
+                      <a:prstDash val="solid"/>
+                      <a:round/>
+                      <a:headEnd type="none" w="med" len="med"/>
+                      <a:tailEnd type="none" w="med" len="med"/>
+                    </a:lnB>
+                    <a:lnTlToBr w="12700" cmpd="sng">
+                      <a:noFill/>
+                      <a:prstDash val="solid"/>
+                    </a:lnTlToBr>
+                    <a:lnBlToTr w="12700" cmpd="sng">
+                      <a:noFill/>
+                      <a:prstDash val="solid"/>
+                    </a:lnBlToTr>
+                    <a:solidFill>
+                      <a:schemeClr val="bg1">
+                        <a:lumMod val="85000"/>
+                      </a:schemeClr>
+                    </a:solidFill>
+                  </a:tcPr>
+                </a:tc>
+              </a:tr>
+              <a:tr h="280475">
+                <a:tc>
+                  <a:txBody>
+                    <a:bodyPr/>
+                    <a:lstStyle/>
+                    <a:p>
+                      <a:pPr marL="0" marR="0" lvl="0" indent="0" algn="ctr" defTabSz="457200" rtl="0" eaLnBrk="1" fontAlgn="auto" latinLnBrk="0" hangingPunct="1">
+                        <a:lnSpc>
+                          <a:spcPct val="100000"/>
+                        </a:lnSpc>
+                        <a:spcBef>
+                          <a:spcPts val="0"/>
+                        </a:spcBef>
+                        <a:spcAft>
+                          <a:spcPts val="0"/>
+                        </a:spcAft>
+                        <a:buClrTx/>
+                        <a:buSzTx/>
+                        <a:buFontTx/>
+                        <a:buNone/>
+                        <a:tabLst/>
+                        <a:defRPr/>
+                      </a:pPr>
+                      <a:r>
+                        <a:rPr kumimoji="0" lang="en-US" sz="1400" b="0" i="1" u="none" strike="noStrike" kern="1200" cap="none" spc="0" normalizeH="0" baseline="0" noProof="0" dirty="0" smtClean="0">
+                          <a:ln>
+                            <a:noFill/>
+                          </a:ln>
+                          <a:solidFill>
+                            <a:prstClr val="black"/>
+                          </a:solidFill>
+                          <a:effectLst/>
+                          <a:uLnTx/>
+                          <a:uFillTx/>
+                          <a:latin typeface="+mn-lt"/>
+                          <a:ea typeface="+mn-ea"/>
+                          <a:cs typeface="+mn-cs"/>
+                        </a:rPr>
+                        <a:t>C</a:t>
+                      </a:r>
+                      <a:r>
+                        <a:rPr kumimoji="0" lang="en-US" sz="1400" b="0" i="1" u="none" strike="noStrike" kern="1200" cap="none" spc="0" normalizeH="0" baseline="-25000" noProof="0" dirty="0" smtClean="0">
+                          <a:ln>
+                            <a:noFill/>
+                          </a:ln>
+                          <a:solidFill>
+                            <a:prstClr val="black"/>
+                          </a:solidFill>
+                          <a:effectLst/>
+                          <a:uLnTx/>
+                          <a:uFillTx/>
+                          <a:latin typeface="+mn-lt"/>
+                          <a:ea typeface="+mn-ea"/>
+                          <a:cs typeface="+mn-cs"/>
+                        </a:rPr>
+                        <a:t>2</a:t>
+                      </a:r>
+                      <a:endParaRPr kumimoji="0" lang="en-US" sz="1400" b="0" i="1" u="none" strike="noStrike" kern="1200" cap="none" spc="0" normalizeH="0" baseline="-25000" noProof="0" dirty="0">
+                        <a:ln>
+                          <a:noFill/>
+                        </a:ln>
+                        <a:solidFill>
+                          <a:prstClr val="black"/>
+                        </a:solidFill>
+                        <a:effectLst/>
+                        <a:uLnTx/>
+                        <a:uFillTx/>
+                        <a:latin typeface="+mn-lt"/>
+                        <a:ea typeface="+mn-ea"/>
+                        <a:cs typeface="+mn-cs"/>
+                      </a:endParaRPr>
+                    </a:p>
+                  </a:txBody>
+                  <a:tcPr marL="36000" marR="36000" marT="0" marB="0" anchor="ctr">
+                    <a:lnL w="12700" cap="flat" cmpd="sng" algn="ctr">
+                      <a:noFill/>
+                      <a:prstDash val="solid"/>
+                      <a:round/>
+                      <a:headEnd type="none" w="med" len="med"/>
+                      <a:tailEnd type="none" w="med" len="med"/>
+                    </a:lnL>
+                    <a:lnR w="12700" cap="flat" cmpd="sng" algn="ctr">
+                      <a:solidFill>
+                        <a:scrgbClr r="0" g="0" b="0"/>
+                      </a:solidFill>
+                      <a:prstDash val="solid"/>
+                      <a:round/>
+                      <a:headEnd type="none" w="med" len="med"/>
+                      <a:tailEnd type="none" w="med" len="med"/>
+                    </a:lnR>
+                    <a:lnT w="12700" cap="flat" cmpd="sng" algn="ctr">
+                      <a:noFill/>
+                      <a:prstDash val="solid"/>
+                      <a:round/>
+                      <a:headEnd type="none" w="med" len="med"/>
+                      <a:tailEnd type="none" w="med" len="med"/>
+                    </a:lnT>
+                    <a:lnB w="12700" cap="flat" cmpd="sng" algn="ctr">
+                      <a:noFill/>
+                      <a:prstDash val="solid"/>
+                      <a:round/>
+                      <a:headEnd type="none" w="med" len="med"/>
+                      <a:tailEnd type="none" w="med" len="med"/>
+                    </a:lnB>
+                    <a:lnTlToBr w="12700" cmpd="sng">
+                      <a:noFill/>
+                      <a:prstDash val="solid"/>
+                    </a:lnTlToBr>
+                    <a:lnBlToTr w="12700" cmpd="sng">
+                      <a:noFill/>
+                      <a:prstDash val="solid"/>
+                    </a:lnBlToTr>
+                  </a:tcPr>
+                </a:tc>
+                <a:tc>
+                  <a:txBody>
+                    <a:bodyPr/>
+                    <a:lstStyle/>
+                    <a:p>
+                      <a:pPr algn="ctr"/>
+                      <a:endParaRPr lang="en-US" sz="1600" dirty="0"/>
+                    </a:p>
+                  </a:txBody>
+                  <a:tcPr marL="36000" marR="36000" marT="0" marB="0" anchor="ctr">
+                    <a:lnL w="12700" cap="flat" cmpd="sng" algn="ctr">
+                      <a:solidFill>
+                        <a:scrgbClr r="0" g="0" b="0"/>
+                      </a:solidFill>
+                      <a:prstDash val="solid"/>
+                      <a:round/>
+                      <a:headEnd type="none" w="med" len="med"/>
+                      <a:tailEnd type="none" w="med" len="med"/>
+                    </a:lnL>
+                    <a:lnR w="12700" cap="flat" cmpd="sng" algn="ctr">
+                      <a:solidFill>
+                        <a:scrgbClr r="0" g="0" b="0"/>
+                      </a:solidFill>
+                      <a:prstDash val="solid"/>
+                      <a:round/>
+                      <a:headEnd type="none" w="med" len="med"/>
+                      <a:tailEnd type="none" w="med" len="med"/>
+                    </a:lnR>
+                    <a:lnT w="12700" cap="flat" cmpd="sng" algn="ctr">
+                      <a:solidFill>
+                        <a:scrgbClr r="0" g="0" b="0"/>
+                      </a:solidFill>
+                      <a:prstDash val="solid"/>
+                      <a:round/>
+                      <a:headEnd type="none" w="med" len="med"/>
+                      <a:tailEnd type="none" w="med" len="med"/>
+                    </a:lnT>
+                    <a:lnB w="12700" cap="flat" cmpd="sng" algn="ctr">
+                      <a:solidFill>
+                        <a:scrgbClr r="0" g="0" b="0"/>
+                      </a:solidFill>
+                      <a:prstDash val="solid"/>
+                      <a:round/>
+                      <a:headEnd type="none" w="med" len="med"/>
+                      <a:tailEnd type="none" w="med" len="med"/>
+                    </a:lnB>
+                    <a:lnTlToBr w="12700" cmpd="sng">
+                      <a:noFill/>
+                      <a:prstDash val="solid"/>
+                    </a:lnTlToBr>
+                    <a:lnBlToTr w="12700" cmpd="sng">
+                      <a:noFill/>
+                      <a:prstDash val="solid"/>
+                    </a:lnBlToTr>
+                    <a:solidFill>
+                      <a:schemeClr val="bg1"/>
+                    </a:solidFill>
+                  </a:tcPr>
+                </a:tc>
+                <a:tc>
+                  <a:txBody>
+                    <a:bodyPr/>
+                    <a:lstStyle/>
+                    <a:p>
+                      <a:pPr algn="ctr"/>
+                      <a:endParaRPr lang="en-US" sz="1600" dirty="0"/>
+                    </a:p>
+                  </a:txBody>
+                  <a:tcPr marL="36000" marR="36000" marT="0" marB="0" anchor="ctr">
+                    <a:lnL w="12700" cap="flat" cmpd="sng" algn="ctr">
+                      <a:solidFill>
+                        <a:scrgbClr r="0" g="0" b="0"/>
+                      </a:solidFill>
+                      <a:prstDash val="solid"/>
+                      <a:round/>
+                      <a:headEnd type="none" w="med" len="med"/>
+                      <a:tailEnd type="none" w="med" len="med"/>
+                    </a:lnL>
+                    <a:lnR w="12700" cap="flat" cmpd="sng" algn="ctr">
+                      <a:solidFill>
+                        <a:scrgbClr r="0" g="0" b="0"/>
+                      </a:solidFill>
+                      <a:prstDash val="solid"/>
+                      <a:round/>
+                      <a:headEnd type="none" w="med" len="med"/>
+                      <a:tailEnd type="none" w="med" len="med"/>
+                    </a:lnR>
+                    <a:lnT w="12700" cap="flat" cmpd="sng" algn="ctr">
+                      <a:solidFill>
+                        <a:scrgbClr r="0" g="0" b="0"/>
+                      </a:solidFill>
+                      <a:prstDash val="solid"/>
+                      <a:round/>
+                      <a:headEnd type="none" w="med" len="med"/>
+                      <a:tailEnd type="none" w="med" len="med"/>
+                    </a:lnT>
+                    <a:lnB w="12700" cap="flat" cmpd="sng" algn="ctr">
+                      <a:solidFill>
+                        <a:scrgbClr r="0" g="0" b="0"/>
+                      </a:solidFill>
+                      <a:prstDash val="solid"/>
+                      <a:round/>
+                      <a:headEnd type="none" w="med" len="med"/>
+                      <a:tailEnd type="none" w="med" len="med"/>
+                    </a:lnB>
+                    <a:lnTlToBr w="12700" cmpd="sng">
+                      <a:noFill/>
+                      <a:prstDash val="solid"/>
+                    </a:lnTlToBr>
+                    <a:lnBlToTr w="12700" cmpd="sng">
+                      <a:noFill/>
+                      <a:prstDash val="solid"/>
+                    </a:lnBlToTr>
+                    <a:solidFill>
+                      <a:schemeClr val="bg1"/>
+                    </a:solidFill>
+                  </a:tcPr>
+                </a:tc>
+                <a:tc>
+                  <a:txBody>
+                    <a:bodyPr/>
+                    <a:lstStyle/>
+                    <a:p>
+                      <a:pPr marL="0" marR="0" lvl="0" indent="0" algn="ctr" defTabSz="457200" rtl="0" eaLnBrk="1" fontAlgn="auto" latinLnBrk="0" hangingPunct="1">
+                        <a:lnSpc>
+                          <a:spcPct val="100000"/>
+                        </a:lnSpc>
+                        <a:spcBef>
+                          <a:spcPts val="0"/>
+                        </a:spcBef>
+                        <a:spcAft>
+                          <a:spcPts val="0"/>
+                        </a:spcAft>
+                        <a:buClrTx/>
+                        <a:buSzTx/>
+                        <a:buFontTx/>
+                        <a:buNone/>
+                        <a:tabLst/>
+                        <a:defRPr/>
+                      </a:pPr>
+                      <a:r>
+                        <a:rPr kumimoji="0" lang="en-US" sz="1200" b="0" i="0" u="none" strike="noStrike" kern="1200" cap="none" spc="0" normalizeH="0" baseline="0" noProof="0" dirty="0" smtClean="0">
+                          <a:ln>
+                            <a:noFill/>
+                          </a:ln>
+                          <a:solidFill>
+                            <a:srgbClr val="7F7F7F"/>
+                          </a:solidFill>
+                          <a:effectLst/>
+                          <a:uLnTx/>
+                          <a:uFillTx/>
+                          <a:latin typeface="Zapf Dingbats"/>
+                          <a:ea typeface="Zapf Dingbats"/>
+                          <a:cs typeface="Zapf Dingbats"/>
+                          <a:sym typeface="Zapf Dingbats"/>
+                        </a:rPr>
+                        <a:t>✖</a:t>
+                      </a:r>
+                      <a:endParaRPr kumimoji="0" lang="en-US" sz="1200" b="0" i="0" u="none" strike="noStrike" kern="1200" cap="none" spc="0" normalizeH="0" baseline="0" noProof="0" dirty="0">
+                        <a:ln>
+                          <a:noFill/>
+                        </a:ln>
+                        <a:solidFill>
+                          <a:srgbClr val="7F7F7F"/>
+                        </a:solidFill>
+                        <a:effectLst/>
+                        <a:uLnTx/>
+                        <a:uFillTx/>
+                        <a:latin typeface="+mn-lt"/>
+                        <a:ea typeface="+mn-ea"/>
+                        <a:cs typeface="+mn-cs"/>
+                      </a:endParaRPr>
+                    </a:p>
+                  </a:txBody>
+                  <a:tcPr marL="36000" marR="36000" marT="0" marB="0" anchor="ctr">
+                    <a:lnL w="12700" cap="flat" cmpd="sng" algn="ctr">
+                      <a:solidFill>
+                        <a:scrgbClr r="0" g="0" b="0"/>
+                      </a:solidFill>
+                      <a:prstDash val="solid"/>
+                      <a:round/>
+                      <a:headEnd type="none" w="med" len="med"/>
+                      <a:tailEnd type="none" w="med" len="med"/>
+                    </a:lnL>
+                    <a:lnR w="12700" cap="flat" cmpd="sng" algn="ctr">
+                      <a:solidFill>
+                        <a:scrgbClr r="0" g="0" b="0"/>
+                      </a:solidFill>
+                      <a:prstDash val="solid"/>
+                      <a:round/>
+                      <a:headEnd type="none" w="med" len="med"/>
+                      <a:tailEnd type="none" w="med" len="med"/>
+                    </a:lnR>
+                    <a:lnT w="12700" cap="flat" cmpd="sng" algn="ctr">
+                      <a:solidFill>
+                        <a:scrgbClr r="0" g="0" b="0"/>
+                      </a:solidFill>
+                      <a:prstDash val="solid"/>
+                      <a:round/>
+                      <a:headEnd type="none" w="med" len="med"/>
+                      <a:tailEnd type="none" w="med" len="med"/>
+                    </a:lnT>
+                    <a:lnB w="12700" cap="flat" cmpd="sng" algn="ctr">
+                      <a:solidFill>
+                        <a:scrgbClr r="0" g="0" b="0"/>
+                      </a:solidFill>
+                      <a:prstDash val="solid"/>
+                      <a:round/>
+                      <a:headEnd type="none" w="med" len="med"/>
+                      <a:tailEnd type="none" w="med" len="med"/>
+                    </a:lnB>
+                    <a:lnTlToBr w="12700" cmpd="sng">
+                      <a:noFill/>
+                      <a:prstDash val="solid"/>
+                    </a:lnTlToBr>
+                    <a:lnBlToTr w="12700" cmpd="sng">
+                      <a:noFill/>
+                      <a:prstDash val="solid"/>
+                    </a:lnBlToTr>
+                    <a:solidFill>
+                      <a:schemeClr val="bg1">
+                        <a:lumMod val="85000"/>
+                      </a:schemeClr>
+                    </a:solidFill>
+                  </a:tcPr>
+                </a:tc>
+                <a:tc>
+                  <a:txBody>
+                    <a:bodyPr/>
+                    <a:lstStyle/>
+                    <a:p>
+                      <a:pPr marL="0" marR="0" lvl="0" indent="0" algn="ctr" defTabSz="457200" rtl="0" eaLnBrk="1" fontAlgn="auto" latinLnBrk="0" hangingPunct="1">
+                        <a:lnSpc>
+                          <a:spcPct val="100000"/>
+                        </a:lnSpc>
+                        <a:spcBef>
+                          <a:spcPts val="0"/>
+                        </a:spcBef>
+                        <a:spcAft>
+                          <a:spcPts val="0"/>
+                        </a:spcAft>
+                        <a:buClrTx/>
+                        <a:buSzTx/>
+                        <a:buFontTx/>
+                        <a:buNone/>
+                        <a:tabLst/>
+                        <a:defRPr/>
+                      </a:pPr>
+                      <a:r>
+                        <a:rPr kumimoji="0" lang="en-US" sz="1200" b="0" i="0" u="none" strike="noStrike" kern="1200" cap="none" spc="0" normalizeH="0" baseline="0" noProof="0" dirty="0" smtClean="0">
+                          <a:ln>
+                            <a:noFill/>
+                          </a:ln>
+                          <a:solidFill>
+                            <a:srgbClr val="7F7F7F"/>
+                          </a:solidFill>
+                          <a:effectLst/>
+                          <a:uLnTx/>
+                          <a:uFillTx/>
+                          <a:latin typeface="Zapf Dingbats"/>
+                          <a:ea typeface="Zapf Dingbats"/>
+                          <a:cs typeface="Zapf Dingbats"/>
+                          <a:sym typeface="Zapf Dingbats"/>
+                        </a:rPr>
+                        <a:t>✖</a:t>
+                      </a:r>
+                      <a:endParaRPr kumimoji="0" lang="en-US" sz="1200" b="0" i="0" u="none" strike="noStrike" kern="1200" cap="none" spc="0" normalizeH="0" baseline="0" noProof="0" dirty="0">
+                        <a:ln>
+                          <a:noFill/>
+                        </a:ln>
+                        <a:solidFill>
+                          <a:srgbClr val="7F7F7F"/>
+                        </a:solidFill>
+                        <a:effectLst/>
+                        <a:uLnTx/>
+                        <a:uFillTx/>
+                        <a:latin typeface="+mn-lt"/>
+                        <a:ea typeface="+mn-ea"/>
+                        <a:cs typeface="+mn-cs"/>
+                      </a:endParaRPr>
+                    </a:p>
+                  </a:txBody>
+                  <a:tcPr marL="36000" marR="36000" marT="0" marB="0" anchor="ctr">
+                    <a:lnL w="12700" cap="flat" cmpd="sng" algn="ctr">
+                      <a:solidFill>
+                        <a:scrgbClr r="0" g="0" b="0"/>
+                      </a:solidFill>
+                      <a:prstDash val="solid"/>
+                      <a:round/>
+                      <a:headEnd type="none" w="med" len="med"/>
+                      <a:tailEnd type="none" w="med" len="med"/>
+                    </a:lnL>
+                    <a:lnR w="12700" cap="flat" cmpd="sng" algn="ctr">
+                      <a:solidFill>
+                        <a:scrgbClr r="0" g="0" b="0"/>
+                      </a:solidFill>
+                      <a:prstDash val="solid"/>
+                      <a:round/>
+                      <a:headEnd type="none" w="med" len="med"/>
+                      <a:tailEnd type="none" w="med" len="med"/>
+                    </a:lnR>
+                    <a:lnT w="12700" cap="flat" cmpd="sng" algn="ctr">
+                      <a:solidFill>
+                        <a:scrgbClr r="0" g="0" b="0"/>
+                      </a:solidFill>
+                      <a:prstDash val="solid"/>
+                      <a:round/>
+                      <a:headEnd type="none" w="med" len="med"/>
+                      <a:tailEnd type="none" w="med" len="med"/>
+                    </a:lnT>
+                    <a:lnB w="12700" cap="flat" cmpd="sng" algn="ctr">
+                      <a:solidFill>
+                        <a:scrgbClr r="0" g="0" b="0"/>
+                      </a:solidFill>
+                      <a:prstDash val="solid"/>
+                      <a:round/>
+                      <a:headEnd type="none" w="med" len="med"/>
+                      <a:tailEnd type="none" w="med" len="med"/>
+                    </a:lnB>
+                    <a:lnTlToBr w="12700" cmpd="sng">
+                      <a:noFill/>
+                      <a:prstDash val="solid"/>
+                    </a:lnTlToBr>
+                    <a:lnBlToTr w="12700" cmpd="sng">
+                      <a:noFill/>
+                      <a:prstDash val="solid"/>
+                    </a:lnBlToTr>
+                    <a:solidFill>
+                      <a:schemeClr val="bg1">
+                        <a:lumMod val="85000"/>
+                      </a:schemeClr>
+                    </a:solidFill>
+                  </a:tcPr>
+                </a:tc>
+                <a:tc>
+                  <a:txBody>
+                    <a:bodyPr/>
+                    <a:lstStyle/>
+                    <a:p>
+                      <a:pPr marL="0" marR="0" lvl="0" indent="0" algn="ctr" defTabSz="457200" rtl="0" eaLnBrk="1" fontAlgn="auto" latinLnBrk="0" hangingPunct="1">
+                        <a:lnSpc>
+                          <a:spcPct val="100000"/>
+                        </a:lnSpc>
+                        <a:spcBef>
+                          <a:spcPts val="0"/>
+                        </a:spcBef>
+                        <a:spcAft>
+                          <a:spcPts val="0"/>
+                        </a:spcAft>
+                        <a:buClrTx/>
+                        <a:buSzTx/>
+                        <a:buFontTx/>
+                        <a:buNone/>
+                        <a:tabLst/>
+                        <a:defRPr/>
+                      </a:pPr>
+                      <a:r>
+                        <a:rPr kumimoji="0" lang="en-US" sz="1200" b="0" i="0" u="none" strike="noStrike" kern="1200" cap="none" spc="0" normalizeH="0" baseline="0" noProof="0" dirty="0" smtClean="0">
+                          <a:ln>
+                            <a:noFill/>
+                          </a:ln>
+                          <a:solidFill>
+                            <a:srgbClr val="7F7F7F"/>
+                          </a:solidFill>
+                          <a:effectLst/>
+                          <a:uLnTx/>
+                          <a:uFillTx/>
+                          <a:latin typeface="Zapf Dingbats"/>
+                          <a:ea typeface="Zapf Dingbats"/>
+                          <a:cs typeface="Zapf Dingbats"/>
+                          <a:sym typeface="Zapf Dingbats"/>
+                        </a:rPr>
+                        <a:t>✖</a:t>
+                      </a:r>
+                      <a:endParaRPr kumimoji="0" lang="en-US" sz="1200" b="0" i="0" u="none" strike="noStrike" kern="1200" cap="none" spc="0" normalizeH="0" baseline="0" noProof="0" dirty="0">
+                        <a:ln>
+                          <a:noFill/>
+                        </a:ln>
+                        <a:solidFill>
+                          <a:srgbClr val="7F7F7F"/>
+                        </a:solidFill>
+                        <a:effectLst/>
+                        <a:uLnTx/>
+                        <a:uFillTx/>
+                        <a:latin typeface="+mn-lt"/>
+                        <a:ea typeface="+mn-ea"/>
+                        <a:cs typeface="+mn-cs"/>
+                      </a:endParaRPr>
+                    </a:p>
+                  </a:txBody>
+                  <a:tcPr marL="36000" marR="36000" marT="0" marB="0" anchor="ctr">
+                    <a:lnL w="12700" cap="flat" cmpd="sng" algn="ctr">
+                      <a:solidFill>
+                        <a:scrgbClr r="0" g="0" b="0"/>
+                      </a:solidFill>
+                      <a:prstDash val="solid"/>
+                      <a:round/>
+                      <a:headEnd type="none" w="med" len="med"/>
+                      <a:tailEnd type="none" w="med" len="med"/>
+                    </a:lnL>
+                    <a:lnR w="12700" cap="flat" cmpd="sng" algn="ctr">
+                      <a:solidFill>
+                        <a:scrgbClr r="0" g="0" b="0"/>
+                      </a:solidFill>
+                      <a:prstDash val="solid"/>
+                      <a:round/>
+                      <a:headEnd type="none" w="med" len="med"/>
+                      <a:tailEnd type="none" w="med" len="med"/>
+                    </a:lnR>
+                    <a:lnT w="12700" cap="flat" cmpd="sng" algn="ctr">
+                      <a:solidFill>
+                        <a:scrgbClr r="0" g="0" b="0"/>
+                      </a:solidFill>
+                      <a:prstDash val="solid"/>
+                      <a:round/>
+                      <a:headEnd type="none" w="med" len="med"/>
+                      <a:tailEnd type="none" w="med" len="med"/>
+                    </a:lnT>
+                    <a:lnB w="12700" cap="flat" cmpd="sng" algn="ctr">
+                      <a:solidFill>
+                        <a:scrgbClr r="0" g="0" b="0"/>
+                      </a:solidFill>
+                      <a:prstDash val="solid"/>
+                      <a:round/>
+                      <a:headEnd type="none" w="med" len="med"/>
+                      <a:tailEnd type="none" w="med" len="med"/>
+                    </a:lnB>
+                    <a:lnTlToBr w="12700" cmpd="sng">
+                      <a:noFill/>
+                      <a:prstDash val="solid"/>
+                    </a:lnTlToBr>
+                    <a:lnBlToTr w="12700" cmpd="sng">
+                      <a:noFill/>
+                      <a:prstDash val="solid"/>
+                    </a:lnBlToTr>
+                    <a:solidFill>
+                      <a:schemeClr val="bg1">
+                        <a:lumMod val="85000"/>
+                      </a:schemeClr>
+                    </a:solidFill>
+                  </a:tcPr>
+                </a:tc>
+              </a:tr>
+              <a:tr h="296057">
+                <a:tc>
+                  <a:txBody>
+                    <a:bodyPr/>
+                    <a:lstStyle/>
+                    <a:p>
+                      <a:pPr algn="ctr"/>
+                      <a:r>
+                        <a:rPr lang="en-US" sz="1400" i="1" dirty="0" smtClean="0"/>
+                        <a:t>C</a:t>
+                      </a:r>
+                      <a:r>
+                        <a:rPr lang="en-US" sz="1400" i="1" baseline="-25000" dirty="0" smtClean="0"/>
+                        <a:t>3</a:t>
+                      </a:r>
+                      <a:endParaRPr lang="en-US" sz="1400" i="1" baseline="-25000" dirty="0"/>
+                    </a:p>
+                  </a:txBody>
+                  <a:tcPr marL="36000" marR="36000" marT="0" marB="0" anchor="ctr">
+                    <a:lnL w="12700" cap="flat" cmpd="sng" algn="ctr">
+                      <a:noFill/>
+                      <a:prstDash val="solid"/>
+                      <a:round/>
+                      <a:headEnd type="none" w="med" len="med"/>
+                      <a:tailEnd type="none" w="med" len="med"/>
+                    </a:lnL>
+                    <a:lnR w="12700" cap="flat" cmpd="sng" algn="ctr">
+                      <a:solidFill>
+                        <a:scrgbClr r="0" g="0" b="0"/>
+                      </a:solidFill>
+                      <a:prstDash val="solid"/>
+                      <a:round/>
+                      <a:headEnd type="none" w="med" len="med"/>
+                      <a:tailEnd type="none" w="med" len="med"/>
+                    </a:lnR>
+                    <a:lnT w="12700" cap="flat" cmpd="sng" algn="ctr">
+                      <a:noFill/>
+                      <a:prstDash val="solid"/>
+                      <a:round/>
+                      <a:headEnd type="none" w="med" len="med"/>
+                      <a:tailEnd type="none" w="med" len="med"/>
+                    </a:lnT>
+                    <a:lnB w="12700" cap="flat" cmpd="sng" algn="ctr">
+                      <a:noFill/>
+                      <a:prstDash val="solid"/>
+                      <a:round/>
+                      <a:headEnd type="none" w="med" len="med"/>
+                      <a:tailEnd type="none" w="med" len="med"/>
+                    </a:lnB>
+                    <a:lnTlToBr w="12700" cmpd="sng">
+                      <a:noFill/>
+                      <a:prstDash val="solid"/>
+                    </a:lnTlToBr>
+                    <a:lnBlToTr w="12700" cmpd="sng">
+                      <a:noFill/>
+                      <a:prstDash val="solid"/>
+                    </a:lnBlToTr>
+                  </a:tcPr>
+                </a:tc>
+                <a:tc>
+                  <a:txBody>
+                    <a:bodyPr/>
+                    <a:lstStyle/>
+                    <a:p>
+                      <a:endParaRPr lang="en-US" dirty="0"/>
+                    </a:p>
+                  </a:txBody>
+                  <a:tcPr marL="36000" marR="36000" marT="0" marB="0" anchor="ctr">
+                    <a:lnL w="12700" cap="flat" cmpd="sng" algn="ctr">
+                      <a:solidFill>
+                        <a:scrgbClr r="0" g="0" b="0"/>
+                      </a:solidFill>
+                      <a:prstDash val="solid"/>
+                      <a:round/>
+                      <a:headEnd type="none" w="med" len="med"/>
+                      <a:tailEnd type="none" w="med" len="med"/>
+                    </a:lnL>
+                    <a:lnR w="12700" cap="flat" cmpd="sng" algn="ctr">
+                      <a:solidFill>
+                        <a:scrgbClr r="0" g="0" b="0"/>
+                      </a:solidFill>
+                      <a:prstDash val="solid"/>
+                      <a:round/>
+                      <a:headEnd type="none" w="med" len="med"/>
+                      <a:tailEnd type="none" w="med" len="med"/>
+                    </a:lnR>
+                    <a:lnT w="12700" cap="flat" cmpd="sng" algn="ctr">
+                      <a:solidFill>
+                        <a:scrgbClr r="0" g="0" b="0"/>
+                      </a:solidFill>
+                      <a:prstDash val="solid"/>
+                      <a:round/>
+                      <a:headEnd type="none" w="med" len="med"/>
+                      <a:tailEnd type="none" w="med" len="med"/>
+                    </a:lnT>
+                    <a:lnB w="12700" cap="flat" cmpd="sng" algn="ctr">
+                      <a:solidFill>
+                        <a:scrgbClr r="0" g="0" b="0"/>
+                      </a:solidFill>
+                      <a:prstDash val="solid"/>
+                      <a:round/>
+                      <a:headEnd type="none" w="med" len="med"/>
+                      <a:tailEnd type="none" w="med" len="med"/>
+                    </a:lnB>
+                    <a:lnTlToBr w="12700" cmpd="sng">
+                      <a:noFill/>
+                      <a:prstDash val="solid"/>
+                    </a:lnTlToBr>
+                    <a:lnBlToTr w="12700" cmpd="sng">
+                      <a:noFill/>
+                      <a:prstDash val="solid"/>
+                    </a:lnBlToTr>
+                    <a:solidFill>
+                      <a:schemeClr val="bg1"/>
+                    </a:solidFill>
+                  </a:tcPr>
+                </a:tc>
+                <a:tc>
+                  <a:txBody>
+                    <a:bodyPr/>
+                    <a:lstStyle/>
+                    <a:p>
+                      <a:endParaRPr lang="en-US" dirty="0"/>
+                    </a:p>
+                  </a:txBody>
+                  <a:tcPr marL="36000" marR="36000" marT="0" marB="0" anchor="ctr">
+                    <a:lnL w="12700" cap="flat" cmpd="sng" algn="ctr">
+                      <a:solidFill>
+                        <a:scrgbClr r="0" g="0" b="0"/>
+                      </a:solidFill>
+                      <a:prstDash val="solid"/>
+                      <a:round/>
+                      <a:headEnd type="none" w="med" len="med"/>
+                      <a:tailEnd type="none" w="med" len="med"/>
+                    </a:lnL>
+                    <a:lnR w="12700" cap="flat" cmpd="sng" algn="ctr">
+                      <a:solidFill>
+                        <a:scrgbClr r="0" g="0" b="0"/>
+                      </a:solidFill>
+                      <a:prstDash val="solid"/>
+                      <a:round/>
+                      <a:headEnd type="none" w="med" len="med"/>
+                      <a:tailEnd type="none" w="med" len="med"/>
+                    </a:lnR>
+                    <a:lnT w="12700" cap="flat" cmpd="sng" algn="ctr">
+                      <a:solidFill>
+                        <a:scrgbClr r="0" g="0" b="0"/>
+                      </a:solidFill>
+                      <a:prstDash val="solid"/>
+                      <a:round/>
+                      <a:headEnd type="none" w="med" len="med"/>
+                      <a:tailEnd type="none" w="med" len="med"/>
+                    </a:lnT>
+                    <a:lnB w="12700" cap="flat" cmpd="sng" algn="ctr">
+                      <a:solidFill>
+                        <a:scrgbClr r="0" g="0" b="0"/>
+                      </a:solidFill>
+                      <a:prstDash val="solid"/>
+                      <a:round/>
+                      <a:headEnd type="none" w="med" len="med"/>
+                      <a:tailEnd type="none" w="med" len="med"/>
+                    </a:lnB>
+                    <a:lnTlToBr w="12700" cmpd="sng">
+                      <a:noFill/>
+                      <a:prstDash val="solid"/>
+                    </a:lnTlToBr>
+                    <a:lnBlToTr w="12700" cmpd="sng">
+                      <a:noFill/>
+                      <a:prstDash val="solid"/>
+                    </a:lnBlToTr>
+                    <a:solidFill>
+                      <a:schemeClr val="bg1"/>
+                    </a:solidFill>
+                  </a:tcPr>
+                </a:tc>
+                <a:tc>
+                  <a:txBody>
+                    <a:bodyPr/>
+                    <a:lstStyle/>
+                    <a:p>
+                      <a:pPr marL="0" marR="0" lvl="0" indent="0" algn="ctr" defTabSz="457200" rtl="0" eaLnBrk="1" fontAlgn="auto" latinLnBrk="0" hangingPunct="1">
+                        <a:lnSpc>
+                          <a:spcPct val="100000"/>
+                        </a:lnSpc>
+                        <a:spcBef>
+                          <a:spcPts val="0"/>
+                        </a:spcBef>
+                        <a:spcAft>
+                          <a:spcPts val="0"/>
+                        </a:spcAft>
+                        <a:buClrTx/>
+                        <a:buSzTx/>
+                        <a:buFontTx/>
+                        <a:buNone/>
+                        <a:tabLst/>
+                        <a:defRPr/>
+                      </a:pPr>
+                      <a:r>
+                        <a:rPr kumimoji="0" lang="en-US" sz="1200" b="0" i="0" u="none" strike="noStrike" kern="1200" cap="none" spc="0" normalizeH="0" baseline="0" noProof="0" dirty="0" smtClean="0">
+                          <a:ln>
+                            <a:noFill/>
+                          </a:ln>
+                          <a:solidFill>
+                            <a:prstClr val="black"/>
+                          </a:solidFill>
+                          <a:effectLst/>
+                          <a:uLnTx/>
+                          <a:uFillTx/>
+                          <a:latin typeface="Zapf Dingbats"/>
+                          <a:ea typeface="Zapf Dingbats"/>
+                          <a:cs typeface="Zapf Dingbats"/>
+                          <a:sym typeface="Zapf Dingbats"/>
+                        </a:rPr>
+                        <a:t>✖</a:t>
+                      </a:r>
+                      <a:endParaRPr kumimoji="0" lang="en-US" sz="1200" b="0" i="0" u="none" strike="noStrike" kern="1200" cap="none" spc="0" normalizeH="0" baseline="0" noProof="0" dirty="0">
+                        <a:ln>
+                          <a:noFill/>
+                        </a:ln>
+                        <a:solidFill>
+                          <a:prstClr val="black"/>
+                        </a:solidFill>
+                        <a:effectLst/>
+                        <a:uLnTx/>
+                        <a:uFillTx/>
+                        <a:latin typeface="+mn-lt"/>
+                        <a:ea typeface="+mn-ea"/>
+                        <a:cs typeface="+mn-cs"/>
+                      </a:endParaRPr>
+                    </a:p>
+                  </a:txBody>
+                  <a:tcPr marL="36000" marR="36000" marT="0" marB="0" anchor="ctr">
+                    <a:lnL w="12700" cap="flat" cmpd="sng" algn="ctr">
+                      <a:solidFill>
+                        <a:scrgbClr r="0" g="0" b="0"/>
+                      </a:solidFill>
+                      <a:prstDash val="solid"/>
+                      <a:round/>
+                      <a:headEnd type="none" w="med" len="med"/>
+                      <a:tailEnd type="none" w="med" len="med"/>
+                    </a:lnL>
+                    <a:lnR w="12700" cap="flat" cmpd="sng" algn="ctr">
+                      <a:solidFill>
+                        <a:scrgbClr r="0" g="0" b="0"/>
+                      </a:solidFill>
+                      <a:prstDash val="solid"/>
+                      <a:round/>
+                      <a:headEnd type="none" w="med" len="med"/>
+                      <a:tailEnd type="none" w="med" len="med"/>
+                    </a:lnR>
+                    <a:lnT w="12700" cap="flat" cmpd="sng" algn="ctr">
+                      <a:solidFill>
+                        <a:scrgbClr r="0" g="0" b="0"/>
+                      </a:solidFill>
+                      <a:prstDash val="solid"/>
+                      <a:round/>
+                      <a:headEnd type="none" w="med" len="med"/>
+                      <a:tailEnd type="none" w="med" len="med"/>
+                    </a:lnT>
+                    <a:lnB w="12700" cap="flat" cmpd="sng" algn="ctr">
+                      <a:solidFill>
+                        <a:scrgbClr r="0" g="0" b="0"/>
+                      </a:solidFill>
+                      <a:prstDash val="solid"/>
+                      <a:round/>
+                      <a:headEnd type="none" w="med" len="med"/>
+                      <a:tailEnd type="none" w="med" len="med"/>
+                    </a:lnB>
+                    <a:lnTlToBr w="12700" cmpd="sng">
+                      <a:noFill/>
+                      <a:prstDash val="solid"/>
+                    </a:lnTlToBr>
+                    <a:lnBlToTr w="12700" cmpd="sng">
+                      <a:noFill/>
+                      <a:prstDash val="solid"/>
+                    </a:lnBlToTr>
+                    <a:solidFill>
+                      <a:schemeClr val="bg1">
+                        <a:lumMod val="85000"/>
+                      </a:schemeClr>
+                    </a:solidFill>
+                  </a:tcPr>
+                </a:tc>
+                <a:tc>
+                  <a:txBody>
+                    <a:bodyPr/>
+                    <a:lstStyle/>
+                    <a:p>
+                      <a:pPr marL="0" marR="0" lvl="0" indent="0" algn="ctr" defTabSz="457200" rtl="0" eaLnBrk="1" fontAlgn="auto" latinLnBrk="0" hangingPunct="1">
+                        <a:lnSpc>
+                          <a:spcPct val="100000"/>
+                        </a:lnSpc>
+                        <a:spcBef>
+                          <a:spcPts val="0"/>
+                        </a:spcBef>
+                        <a:spcAft>
+                          <a:spcPts val="0"/>
+                        </a:spcAft>
+                        <a:buClrTx/>
+                        <a:buSzTx/>
+                        <a:buFontTx/>
+                        <a:buNone/>
+                        <a:tabLst/>
+                        <a:defRPr/>
+                      </a:pPr>
+                      <a:r>
+                        <a:rPr kumimoji="0" lang="en-US" sz="1200" b="0" i="0" u="none" strike="noStrike" kern="1200" cap="none" spc="0" normalizeH="0" baseline="0" noProof="0" dirty="0" smtClean="0">
+                          <a:ln>
+                            <a:noFill/>
+                          </a:ln>
+                          <a:solidFill>
+                            <a:srgbClr val="7F7F7F"/>
+                          </a:solidFill>
+                          <a:effectLst/>
+                          <a:uLnTx/>
+                          <a:uFillTx/>
+                          <a:latin typeface="Zapf Dingbats"/>
+                          <a:ea typeface="Zapf Dingbats"/>
+                          <a:cs typeface="Zapf Dingbats"/>
+                          <a:sym typeface="Zapf Dingbats"/>
+                        </a:rPr>
+                        <a:t>✖</a:t>
+                      </a:r>
+                      <a:endParaRPr kumimoji="0" lang="en-US" sz="1200" b="0" i="0" u="none" strike="noStrike" kern="1200" cap="none" spc="0" normalizeH="0" baseline="0" noProof="0" dirty="0">
+                        <a:ln>
+                          <a:noFill/>
+                        </a:ln>
+                        <a:solidFill>
+                          <a:srgbClr val="7F7F7F"/>
+                        </a:solidFill>
+                        <a:effectLst/>
+                        <a:uLnTx/>
+                        <a:uFillTx/>
+                        <a:latin typeface="+mn-lt"/>
+                        <a:ea typeface="+mn-ea"/>
+                        <a:cs typeface="+mn-cs"/>
+                      </a:endParaRPr>
+                    </a:p>
+                  </a:txBody>
+                  <a:tcPr marL="36000" marR="36000" marT="0" marB="0" anchor="ctr">
+                    <a:lnL w="12700" cap="flat" cmpd="sng" algn="ctr">
+                      <a:solidFill>
+                        <a:scrgbClr r="0" g="0" b="0"/>
+                      </a:solidFill>
+                      <a:prstDash val="solid"/>
+                      <a:round/>
+                      <a:headEnd type="none" w="med" len="med"/>
+                      <a:tailEnd type="none" w="med" len="med"/>
+                    </a:lnL>
+                    <a:lnR w="12700" cap="flat" cmpd="sng" algn="ctr">
+                      <a:solidFill>
+                        <a:scrgbClr r="0" g="0" b="0"/>
+                      </a:solidFill>
+                      <a:prstDash val="solid"/>
+                      <a:round/>
+                      <a:headEnd type="none" w="med" len="med"/>
+                      <a:tailEnd type="none" w="med" len="med"/>
+                    </a:lnR>
+                    <a:lnT w="12700" cap="flat" cmpd="sng" algn="ctr">
+                      <a:solidFill>
+                        <a:scrgbClr r="0" g="0" b="0"/>
+                      </a:solidFill>
+                      <a:prstDash val="solid"/>
+                      <a:round/>
+                      <a:headEnd type="none" w="med" len="med"/>
+                      <a:tailEnd type="none" w="med" len="med"/>
+                    </a:lnT>
+                    <a:lnB w="12700" cap="flat" cmpd="sng" algn="ctr">
+                      <a:solidFill>
+                        <a:scrgbClr r="0" g="0" b="0"/>
+                      </a:solidFill>
+                      <a:prstDash val="solid"/>
+                      <a:round/>
+                      <a:headEnd type="none" w="med" len="med"/>
+                      <a:tailEnd type="none" w="med" len="med"/>
+                    </a:lnB>
+                    <a:lnTlToBr w="12700" cmpd="sng">
+                      <a:noFill/>
+                      <a:prstDash val="solid"/>
+                    </a:lnTlToBr>
+                    <a:lnBlToTr w="12700" cmpd="sng">
+                      <a:noFill/>
+                      <a:prstDash val="solid"/>
+                    </a:lnBlToTr>
+                    <a:solidFill>
+                      <a:schemeClr val="bg1">
+                        <a:lumMod val="85000"/>
+                      </a:schemeClr>
+                    </a:solidFill>
+                  </a:tcPr>
+                </a:tc>
+                <a:tc>
+                  <a:txBody>
+                    <a:bodyPr/>
+                    <a:lstStyle/>
+                    <a:p>
+                      <a:pPr marL="0" marR="0" lvl="0" indent="0" algn="ctr" defTabSz="457200" rtl="0" eaLnBrk="1" fontAlgn="auto" latinLnBrk="0" hangingPunct="1">
+                        <a:lnSpc>
+                          <a:spcPct val="100000"/>
+                        </a:lnSpc>
+                        <a:spcBef>
+                          <a:spcPts val="0"/>
+                        </a:spcBef>
+                        <a:spcAft>
+                          <a:spcPts val="0"/>
+                        </a:spcAft>
+                        <a:buClrTx/>
+                        <a:buSzTx/>
+                        <a:buFontTx/>
+                        <a:buNone/>
+                        <a:tabLst/>
+                        <a:defRPr/>
+                      </a:pPr>
+                      <a:r>
+                        <a:rPr kumimoji="0" lang="en-US" sz="1200" b="0" i="0" u="none" strike="noStrike" kern="1200" cap="none" spc="0" normalizeH="0" baseline="0" noProof="0" dirty="0" smtClean="0">
+                          <a:ln>
+                            <a:noFill/>
+                          </a:ln>
+                          <a:solidFill>
+                            <a:srgbClr val="7F7F7F"/>
+                          </a:solidFill>
+                          <a:effectLst/>
+                          <a:uLnTx/>
+                          <a:uFillTx/>
+                          <a:latin typeface="Zapf Dingbats"/>
+                          <a:ea typeface="Zapf Dingbats"/>
+                          <a:cs typeface="Zapf Dingbats"/>
+                          <a:sym typeface="Zapf Dingbats"/>
+                        </a:rPr>
+                        <a:t>✖</a:t>
+                      </a:r>
+                      <a:endParaRPr kumimoji="0" lang="en-US" sz="1200" b="0" i="0" u="none" strike="noStrike" kern="1200" cap="none" spc="0" normalizeH="0" baseline="0" noProof="0" dirty="0">
+                        <a:ln>
+                          <a:noFill/>
+                        </a:ln>
+                        <a:solidFill>
+                          <a:srgbClr val="7F7F7F"/>
+                        </a:solidFill>
+                        <a:effectLst/>
+                        <a:uLnTx/>
+                        <a:uFillTx/>
+                        <a:latin typeface="+mn-lt"/>
+                        <a:ea typeface="+mn-ea"/>
+                        <a:cs typeface="+mn-cs"/>
+                      </a:endParaRPr>
+                    </a:p>
+                  </a:txBody>
+                  <a:tcPr marL="36000" marR="36000" marT="0" marB="0" anchor="ctr">
+                    <a:lnL w="12700" cap="flat" cmpd="sng" algn="ctr">
+                      <a:solidFill>
+                        <a:scrgbClr r="0" g="0" b="0"/>
+                      </a:solidFill>
+                      <a:prstDash val="solid"/>
+                      <a:round/>
+                      <a:headEnd type="none" w="med" len="med"/>
+                      <a:tailEnd type="none" w="med" len="med"/>
+                    </a:lnL>
+                    <a:lnR w="12700" cap="flat" cmpd="sng" algn="ctr">
+                      <a:solidFill>
+                        <a:scrgbClr r="0" g="0" b="0"/>
+                      </a:solidFill>
+                      <a:prstDash val="solid"/>
+                      <a:round/>
+                      <a:headEnd type="none" w="med" len="med"/>
+                      <a:tailEnd type="none" w="med" len="med"/>
+                    </a:lnR>
+                    <a:lnT w="12700" cap="flat" cmpd="sng" algn="ctr">
+                      <a:solidFill>
+                        <a:scrgbClr r="0" g="0" b="0"/>
+                      </a:solidFill>
+                      <a:prstDash val="solid"/>
+                      <a:round/>
+                      <a:headEnd type="none" w="med" len="med"/>
+                      <a:tailEnd type="none" w="med" len="med"/>
+                    </a:lnT>
+                    <a:lnB w="12700" cap="flat" cmpd="sng" algn="ctr">
+                      <a:solidFill>
+                        <a:scrgbClr r="0" g="0" b="0"/>
+                      </a:solidFill>
+                      <a:prstDash val="solid"/>
+                      <a:round/>
+                      <a:headEnd type="none" w="med" len="med"/>
+                      <a:tailEnd type="none" w="med" len="med"/>
+                    </a:lnB>
+                    <a:lnTlToBr w="12700" cmpd="sng">
+                      <a:noFill/>
+                      <a:prstDash val="solid"/>
+                    </a:lnTlToBr>
+                    <a:lnBlToTr w="12700" cmpd="sng">
+                      <a:noFill/>
+                      <a:prstDash val="solid"/>
+                    </a:lnBlToTr>
+                    <a:solidFill>
+                      <a:schemeClr val="bg1">
+                        <a:lumMod val="85000"/>
+                      </a:schemeClr>
+                    </a:solidFill>
+                  </a:tcPr>
+                </a:tc>
+              </a:tr>
+              <a:tr h="280474">
+                <a:tc>
+                  <a:txBody>
+                    <a:bodyPr/>
+                    <a:lstStyle/>
+                    <a:p>
+                      <a:pPr algn="ctr"/>
+                      <a:r>
+                        <a:rPr lang="en-US" sz="1400" i="1" dirty="0" smtClean="0"/>
+                        <a:t>C</a:t>
+                      </a:r>
+                      <a:r>
+                        <a:rPr lang="en-US" sz="1400" i="1" baseline="-25000" dirty="0" smtClean="0"/>
+                        <a:t>4</a:t>
+                      </a:r>
+                      <a:endParaRPr lang="en-US" sz="1400" i="1" baseline="-25000" dirty="0"/>
+                    </a:p>
+                  </a:txBody>
+                  <a:tcPr marL="36000" marR="36000" marT="0" marB="0" anchor="ctr">
+                    <a:lnL w="12700" cap="flat" cmpd="sng" algn="ctr">
+                      <a:noFill/>
+                      <a:prstDash val="solid"/>
+                      <a:round/>
+                      <a:headEnd type="none" w="med" len="med"/>
+                      <a:tailEnd type="none" w="med" len="med"/>
+                    </a:lnL>
+                    <a:lnR w="12700" cap="flat" cmpd="sng" algn="ctr">
+                      <a:solidFill>
+                        <a:scrgbClr r="0" g="0" b="0"/>
+                      </a:solidFill>
+                      <a:prstDash val="solid"/>
+                      <a:round/>
+                      <a:headEnd type="none" w="med" len="med"/>
+                      <a:tailEnd type="none" w="med" len="med"/>
+                    </a:lnR>
+                    <a:lnT w="12700" cap="flat" cmpd="sng" algn="ctr">
+                      <a:noFill/>
+                      <a:prstDash val="solid"/>
+                      <a:round/>
+                      <a:headEnd type="none" w="med" len="med"/>
+                      <a:tailEnd type="none" w="med" len="med"/>
+                    </a:lnT>
+                    <a:lnB w="12700" cap="flat" cmpd="sng" algn="ctr">
+                      <a:noFill/>
+                      <a:prstDash val="solid"/>
+                      <a:round/>
+                      <a:headEnd type="none" w="med" len="med"/>
+                      <a:tailEnd type="none" w="med" len="med"/>
+                    </a:lnB>
+                    <a:lnTlToBr w="12700" cmpd="sng">
+                      <a:noFill/>
+                      <a:prstDash val="solid"/>
+                    </a:lnTlToBr>
+                    <a:lnBlToTr w="12700" cmpd="sng">
+                      <a:noFill/>
+                      <a:prstDash val="solid"/>
+                    </a:lnBlToTr>
+                  </a:tcPr>
+                </a:tc>
+                <a:tc>
+                  <a:txBody>
+                    <a:bodyPr/>
+                    <a:lstStyle/>
+                    <a:p>
+                      <a:pPr algn="ctr"/>
+                      <a:endParaRPr lang="en-US" sz="1600" dirty="0"/>
+                    </a:p>
+                  </a:txBody>
+                  <a:tcPr marL="36000" marR="36000" marT="0" marB="0" anchor="ctr">
+                    <a:lnL w="12700" cap="flat" cmpd="sng" algn="ctr">
+                      <a:solidFill>
+                        <a:scrgbClr r="0" g="0" b="0"/>
+                      </a:solidFill>
+                      <a:prstDash val="solid"/>
+                      <a:round/>
+                      <a:headEnd type="none" w="med" len="med"/>
+                      <a:tailEnd type="none" w="med" len="med"/>
+                    </a:lnL>
+                    <a:lnR w="12700" cap="flat" cmpd="sng" algn="ctr">
+                      <a:solidFill>
+                        <a:scrgbClr r="0" g="0" b="0"/>
+                      </a:solidFill>
+                      <a:prstDash val="solid"/>
+                      <a:round/>
+                      <a:headEnd type="none" w="med" len="med"/>
+                      <a:tailEnd type="none" w="med" len="med"/>
+                    </a:lnR>
+                    <a:lnT w="12700" cap="flat" cmpd="sng" algn="ctr">
+                      <a:solidFill>
+                        <a:scrgbClr r="0" g="0" b="0"/>
+                      </a:solidFill>
+                      <a:prstDash val="solid"/>
+                      <a:round/>
+                      <a:headEnd type="none" w="med" len="med"/>
+                      <a:tailEnd type="none" w="med" len="med"/>
+                    </a:lnT>
+                    <a:lnB w="12700" cap="flat" cmpd="sng" algn="ctr">
+                      <a:solidFill>
+                        <a:scrgbClr r="0" g="0" b="0"/>
+                      </a:solidFill>
+                      <a:prstDash val="solid"/>
+                      <a:round/>
+                      <a:headEnd type="none" w="med" len="med"/>
+                      <a:tailEnd type="none" w="med" len="med"/>
+                    </a:lnB>
+                    <a:lnTlToBr w="12700" cmpd="sng">
+                      <a:noFill/>
+                      <a:prstDash val="solid"/>
+                    </a:lnTlToBr>
+                    <a:lnBlToTr w="12700" cmpd="sng">
+                      <a:noFill/>
+                      <a:prstDash val="solid"/>
+                    </a:lnBlToTr>
+                    <a:solidFill>
+                      <a:schemeClr val="bg1"/>
+                    </a:solidFill>
+                  </a:tcPr>
+                </a:tc>
+                <a:tc>
+                  <a:txBody>
+                    <a:bodyPr/>
+                    <a:lstStyle/>
+                    <a:p>
+                      <a:pPr algn="ctr"/>
+                      <a:endParaRPr lang="en-US" sz="1600" dirty="0"/>
+                    </a:p>
+                  </a:txBody>
+                  <a:tcPr marL="36000" marR="36000" marT="0" marB="0" anchor="ctr">
+                    <a:lnL w="12700" cap="flat" cmpd="sng" algn="ctr">
+                      <a:solidFill>
+                        <a:scrgbClr r="0" g="0" b="0"/>
+                      </a:solidFill>
+                      <a:prstDash val="solid"/>
+                      <a:round/>
+                      <a:headEnd type="none" w="med" len="med"/>
+                      <a:tailEnd type="none" w="med" len="med"/>
+                    </a:lnL>
+                    <a:lnR w="12700" cap="flat" cmpd="sng" algn="ctr">
+                      <a:solidFill>
+                        <a:scrgbClr r="0" g="0" b="0"/>
+                      </a:solidFill>
+                      <a:prstDash val="solid"/>
+                      <a:round/>
+                      <a:headEnd type="none" w="med" len="med"/>
+                      <a:tailEnd type="none" w="med" len="med"/>
+                    </a:lnR>
+                    <a:lnT w="12700" cap="flat" cmpd="sng" algn="ctr">
+                      <a:solidFill>
+                        <a:scrgbClr r="0" g="0" b="0"/>
+                      </a:solidFill>
+                      <a:prstDash val="solid"/>
+                      <a:round/>
+                      <a:headEnd type="none" w="med" len="med"/>
+                      <a:tailEnd type="none" w="med" len="med"/>
+                    </a:lnT>
+                    <a:lnB w="12700" cap="flat" cmpd="sng" algn="ctr">
+                      <a:solidFill>
+                        <a:scrgbClr r="0" g="0" b="0"/>
+                      </a:solidFill>
+                      <a:prstDash val="solid"/>
+                      <a:round/>
+                      <a:headEnd type="none" w="med" len="med"/>
+                      <a:tailEnd type="none" w="med" len="med"/>
+                    </a:lnB>
+                    <a:lnTlToBr w="12700" cmpd="sng">
+                      <a:noFill/>
+                      <a:prstDash val="solid"/>
+                    </a:lnTlToBr>
+                    <a:lnBlToTr w="12700" cmpd="sng">
+                      <a:noFill/>
+                      <a:prstDash val="solid"/>
+                    </a:lnBlToTr>
+                    <a:solidFill>
+                      <a:schemeClr val="bg1"/>
+                    </a:solidFill>
+                  </a:tcPr>
+                </a:tc>
+                <a:tc>
+                  <a:txBody>
+                    <a:bodyPr/>
+                    <a:lstStyle/>
+                    <a:p>
+                      <a:pPr algn="ctr"/>
+                      <a:endParaRPr lang="en-US" sz="1600" dirty="0"/>
+                    </a:p>
+                  </a:txBody>
+                  <a:tcPr marL="36000" marR="36000" marT="0" marB="0" anchor="ctr">
+                    <a:lnL w="12700" cap="flat" cmpd="sng" algn="ctr">
+                      <a:solidFill>
+                        <a:scrgbClr r="0" g="0" b="0"/>
+                      </a:solidFill>
+                      <a:prstDash val="solid"/>
+                      <a:round/>
+                      <a:headEnd type="none" w="med" len="med"/>
+                      <a:tailEnd type="none" w="med" len="med"/>
+                    </a:lnL>
+                    <a:lnR w="12700" cap="flat" cmpd="sng" algn="ctr">
+                      <a:solidFill>
+                        <a:scrgbClr r="0" g="0" b="0"/>
+                      </a:solidFill>
+                      <a:prstDash val="solid"/>
+                      <a:round/>
+                      <a:headEnd type="none" w="med" len="med"/>
+                      <a:tailEnd type="none" w="med" len="med"/>
+                    </a:lnR>
+                    <a:lnT w="12700" cap="flat" cmpd="sng" algn="ctr">
+                      <a:solidFill>
+                        <a:scrgbClr r="0" g="0" b="0"/>
+                      </a:solidFill>
+                      <a:prstDash val="solid"/>
+                      <a:round/>
+                      <a:headEnd type="none" w="med" len="med"/>
+                      <a:tailEnd type="none" w="med" len="med"/>
+                    </a:lnT>
+                    <a:lnB w="12700" cap="flat" cmpd="sng" algn="ctr">
+                      <a:solidFill>
+                        <a:scrgbClr r="0" g="0" b="0"/>
+                      </a:solidFill>
+                      <a:prstDash val="solid"/>
+                      <a:round/>
+                      <a:headEnd type="none" w="med" len="med"/>
+                      <a:tailEnd type="none" w="med" len="med"/>
+                    </a:lnB>
+                    <a:lnTlToBr w="12700" cmpd="sng">
+                      <a:noFill/>
+                      <a:prstDash val="solid"/>
+                    </a:lnTlToBr>
+                    <a:lnBlToTr w="12700" cmpd="sng">
+                      <a:noFill/>
+                      <a:prstDash val="solid"/>
+                    </a:lnBlToTr>
+                    <a:solidFill>
+                      <a:schemeClr val="bg1"/>
+                    </a:solidFill>
+                  </a:tcPr>
+                </a:tc>
+                <a:tc>
+                  <a:txBody>
+                    <a:bodyPr/>
+                    <a:lstStyle/>
+                    <a:p>
+                      <a:pPr algn="ctr"/>
+                      <a:endParaRPr lang="en-US" sz="1600" dirty="0"/>
+                    </a:p>
+                  </a:txBody>
+                  <a:tcPr marL="36000" marR="36000" marT="0" marB="0" anchor="ctr">
+                    <a:lnL w="12700" cap="flat" cmpd="sng" algn="ctr">
+                      <a:solidFill>
+                        <a:scrgbClr r="0" g="0" b="0"/>
+                      </a:solidFill>
+                      <a:prstDash val="solid"/>
+                      <a:round/>
+                      <a:headEnd type="none" w="med" len="med"/>
+                      <a:tailEnd type="none" w="med" len="med"/>
+                    </a:lnL>
+                    <a:lnR w="12700" cap="flat" cmpd="sng" algn="ctr">
+                      <a:solidFill>
+                        <a:scrgbClr r="0" g="0" b="0"/>
+                      </a:solidFill>
+                      <a:prstDash val="solid"/>
+                      <a:round/>
+                      <a:headEnd type="none" w="med" len="med"/>
+                      <a:tailEnd type="none" w="med" len="med"/>
+                    </a:lnR>
+                    <a:lnT w="12700" cap="flat" cmpd="sng" algn="ctr">
+                      <a:solidFill>
+                        <a:scrgbClr r="0" g="0" b="0"/>
+                      </a:solidFill>
+                      <a:prstDash val="solid"/>
+                      <a:round/>
+                      <a:headEnd type="none" w="med" len="med"/>
+                      <a:tailEnd type="none" w="med" len="med"/>
+                    </a:lnT>
+                    <a:lnB w="12700" cap="flat" cmpd="sng" algn="ctr">
+                      <a:solidFill>
+                        <a:scrgbClr r="0" g="0" b="0"/>
+                      </a:solidFill>
+                      <a:prstDash val="solid"/>
+                      <a:round/>
+                      <a:headEnd type="none" w="med" len="med"/>
+                      <a:tailEnd type="none" w="med" len="med"/>
+                    </a:lnB>
+                    <a:lnTlToBr w="12700" cmpd="sng">
+                      <a:noFill/>
+                      <a:prstDash val="solid"/>
+                    </a:lnTlToBr>
+                    <a:lnBlToTr w="12700" cmpd="sng">
+                      <a:noFill/>
+                      <a:prstDash val="solid"/>
+                    </a:lnBlToTr>
+                    <a:solidFill>
+                      <a:schemeClr val="bg1"/>
+                    </a:solidFill>
+                  </a:tcPr>
+                </a:tc>
+                <a:tc>
+                  <a:txBody>
+                    <a:bodyPr/>
+                    <a:lstStyle/>
+                    <a:p>
+                      <a:pPr algn="ctr"/>
+                      <a:endParaRPr lang="en-US" sz="1600" dirty="0"/>
+                    </a:p>
+                  </a:txBody>
+                  <a:tcPr marL="36000" marR="36000" marT="0" marB="0" anchor="ctr">
+                    <a:lnL w="12700" cap="flat" cmpd="sng" algn="ctr">
+                      <a:solidFill>
+                        <a:scrgbClr r="0" g="0" b="0"/>
+                      </a:solidFill>
+                      <a:prstDash val="solid"/>
+                      <a:round/>
+                      <a:headEnd type="none" w="med" len="med"/>
+                      <a:tailEnd type="none" w="med" len="med"/>
+                    </a:lnL>
+                    <a:lnR w="12700" cap="flat" cmpd="sng" algn="ctr">
+                      <a:solidFill>
+                        <a:scrgbClr r="0" g="0" b="0"/>
+                      </a:solidFill>
+                      <a:prstDash val="solid"/>
+                      <a:round/>
+                      <a:headEnd type="none" w="med" len="med"/>
+                      <a:tailEnd type="none" w="med" len="med"/>
+                    </a:lnR>
+                    <a:lnT w="12700" cap="flat" cmpd="sng" algn="ctr">
+                      <a:solidFill>
+                        <a:scrgbClr r="0" g="0" b="0"/>
+                      </a:solidFill>
+                      <a:prstDash val="solid"/>
+                      <a:round/>
+                      <a:headEnd type="none" w="med" len="med"/>
+                      <a:tailEnd type="none" w="med" len="med"/>
+                    </a:lnT>
+                    <a:lnB w="12700" cap="flat" cmpd="sng" algn="ctr">
+                      <a:solidFill>
+                        <a:scrgbClr r="0" g="0" b="0"/>
+                      </a:solidFill>
+                      <a:prstDash val="solid"/>
+                      <a:round/>
+                      <a:headEnd type="none" w="med" len="med"/>
+                      <a:tailEnd type="none" w="med" len="med"/>
+                    </a:lnB>
+                    <a:lnTlToBr w="12700" cmpd="sng">
+                      <a:noFill/>
+                      <a:prstDash val="solid"/>
+                    </a:lnTlToBr>
+                    <a:lnBlToTr w="12700" cmpd="sng">
+                      <a:noFill/>
+                      <a:prstDash val="solid"/>
+                    </a:lnBlToTr>
+                    <a:solidFill>
+                      <a:schemeClr val="bg1"/>
+                    </a:solidFill>
+                  </a:tcPr>
+                </a:tc>
+              </a:tr>
+              <a:tr h="288266">
+                <a:tc>
+                  <a:txBody>
+                    <a:bodyPr/>
+                    <a:lstStyle/>
+                    <a:p>
+                      <a:pPr algn="ctr"/>
+                      <a:r>
+                        <a:rPr lang="en-US" sz="1400" i="1" dirty="0" smtClean="0"/>
+                        <a:t>C</a:t>
+                      </a:r>
+                      <a:r>
+                        <a:rPr lang="en-US" sz="1400" i="1" baseline="-25000" dirty="0" smtClean="0"/>
+                        <a:t>5</a:t>
+                      </a:r>
+                      <a:endParaRPr lang="en-US" sz="1400" i="1" baseline="-25000" dirty="0"/>
+                    </a:p>
+                  </a:txBody>
+                  <a:tcPr marL="36000" marR="36000" marT="0" marB="0" anchor="ctr">
+                    <a:lnL w="12700" cap="flat" cmpd="sng" algn="ctr">
+                      <a:noFill/>
+                      <a:prstDash val="solid"/>
+                      <a:round/>
+                      <a:headEnd type="none" w="med" len="med"/>
+                      <a:tailEnd type="none" w="med" len="med"/>
+                    </a:lnL>
+                    <a:lnR w="12700" cap="flat" cmpd="sng" algn="ctr">
+                      <a:solidFill>
+                        <a:scrgbClr r="0" g="0" b="0"/>
+                      </a:solidFill>
+                      <a:prstDash val="solid"/>
+                      <a:round/>
+                      <a:headEnd type="none" w="med" len="med"/>
+                      <a:tailEnd type="none" w="med" len="med"/>
+                    </a:lnR>
+                    <a:lnT w="12700" cap="flat" cmpd="sng" algn="ctr">
+                      <a:noFill/>
+                      <a:prstDash val="solid"/>
+                      <a:round/>
+                      <a:headEnd type="none" w="med" len="med"/>
+                      <a:tailEnd type="none" w="med" len="med"/>
+                    </a:lnT>
+                    <a:lnB w="12700" cap="flat" cmpd="sng" algn="ctr">
+                      <a:noFill/>
+                      <a:prstDash val="solid"/>
+                      <a:round/>
+                      <a:headEnd type="none" w="med" len="med"/>
+                      <a:tailEnd type="none" w="med" len="med"/>
+                    </a:lnB>
+                    <a:lnTlToBr w="12700" cmpd="sng">
+                      <a:noFill/>
+                      <a:prstDash val="solid"/>
+                    </a:lnTlToBr>
+                    <a:lnBlToTr w="12700" cmpd="sng">
+                      <a:noFill/>
+                      <a:prstDash val="solid"/>
+                    </a:lnBlToTr>
+                  </a:tcPr>
+                </a:tc>
+                <a:tc>
+                  <a:txBody>
+                    <a:bodyPr/>
+                    <a:lstStyle/>
+                    <a:p>
+                      <a:pPr algn="ctr"/>
+                      <a:endParaRPr lang="en-US" sz="1600" dirty="0"/>
+                    </a:p>
+                  </a:txBody>
+                  <a:tcPr marL="36000" marR="36000" marT="0" marB="0" anchor="ctr">
+                    <a:lnL w="12700" cap="flat" cmpd="sng" algn="ctr">
+                      <a:solidFill>
+                        <a:scrgbClr r="0" g="0" b="0"/>
+                      </a:solidFill>
+                      <a:prstDash val="solid"/>
+                      <a:round/>
+                      <a:headEnd type="none" w="med" len="med"/>
+                      <a:tailEnd type="none" w="med" len="med"/>
+                    </a:lnL>
+                    <a:lnR w="12700" cap="flat" cmpd="sng" algn="ctr">
+                      <a:solidFill>
+                        <a:scrgbClr r="0" g="0" b="0"/>
+                      </a:solidFill>
+                      <a:prstDash val="solid"/>
+                      <a:round/>
+                      <a:headEnd type="none" w="med" len="med"/>
+                      <a:tailEnd type="none" w="med" len="med"/>
+                    </a:lnR>
+                    <a:lnT w="12700" cap="flat" cmpd="sng" algn="ctr">
+                      <a:solidFill>
+                        <a:scrgbClr r="0" g="0" b="0"/>
+                      </a:solidFill>
+                      <a:prstDash val="solid"/>
+                      <a:round/>
+                      <a:headEnd type="none" w="med" len="med"/>
+                      <a:tailEnd type="none" w="med" len="med"/>
+                    </a:lnT>
+                    <a:lnB w="12700" cap="flat" cmpd="sng" algn="ctr">
+                      <a:solidFill>
+                        <a:scrgbClr r="0" g="0" b="0"/>
+                      </a:solidFill>
+                      <a:prstDash val="solid"/>
+                      <a:round/>
+                      <a:headEnd type="none" w="med" len="med"/>
+                      <a:tailEnd type="none" w="med" len="med"/>
+                    </a:lnB>
+                    <a:lnTlToBr w="12700" cmpd="sng">
+                      <a:noFill/>
+                      <a:prstDash val="solid"/>
+                    </a:lnTlToBr>
+                    <a:lnBlToTr w="12700" cmpd="sng">
+                      <a:noFill/>
+                      <a:prstDash val="solid"/>
+                    </a:lnBlToTr>
+                    <a:solidFill>
+                      <a:schemeClr val="bg1"/>
+                    </a:solidFill>
+                  </a:tcPr>
+                </a:tc>
+                <a:tc>
+                  <a:txBody>
+                    <a:bodyPr/>
+                    <a:lstStyle/>
+                    <a:p>
+                      <a:pPr algn="ctr"/>
+                      <a:endParaRPr lang="en-US" sz="1600" dirty="0"/>
+                    </a:p>
+                  </a:txBody>
+                  <a:tcPr marL="36000" marR="36000" marT="0" marB="0" anchor="ctr">
+                    <a:lnL w="12700" cap="flat" cmpd="sng" algn="ctr">
+                      <a:solidFill>
+                        <a:scrgbClr r="0" g="0" b="0"/>
+                      </a:solidFill>
+                      <a:prstDash val="solid"/>
+                      <a:round/>
+                      <a:headEnd type="none" w="med" len="med"/>
+                      <a:tailEnd type="none" w="med" len="med"/>
+                    </a:lnL>
+                    <a:lnR w="12700" cap="flat" cmpd="sng" algn="ctr">
+                      <a:solidFill>
+                        <a:scrgbClr r="0" g="0" b="0"/>
+                      </a:solidFill>
+                      <a:prstDash val="solid"/>
+                      <a:round/>
+                      <a:headEnd type="none" w="med" len="med"/>
+                      <a:tailEnd type="none" w="med" len="med"/>
+                    </a:lnR>
+                    <a:lnT w="12700" cap="flat" cmpd="sng" algn="ctr">
+                      <a:solidFill>
+                        <a:scrgbClr r="0" g="0" b="0"/>
+                      </a:solidFill>
+                      <a:prstDash val="solid"/>
+                      <a:round/>
+                      <a:headEnd type="none" w="med" len="med"/>
+                      <a:tailEnd type="none" w="med" len="med"/>
+                    </a:lnT>
+                    <a:lnB w="12700" cap="flat" cmpd="sng" algn="ctr">
+                      <a:solidFill>
+                        <a:scrgbClr r="0" g="0" b="0"/>
+                      </a:solidFill>
+                      <a:prstDash val="solid"/>
+                      <a:round/>
+                      <a:headEnd type="none" w="med" len="med"/>
+                      <a:tailEnd type="none" w="med" len="med"/>
+                    </a:lnB>
+                    <a:lnTlToBr w="12700" cmpd="sng">
+                      <a:noFill/>
+                      <a:prstDash val="solid"/>
+                    </a:lnTlToBr>
+                    <a:lnBlToTr w="12700" cmpd="sng">
+                      <a:noFill/>
+                      <a:prstDash val="solid"/>
+                    </a:lnBlToTr>
+                    <a:solidFill>
+                      <a:schemeClr val="bg1"/>
+                    </a:solidFill>
+                  </a:tcPr>
+                </a:tc>
+                <a:tc>
+                  <a:txBody>
+                    <a:bodyPr/>
+                    <a:lstStyle/>
+                    <a:p>
+                      <a:endParaRPr lang="en-US" dirty="0"/>
+                    </a:p>
+                  </a:txBody>
+                  <a:tcPr marL="36000" marR="36000" marT="0" marB="0" anchor="ctr">
+                    <a:lnL w="12700" cap="flat" cmpd="sng" algn="ctr">
+                      <a:solidFill>
+                        <a:scrgbClr r="0" g="0" b="0"/>
+                      </a:solidFill>
+                      <a:prstDash val="solid"/>
+                      <a:round/>
+                      <a:headEnd type="none" w="med" len="med"/>
+                      <a:tailEnd type="none" w="med" len="med"/>
+                    </a:lnL>
+                    <a:lnR w="12700" cap="flat" cmpd="sng" algn="ctr">
+                      <a:solidFill>
+                        <a:scrgbClr r="0" g="0" b="0"/>
+                      </a:solidFill>
+                      <a:prstDash val="solid"/>
+                      <a:round/>
+                      <a:headEnd type="none" w="med" len="med"/>
+                      <a:tailEnd type="none" w="med" len="med"/>
+                    </a:lnR>
+                    <a:lnT w="12700" cap="flat" cmpd="sng" algn="ctr">
+                      <a:solidFill>
+                        <a:scrgbClr r="0" g="0" b="0"/>
+                      </a:solidFill>
+                      <a:prstDash val="solid"/>
+                      <a:round/>
+                      <a:headEnd type="none" w="med" len="med"/>
+                      <a:tailEnd type="none" w="med" len="med"/>
+                    </a:lnT>
+                    <a:lnB w="12700" cap="flat" cmpd="sng" algn="ctr">
+                      <a:solidFill>
+                        <a:scrgbClr r="0" g="0" b="0"/>
+                      </a:solidFill>
+                      <a:prstDash val="solid"/>
+                      <a:round/>
+                      <a:headEnd type="none" w="med" len="med"/>
+                      <a:tailEnd type="none" w="med" len="med"/>
+                    </a:lnB>
+                    <a:lnTlToBr w="12700" cmpd="sng">
+                      <a:noFill/>
+                      <a:prstDash val="solid"/>
+                    </a:lnTlToBr>
+                    <a:lnBlToTr w="12700" cmpd="sng">
+                      <a:noFill/>
+                      <a:prstDash val="solid"/>
+                    </a:lnBlToTr>
+                    <a:solidFill>
+                      <a:schemeClr val="bg1"/>
+                    </a:solidFill>
+                  </a:tcPr>
+                </a:tc>
+                <a:tc>
+                  <a:txBody>
+                    <a:bodyPr/>
+                    <a:lstStyle/>
+                    <a:p>
+                      <a:endParaRPr lang="en-US" dirty="0"/>
+                    </a:p>
+                  </a:txBody>
+                  <a:tcPr marL="36000" marR="36000" marT="0" marB="0" anchor="ctr">
+                    <a:lnL w="12700" cap="flat" cmpd="sng" algn="ctr">
+                      <a:solidFill>
+                        <a:scrgbClr r="0" g="0" b="0"/>
+                      </a:solidFill>
+                      <a:prstDash val="solid"/>
+                      <a:round/>
+                      <a:headEnd type="none" w="med" len="med"/>
+                      <a:tailEnd type="none" w="med" len="med"/>
+                    </a:lnL>
+                    <a:lnR w="12700" cap="flat" cmpd="sng" algn="ctr">
+                      <a:solidFill>
+                        <a:scrgbClr r="0" g="0" b="0"/>
+                      </a:solidFill>
+                      <a:prstDash val="solid"/>
+                      <a:round/>
+                      <a:headEnd type="none" w="med" len="med"/>
+                      <a:tailEnd type="none" w="med" len="med"/>
+                    </a:lnR>
+                    <a:lnT w="12700" cap="flat" cmpd="sng" algn="ctr">
+                      <a:solidFill>
+                        <a:scrgbClr r="0" g="0" b="0"/>
+                      </a:solidFill>
+                      <a:prstDash val="solid"/>
+                      <a:round/>
+                      <a:headEnd type="none" w="med" len="med"/>
+                      <a:tailEnd type="none" w="med" len="med"/>
+                    </a:lnT>
+                    <a:lnB w="12700" cap="flat" cmpd="sng" algn="ctr">
+                      <a:solidFill>
+                        <a:scrgbClr r="0" g="0" b="0"/>
+                      </a:solidFill>
+                      <a:prstDash val="solid"/>
+                      <a:round/>
+                      <a:headEnd type="none" w="med" len="med"/>
+                      <a:tailEnd type="none" w="med" len="med"/>
+                    </a:lnB>
+                    <a:lnTlToBr w="12700" cmpd="sng">
+                      <a:noFill/>
+                      <a:prstDash val="solid"/>
+                    </a:lnTlToBr>
+                    <a:lnBlToTr w="12700" cmpd="sng">
+                      <a:noFill/>
+                      <a:prstDash val="solid"/>
+                    </a:lnBlToTr>
+                    <a:solidFill>
+                      <a:schemeClr val="bg1"/>
+                    </a:solidFill>
+                  </a:tcPr>
+                </a:tc>
+                <a:tc>
+                  <a:txBody>
+                    <a:bodyPr/>
+                    <a:lstStyle/>
+                    <a:p>
+                      <a:pPr algn="ctr"/>
+                      <a:endParaRPr lang="en-US" sz="1600" dirty="0"/>
+                    </a:p>
+                  </a:txBody>
+                  <a:tcPr marL="36000" marR="36000" marT="0" marB="0" anchor="ctr">
+                    <a:lnL w="12700" cap="flat" cmpd="sng" algn="ctr">
+                      <a:solidFill>
+                        <a:scrgbClr r="0" g="0" b="0"/>
+                      </a:solidFill>
+                      <a:prstDash val="solid"/>
+                      <a:round/>
+                      <a:headEnd type="none" w="med" len="med"/>
+                      <a:tailEnd type="none" w="med" len="med"/>
+                    </a:lnL>
+                    <a:lnR w="12700" cap="flat" cmpd="sng" algn="ctr">
+                      <a:solidFill>
+                        <a:scrgbClr r="0" g="0" b="0"/>
+                      </a:solidFill>
+                      <a:prstDash val="solid"/>
+                      <a:round/>
+                      <a:headEnd type="none" w="med" len="med"/>
+                      <a:tailEnd type="none" w="med" len="med"/>
+                    </a:lnR>
+                    <a:lnT w="12700" cap="flat" cmpd="sng" algn="ctr">
+                      <a:solidFill>
+                        <a:scrgbClr r="0" g="0" b="0"/>
+                      </a:solidFill>
+                      <a:prstDash val="solid"/>
+                      <a:round/>
+                      <a:headEnd type="none" w="med" len="med"/>
+                      <a:tailEnd type="none" w="med" len="med"/>
+                    </a:lnT>
+                    <a:lnB w="12700" cap="flat" cmpd="sng" algn="ctr">
+                      <a:solidFill>
+                        <a:scrgbClr r="0" g="0" b="0"/>
+                      </a:solidFill>
+                      <a:prstDash val="solid"/>
+                      <a:round/>
+                      <a:headEnd type="none" w="med" len="med"/>
+                      <a:tailEnd type="none" w="med" len="med"/>
+                    </a:lnB>
+                    <a:lnTlToBr w="12700" cmpd="sng">
+                      <a:noFill/>
+                      <a:prstDash val="solid"/>
+                    </a:lnTlToBr>
+                    <a:lnBlToTr w="12700" cmpd="sng">
+                      <a:noFill/>
+                      <a:prstDash val="solid"/>
+                    </a:lnBlToTr>
+                    <a:solidFill>
+                      <a:schemeClr val="bg1"/>
+                    </a:solidFill>
+                  </a:tcPr>
+                </a:tc>
+              </a:tr>
+            </a:tbl>
+          </a:graphicData>
+        </a:graphic>
+      </p:graphicFrame>
+    </p:spTree>
+    <p:extLst>
+      <p:ext uri="{BB962C8B-B14F-4D97-AF65-F5344CB8AC3E}">
         <p14:creationId xmlns:p14="http://schemas.microsoft.com/office/powerpoint/2010/main" val="1902471222"/>
       </p:ext>
     </p:extLst>
@@ -5497,7 +10810,7 @@
 </p:sld>
 </file>
 
-<file path=ppt/slides/slide2.xml><?xml version="1.0" encoding="utf-8"?>
+<file path=ppt/slides/slide3.xml><?xml version="1.0" encoding="utf-8"?>
 <p:sld xmlns:a="http://schemas.openxmlformats.org/drawingml/2006/main" xmlns:r="http://schemas.openxmlformats.org/officeDocument/2006/relationships" xmlns:p="http://schemas.openxmlformats.org/presentationml/2006/main">
   <p:cSld>
     <p:spTree>
@@ -5606,7 +10919,7 @@
 </p:sld>
 </file>
 
-<file path=ppt/slides/slide3.xml><?xml version="1.0" encoding="utf-8"?>
+<file path=ppt/slides/slide4.xml><?xml version="1.0" encoding="utf-8"?>
 <p:sld xmlns:a="http://schemas.openxmlformats.org/drawingml/2006/main" xmlns:r="http://schemas.openxmlformats.org/officeDocument/2006/relationships" xmlns:p="http://schemas.openxmlformats.org/presentationml/2006/main">
   <p:cSld>
     <p:spTree>
